--- a/docs/Bates_presentation.pptx
+++ b/docs/Bates_presentation.pptx
@@ -3,20 +3,24 @@
 <p:presentation xmlns:a="http://schemas.openxmlformats.org/drawingml/2006/main" xmlns:p="http://schemas.openxmlformats.org/presentationml/2006/main" xmlns:r="http://schemas.openxmlformats.org/officeDocument/2006/relationships" xmlns:p14="http://schemas.microsoft.com/office/powerpoint/2010/main" xmlns:p15="http://schemas.microsoft.com/office/powerpoint/2012/main" xmlns:mc="http://schemas.openxmlformats.org/markup-compatibility/2006">
   <p:sldMasterIdLst>
     <p:sldMasterId id="2147483648" r:id="rId2"/>
+    <p:sldMasterId id="2147483661" r:id="rId3"/>
   </p:sldMasterIdLst>
   <p:sldIdLst>
-    <p:sldId id="256" r:id="rId3"/>
-    <p:sldId id="257" r:id="rId4"/>
-    <p:sldId id="258" r:id="rId5"/>
-    <p:sldId id="259" r:id="rId6"/>
-    <p:sldId id="260" r:id="rId7"/>
-    <p:sldId id="261" r:id="rId8"/>
-    <p:sldId id="262" r:id="rId9"/>
-    <p:sldId id="263" r:id="rId10"/>
-    <p:sldId id="264" r:id="rId11"/>
-    <p:sldId id="265" r:id="rId12"/>
-    <p:sldId id="266" r:id="rId13"/>
-    <p:sldId id="267" r:id="rId14"/>
+    <p:sldId id="256" r:id="rId4"/>
+    <p:sldId id="257" r:id="rId5"/>
+    <p:sldId id="258" r:id="rId6"/>
+    <p:sldId id="259" r:id="rId7"/>
+    <p:sldId id="260" r:id="rId8"/>
+    <p:sldId id="261" r:id="rId9"/>
+    <p:sldId id="262" r:id="rId10"/>
+    <p:sldId id="263" r:id="rId11"/>
+    <p:sldId id="264" r:id="rId12"/>
+    <p:sldId id="265" r:id="rId13"/>
+    <p:sldId id="266" r:id="rId14"/>
+    <p:sldId id="267" r:id="rId15"/>
+    <p:sldId id="268" r:id="rId16"/>
+    <p:sldId id="269" r:id="rId17"/>
+    <p:sldId id="270" r:id="rId18"/>
   </p:sldIdLst>
   <p:sldSz cx="10080625" cy="7559675"/>
   <p:notesSz cx="7772400" cy="10058400"/>
@@ -64,7 +68,7 @@
       </p:grpSpPr>
       <p:sp>
         <p:nvSpPr>
-          <p:cNvPr id="26" name="PlaceHolder 1"/>
+          <p:cNvPr id="23" name="PlaceHolder 1"/>
           <p:cNvSpPr>
             <a:spLocks noGrp="1"/>
           </p:cNvSpPr>
@@ -75,7 +79,7 @@
         <p:spPr>
           <a:xfrm>
             <a:off x="504000" y="301320"/>
-            <a:ext cx="9071640" cy="1262160"/>
+            <a:ext cx="9071280" cy="1261800"/>
           </a:xfrm>
           <a:prstGeom prst="rect">
             <a:avLst/>
@@ -94,14 +98,14 @@
                   <a:srgbClr val="ffffff"/>
                 </a:solidFill>
               </a:uFill>
-              <a:latin typeface="DejaVu Sans"/>
-            </a:endParaRPr>
-          </a:p>
-        </p:txBody>
-      </p:sp>
-      <p:sp>
-        <p:nvSpPr>
-          <p:cNvPr id="27" name="PlaceHolder 2"/>
+              <a:latin typeface="Arial"/>
+            </a:endParaRPr>
+          </a:p>
+        </p:txBody>
+      </p:sp>
+      <p:sp>
+        <p:nvSpPr>
+          <p:cNvPr id="24" name="PlaceHolder 2"/>
           <p:cNvSpPr>
             <a:spLocks noGrp="1"/>
           </p:cNvSpPr>
@@ -112,16 +116,14 @@
         <p:spPr>
           <a:xfrm>
             <a:off x="504000" y="1769040"/>
-            <a:ext cx="9071640" cy="2091240"/>
-          </a:xfrm>
-          <a:prstGeom prst="rect">
-            <a:avLst/>
-          </a:prstGeom>
-        </p:spPr>
-        <p:txBody>
-          <a:bodyPr lIns="0" rIns="0" tIns="0" bIns="0">
-            <a:normAutofit/>
-          </a:bodyPr>
+            <a:ext cx="9071280" cy="2090880"/>
+          </a:xfrm>
+          <a:prstGeom prst="rect">
+            <a:avLst/>
+          </a:prstGeom>
+        </p:spPr>
+        <p:txBody>
+          <a:bodyPr lIns="0" rIns="0" tIns="0" bIns="0"/>
           <a:p>
             <a:endParaRPr b="0" lang="en-US" sz="3200" spc="-1" strike="noStrike">
               <a:solidFill>
@@ -132,14 +134,14 @@
                   <a:srgbClr val="ffffff"/>
                 </a:solidFill>
               </a:uFill>
-              <a:latin typeface="DejaVu Sans"/>
-            </a:endParaRPr>
-          </a:p>
-        </p:txBody>
-      </p:sp>
-      <p:sp>
-        <p:nvSpPr>
-          <p:cNvPr id="28" name="PlaceHolder 3"/>
+              <a:latin typeface="Arial"/>
+            </a:endParaRPr>
+          </a:p>
+        </p:txBody>
+      </p:sp>
+      <p:sp>
+        <p:nvSpPr>
+          <p:cNvPr id="25" name="PlaceHolder 3"/>
           <p:cNvSpPr>
             <a:spLocks noGrp="1"/>
           </p:cNvSpPr>
@@ -149,17 +151,15 @@
         </p:nvSpPr>
         <p:spPr>
           <a:xfrm>
-            <a:off x="504000" y="4059360"/>
-            <a:ext cx="9071640" cy="2091240"/>
-          </a:xfrm>
-          <a:prstGeom prst="rect">
-            <a:avLst/>
-          </a:prstGeom>
-        </p:spPr>
-        <p:txBody>
-          <a:bodyPr lIns="0" rIns="0" tIns="0" bIns="0">
-            <a:normAutofit/>
-          </a:bodyPr>
+            <a:off x="504000" y="4059000"/>
+            <a:ext cx="9071280" cy="2090880"/>
+          </a:xfrm>
+          <a:prstGeom prst="rect">
+            <a:avLst/>
+          </a:prstGeom>
+        </p:spPr>
+        <p:txBody>
+          <a:bodyPr lIns="0" rIns="0" tIns="0" bIns="0"/>
           <a:p>
             <a:endParaRPr b="0" lang="en-US" sz="3200" spc="-1" strike="noStrike">
               <a:solidFill>
@@ -170,7 +170,7 @@
                   <a:srgbClr val="ffffff"/>
                 </a:solidFill>
               </a:uFill>
-              <a:latin typeface="DejaVu Sans"/>
+              <a:latin typeface="Arial"/>
             </a:endParaRPr>
           </a:p>
         </p:txBody>
@@ -199,7 +199,7 @@
       </p:grpSpPr>
       <p:sp>
         <p:nvSpPr>
-          <p:cNvPr id="29" name="PlaceHolder 1"/>
+          <p:cNvPr id="26" name="PlaceHolder 1"/>
           <p:cNvSpPr>
             <a:spLocks noGrp="1"/>
           </p:cNvSpPr>
@@ -210,7 +210,7 @@
         <p:spPr>
           <a:xfrm>
             <a:off x="504000" y="301320"/>
-            <a:ext cx="9071640" cy="1262160"/>
+            <a:ext cx="9071280" cy="1261800"/>
           </a:xfrm>
           <a:prstGeom prst="rect">
             <a:avLst/>
@@ -229,14 +229,14 @@
                   <a:srgbClr val="ffffff"/>
                 </a:solidFill>
               </a:uFill>
-              <a:latin typeface="DejaVu Sans"/>
-            </a:endParaRPr>
-          </a:p>
-        </p:txBody>
-      </p:sp>
-      <p:sp>
-        <p:nvSpPr>
-          <p:cNvPr id="30" name="PlaceHolder 2"/>
+              <a:latin typeface="Arial"/>
+            </a:endParaRPr>
+          </a:p>
+        </p:txBody>
+      </p:sp>
+      <p:sp>
+        <p:nvSpPr>
+          <p:cNvPr id="27" name="PlaceHolder 2"/>
           <p:cNvSpPr>
             <a:spLocks noGrp="1"/>
           </p:cNvSpPr>
@@ -247,16 +247,14 @@
         <p:spPr>
           <a:xfrm>
             <a:off x="504000" y="1769040"/>
-            <a:ext cx="4426920" cy="2091240"/>
-          </a:xfrm>
-          <a:prstGeom prst="rect">
-            <a:avLst/>
-          </a:prstGeom>
-        </p:spPr>
-        <p:txBody>
-          <a:bodyPr lIns="0" rIns="0" tIns="0" bIns="0">
-            <a:normAutofit/>
-          </a:bodyPr>
+            <a:ext cx="4426560" cy="2090880"/>
+          </a:xfrm>
+          <a:prstGeom prst="rect">
+            <a:avLst/>
+          </a:prstGeom>
+        </p:spPr>
+        <p:txBody>
+          <a:bodyPr lIns="0" rIns="0" tIns="0" bIns="0"/>
           <a:p>
             <a:endParaRPr b="0" lang="en-US" sz="3200" spc="-1" strike="noStrike">
               <a:solidFill>
@@ -267,14 +265,14 @@
                   <a:srgbClr val="ffffff"/>
                 </a:solidFill>
               </a:uFill>
-              <a:latin typeface="DejaVu Sans"/>
-            </a:endParaRPr>
-          </a:p>
-        </p:txBody>
-      </p:sp>
-      <p:sp>
-        <p:nvSpPr>
-          <p:cNvPr id="31" name="PlaceHolder 3"/>
+              <a:latin typeface="Arial"/>
+            </a:endParaRPr>
+          </a:p>
+        </p:txBody>
+      </p:sp>
+      <p:sp>
+        <p:nvSpPr>
+          <p:cNvPr id="28" name="PlaceHolder 3"/>
           <p:cNvSpPr>
             <a:spLocks noGrp="1"/>
           </p:cNvSpPr>
@@ -284,17 +282,15 @@
         </p:nvSpPr>
         <p:spPr>
           <a:xfrm>
-            <a:off x="5152680" y="1769040"/>
-            <a:ext cx="4426920" cy="2091240"/>
-          </a:xfrm>
-          <a:prstGeom prst="rect">
-            <a:avLst/>
-          </a:prstGeom>
-        </p:spPr>
-        <p:txBody>
-          <a:bodyPr lIns="0" rIns="0" tIns="0" bIns="0">
-            <a:normAutofit/>
-          </a:bodyPr>
+            <a:off x="5152320" y="1769040"/>
+            <a:ext cx="4426560" cy="2090880"/>
+          </a:xfrm>
+          <a:prstGeom prst="rect">
+            <a:avLst/>
+          </a:prstGeom>
+        </p:spPr>
+        <p:txBody>
+          <a:bodyPr lIns="0" rIns="0" tIns="0" bIns="0"/>
           <a:p>
             <a:endParaRPr b="0" lang="en-US" sz="3200" spc="-1" strike="noStrike">
               <a:solidFill>
@@ -305,14 +301,14 @@
                   <a:srgbClr val="ffffff"/>
                 </a:solidFill>
               </a:uFill>
-              <a:latin typeface="DejaVu Sans"/>
-            </a:endParaRPr>
-          </a:p>
-        </p:txBody>
-      </p:sp>
-      <p:sp>
-        <p:nvSpPr>
-          <p:cNvPr id="32" name="PlaceHolder 4"/>
+              <a:latin typeface="Arial"/>
+            </a:endParaRPr>
+          </a:p>
+        </p:txBody>
+      </p:sp>
+      <p:sp>
+        <p:nvSpPr>
+          <p:cNvPr id="29" name="PlaceHolder 4"/>
           <p:cNvSpPr>
             <a:spLocks noGrp="1"/>
           </p:cNvSpPr>
@@ -322,17 +318,15 @@
         </p:nvSpPr>
         <p:spPr>
           <a:xfrm>
-            <a:off x="5152680" y="4059360"/>
-            <a:ext cx="4426920" cy="2091240"/>
-          </a:xfrm>
-          <a:prstGeom prst="rect">
-            <a:avLst/>
-          </a:prstGeom>
-        </p:spPr>
-        <p:txBody>
-          <a:bodyPr lIns="0" rIns="0" tIns="0" bIns="0">
-            <a:normAutofit/>
-          </a:bodyPr>
+            <a:off x="5152320" y="4059000"/>
+            <a:ext cx="4426560" cy="2090880"/>
+          </a:xfrm>
+          <a:prstGeom prst="rect">
+            <a:avLst/>
+          </a:prstGeom>
+        </p:spPr>
+        <p:txBody>
+          <a:bodyPr lIns="0" rIns="0" tIns="0" bIns="0"/>
           <a:p>
             <a:endParaRPr b="0" lang="en-US" sz="3200" spc="-1" strike="noStrike">
               <a:solidFill>
@@ -343,14 +337,14 @@
                   <a:srgbClr val="ffffff"/>
                 </a:solidFill>
               </a:uFill>
-              <a:latin typeface="DejaVu Sans"/>
-            </a:endParaRPr>
-          </a:p>
-        </p:txBody>
-      </p:sp>
-      <p:sp>
-        <p:nvSpPr>
-          <p:cNvPr id="33" name="PlaceHolder 5"/>
+              <a:latin typeface="Arial"/>
+            </a:endParaRPr>
+          </a:p>
+        </p:txBody>
+      </p:sp>
+      <p:sp>
+        <p:nvSpPr>
+          <p:cNvPr id="30" name="PlaceHolder 5"/>
           <p:cNvSpPr>
             <a:spLocks noGrp="1"/>
           </p:cNvSpPr>
@@ -360,17 +354,15 @@
         </p:nvSpPr>
         <p:spPr>
           <a:xfrm>
-            <a:off x="504000" y="4059360"/>
-            <a:ext cx="4426920" cy="2091240"/>
-          </a:xfrm>
-          <a:prstGeom prst="rect">
-            <a:avLst/>
-          </a:prstGeom>
-        </p:spPr>
-        <p:txBody>
-          <a:bodyPr lIns="0" rIns="0" tIns="0" bIns="0">
-            <a:normAutofit/>
-          </a:bodyPr>
+            <a:off x="504000" y="4059000"/>
+            <a:ext cx="4426560" cy="2090880"/>
+          </a:xfrm>
+          <a:prstGeom prst="rect">
+            <a:avLst/>
+          </a:prstGeom>
+        </p:spPr>
+        <p:txBody>
+          <a:bodyPr lIns="0" rIns="0" tIns="0" bIns="0"/>
           <a:p>
             <a:endParaRPr b="0" lang="en-US" sz="3200" spc="-1" strike="noStrike">
               <a:solidFill>
@@ -381,7 +373,7 @@
                   <a:srgbClr val="ffffff"/>
                 </a:solidFill>
               </a:uFill>
-              <a:latin typeface="DejaVu Sans"/>
+              <a:latin typeface="Arial"/>
             </a:endParaRPr>
           </a:p>
         </p:txBody>
@@ -410,7 +402,7 @@
       </p:grpSpPr>
       <p:sp>
         <p:nvSpPr>
-          <p:cNvPr id="34" name="PlaceHolder 1"/>
+          <p:cNvPr id="31" name="PlaceHolder 1"/>
           <p:cNvSpPr>
             <a:spLocks noGrp="1"/>
           </p:cNvSpPr>
@@ -421,7 +413,7 @@
         <p:spPr>
           <a:xfrm>
             <a:off x="504000" y="301320"/>
-            <a:ext cx="9071640" cy="1262160"/>
+            <a:ext cx="9071280" cy="1261800"/>
           </a:xfrm>
           <a:prstGeom prst="rect">
             <a:avLst/>
@@ -440,14 +432,14 @@
                   <a:srgbClr val="ffffff"/>
                 </a:solidFill>
               </a:uFill>
-              <a:latin typeface="DejaVu Sans"/>
-            </a:endParaRPr>
-          </a:p>
-        </p:txBody>
-      </p:sp>
-      <p:sp>
-        <p:nvSpPr>
-          <p:cNvPr id="35" name="PlaceHolder 2"/>
+              <a:latin typeface="Arial"/>
+            </a:endParaRPr>
+          </a:p>
+        </p:txBody>
+      </p:sp>
+      <p:sp>
+        <p:nvSpPr>
+          <p:cNvPr id="32" name="PlaceHolder 2"/>
           <p:cNvSpPr>
             <a:spLocks noGrp="1"/>
           </p:cNvSpPr>
@@ -458,16 +450,14 @@
         <p:spPr>
           <a:xfrm>
             <a:off x="504000" y="1769040"/>
-            <a:ext cx="2920680" cy="2091240"/>
-          </a:xfrm>
-          <a:prstGeom prst="rect">
-            <a:avLst/>
-          </a:prstGeom>
-        </p:spPr>
-        <p:txBody>
-          <a:bodyPr lIns="0" rIns="0" tIns="0" bIns="0">
-            <a:normAutofit/>
-          </a:bodyPr>
+            <a:ext cx="9071280" cy="4384080"/>
+          </a:xfrm>
+          <a:prstGeom prst="rect">
+            <a:avLst/>
+          </a:prstGeom>
+        </p:spPr>
+        <p:txBody>
+          <a:bodyPr lIns="0" rIns="0" tIns="0" bIns="0"/>
           <a:p>
             <a:endParaRPr b="0" lang="en-US" sz="3200" spc="-1" strike="noStrike">
               <a:solidFill>
@@ -478,14 +468,14 @@
                   <a:srgbClr val="ffffff"/>
                 </a:solidFill>
               </a:uFill>
-              <a:latin typeface="DejaVu Sans"/>
-            </a:endParaRPr>
-          </a:p>
-        </p:txBody>
-      </p:sp>
-      <p:sp>
-        <p:nvSpPr>
-          <p:cNvPr id="36" name="PlaceHolder 3"/>
+              <a:latin typeface="Arial"/>
+            </a:endParaRPr>
+          </a:p>
+        </p:txBody>
+      </p:sp>
+      <p:sp>
+        <p:nvSpPr>
+          <p:cNvPr id="33" name="PlaceHolder 3"/>
           <p:cNvSpPr>
             <a:spLocks noGrp="1"/>
           </p:cNvSpPr>
@@ -495,17 +485,15 @@
         </p:nvSpPr>
         <p:spPr>
           <a:xfrm>
-            <a:off x="3571200" y="1769040"/>
-            <a:ext cx="2920680" cy="2091240"/>
-          </a:xfrm>
-          <a:prstGeom prst="rect">
-            <a:avLst/>
-          </a:prstGeom>
-        </p:spPr>
-        <p:txBody>
-          <a:bodyPr lIns="0" rIns="0" tIns="0" bIns="0">
-            <a:normAutofit/>
-          </a:bodyPr>
+            <a:off x="504000" y="1769040"/>
+            <a:ext cx="9071280" cy="4384080"/>
+          </a:xfrm>
+          <a:prstGeom prst="rect">
+            <a:avLst/>
+          </a:prstGeom>
+        </p:spPr>
+        <p:txBody>
+          <a:bodyPr lIns="0" rIns="0" tIns="0" bIns="0"/>
           <a:p>
             <a:endParaRPr b="0" lang="en-US" sz="3200" spc="-1" strike="noStrike">
               <a:solidFill>
@@ -516,14 +504,237 @@
                   <a:srgbClr val="ffffff"/>
                 </a:solidFill>
               </a:uFill>
-              <a:latin typeface="DejaVu Sans"/>
-            </a:endParaRPr>
-          </a:p>
-        </p:txBody>
-      </p:sp>
-      <p:sp>
-        <p:nvSpPr>
-          <p:cNvPr id="37" name="PlaceHolder 4"/>
+              <a:latin typeface="Arial"/>
+            </a:endParaRPr>
+          </a:p>
+        </p:txBody>
+      </p:sp>
+      <p:pic>
+        <p:nvPicPr>
+          <p:cNvPr id="34" name="" descr=""/>
+          <p:cNvPicPr/>
+          <p:nvPr/>
+        </p:nvPicPr>
+        <p:blipFill>
+          <a:blip r:embed="rId2"/>
+          <a:stretch/>
+        </p:blipFill>
+        <p:spPr>
+          <a:xfrm>
+            <a:off x="2292120" y="1769040"/>
+            <a:ext cx="5494680" cy="4384080"/>
+          </a:xfrm>
+          <a:prstGeom prst="rect">
+            <a:avLst/>
+          </a:prstGeom>
+          <a:ln>
+            <a:noFill/>
+          </a:ln>
+        </p:spPr>
+      </p:pic>
+      <p:pic>
+        <p:nvPicPr>
+          <p:cNvPr id="35" name="" descr=""/>
+          <p:cNvPicPr/>
+          <p:nvPr/>
+        </p:nvPicPr>
+        <p:blipFill>
+          <a:blip r:embed="rId3"/>
+          <a:stretch/>
+        </p:blipFill>
+        <p:spPr>
+          <a:xfrm>
+            <a:off x="2292120" y="1769040"/>
+            <a:ext cx="5494680" cy="4384080"/>
+          </a:xfrm>
+          <a:prstGeom prst="rect">
+            <a:avLst/>
+          </a:prstGeom>
+          <a:ln>
+            <a:noFill/>
+          </a:ln>
+        </p:spPr>
+      </p:pic>
+    </p:spTree>
+  </p:cSld>
+</p:sldLayout>
+</file>
+
+<file path=ppt/slideLayouts/slideLayout13.xml><?xml version="1.0" encoding="utf-8"?>
+<p:sldLayout xmlns:a="http://schemas.openxmlformats.org/drawingml/2006/main" xmlns:p="http://schemas.openxmlformats.org/presentationml/2006/main" xmlns:r="http://schemas.openxmlformats.org/officeDocument/2006/relationships" xmlns:p14="http://schemas.microsoft.com/office/powerpoint/2010/main" xmlns:p15="http://schemas.microsoft.com/office/powerpoint/2012/main" xmlns:mc="http://schemas.openxmlformats.org/markup-compatibility/2006" type="blank" preserve="1">
+  <p:cSld name="Blank Slide">
+    <p:spTree>
+      <p:nvGrpSpPr>
+        <p:cNvPr id="1" name=""/>
+        <p:cNvGrpSpPr/>
+        <p:nvPr/>
+      </p:nvGrpSpPr>
+      <p:grpSpPr>
+        <a:xfrm>
+          <a:off x="0" y="0"/>
+          <a:ext cx="0" cy="0"/>
+          <a:chOff x="0" y="0"/>
+          <a:chExt cx="0" cy="0"/>
+        </a:xfrm>
+      </p:grpSpPr>
+    </p:spTree>
+  </p:cSld>
+</p:sldLayout>
+</file>
+
+<file path=ppt/slideLayouts/slideLayout14.xml><?xml version="1.0" encoding="utf-8"?>
+<p:sldLayout xmlns:a="http://schemas.openxmlformats.org/drawingml/2006/main" xmlns:p="http://schemas.openxmlformats.org/presentationml/2006/main" xmlns:r="http://schemas.openxmlformats.org/officeDocument/2006/relationships" xmlns:p14="http://schemas.microsoft.com/office/powerpoint/2010/main" xmlns:p15="http://schemas.microsoft.com/office/powerpoint/2012/main" xmlns:mc="http://schemas.openxmlformats.org/markup-compatibility/2006" type="tx" preserve="1">
+  <p:cSld name="Title Slide">
+    <p:spTree>
+      <p:nvGrpSpPr>
+        <p:cNvPr id="1" name=""/>
+        <p:cNvGrpSpPr/>
+        <p:nvPr/>
+      </p:nvGrpSpPr>
+      <p:grpSpPr>
+        <a:xfrm>
+          <a:off x="0" y="0"/>
+          <a:ext cx="0" cy="0"/>
+          <a:chOff x="0" y="0"/>
+          <a:chExt cx="0" cy="0"/>
+        </a:xfrm>
+      </p:grpSpPr>
+      <p:sp>
+        <p:nvSpPr>
+          <p:cNvPr id="38" name="PlaceHolder 1"/>
+          <p:cNvSpPr>
+            <a:spLocks noGrp="1"/>
+          </p:cNvSpPr>
+          <p:nvPr>
+            <p:ph type="title"/>
+          </p:nvPr>
+        </p:nvSpPr>
+        <p:spPr>
+          <a:xfrm>
+            <a:off x="504000" y="301320"/>
+            <a:ext cx="9071280" cy="1261800"/>
+          </a:xfrm>
+          <a:prstGeom prst="rect">
+            <a:avLst/>
+          </a:prstGeom>
+        </p:spPr>
+        <p:txBody>
+          <a:bodyPr lIns="0" rIns="0" tIns="0" bIns="0" anchor="ctr"/>
+          <a:p>
+            <a:pPr algn="ctr"/>
+            <a:endParaRPr b="0" lang="en-US" sz="4400" spc="-1" strike="noStrike">
+              <a:solidFill>
+                <a:srgbClr val="000000"/>
+              </a:solidFill>
+              <a:uFill>
+                <a:solidFill>
+                  <a:srgbClr val="ffffff"/>
+                </a:solidFill>
+              </a:uFill>
+              <a:latin typeface="Arial"/>
+            </a:endParaRPr>
+          </a:p>
+        </p:txBody>
+      </p:sp>
+      <p:sp>
+        <p:nvSpPr>
+          <p:cNvPr id="39" name="PlaceHolder 2"/>
+          <p:cNvSpPr>
+            <a:spLocks noGrp="1"/>
+          </p:cNvSpPr>
+          <p:nvPr>
+            <p:ph type="subTitle"/>
+          </p:nvPr>
+        </p:nvSpPr>
+        <p:spPr>
+          <a:xfrm>
+            <a:off x="504000" y="1769040"/>
+            <a:ext cx="9071280" cy="4384080"/>
+          </a:xfrm>
+          <a:prstGeom prst="rect">
+            <a:avLst/>
+          </a:prstGeom>
+        </p:spPr>
+        <p:txBody>
+          <a:bodyPr lIns="0" rIns="0" tIns="0" bIns="0" anchor="ctr"/>
+          <a:p>
+            <a:pPr algn="ctr"/>
+            <a:endParaRPr b="0" lang="en-US" sz="3200" spc="-1" strike="noStrike">
+              <a:solidFill>
+                <a:srgbClr val="000000"/>
+              </a:solidFill>
+              <a:uFill>
+                <a:solidFill>
+                  <a:srgbClr val="ffffff"/>
+                </a:solidFill>
+              </a:uFill>
+              <a:latin typeface="Arial"/>
+            </a:endParaRPr>
+          </a:p>
+        </p:txBody>
+      </p:sp>
+    </p:spTree>
+  </p:cSld>
+</p:sldLayout>
+</file>
+
+<file path=ppt/slideLayouts/slideLayout15.xml><?xml version="1.0" encoding="utf-8"?>
+<p:sldLayout xmlns:a="http://schemas.openxmlformats.org/drawingml/2006/main" xmlns:p="http://schemas.openxmlformats.org/presentationml/2006/main" xmlns:r="http://schemas.openxmlformats.org/officeDocument/2006/relationships" xmlns:p14="http://schemas.microsoft.com/office/powerpoint/2010/main" xmlns:p15="http://schemas.microsoft.com/office/powerpoint/2012/main" xmlns:mc="http://schemas.openxmlformats.org/markup-compatibility/2006" type="obj" preserve="1">
+  <p:cSld name="Title, Content">
+    <p:spTree>
+      <p:nvGrpSpPr>
+        <p:cNvPr id="1" name=""/>
+        <p:cNvGrpSpPr/>
+        <p:nvPr/>
+      </p:nvGrpSpPr>
+      <p:grpSpPr>
+        <a:xfrm>
+          <a:off x="0" y="0"/>
+          <a:ext cx="0" cy="0"/>
+          <a:chOff x="0" y="0"/>
+          <a:chExt cx="0" cy="0"/>
+        </a:xfrm>
+      </p:grpSpPr>
+      <p:sp>
+        <p:nvSpPr>
+          <p:cNvPr id="40" name="PlaceHolder 1"/>
+          <p:cNvSpPr>
+            <a:spLocks noGrp="1"/>
+          </p:cNvSpPr>
+          <p:nvPr>
+            <p:ph type="title"/>
+          </p:nvPr>
+        </p:nvSpPr>
+        <p:spPr>
+          <a:xfrm>
+            <a:off x="504000" y="301320"/>
+            <a:ext cx="9071280" cy="1261800"/>
+          </a:xfrm>
+          <a:prstGeom prst="rect">
+            <a:avLst/>
+          </a:prstGeom>
+        </p:spPr>
+        <p:txBody>
+          <a:bodyPr lIns="0" rIns="0" tIns="0" bIns="0" anchor="ctr"/>
+          <a:p>
+            <a:pPr algn="ctr"/>
+            <a:endParaRPr b="0" lang="en-US" sz="4400" spc="-1" strike="noStrike">
+              <a:solidFill>
+                <a:srgbClr val="000000"/>
+              </a:solidFill>
+              <a:uFill>
+                <a:solidFill>
+                  <a:srgbClr val="ffffff"/>
+                </a:solidFill>
+              </a:uFill>
+              <a:latin typeface="Arial"/>
+            </a:endParaRPr>
+          </a:p>
+        </p:txBody>
+      </p:sp>
+      <p:sp>
+        <p:nvSpPr>
+          <p:cNvPr id="41" name="PlaceHolder 2"/>
           <p:cNvSpPr>
             <a:spLocks noGrp="1"/>
           </p:cNvSpPr>
@@ -533,17 +744,15 @@
         </p:nvSpPr>
         <p:spPr>
           <a:xfrm>
-            <a:off x="6638040" y="1769040"/>
-            <a:ext cx="2920680" cy="2091240"/>
-          </a:xfrm>
-          <a:prstGeom prst="rect">
-            <a:avLst/>
-          </a:prstGeom>
-        </p:spPr>
-        <p:txBody>
-          <a:bodyPr lIns="0" rIns="0" tIns="0" bIns="0">
-            <a:normAutofit/>
-          </a:bodyPr>
+            <a:off x="504000" y="1769040"/>
+            <a:ext cx="9071280" cy="4384080"/>
+          </a:xfrm>
+          <a:prstGeom prst="rect">
+            <a:avLst/>
+          </a:prstGeom>
+        </p:spPr>
+        <p:txBody>
+          <a:bodyPr lIns="0" rIns="0" tIns="0" bIns="0"/>
           <a:p>
             <a:endParaRPr b="0" lang="en-US" sz="3200" spc="-1" strike="noStrike">
               <a:solidFill>
@@ -554,14 +763,73 @@
                   <a:srgbClr val="ffffff"/>
                 </a:solidFill>
               </a:uFill>
-              <a:latin typeface="DejaVu Sans"/>
-            </a:endParaRPr>
-          </a:p>
-        </p:txBody>
-      </p:sp>
-      <p:sp>
-        <p:nvSpPr>
-          <p:cNvPr id="38" name="PlaceHolder 5"/>
+              <a:latin typeface="Arial"/>
+            </a:endParaRPr>
+          </a:p>
+        </p:txBody>
+      </p:sp>
+    </p:spTree>
+  </p:cSld>
+</p:sldLayout>
+</file>
+
+<file path=ppt/slideLayouts/slideLayout16.xml><?xml version="1.0" encoding="utf-8"?>
+<p:sldLayout xmlns:a="http://schemas.openxmlformats.org/drawingml/2006/main" xmlns:p="http://schemas.openxmlformats.org/presentationml/2006/main" xmlns:r="http://schemas.openxmlformats.org/officeDocument/2006/relationships" xmlns:p14="http://schemas.microsoft.com/office/powerpoint/2010/main" xmlns:p15="http://schemas.microsoft.com/office/powerpoint/2012/main" xmlns:mc="http://schemas.openxmlformats.org/markup-compatibility/2006" type="twoObj" preserve="1">
+  <p:cSld name="Title, 2 Content">
+    <p:spTree>
+      <p:nvGrpSpPr>
+        <p:cNvPr id="1" name=""/>
+        <p:cNvGrpSpPr/>
+        <p:nvPr/>
+      </p:nvGrpSpPr>
+      <p:grpSpPr>
+        <a:xfrm>
+          <a:off x="0" y="0"/>
+          <a:ext cx="0" cy="0"/>
+          <a:chOff x="0" y="0"/>
+          <a:chExt cx="0" cy="0"/>
+        </a:xfrm>
+      </p:grpSpPr>
+      <p:sp>
+        <p:nvSpPr>
+          <p:cNvPr id="42" name="PlaceHolder 1"/>
+          <p:cNvSpPr>
+            <a:spLocks noGrp="1"/>
+          </p:cNvSpPr>
+          <p:nvPr>
+            <p:ph type="title"/>
+          </p:nvPr>
+        </p:nvSpPr>
+        <p:spPr>
+          <a:xfrm>
+            <a:off x="504000" y="301320"/>
+            <a:ext cx="9071280" cy="1261800"/>
+          </a:xfrm>
+          <a:prstGeom prst="rect">
+            <a:avLst/>
+          </a:prstGeom>
+        </p:spPr>
+        <p:txBody>
+          <a:bodyPr lIns="0" rIns="0" tIns="0" bIns="0" anchor="ctr"/>
+          <a:p>
+            <a:pPr algn="ctr"/>
+            <a:endParaRPr b="0" lang="en-US" sz="4400" spc="-1" strike="noStrike">
+              <a:solidFill>
+                <a:srgbClr val="000000"/>
+              </a:solidFill>
+              <a:uFill>
+                <a:solidFill>
+                  <a:srgbClr val="ffffff"/>
+                </a:solidFill>
+              </a:uFill>
+              <a:latin typeface="Arial"/>
+            </a:endParaRPr>
+          </a:p>
+        </p:txBody>
+      </p:sp>
+      <p:sp>
+        <p:nvSpPr>
+          <p:cNvPr id="43" name="PlaceHolder 2"/>
           <p:cNvSpPr>
             <a:spLocks noGrp="1"/>
           </p:cNvSpPr>
@@ -571,17 +839,15 @@
         </p:nvSpPr>
         <p:spPr>
           <a:xfrm>
-            <a:off x="6638040" y="4059360"/>
-            <a:ext cx="2920680" cy="2091240"/>
-          </a:xfrm>
-          <a:prstGeom prst="rect">
-            <a:avLst/>
-          </a:prstGeom>
-        </p:spPr>
-        <p:txBody>
-          <a:bodyPr lIns="0" rIns="0" tIns="0" bIns="0">
-            <a:normAutofit/>
-          </a:bodyPr>
+            <a:off x="504000" y="1769040"/>
+            <a:ext cx="4426560" cy="4384080"/>
+          </a:xfrm>
+          <a:prstGeom prst="rect">
+            <a:avLst/>
+          </a:prstGeom>
+        </p:spPr>
+        <p:txBody>
+          <a:bodyPr lIns="0" rIns="0" tIns="0" bIns="0"/>
           <a:p>
             <a:endParaRPr b="0" lang="en-US" sz="3200" spc="-1" strike="noStrike">
               <a:solidFill>
@@ -592,14 +858,14 @@
                   <a:srgbClr val="ffffff"/>
                 </a:solidFill>
               </a:uFill>
-              <a:latin typeface="DejaVu Sans"/>
-            </a:endParaRPr>
-          </a:p>
-        </p:txBody>
-      </p:sp>
-      <p:sp>
-        <p:nvSpPr>
-          <p:cNvPr id="39" name="PlaceHolder 6"/>
+              <a:latin typeface="Arial"/>
+            </a:endParaRPr>
+          </a:p>
+        </p:txBody>
+      </p:sp>
+      <p:sp>
+        <p:nvSpPr>
+          <p:cNvPr id="44" name="PlaceHolder 3"/>
           <p:cNvSpPr>
             <a:spLocks noGrp="1"/>
           </p:cNvSpPr>
@@ -609,17 +875,15 @@
         </p:nvSpPr>
         <p:spPr>
           <a:xfrm>
-            <a:off x="3571200" y="4059360"/>
-            <a:ext cx="2920680" cy="2091240"/>
-          </a:xfrm>
-          <a:prstGeom prst="rect">
-            <a:avLst/>
-          </a:prstGeom>
-        </p:spPr>
-        <p:txBody>
-          <a:bodyPr lIns="0" rIns="0" tIns="0" bIns="0">
-            <a:normAutofit/>
-          </a:bodyPr>
+            <a:off x="5152320" y="1769040"/>
+            <a:ext cx="4426560" cy="4384080"/>
+          </a:xfrm>
+          <a:prstGeom prst="rect">
+            <a:avLst/>
+          </a:prstGeom>
+        </p:spPr>
+        <p:txBody>
+          <a:bodyPr lIns="0" rIns="0" tIns="0" bIns="0"/>
           <a:p>
             <a:endParaRPr b="0" lang="en-US" sz="3200" spc="-1" strike="noStrike">
               <a:solidFill>
@@ -630,14 +894,191 @@
                   <a:srgbClr val="ffffff"/>
                 </a:solidFill>
               </a:uFill>
-              <a:latin typeface="DejaVu Sans"/>
-            </a:endParaRPr>
-          </a:p>
-        </p:txBody>
-      </p:sp>
-      <p:sp>
-        <p:nvSpPr>
-          <p:cNvPr id="40" name="PlaceHolder 7"/>
+              <a:latin typeface="Arial"/>
+            </a:endParaRPr>
+          </a:p>
+        </p:txBody>
+      </p:sp>
+    </p:spTree>
+  </p:cSld>
+</p:sldLayout>
+</file>
+
+<file path=ppt/slideLayouts/slideLayout17.xml><?xml version="1.0" encoding="utf-8"?>
+<p:sldLayout xmlns:a="http://schemas.openxmlformats.org/drawingml/2006/main" xmlns:p="http://schemas.openxmlformats.org/presentationml/2006/main" xmlns:r="http://schemas.openxmlformats.org/officeDocument/2006/relationships" xmlns:p14="http://schemas.microsoft.com/office/powerpoint/2010/main" xmlns:p15="http://schemas.microsoft.com/office/powerpoint/2012/main" xmlns:mc="http://schemas.openxmlformats.org/markup-compatibility/2006" type="titleOnly" preserve="1">
+  <p:cSld name="Title Only">
+    <p:spTree>
+      <p:nvGrpSpPr>
+        <p:cNvPr id="1" name=""/>
+        <p:cNvGrpSpPr/>
+        <p:nvPr/>
+      </p:nvGrpSpPr>
+      <p:grpSpPr>
+        <a:xfrm>
+          <a:off x="0" y="0"/>
+          <a:ext cx="0" cy="0"/>
+          <a:chOff x="0" y="0"/>
+          <a:chExt cx="0" cy="0"/>
+        </a:xfrm>
+      </p:grpSpPr>
+      <p:sp>
+        <p:nvSpPr>
+          <p:cNvPr id="45" name="PlaceHolder 1"/>
+          <p:cNvSpPr>
+            <a:spLocks noGrp="1"/>
+          </p:cNvSpPr>
+          <p:nvPr>
+            <p:ph type="title"/>
+          </p:nvPr>
+        </p:nvSpPr>
+        <p:spPr>
+          <a:xfrm>
+            <a:off x="504000" y="301320"/>
+            <a:ext cx="9071280" cy="1261800"/>
+          </a:xfrm>
+          <a:prstGeom prst="rect">
+            <a:avLst/>
+          </a:prstGeom>
+        </p:spPr>
+        <p:txBody>
+          <a:bodyPr lIns="0" rIns="0" tIns="0" bIns="0" anchor="ctr"/>
+          <a:p>
+            <a:pPr algn="ctr"/>
+            <a:endParaRPr b="0" lang="en-US" sz="4400" spc="-1" strike="noStrike">
+              <a:solidFill>
+                <a:srgbClr val="000000"/>
+              </a:solidFill>
+              <a:uFill>
+                <a:solidFill>
+                  <a:srgbClr val="ffffff"/>
+                </a:solidFill>
+              </a:uFill>
+              <a:latin typeface="Arial"/>
+            </a:endParaRPr>
+          </a:p>
+        </p:txBody>
+      </p:sp>
+    </p:spTree>
+  </p:cSld>
+</p:sldLayout>
+</file>
+
+<file path=ppt/slideLayouts/slideLayout18.xml><?xml version="1.0" encoding="utf-8"?>
+<p:sldLayout xmlns:a="http://schemas.openxmlformats.org/drawingml/2006/main" xmlns:p="http://schemas.openxmlformats.org/presentationml/2006/main" xmlns:r="http://schemas.openxmlformats.org/officeDocument/2006/relationships" xmlns:p14="http://schemas.microsoft.com/office/powerpoint/2010/main" xmlns:p15="http://schemas.microsoft.com/office/powerpoint/2012/main" xmlns:mc="http://schemas.openxmlformats.org/markup-compatibility/2006" type="objOnly" preserve="1">
+  <p:cSld name="Centered Text">
+    <p:spTree>
+      <p:nvGrpSpPr>
+        <p:cNvPr id="1" name=""/>
+        <p:cNvGrpSpPr/>
+        <p:nvPr/>
+      </p:nvGrpSpPr>
+      <p:grpSpPr>
+        <a:xfrm>
+          <a:off x="0" y="0"/>
+          <a:ext cx="0" cy="0"/>
+          <a:chOff x="0" y="0"/>
+          <a:chExt cx="0" cy="0"/>
+        </a:xfrm>
+      </p:grpSpPr>
+      <p:sp>
+        <p:nvSpPr>
+          <p:cNvPr id="46" name="PlaceHolder 1"/>
+          <p:cNvSpPr>
+            <a:spLocks noGrp="1"/>
+          </p:cNvSpPr>
+          <p:nvPr>
+            <p:ph type="subTitle"/>
+          </p:nvPr>
+        </p:nvSpPr>
+        <p:spPr>
+          <a:xfrm>
+            <a:off x="504000" y="301320"/>
+            <a:ext cx="9071280" cy="5850360"/>
+          </a:xfrm>
+          <a:prstGeom prst="rect">
+            <a:avLst/>
+          </a:prstGeom>
+        </p:spPr>
+        <p:txBody>
+          <a:bodyPr lIns="0" rIns="0" tIns="0" bIns="0" anchor="ctr"/>
+          <a:p>
+            <a:pPr algn="ctr"/>
+            <a:endParaRPr b="0" lang="en-US" sz="3200" spc="-1" strike="noStrike">
+              <a:solidFill>
+                <a:srgbClr val="000000"/>
+              </a:solidFill>
+              <a:uFill>
+                <a:solidFill>
+                  <a:srgbClr val="ffffff"/>
+                </a:solidFill>
+              </a:uFill>
+              <a:latin typeface="Arial"/>
+            </a:endParaRPr>
+          </a:p>
+        </p:txBody>
+      </p:sp>
+    </p:spTree>
+  </p:cSld>
+</p:sldLayout>
+</file>
+
+<file path=ppt/slideLayouts/slideLayout19.xml><?xml version="1.0" encoding="utf-8"?>
+<p:sldLayout xmlns:a="http://schemas.openxmlformats.org/drawingml/2006/main" xmlns:p="http://schemas.openxmlformats.org/presentationml/2006/main" xmlns:r="http://schemas.openxmlformats.org/officeDocument/2006/relationships" xmlns:p14="http://schemas.microsoft.com/office/powerpoint/2010/main" xmlns:p15="http://schemas.microsoft.com/office/powerpoint/2012/main" xmlns:mc="http://schemas.openxmlformats.org/markup-compatibility/2006" type="twoObjAndObj" preserve="1">
+  <p:cSld name="Title, 2 Content and Content">
+    <p:spTree>
+      <p:nvGrpSpPr>
+        <p:cNvPr id="1" name=""/>
+        <p:cNvGrpSpPr/>
+        <p:nvPr/>
+      </p:nvGrpSpPr>
+      <p:grpSpPr>
+        <a:xfrm>
+          <a:off x="0" y="0"/>
+          <a:ext cx="0" cy="0"/>
+          <a:chOff x="0" y="0"/>
+          <a:chExt cx="0" cy="0"/>
+        </a:xfrm>
+      </p:grpSpPr>
+      <p:sp>
+        <p:nvSpPr>
+          <p:cNvPr id="47" name="PlaceHolder 1"/>
+          <p:cNvSpPr>
+            <a:spLocks noGrp="1"/>
+          </p:cNvSpPr>
+          <p:nvPr>
+            <p:ph type="title"/>
+          </p:nvPr>
+        </p:nvSpPr>
+        <p:spPr>
+          <a:xfrm>
+            <a:off x="504000" y="301320"/>
+            <a:ext cx="9071280" cy="1261800"/>
+          </a:xfrm>
+          <a:prstGeom prst="rect">
+            <a:avLst/>
+          </a:prstGeom>
+        </p:spPr>
+        <p:txBody>
+          <a:bodyPr lIns="0" rIns="0" tIns="0" bIns="0" anchor="ctr"/>
+          <a:p>
+            <a:pPr algn="ctr"/>
+            <a:endParaRPr b="0" lang="en-US" sz="4400" spc="-1" strike="noStrike">
+              <a:solidFill>
+                <a:srgbClr val="000000"/>
+              </a:solidFill>
+              <a:uFill>
+                <a:solidFill>
+                  <a:srgbClr val="ffffff"/>
+                </a:solidFill>
+              </a:uFill>
+              <a:latin typeface="Arial"/>
+            </a:endParaRPr>
+          </a:p>
+        </p:txBody>
+      </p:sp>
+      <p:sp>
+        <p:nvSpPr>
+          <p:cNvPr id="48" name="PlaceHolder 2"/>
           <p:cNvSpPr>
             <a:spLocks noGrp="1"/>
           </p:cNvSpPr>
@@ -647,17 +1088,15 @@
         </p:nvSpPr>
         <p:spPr>
           <a:xfrm>
-            <a:off x="504000" y="4059360"/>
-            <a:ext cx="2920680" cy="2091240"/>
-          </a:xfrm>
-          <a:prstGeom prst="rect">
-            <a:avLst/>
-          </a:prstGeom>
-        </p:spPr>
-        <p:txBody>
-          <a:bodyPr lIns="0" rIns="0" tIns="0" bIns="0">
-            <a:normAutofit/>
-          </a:bodyPr>
+            <a:off x="504000" y="1769040"/>
+            <a:ext cx="4426560" cy="2090880"/>
+          </a:xfrm>
+          <a:prstGeom prst="rect">
+            <a:avLst/>
+          </a:prstGeom>
+        </p:spPr>
+        <p:txBody>
+          <a:bodyPr lIns="0" rIns="0" tIns="0" bIns="0"/>
           <a:p>
             <a:endParaRPr b="0" lang="en-US" sz="3200" spc="-1" strike="noStrike">
               <a:solidFill>
@@ -668,7 +1107,79 @@
                   <a:srgbClr val="ffffff"/>
                 </a:solidFill>
               </a:uFill>
-              <a:latin typeface="DejaVu Sans"/>
+              <a:latin typeface="Arial"/>
+            </a:endParaRPr>
+          </a:p>
+        </p:txBody>
+      </p:sp>
+      <p:sp>
+        <p:nvSpPr>
+          <p:cNvPr id="49" name="PlaceHolder 3"/>
+          <p:cNvSpPr>
+            <a:spLocks noGrp="1"/>
+          </p:cNvSpPr>
+          <p:nvPr>
+            <p:ph type="body"/>
+          </p:nvPr>
+        </p:nvSpPr>
+        <p:spPr>
+          <a:xfrm>
+            <a:off x="504000" y="4059000"/>
+            <a:ext cx="4426560" cy="2090880"/>
+          </a:xfrm>
+          <a:prstGeom prst="rect">
+            <a:avLst/>
+          </a:prstGeom>
+        </p:spPr>
+        <p:txBody>
+          <a:bodyPr lIns="0" rIns="0" tIns="0" bIns="0"/>
+          <a:p>
+            <a:endParaRPr b="0" lang="en-US" sz="3200" spc="-1" strike="noStrike">
+              <a:solidFill>
+                <a:srgbClr val="000000"/>
+              </a:solidFill>
+              <a:uFill>
+                <a:solidFill>
+                  <a:srgbClr val="ffffff"/>
+                </a:solidFill>
+              </a:uFill>
+              <a:latin typeface="Arial"/>
+            </a:endParaRPr>
+          </a:p>
+        </p:txBody>
+      </p:sp>
+      <p:sp>
+        <p:nvSpPr>
+          <p:cNvPr id="50" name="PlaceHolder 4"/>
+          <p:cNvSpPr>
+            <a:spLocks noGrp="1"/>
+          </p:cNvSpPr>
+          <p:nvPr>
+            <p:ph type="body"/>
+          </p:nvPr>
+        </p:nvSpPr>
+        <p:spPr>
+          <a:xfrm>
+            <a:off x="5152320" y="1769040"/>
+            <a:ext cx="4426560" cy="4384080"/>
+          </a:xfrm>
+          <a:prstGeom prst="rect">
+            <a:avLst/>
+          </a:prstGeom>
+        </p:spPr>
+        <p:txBody>
+          <a:bodyPr lIns="0" rIns="0" tIns="0" bIns="0"/>
+          <a:p>
+            <a:endParaRPr b="0" lang="en-US" sz="3200" spc="-1" strike="noStrike">
+              <a:solidFill>
+                <a:srgbClr val="000000"/>
+              </a:solidFill>
+              <a:uFill>
+                <a:solidFill>
+                  <a:srgbClr val="ffffff"/>
+                </a:solidFill>
+              </a:uFill>
+              <a:latin typeface="Arial"/>
             </a:endParaRPr>
           </a:p>
         </p:txBody>
@@ -697,7 +1208,7 @@
       </p:grpSpPr>
       <p:sp>
         <p:nvSpPr>
-          <p:cNvPr id="5" name="PlaceHolder 1"/>
+          <p:cNvPr id="2" name="PlaceHolder 1"/>
           <p:cNvSpPr>
             <a:spLocks noGrp="1"/>
           </p:cNvSpPr>
@@ -708,7 +1219,7 @@
         <p:spPr>
           <a:xfrm>
             <a:off x="504000" y="301320"/>
-            <a:ext cx="9071640" cy="1262160"/>
+            <a:ext cx="9071280" cy="1261800"/>
           </a:xfrm>
           <a:prstGeom prst="rect">
             <a:avLst/>
@@ -727,14 +1238,14 @@
                   <a:srgbClr val="ffffff"/>
                 </a:solidFill>
               </a:uFill>
-              <a:latin typeface="DejaVu Sans"/>
-            </a:endParaRPr>
-          </a:p>
-        </p:txBody>
-      </p:sp>
-      <p:sp>
-        <p:nvSpPr>
-          <p:cNvPr id="6" name="PlaceHolder 2"/>
+              <a:latin typeface="Arial"/>
+            </a:endParaRPr>
+          </a:p>
+        </p:txBody>
+      </p:sp>
+      <p:sp>
+        <p:nvSpPr>
+          <p:cNvPr id="3" name="PlaceHolder 2"/>
           <p:cNvSpPr>
             <a:spLocks noGrp="1"/>
           </p:cNvSpPr>
@@ -745,7 +1256,7 @@
         <p:spPr>
           <a:xfrm>
             <a:off x="504000" y="1769040"/>
-            <a:ext cx="9071640" cy="4384440"/>
+            <a:ext cx="9071280" cy="4384080"/>
           </a:xfrm>
           <a:prstGeom prst="rect">
             <a:avLst/>
@@ -764,11 +1275,856 @@
                   <a:srgbClr val="ffffff"/>
                 </a:solidFill>
               </a:uFill>
-              <a:latin typeface="DejaVu Sans"/>
-            </a:endParaRPr>
-          </a:p>
-        </p:txBody>
-      </p:sp>
+              <a:latin typeface="Arial"/>
+            </a:endParaRPr>
+          </a:p>
+        </p:txBody>
+      </p:sp>
+    </p:spTree>
+  </p:cSld>
+</p:sldLayout>
+</file>
+
+<file path=ppt/slideLayouts/slideLayout20.xml><?xml version="1.0" encoding="utf-8"?>
+<p:sldLayout xmlns:a="http://schemas.openxmlformats.org/drawingml/2006/main" xmlns:p="http://schemas.openxmlformats.org/presentationml/2006/main" xmlns:r="http://schemas.openxmlformats.org/officeDocument/2006/relationships" xmlns:p14="http://schemas.microsoft.com/office/powerpoint/2010/main" xmlns:p15="http://schemas.microsoft.com/office/powerpoint/2012/main" xmlns:mc="http://schemas.openxmlformats.org/markup-compatibility/2006" type="objAndTwoObj" preserve="1">
+  <p:cSld name="Title Content and 2 Content">
+    <p:spTree>
+      <p:nvGrpSpPr>
+        <p:cNvPr id="1" name=""/>
+        <p:cNvGrpSpPr/>
+        <p:nvPr/>
+      </p:nvGrpSpPr>
+      <p:grpSpPr>
+        <a:xfrm>
+          <a:off x="0" y="0"/>
+          <a:ext cx="0" cy="0"/>
+          <a:chOff x="0" y="0"/>
+          <a:chExt cx="0" cy="0"/>
+        </a:xfrm>
+      </p:grpSpPr>
+      <p:sp>
+        <p:nvSpPr>
+          <p:cNvPr id="51" name="PlaceHolder 1"/>
+          <p:cNvSpPr>
+            <a:spLocks noGrp="1"/>
+          </p:cNvSpPr>
+          <p:nvPr>
+            <p:ph type="title"/>
+          </p:nvPr>
+        </p:nvSpPr>
+        <p:spPr>
+          <a:xfrm>
+            <a:off x="504000" y="301320"/>
+            <a:ext cx="9071280" cy="1261800"/>
+          </a:xfrm>
+          <a:prstGeom prst="rect">
+            <a:avLst/>
+          </a:prstGeom>
+        </p:spPr>
+        <p:txBody>
+          <a:bodyPr lIns="0" rIns="0" tIns="0" bIns="0" anchor="ctr"/>
+          <a:p>
+            <a:pPr algn="ctr"/>
+            <a:endParaRPr b="0" lang="en-US" sz="4400" spc="-1" strike="noStrike">
+              <a:solidFill>
+                <a:srgbClr val="000000"/>
+              </a:solidFill>
+              <a:uFill>
+                <a:solidFill>
+                  <a:srgbClr val="ffffff"/>
+                </a:solidFill>
+              </a:uFill>
+              <a:latin typeface="Arial"/>
+            </a:endParaRPr>
+          </a:p>
+        </p:txBody>
+      </p:sp>
+      <p:sp>
+        <p:nvSpPr>
+          <p:cNvPr id="52" name="PlaceHolder 2"/>
+          <p:cNvSpPr>
+            <a:spLocks noGrp="1"/>
+          </p:cNvSpPr>
+          <p:nvPr>
+            <p:ph type="body"/>
+          </p:nvPr>
+        </p:nvSpPr>
+        <p:spPr>
+          <a:xfrm>
+            <a:off x="504000" y="1769040"/>
+            <a:ext cx="4426560" cy="4384080"/>
+          </a:xfrm>
+          <a:prstGeom prst="rect">
+            <a:avLst/>
+          </a:prstGeom>
+        </p:spPr>
+        <p:txBody>
+          <a:bodyPr lIns="0" rIns="0" tIns="0" bIns="0"/>
+          <a:p>
+            <a:endParaRPr b="0" lang="en-US" sz="3200" spc="-1" strike="noStrike">
+              <a:solidFill>
+                <a:srgbClr val="000000"/>
+              </a:solidFill>
+              <a:uFill>
+                <a:solidFill>
+                  <a:srgbClr val="ffffff"/>
+                </a:solidFill>
+              </a:uFill>
+              <a:latin typeface="Arial"/>
+            </a:endParaRPr>
+          </a:p>
+        </p:txBody>
+      </p:sp>
+      <p:sp>
+        <p:nvSpPr>
+          <p:cNvPr id="53" name="PlaceHolder 3"/>
+          <p:cNvSpPr>
+            <a:spLocks noGrp="1"/>
+          </p:cNvSpPr>
+          <p:nvPr>
+            <p:ph type="body"/>
+          </p:nvPr>
+        </p:nvSpPr>
+        <p:spPr>
+          <a:xfrm>
+            <a:off x="5152320" y="1769040"/>
+            <a:ext cx="4426560" cy="2090880"/>
+          </a:xfrm>
+          <a:prstGeom prst="rect">
+            <a:avLst/>
+          </a:prstGeom>
+        </p:spPr>
+        <p:txBody>
+          <a:bodyPr lIns="0" rIns="0" tIns="0" bIns="0"/>
+          <a:p>
+            <a:endParaRPr b="0" lang="en-US" sz="3200" spc="-1" strike="noStrike">
+              <a:solidFill>
+                <a:srgbClr val="000000"/>
+              </a:solidFill>
+              <a:uFill>
+                <a:solidFill>
+                  <a:srgbClr val="ffffff"/>
+                </a:solidFill>
+              </a:uFill>
+              <a:latin typeface="Arial"/>
+            </a:endParaRPr>
+          </a:p>
+        </p:txBody>
+      </p:sp>
+      <p:sp>
+        <p:nvSpPr>
+          <p:cNvPr id="54" name="PlaceHolder 4"/>
+          <p:cNvSpPr>
+            <a:spLocks noGrp="1"/>
+          </p:cNvSpPr>
+          <p:nvPr>
+            <p:ph type="body"/>
+          </p:nvPr>
+        </p:nvSpPr>
+        <p:spPr>
+          <a:xfrm>
+            <a:off x="5152320" y="4059000"/>
+            <a:ext cx="4426560" cy="2090880"/>
+          </a:xfrm>
+          <a:prstGeom prst="rect">
+            <a:avLst/>
+          </a:prstGeom>
+        </p:spPr>
+        <p:txBody>
+          <a:bodyPr lIns="0" rIns="0" tIns="0" bIns="0"/>
+          <a:p>
+            <a:endParaRPr b="0" lang="en-US" sz="3200" spc="-1" strike="noStrike">
+              <a:solidFill>
+                <a:srgbClr val="000000"/>
+              </a:solidFill>
+              <a:uFill>
+                <a:solidFill>
+                  <a:srgbClr val="ffffff"/>
+                </a:solidFill>
+              </a:uFill>
+              <a:latin typeface="Arial"/>
+            </a:endParaRPr>
+          </a:p>
+        </p:txBody>
+      </p:sp>
+    </p:spTree>
+  </p:cSld>
+</p:sldLayout>
+</file>
+
+<file path=ppt/slideLayouts/slideLayout21.xml><?xml version="1.0" encoding="utf-8"?>
+<p:sldLayout xmlns:a="http://schemas.openxmlformats.org/drawingml/2006/main" xmlns:p="http://schemas.openxmlformats.org/presentationml/2006/main" xmlns:r="http://schemas.openxmlformats.org/officeDocument/2006/relationships" xmlns:p14="http://schemas.microsoft.com/office/powerpoint/2010/main" xmlns:p15="http://schemas.microsoft.com/office/powerpoint/2012/main" xmlns:mc="http://schemas.openxmlformats.org/markup-compatibility/2006" type="twoObjOverTx" preserve="1">
+  <p:cSld name="Title, 2 Content over Content">
+    <p:spTree>
+      <p:nvGrpSpPr>
+        <p:cNvPr id="1" name=""/>
+        <p:cNvGrpSpPr/>
+        <p:nvPr/>
+      </p:nvGrpSpPr>
+      <p:grpSpPr>
+        <a:xfrm>
+          <a:off x="0" y="0"/>
+          <a:ext cx="0" cy="0"/>
+          <a:chOff x="0" y="0"/>
+          <a:chExt cx="0" cy="0"/>
+        </a:xfrm>
+      </p:grpSpPr>
+      <p:sp>
+        <p:nvSpPr>
+          <p:cNvPr id="55" name="PlaceHolder 1"/>
+          <p:cNvSpPr>
+            <a:spLocks noGrp="1"/>
+          </p:cNvSpPr>
+          <p:nvPr>
+            <p:ph type="title"/>
+          </p:nvPr>
+        </p:nvSpPr>
+        <p:spPr>
+          <a:xfrm>
+            <a:off x="504000" y="301320"/>
+            <a:ext cx="9071280" cy="1261800"/>
+          </a:xfrm>
+          <a:prstGeom prst="rect">
+            <a:avLst/>
+          </a:prstGeom>
+        </p:spPr>
+        <p:txBody>
+          <a:bodyPr lIns="0" rIns="0" tIns="0" bIns="0" anchor="ctr"/>
+          <a:p>
+            <a:pPr algn="ctr"/>
+            <a:endParaRPr b="0" lang="en-US" sz="4400" spc="-1" strike="noStrike">
+              <a:solidFill>
+                <a:srgbClr val="000000"/>
+              </a:solidFill>
+              <a:uFill>
+                <a:solidFill>
+                  <a:srgbClr val="ffffff"/>
+                </a:solidFill>
+              </a:uFill>
+              <a:latin typeface="Arial"/>
+            </a:endParaRPr>
+          </a:p>
+        </p:txBody>
+      </p:sp>
+      <p:sp>
+        <p:nvSpPr>
+          <p:cNvPr id="56" name="PlaceHolder 2"/>
+          <p:cNvSpPr>
+            <a:spLocks noGrp="1"/>
+          </p:cNvSpPr>
+          <p:nvPr>
+            <p:ph type="body"/>
+          </p:nvPr>
+        </p:nvSpPr>
+        <p:spPr>
+          <a:xfrm>
+            <a:off x="504000" y="1769040"/>
+            <a:ext cx="4426560" cy="2090880"/>
+          </a:xfrm>
+          <a:prstGeom prst="rect">
+            <a:avLst/>
+          </a:prstGeom>
+        </p:spPr>
+        <p:txBody>
+          <a:bodyPr lIns="0" rIns="0" tIns="0" bIns="0"/>
+          <a:p>
+            <a:endParaRPr b="0" lang="en-US" sz="3200" spc="-1" strike="noStrike">
+              <a:solidFill>
+                <a:srgbClr val="000000"/>
+              </a:solidFill>
+              <a:uFill>
+                <a:solidFill>
+                  <a:srgbClr val="ffffff"/>
+                </a:solidFill>
+              </a:uFill>
+              <a:latin typeface="Arial"/>
+            </a:endParaRPr>
+          </a:p>
+        </p:txBody>
+      </p:sp>
+      <p:sp>
+        <p:nvSpPr>
+          <p:cNvPr id="57" name="PlaceHolder 3"/>
+          <p:cNvSpPr>
+            <a:spLocks noGrp="1"/>
+          </p:cNvSpPr>
+          <p:nvPr>
+            <p:ph type="body"/>
+          </p:nvPr>
+        </p:nvSpPr>
+        <p:spPr>
+          <a:xfrm>
+            <a:off x="5152320" y="1769040"/>
+            <a:ext cx="4426560" cy="2090880"/>
+          </a:xfrm>
+          <a:prstGeom prst="rect">
+            <a:avLst/>
+          </a:prstGeom>
+        </p:spPr>
+        <p:txBody>
+          <a:bodyPr lIns="0" rIns="0" tIns="0" bIns="0"/>
+          <a:p>
+            <a:endParaRPr b="0" lang="en-US" sz="3200" spc="-1" strike="noStrike">
+              <a:solidFill>
+                <a:srgbClr val="000000"/>
+              </a:solidFill>
+              <a:uFill>
+                <a:solidFill>
+                  <a:srgbClr val="ffffff"/>
+                </a:solidFill>
+              </a:uFill>
+              <a:latin typeface="Arial"/>
+            </a:endParaRPr>
+          </a:p>
+        </p:txBody>
+      </p:sp>
+      <p:sp>
+        <p:nvSpPr>
+          <p:cNvPr id="58" name="PlaceHolder 4"/>
+          <p:cNvSpPr>
+            <a:spLocks noGrp="1"/>
+          </p:cNvSpPr>
+          <p:nvPr>
+            <p:ph type="body"/>
+          </p:nvPr>
+        </p:nvSpPr>
+        <p:spPr>
+          <a:xfrm>
+            <a:off x="504000" y="4059000"/>
+            <a:ext cx="9071280" cy="2090880"/>
+          </a:xfrm>
+          <a:prstGeom prst="rect">
+            <a:avLst/>
+          </a:prstGeom>
+        </p:spPr>
+        <p:txBody>
+          <a:bodyPr lIns="0" rIns="0" tIns="0" bIns="0"/>
+          <a:p>
+            <a:endParaRPr b="0" lang="en-US" sz="3200" spc="-1" strike="noStrike">
+              <a:solidFill>
+                <a:srgbClr val="000000"/>
+              </a:solidFill>
+              <a:uFill>
+                <a:solidFill>
+                  <a:srgbClr val="ffffff"/>
+                </a:solidFill>
+              </a:uFill>
+              <a:latin typeface="Arial"/>
+            </a:endParaRPr>
+          </a:p>
+        </p:txBody>
+      </p:sp>
+    </p:spTree>
+  </p:cSld>
+</p:sldLayout>
+</file>
+
+<file path=ppt/slideLayouts/slideLayout22.xml><?xml version="1.0" encoding="utf-8"?>
+<p:sldLayout xmlns:a="http://schemas.openxmlformats.org/drawingml/2006/main" xmlns:p="http://schemas.openxmlformats.org/presentationml/2006/main" xmlns:r="http://schemas.openxmlformats.org/officeDocument/2006/relationships" xmlns:p14="http://schemas.microsoft.com/office/powerpoint/2010/main" xmlns:p15="http://schemas.microsoft.com/office/powerpoint/2012/main" xmlns:mc="http://schemas.openxmlformats.org/markup-compatibility/2006" type="objOverTx" preserve="1">
+  <p:cSld name="Title, Content over Content">
+    <p:spTree>
+      <p:nvGrpSpPr>
+        <p:cNvPr id="1" name=""/>
+        <p:cNvGrpSpPr/>
+        <p:nvPr/>
+      </p:nvGrpSpPr>
+      <p:grpSpPr>
+        <a:xfrm>
+          <a:off x="0" y="0"/>
+          <a:ext cx="0" cy="0"/>
+          <a:chOff x="0" y="0"/>
+          <a:chExt cx="0" cy="0"/>
+        </a:xfrm>
+      </p:grpSpPr>
+      <p:sp>
+        <p:nvSpPr>
+          <p:cNvPr id="59" name="PlaceHolder 1"/>
+          <p:cNvSpPr>
+            <a:spLocks noGrp="1"/>
+          </p:cNvSpPr>
+          <p:nvPr>
+            <p:ph type="title"/>
+          </p:nvPr>
+        </p:nvSpPr>
+        <p:spPr>
+          <a:xfrm>
+            <a:off x="504000" y="301320"/>
+            <a:ext cx="9071280" cy="1261800"/>
+          </a:xfrm>
+          <a:prstGeom prst="rect">
+            <a:avLst/>
+          </a:prstGeom>
+        </p:spPr>
+        <p:txBody>
+          <a:bodyPr lIns="0" rIns="0" tIns="0" bIns="0" anchor="ctr"/>
+          <a:p>
+            <a:pPr algn="ctr"/>
+            <a:endParaRPr b="0" lang="en-US" sz="4400" spc="-1" strike="noStrike">
+              <a:solidFill>
+                <a:srgbClr val="000000"/>
+              </a:solidFill>
+              <a:uFill>
+                <a:solidFill>
+                  <a:srgbClr val="ffffff"/>
+                </a:solidFill>
+              </a:uFill>
+              <a:latin typeface="Arial"/>
+            </a:endParaRPr>
+          </a:p>
+        </p:txBody>
+      </p:sp>
+      <p:sp>
+        <p:nvSpPr>
+          <p:cNvPr id="60" name="PlaceHolder 2"/>
+          <p:cNvSpPr>
+            <a:spLocks noGrp="1"/>
+          </p:cNvSpPr>
+          <p:nvPr>
+            <p:ph type="body"/>
+          </p:nvPr>
+        </p:nvSpPr>
+        <p:spPr>
+          <a:xfrm>
+            <a:off x="504000" y="1769040"/>
+            <a:ext cx="9071280" cy="2090880"/>
+          </a:xfrm>
+          <a:prstGeom prst="rect">
+            <a:avLst/>
+          </a:prstGeom>
+        </p:spPr>
+        <p:txBody>
+          <a:bodyPr lIns="0" rIns="0" tIns="0" bIns="0"/>
+          <a:p>
+            <a:endParaRPr b="0" lang="en-US" sz="3200" spc="-1" strike="noStrike">
+              <a:solidFill>
+                <a:srgbClr val="000000"/>
+              </a:solidFill>
+              <a:uFill>
+                <a:solidFill>
+                  <a:srgbClr val="ffffff"/>
+                </a:solidFill>
+              </a:uFill>
+              <a:latin typeface="Arial"/>
+            </a:endParaRPr>
+          </a:p>
+        </p:txBody>
+      </p:sp>
+      <p:sp>
+        <p:nvSpPr>
+          <p:cNvPr id="61" name="PlaceHolder 3"/>
+          <p:cNvSpPr>
+            <a:spLocks noGrp="1"/>
+          </p:cNvSpPr>
+          <p:nvPr>
+            <p:ph type="body"/>
+          </p:nvPr>
+        </p:nvSpPr>
+        <p:spPr>
+          <a:xfrm>
+            <a:off x="504000" y="4059000"/>
+            <a:ext cx="9071280" cy="2090880"/>
+          </a:xfrm>
+          <a:prstGeom prst="rect">
+            <a:avLst/>
+          </a:prstGeom>
+        </p:spPr>
+        <p:txBody>
+          <a:bodyPr lIns="0" rIns="0" tIns="0" bIns="0"/>
+          <a:p>
+            <a:endParaRPr b="0" lang="en-US" sz="3200" spc="-1" strike="noStrike">
+              <a:solidFill>
+                <a:srgbClr val="000000"/>
+              </a:solidFill>
+              <a:uFill>
+                <a:solidFill>
+                  <a:srgbClr val="ffffff"/>
+                </a:solidFill>
+              </a:uFill>
+              <a:latin typeface="Arial"/>
+            </a:endParaRPr>
+          </a:p>
+        </p:txBody>
+      </p:sp>
+    </p:spTree>
+  </p:cSld>
+</p:sldLayout>
+</file>
+
+<file path=ppt/slideLayouts/slideLayout23.xml><?xml version="1.0" encoding="utf-8"?>
+<p:sldLayout xmlns:a="http://schemas.openxmlformats.org/drawingml/2006/main" xmlns:p="http://schemas.openxmlformats.org/presentationml/2006/main" xmlns:r="http://schemas.openxmlformats.org/officeDocument/2006/relationships" xmlns:p14="http://schemas.microsoft.com/office/powerpoint/2010/main" xmlns:p15="http://schemas.microsoft.com/office/powerpoint/2012/main" xmlns:mc="http://schemas.openxmlformats.org/markup-compatibility/2006" type="fourObj" preserve="1">
+  <p:cSld name="Title, 4 Content">
+    <p:spTree>
+      <p:nvGrpSpPr>
+        <p:cNvPr id="1" name=""/>
+        <p:cNvGrpSpPr/>
+        <p:nvPr/>
+      </p:nvGrpSpPr>
+      <p:grpSpPr>
+        <a:xfrm>
+          <a:off x="0" y="0"/>
+          <a:ext cx="0" cy="0"/>
+          <a:chOff x="0" y="0"/>
+          <a:chExt cx="0" cy="0"/>
+        </a:xfrm>
+      </p:grpSpPr>
+      <p:sp>
+        <p:nvSpPr>
+          <p:cNvPr id="62" name="PlaceHolder 1"/>
+          <p:cNvSpPr>
+            <a:spLocks noGrp="1"/>
+          </p:cNvSpPr>
+          <p:nvPr>
+            <p:ph type="title"/>
+          </p:nvPr>
+        </p:nvSpPr>
+        <p:spPr>
+          <a:xfrm>
+            <a:off x="504000" y="301320"/>
+            <a:ext cx="9071280" cy="1261800"/>
+          </a:xfrm>
+          <a:prstGeom prst="rect">
+            <a:avLst/>
+          </a:prstGeom>
+        </p:spPr>
+        <p:txBody>
+          <a:bodyPr lIns="0" rIns="0" tIns="0" bIns="0" anchor="ctr"/>
+          <a:p>
+            <a:pPr algn="ctr"/>
+            <a:endParaRPr b="0" lang="en-US" sz="4400" spc="-1" strike="noStrike">
+              <a:solidFill>
+                <a:srgbClr val="000000"/>
+              </a:solidFill>
+              <a:uFill>
+                <a:solidFill>
+                  <a:srgbClr val="ffffff"/>
+                </a:solidFill>
+              </a:uFill>
+              <a:latin typeface="Arial"/>
+            </a:endParaRPr>
+          </a:p>
+        </p:txBody>
+      </p:sp>
+      <p:sp>
+        <p:nvSpPr>
+          <p:cNvPr id="63" name="PlaceHolder 2"/>
+          <p:cNvSpPr>
+            <a:spLocks noGrp="1"/>
+          </p:cNvSpPr>
+          <p:nvPr>
+            <p:ph type="body"/>
+          </p:nvPr>
+        </p:nvSpPr>
+        <p:spPr>
+          <a:xfrm>
+            <a:off x="504000" y="1769040"/>
+            <a:ext cx="4426560" cy="2090880"/>
+          </a:xfrm>
+          <a:prstGeom prst="rect">
+            <a:avLst/>
+          </a:prstGeom>
+        </p:spPr>
+        <p:txBody>
+          <a:bodyPr lIns="0" rIns="0" tIns="0" bIns="0"/>
+          <a:p>
+            <a:endParaRPr b="0" lang="en-US" sz="3200" spc="-1" strike="noStrike">
+              <a:solidFill>
+                <a:srgbClr val="000000"/>
+              </a:solidFill>
+              <a:uFill>
+                <a:solidFill>
+                  <a:srgbClr val="ffffff"/>
+                </a:solidFill>
+              </a:uFill>
+              <a:latin typeface="Arial"/>
+            </a:endParaRPr>
+          </a:p>
+        </p:txBody>
+      </p:sp>
+      <p:sp>
+        <p:nvSpPr>
+          <p:cNvPr id="64" name="PlaceHolder 3"/>
+          <p:cNvSpPr>
+            <a:spLocks noGrp="1"/>
+          </p:cNvSpPr>
+          <p:nvPr>
+            <p:ph type="body"/>
+          </p:nvPr>
+        </p:nvSpPr>
+        <p:spPr>
+          <a:xfrm>
+            <a:off x="5152320" y="1769040"/>
+            <a:ext cx="4426560" cy="2090880"/>
+          </a:xfrm>
+          <a:prstGeom prst="rect">
+            <a:avLst/>
+          </a:prstGeom>
+        </p:spPr>
+        <p:txBody>
+          <a:bodyPr lIns="0" rIns="0" tIns="0" bIns="0"/>
+          <a:p>
+            <a:endParaRPr b="0" lang="en-US" sz="3200" spc="-1" strike="noStrike">
+              <a:solidFill>
+                <a:srgbClr val="000000"/>
+              </a:solidFill>
+              <a:uFill>
+                <a:solidFill>
+                  <a:srgbClr val="ffffff"/>
+                </a:solidFill>
+              </a:uFill>
+              <a:latin typeface="Arial"/>
+            </a:endParaRPr>
+          </a:p>
+        </p:txBody>
+      </p:sp>
+      <p:sp>
+        <p:nvSpPr>
+          <p:cNvPr id="65" name="PlaceHolder 4"/>
+          <p:cNvSpPr>
+            <a:spLocks noGrp="1"/>
+          </p:cNvSpPr>
+          <p:nvPr>
+            <p:ph type="body"/>
+          </p:nvPr>
+        </p:nvSpPr>
+        <p:spPr>
+          <a:xfrm>
+            <a:off x="5152320" y="4059000"/>
+            <a:ext cx="4426560" cy="2090880"/>
+          </a:xfrm>
+          <a:prstGeom prst="rect">
+            <a:avLst/>
+          </a:prstGeom>
+        </p:spPr>
+        <p:txBody>
+          <a:bodyPr lIns="0" rIns="0" tIns="0" bIns="0"/>
+          <a:p>
+            <a:endParaRPr b="0" lang="en-US" sz="3200" spc="-1" strike="noStrike">
+              <a:solidFill>
+                <a:srgbClr val="000000"/>
+              </a:solidFill>
+              <a:uFill>
+                <a:solidFill>
+                  <a:srgbClr val="ffffff"/>
+                </a:solidFill>
+              </a:uFill>
+              <a:latin typeface="Arial"/>
+            </a:endParaRPr>
+          </a:p>
+        </p:txBody>
+      </p:sp>
+      <p:sp>
+        <p:nvSpPr>
+          <p:cNvPr id="66" name="PlaceHolder 5"/>
+          <p:cNvSpPr>
+            <a:spLocks noGrp="1"/>
+          </p:cNvSpPr>
+          <p:nvPr>
+            <p:ph type="body"/>
+          </p:nvPr>
+        </p:nvSpPr>
+        <p:spPr>
+          <a:xfrm>
+            <a:off x="504000" y="4059000"/>
+            <a:ext cx="4426560" cy="2090880"/>
+          </a:xfrm>
+          <a:prstGeom prst="rect">
+            <a:avLst/>
+          </a:prstGeom>
+        </p:spPr>
+        <p:txBody>
+          <a:bodyPr lIns="0" rIns="0" tIns="0" bIns="0"/>
+          <a:p>
+            <a:endParaRPr b="0" lang="en-US" sz="3200" spc="-1" strike="noStrike">
+              <a:solidFill>
+                <a:srgbClr val="000000"/>
+              </a:solidFill>
+              <a:uFill>
+                <a:solidFill>
+                  <a:srgbClr val="ffffff"/>
+                </a:solidFill>
+              </a:uFill>
+              <a:latin typeface="Arial"/>
+            </a:endParaRPr>
+          </a:p>
+        </p:txBody>
+      </p:sp>
+    </p:spTree>
+  </p:cSld>
+</p:sldLayout>
+</file>
+
+<file path=ppt/slideLayouts/slideLayout24.xml><?xml version="1.0" encoding="utf-8"?>
+<p:sldLayout xmlns:a="http://schemas.openxmlformats.org/drawingml/2006/main" xmlns:p="http://schemas.openxmlformats.org/presentationml/2006/main" xmlns:r="http://schemas.openxmlformats.org/officeDocument/2006/relationships" xmlns:p14="http://schemas.microsoft.com/office/powerpoint/2010/main" xmlns:p15="http://schemas.microsoft.com/office/powerpoint/2012/main" xmlns:mc="http://schemas.openxmlformats.org/markup-compatibility/2006" type="blank" preserve="1">
+  <p:cSld name="Title, 6 Content">
+    <p:spTree>
+      <p:nvGrpSpPr>
+        <p:cNvPr id="1" name=""/>
+        <p:cNvGrpSpPr/>
+        <p:nvPr/>
+      </p:nvGrpSpPr>
+      <p:grpSpPr>
+        <a:xfrm>
+          <a:off x="0" y="0"/>
+          <a:ext cx="0" cy="0"/>
+          <a:chOff x="0" y="0"/>
+          <a:chExt cx="0" cy="0"/>
+        </a:xfrm>
+      </p:grpSpPr>
+      <p:sp>
+        <p:nvSpPr>
+          <p:cNvPr id="67" name="PlaceHolder 1"/>
+          <p:cNvSpPr>
+            <a:spLocks noGrp="1"/>
+          </p:cNvSpPr>
+          <p:nvPr>
+            <p:ph type="title"/>
+          </p:nvPr>
+        </p:nvSpPr>
+        <p:spPr>
+          <a:xfrm>
+            <a:off x="504000" y="301320"/>
+            <a:ext cx="9071280" cy="1261800"/>
+          </a:xfrm>
+          <a:prstGeom prst="rect">
+            <a:avLst/>
+          </a:prstGeom>
+        </p:spPr>
+        <p:txBody>
+          <a:bodyPr lIns="0" rIns="0" tIns="0" bIns="0" anchor="ctr"/>
+          <a:p>
+            <a:pPr algn="ctr"/>
+            <a:endParaRPr b="0" lang="en-US" sz="4400" spc="-1" strike="noStrike">
+              <a:solidFill>
+                <a:srgbClr val="000000"/>
+              </a:solidFill>
+              <a:uFill>
+                <a:solidFill>
+                  <a:srgbClr val="ffffff"/>
+                </a:solidFill>
+              </a:uFill>
+              <a:latin typeface="Arial"/>
+            </a:endParaRPr>
+          </a:p>
+        </p:txBody>
+      </p:sp>
+      <p:sp>
+        <p:nvSpPr>
+          <p:cNvPr id="68" name="PlaceHolder 2"/>
+          <p:cNvSpPr>
+            <a:spLocks noGrp="1"/>
+          </p:cNvSpPr>
+          <p:nvPr>
+            <p:ph type="body"/>
+          </p:nvPr>
+        </p:nvSpPr>
+        <p:spPr>
+          <a:xfrm>
+            <a:off x="504000" y="1769040"/>
+            <a:ext cx="9071280" cy="4384080"/>
+          </a:xfrm>
+          <a:prstGeom prst="rect">
+            <a:avLst/>
+          </a:prstGeom>
+        </p:spPr>
+        <p:txBody>
+          <a:bodyPr lIns="0" rIns="0" tIns="0" bIns="0"/>
+          <a:p>
+            <a:endParaRPr b="0" lang="en-US" sz="3200" spc="-1" strike="noStrike">
+              <a:solidFill>
+                <a:srgbClr val="000000"/>
+              </a:solidFill>
+              <a:uFill>
+                <a:solidFill>
+                  <a:srgbClr val="ffffff"/>
+                </a:solidFill>
+              </a:uFill>
+              <a:latin typeface="Arial"/>
+            </a:endParaRPr>
+          </a:p>
+        </p:txBody>
+      </p:sp>
+      <p:sp>
+        <p:nvSpPr>
+          <p:cNvPr id="69" name="PlaceHolder 3"/>
+          <p:cNvSpPr>
+            <a:spLocks noGrp="1"/>
+          </p:cNvSpPr>
+          <p:nvPr>
+            <p:ph type="body"/>
+          </p:nvPr>
+        </p:nvSpPr>
+        <p:spPr>
+          <a:xfrm>
+            <a:off x="504000" y="1769040"/>
+            <a:ext cx="9071280" cy="4384080"/>
+          </a:xfrm>
+          <a:prstGeom prst="rect">
+            <a:avLst/>
+          </a:prstGeom>
+        </p:spPr>
+        <p:txBody>
+          <a:bodyPr lIns="0" rIns="0" tIns="0" bIns="0"/>
+          <a:p>
+            <a:endParaRPr b="0" lang="en-US" sz="3200" spc="-1" strike="noStrike">
+              <a:solidFill>
+                <a:srgbClr val="000000"/>
+              </a:solidFill>
+              <a:uFill>
+                <a:solidFill>
+                  <a:srgbClr val="ffffff"/>
+                </a:solidFill>
+              </a:uFill>
+              <a:latin typeface="Arial"/>
+            </a:endParaRPr>
+          </a:p>
+        </p:txBody>
+      </p:sp>
+      <p:pic>
+        <p:nvPicPr>
+          <p:cNvPr id="70" name="" descr=""/>
+          <p:cNvPicPr/>
+          <p:nvPr/>
+        </p:nvPicPr>
+        <p:blipFill>
+          <a:blip r:embed="rId2"/>
+          <a:stretch/>
+        </p:blipFill>
+        <p:spPr>
+          <a:xfrm>
+            <a:off x="2292120" y="1769040"/>
+            <a:ext cx="5494680" cy="4384080"/>
+          </a:xfrm>
+          <a:prstGeom prst="rect">
+            <a:avLst/>
+          </a:prstGeom>
+          <a:ln>
+            <a:noFill/>
+          </a:ln>
+        </p:spPr>
+      </p:pic>
+      <p:pic>
+        <p:nvPicPr>
+          <p:cNvPr id="71" name="" descr=""/>
+          <p:cNvPicPr/>
+          <p:nvPr/>
+        </p:nvPicPr>
+        <p:blipFill>
+          <a:blip r:embed="rId3"/>
+          <a:stretch/>
+        </p:blipFill>
+        <p:spPr>
+          <a:xfrm>
+            <a:off x="2292120" y="1769040"/>
+            <a:ext cx="5494680" cy="4384080"/>
+          </a:xfrm>
+          <a:prstGeom prst="rect">
+            <a:avLst/>
+          </a:prstGeom>
+          <a:ln>
+            <a:noFill/>
+          </a:ln>
+        </p:spPr>
+      </p:pic>
     </p:spTree>
   </p:cSld>
 </p:sldLayout>
@@ -793,7 +2149,7 @@
       </p:grpSpPr>
       <p:sp>
         <p:nvSpPr>
-          <p:cNvPr id="7" name="PlaceHolder 1"/>
+          <p:cNvPr id="4" name="PlaceHolder 1"/>
           <p:cNvSpPr>
             <a:spLocks noGrp="1"/>
           </p:cNvSpPr>
@@ -804,7 +2160,7 @@
         <p:spPr>
           <a:xfrm>
             <a:off x="504000" y="301320"/>
-            <a:ext cx="9071640" cy="1262160"/>
+            <a:ext cx="9071280" cy="1261800"/>
           </a:xfrm>
           <a:prstGeom prst="rect">
             <a:avLst/>
@@ -823,14 +2179,14 @@
                   <a:srgbClr val="ffffff"/>
                 </a:solidFill>
               </a:uFill>
-              <a:latin typeface="DejaVu Sans"/>
-            </a:endParaRPr>
-          </a:p>
-        </p:txBody>
-      </p:sp>
-      <p:sp>
-        <p:nvSpPr>
-          <p:cNvPr id="8" name="PlaceHolder 2"/>
+              <a:latin typeface="Arial"/>
+            </a:endParaRPr>
+          </a:p>
+        </p:txBody>
+      </p:sp>
+      <p:sp>
+        <p:nvSpPr>
+          <p:cNvPr id="5" name="PlaceHolder 2"/>
           <p:cNvSpPr>
             <a:spLocks noGrp="1"/>
           </p:cNvSpPr>
@@ -841,16 +2197,14 @@
         <p:spPr>
           <a:xfrm>
             <a:off x="504000" y="1769040"/>
-            <a:ext cx="9071640" cy="4384440"/>
-          </a:xfrm>
-          <a:prstGeom prst="rect">
-            <a:avLst/>
-          </a:prstGeom>
-        </p:spPr>
-        <p:txBody>
-          <a:bodyPr lIns="0" rIns="0" tIns="0" bIns="0">
-            <a:normAutofit/>
-          </a:bodyPr>
+            <a:ext cx="9071280" cy="4384080"/>
+          </a:xfrm>
+          <a:prstGeom prst="rect">
+            <a:avLst/>
+          </a:prstGeom>
+        </p:spPr>
+        <p:txBody>
+          <a:bodyPr lIns="0" rIns="0" tIns="0" bIns="0"/>
           <a:p>
             <a:endParaRPr b="0" lang="en-US" sz="3200" spc="-1" strike="noStrike">
               <a:solidFill>
@@ -861,7 +2215,7 @@
                   <a:srgbClr val="ffffff"/>
                 </a:solidFill>
               </a:uFill>
-              <a:latin typeface="DejaVu Sans"/>
+              <a:latin typeface="Arial"/>
             </a:endParaRPr>
           </a:p>
         </p:txBody>
@@ -890,7 +2244,7 @@
       </p:grpSpPr>
       <p:sp>
         <p:nvSpPr>
-          <p:cNvPr id="9" name="PlaceHolder 1"/>
+          <p:cNvPr id="6" name="PlaceHolder 1"/>
           <p:cNvSpPr>
             <a:spLocks noGrp="1"/>
           </p:cNvSpPr>
@@ -901,7 +2255,7 @@
         <p:spPr>
           <a:xfrm>
             <a:off x="504000" y="301320"/>
-            <a:ext cx="9071640" cy="1262160"/>
+            <a:ext cx="9071280" cy="1261800"/>
           </a:xfrm>
           <a:prstGeom prst="rect">
             <a:avLst/>
@@ -920,14 +2274,14 @@
                   <a:srgbClr val="ffffff"/>
                 </a:solidFill>
               </a:uFill>
-              <a:latin typeface="DejaVu Sans"/>
-            </a:endParaRPr>
-          </a:p>
-        </p:txBody>
-      </p:sp>
-      <p:sp>
-        <p:nvSpPr>
-          <p:cNvPr id="10" name="PlaceHolder 2"/>
+              <a:latin typeface="Arial"/>
+            </a:endParaRPr>
+          </a:p>
+        </p:txBody>
+      </p:sp>
+      <p:sp>
+        <p:nvSpPr>
+          <p:cNvPr id="7" name="PlaceHolder 2"/>
           <p:cNvSpPr>
             <a:spLocks noGrp="1"/>
           </p:cNvSpPr>
@@ -938,16 +2292,14 @@
         <p:spPr>
           <a:xfrm>
             <a:off x="504000" y="1769040"/>
-            <a:ext cx="4426920" cy="4384440"/>
-          </a:xfrm>
-          <a:prstGeom prst="rect">
-            <a:avLst/>
-          </a:prstGeom>
-        </p:spPr>
-        <p:txBody>
-          <a:bodyPr lIns="0" rIns="0" tIns="0" bIns="0">
-            <a:normAutofit/>
-          </a:bodyPr>
+            <a:ext cx="4426560" cy="4384080"/>
+          </a:xfrm>
+          <a:prstGeom prst="rect">
+            <a:avLst/>
+          </a:prstGeom>
+        </p:spPr>
+        <p:txBody>
+          <a:bodyPr lIns="0" rIns="0" tIns="0" bIns="0"/>
           <a:p>
             <a:endParaRPr b="0" lang="en-US" sz="3200" spc="-1" strike="noStrike">
               <a:solidFill>
@@ -958,14 +2310,14 @@
                   <a:srgbClr val="ffffff"/>
                 </a:solidFill>
               </a:uFill>
-              <a:latin typeface="DejaVu Sans"/>
-            </a:endParaRPr>
-          </a:p>
-        </p:txBody>
-      </p:sp>
-      <p:sp>
-        <p:nvSpPr>
-          <p:cNvPr id="11" name="PlaceHolder 3"/>
+              <a:latin typeface="Arial"/>
+            </a:endParaRPr>
+          </a:p>
+        </p:txBody>
+      </p:sp>
+      <p:sp>
+        <p:nvSpPr>
+          <p:cNvPr id="8" name="PlaceHolder 3"/>
           <p:cNvSpPr>
             <a:spLocks noGrp="1"/>
           </p:cNvSpPr>
@@ -975,17 +2327,15 @@
         </p:nvSpPr>
         <p:spPr>
           <a:xfrm>
-            <a:off x="5152680" y="1769040"/>
-            <a:ext cx="4426920" cy="4384440"/>
-          </a:xfrm>
-          <a:prstGeom prst="rect">
-            <a:avLst/>
-          </a:prstGeom>
-        </p:spPr>
-        <p:txBody>
-          <a:bodyPr lIns="0" rIns="0" tIns="0" bIns="0">
-            <a:normAutofit/>
-          </a:bodyPr>
+            <a:off x="5152320" y="1769040"/>
+            <a:ext cx="4426560" cy="4384080"/>
+          </a:xfrm>
+          <a:prstGeom prst="rect">
+            <a:avLst/>
+          </a:prstGeom>
+        </p:spPr>
+        <p:txBody>
+          <a:bodyPr lIns="0" rIns="0" tIns="0" bIns="0"/>
           <a:p>
             <a:endParaRPr b="0" lang="en-US" sz="3200" spc="-1" strike="noStrike">
               <a:solidFill>
@@ -996,7 +2346,7 @@
                   <a:srgbClr val="ffffff"/>
                 </a:solidFill>
               </a:uFill>
-              <a:latin typeface="DejaVu Sans"/>
+              <a:latin typeface="Arial"/>
             </a:endParaRPr>
           </a:p>
         </p:txBody>
@@ -1025,7 +2375,7 @@
       </p:grpSpPr>
       <p:sp>
         <p:nvSpPr>
-          <p:cNvPr id="12" name="PlaceHolder 1"/>
+          <p:cNvPr id="9" name="PlaceHolder 1"/>
           <p:cNvSpPr>
             <a:spLocks noGrp="1"/>
           </p:cNvSpPr>
@@ -1036,7 +2386,7 @@
         <p:spPr>
           <a:xfrm>
             <a:off x="504000" y="301320"/>
-            <a:ext cx="9071640" cy="1262160"/>
+            <a:ext cx="9071280" cy="1261800"/>
           </a:xfrm>
           <a:prstGeom prst="rect">
             <a:avLst/>
@@ -1055,7 +2405,7 @@
                   <a:srgbClr val="ffffff"/>
                 </a:solidFill>
               </a:uFill>
-              <a:latin typeface="DejaVu Sans"/>
+              <a:latin typeface="Arial"/>
             </a:endParaRPr>
           </a:p>
         </p:txBody>
@@ -1084,7 +2434,7 @@
       </p:grpSpPr>
       <p:sp>
         <p:nvSpPr>
-          <p:cNvPr id="13" name="PlaceHolder 1"/>
+          <p:cNvPr id="10" name="PlaceHolder 1"/>
           <p:cNvSpPr>
             <a:spLocks noGrp="1"/>
           </p:cNvSpPr>
@@ -1095,7 +2445,7 @@
         <p:spPr>
           <a:xfrm>
             <a:off x="504000" y="301320"/>
-            <a:ext cx="9071640" cy="5851800"/>
+            <a:ext cx="9071280" cy="5850360"/>
           </a:xfrm>
           <a:prstGeom prst="rect">
             <a:avLst/>
@@ -1114,7 +2464,7 @@
                   <a:srgbClr val="ffffff"/>
                 </a:solidFill>
               </a:uFill>
-              <a:latin typeface="DejaVu Sans"/>
+              <a:latin typeface="Arial"/>
             </a:endParaRPr>
           </a:p>
         </p:txBody>
@@ -1143,7 +2493,7 @@
       </p:grpSpPr>
       <p:sp>
         <p:nvSpPr>
-          <p:cNvPr id="14" name="PlaceHolder 1"/>
+          <p:cNvPr id="11" name="PlaceHolder 1"/>
           <p:cNvSpPr>
             <a:spLocks noGrp="1"/>
           </p:cNvSpPr>
@@ -1154,7 +2504,7 @@
         <p:spPr>
           <a:xfrm>
             <a:off x="504000" y="301320"/>
-            <a:ext cx="9071640" cy="1262160"/>
+            <a:ext cx="9071280" cy="1261800"/>
           </a:xfrm>
           <a:prstGeom prst="rect">
             <a:avLst/>
@@ -1173,14 +2523,14 @@
                   <a:srgbClr val="ffffff"/>
                 </a:solidFill>
               </a:uFill>
-              <a:latin typeface="DejaVu Sans"/>
-            </a:endParaRPr>
-          </a:p>
-        </p:txBody>
-      </p:sp>
-      <p:sp>
-        <p:nvSpPr>
-          <p:cNvPr id="15" name="PlaceHolder 2"/>
+              <a:latin typeface="Arial"/>
+            </a:endParaRPr>
+          </a:p>
+        </p:txBody>
+      </p:sp>
+      <p:sp>
+        <p:nvSpPr>
+          <p:cNvPr id="12" name="PlaceHolder 2"/>
           <p:cNvSpPr>
             <a:spLocks noGrp="1"/>
           </p:cNvSpPr>
@@ -1191,16 +2541,14 @@
         <p:spPr>
           <a:xfrm>
             <a:off x="504000" y="1769040"/>
-            <a:ext cx="4426920" cy="2091240"/>
-          </a:xfrm>
-          <a:prstGeom prst="rect">
-            <a:avLst/>
-          </a:prstGeom>
-        </p:spPr>
-        <p:txBody>
-          <a:bodyPr lIns="0" rIns="0" tIns="0" bIns="0">
-            <a:normAutofit/>
-          </a:bodyPr>
+            <a:ext cx="4426560" cy="2090880"/>
+          </a:xfrm>
+          <a:prstGeom prst="rect">
+            <a:avLst/>
+          </a:prstGeom>
+        </p:spPr>
+        <p:txBody>
+          <a:bodyPr lIns="0" rIns="0" tIns="0" bIns="0"/>
           <a:p>
             <a:endParaRPr b="0" lang="en-US" sz="3200" spc="-1" strike="noStrike">
               <a:solidFill>
@@ -1211,14 +2559,14 @@
                   <a:srgbClr val="ffffff"/>
                 </a:solidFill>
               </a:uFill>
-              <a:latin typeface="DejaVu Sans"/>
-            </a:endParaRPr>
-          </a:p>
-        </p:txBody>
-      </p:sp>
-      <p:sp>
-        <p:nvSpPr>
-          <p:cNvPr id="16" name="PlaceHolder 3"/>
+              <a:latin typeface="Arial"/>
+            </a:endParaRPr>
+          </a:p>
+        </p:txBody>
+      </p:sp>
+      <p:sp>
+        <p:nvSpPr>
+          <p:cNvPr id="13" name="PlaceHolder 3"/>
           <p:cNvSpPr>
             <a:spLocks noGrp="1"/>
           </p:cNvSpPr>
@@ -1228,17 +2576,15 @@
         </p:nvSpPr>
         <p:spPr>
           <a:xfrm>
-            <a:off x="504000" y="4059360"/>
-            <a:ext cx="4426920" cy="2091240"/>
-          </a:xfrm>
-          <a:prstGeom prst="rect">
-            <a:avLst/>
-          </a:prstGeom>
-        </p:spPr>
-        <p:txBody>
-          <a:bodyPr lIns="0" rIns="0" tIns="0" bIns="0">
-            <a:normAutofit/>
-          </a:bodyPr>
+            <a:off x="504000" y="4059000"/>
+            <a:ext cx="4426560" cy="2090880"/>
+          </a:xfrm>
+          <a:prstGeom prst="rect">
+            <a:avLst/>
+          </a:prstGeom>
+        </p:spPr>
+        <p:txBody>
+          <a:bodyPr lIns="0" rIns="0" tIns="0" bIns="0"/>
           <a:p>
             <a:endParaRPr b="0" lang="en-US" sz="3200" spc="-1" strike="noStrike">
               <a:solidFill>
@@ -1249,14 +2595,14 @@
                   <a:srgbClr val="ffffff"/>
                 </a:solidFill>
               </a:uFill>
-              <a:latin typeface="DejaVu Sans"/>
-            </a:endParaRPr>
-          </a:p>
-        </p:txBody>
-      </p:sp>
-      <p:sp>
-        <p:nvSpPr>
-          <p:cNvPr id="17" name="PlaceHolder 4"/>
+              <a:latin typeface="Arial"/>
+            </a:endParaRPr>
+          </a:p>
+        </p:txBody>
+      </p:sp>
+      <p:sp>
+        <p:nvSpPr>
+          <p:cNvPr id="14" name="PlaceHolder 4"/>
           <p:cNvSpPr>
             <a:spLocks noGrp="1"/>
           </p:cNvSpPr>
@@ -1266,17 +2612,15 @@
         </p:nvSpPr>
         <p:spPr>
           <a:xfrm>
-            <a:off x="5152680" y="1769040"/>
-            <a:ext cx="4426920" cy="4384440"/>
-          </a:xfrm>
-          <a:prstGeom prst="rect">
-            <a:avLst/>
-          </a:prstGeom>
-        </p:spPr>
-        <p:txBody>
-          <a:bodyPr lIns="0" rIns="0" tIns="0" bIns="0">
-            <a:normAutofit/>
-          </a:bodyPr>
+            <a:off x="5152320" y="1769040"/>
+            <a:ext cx="4426560" cy="4384080"/>
+          </a:xfrm>
+          <a:prstGeom prst="rect">
+            <a:avLst/>
+          </a:prstGeom>
+        </p:spPr>
+        <p:txBody>
+          <a:bodyPr lIns="0" rIns="0" tIns="0" bIns="0"/>
           <a:p>
             <a:endParaRPr b="0" lang="en-US" sz="3200" spc="-1" strike="noStrike">
               <a:solidFill>
@@ -1287,7 +2631,7 @@
                   <a:srgbClr val="ffffff"/>
                 </a:solidFill>
               </a:uFill>
-              <a:latin typeface="DejaVu Sans"/>
+              <a:latin typeface="Arial"/>
             </a:endParaRPr>
           </a:p>
         </p:txBody>
@@ -1316,7 +2660,7 @@
       </p:grpSpPr>
       <p:sp>
         <p:nvSpPr>
-          <p:cNvPr id="18" name="PlaceHolder 1"/>
+          <p:cNvPr id="15" name="PlaceHolder 1"/>
           <p:cNvSpPr>
             <a:spLocks noGrp="1"/>
           </p:cNvSpPr>
@@ -1327,7 +2671,7 @@
         <p:spPr>
           <a:xfrm>
             <a:off x="504000" y="301320"/>
-            <a:ext cx="9071640" cy="1262160"/>
+            <a:ext cx="9071280" cy="1261800"/>
           </a:xfrm>
           <a:prstGeom prst="rect">
             <a:avLst/>
@@ -1346,14 +2690,14 @@
                   <a:srgbClr val="ffffff"/>
                 </a:solidFill>
               </a:uFill>
-              <a:latin typeface="DejaVu Sans"/>
-            </a:endParaRPr>
-          </a:p>
-        </p:txBody>
-      </p:sp>
-      <p:sp>
-        <p:nvSpPr>
-          <p:cNvPr id="19" name="PlaceHolder 2"/>
+              <a:latin typeface="Arial"/>
+            </a:endParaRPr>
+          </a:p>
+        </p:txBody>
+      </p:sp>
+      <p:sp>
+        <p:nvSpPr>
+          <p:cNvPr id="16" name="PlaceHolder 2"/>
           <p:cNvSpPr>
             <a:spLocks noGrp="1"/>
           </p:cNvSpPr>
@@ -1364,16 +2708,14 @@
         <p:spPr>
           <a:xfrm>
             <a:off x="504000" y="1769040"/>
-            <a:ext cx="4426920" cy="4384440"/>
-          </a:xfrm>
-          <a:prstGeom prst="rect">
-            <a:avLst/>
-          </a:prstGeom>
-        </p:spPr>
-        <p:txBody>
-          <a:bodyPr lIns="0" rIns="0" tIns="0" bIns="0">
-            <a:normAutofit/>
-          </a:bodyPr>
+            <a:ext cx="4426560" cy="4384080"/>
+          </a:xfrm>
+          <a:prstGeom prst="rect">
+            <a:avLst/>
+          </a:prstGeom>
+        </p:spPr>
+        <p:txBody>
+          <a:bodyPr lIns="0" rIns="0" tIns="0" bIns="0"/>
           <a:p>
             <a:endParaRPr b="0" lang="en-US" sz="3200" spc="-1" strike="noStrike">
               <a:solidFill>
@@ -1384,14 +2726,14 @@
                   <a:srgbClr val="ffffff"/>
                 </a:solidFill>
               </a:uFill>
-              <a:latin typeface="DejaVu Sans"/>
-            </a:endParaRPr>
-          </a:p>
-        </p:txBody>
-      </p:sp>
-      <p:sp>
-        <p:nvSpPr>
-          <p:cNvPr id="20" name="PlaceHolder 3"/>
+              <a:latin typeface="Arial"/>
+            </a:endParaRPr>
+          </a:p>
+        </p:txBody>
+      </p:sp>
+      <p:sp>
+        <p:nvSpPr>
+          <p:cNvPr id="17" name="PlaceHolder 3"/>
           <p:cNvSpPr>
             <a:spLocks noGrp="1"/>
           </p:cNvSpPr>
@@ -1401,17 +2743,15 @@
         </p:nvSpPr>
         <p:spPr>
           <a:xfrm>
-            <a:off x="5152680" y="1769040"/>
-            <a:ext cx="4426920" cy="2091240"/>
-          </a:xfrm>
-          <a:prstGeom prst="rect">
-            <a:avLst/>
-          </a:prstGeom>
-        </p:spPr>
-        <p:txBody>
-          <a:bodyPr lIns="0" rIns="0" tIns="0" bIns="0">
-            <a:normAutofit/>
-          </a:bodyPr>
+            <a:off x="5152320" y="1769040"/>
+            <a:ext cx="4426560" cy="2090880"/>
+          </a:xfrm>
+          <a:prstGeom prst="rect">
+            <a:avLst/>
+          </a:prstGeom>
+        </p:spPr>
+        <p:txBody>
+          <a:bodyPr lIns="0" rIns="0" tIns="0" bIns="0"/>
           <a:p>
             <a:endParaRPr b="0" lang="en-US" sz="3200" spc="-1" strike="noStrike">
               <a:solidFill>
@@ -1422,14 +2762,14 @@
                   <a:srgbClr val="ffffff"/>
                 </a:solidFill>
               </a:uFill>
-              <a:latin typeface="DejaVu Sans"/>
-            </a:endParaRPr>
-          </a:p>
-        </p:txBody>
-      </p:sp>
-      <p:sp>
-        <p:nvSpPr>
-          <p:cNvPr id="21" name="PlaceHolder 4"/>
+              <a:latin typeface="Arial"/>
+            </a:endParaRPr>
+          </a:p>
+        </p:txBody>
+      </p:sp>
+      <p:sp>
+        <p:nvSpPr>
+          <p:cNvPr id="18" name="PlaceHolder 4"/>
           <p:cNvSpPr>
             <a:spLocks noGrp="1"/>
           </p:cNvSpPr>
@@ -1439,17 +2779,15 @@
         </p:nvSpPr>
         <p:spPr>
           <a:xfrm>
-            <a:off x="5152680" y="4059360"/>
-            <a:ext cx="4426920" cy="2091240"/>
-          </a:xfrm>
-          <a:prstGeom prst="rect">
-            <a:avLst/>
-          </a:prstGeom>
-        </p:spPr>
-        <p:txBody>
-          <a:bodyPr lIns="0" rIns="0" tIns="0" bIns="0">
-            <a:normAutofit/>
-          </a:bodyPr>
+            <a:off x="5152320" y="4059000"/>
+            <a:ext cx="4426560" cy="2090880"/>
+          </a:xfrm>
+          <a:prstGeom prst="rect">
+            <a:avLst/>
+          </a:prstGeom>
+        </p:spPr>
+        <p:txBody>
+          <a:bodyPr lIns="0" rIns="0" tIns="0" bIns="0"/>
           <a:p>
             <a:endParaRPr b="0" lang="en-US" sz="3200" spc="-1" strike="noStrike">
               <a:solidFill>
@@ -1460,7 +2798,7 @@
                   <a:srgbClr val="ffffff"/>
                 </a:solidFill>
               </a:uFill>
-              <a:latin typeface="DejaVu Sans"/>
+              <a:latin typeface="Arial"/>
             </a:endParaRPr>
           </a:p>
         </p:txBody>
@@ -1489,7 +2827,7 @@
       </p:grpSpPr>
       <p:sp>
         <p:nvSpPr>
-          <p:cNvPr id="22" name="PlaceHolder 1"/>
+          <p:cNvPr id="19" name="PlaceHolder 1"/>
           <p:cNvSpPr>
             <a:spLocks noGrp="1"/>
           </p:cNvSpPr>
@@ -1500,7 +2838,7 @@
         <p:spPr>
           <a:xfrm>
             <a:off x="504000" y="301320"/>
-            <a:ext cx="9071640" cy="1262160"/>
+            <a:ext cx="9071280" cy="1261800"/>
           </a:xfrm>
           <a:prstGeom prst="rect">
             <a:avLst/>
@@ -1519,14 +2857,14 @@
                   <a:srgbClr val="ffffff"/>
                 </a:solidFill>
               </a:uFill>
-              <a:latin typeface="DejaVu Sans"/>
-            </a:endParaRPr>
-          </a:p>
-        </p:txBody>
-      </p:sp>
-      <p:sp>
-        <p:nvSpPr>
-          <p:cNvPr id="23" name="PlaceHolder 2"/>
+              <a:latin typeface="Arial"/>
+            </a:endParaRPr>
+          </a:p>
+        </p:txBody>
+      </p:sp>
+      <p:sp>
+        <p:nvSpPr>
+          <p:cNvPr id="20" name="PlaceHolder 2"/>
           <p:cNvSpPr>
             <a:spLocks noGrp="1"/>
           </p:cNvSpPr>
@@ -1537,16 +2875,14 @@
         <p:spPr>
           <a:xfrm>
             <a:off x="504000" y="1769040"/>
-            <a:ext cx="4426920" cy="2091240"/>
-          </a:xfrm>
-          <a:prstGeom prst="rect">
-            <a:avLst/>
-          </a:prstGeom>
-        </p:spPr>
-        <p:txBody>
-          <a:bodyPr lIns="0" rIns="0" tIns="0" bIns="0">
-            <a:normAutofit/>
-          </a:bodyPr>
+            <a:ext cx="4426560" cy="2090880"/>
+          </a:xfrm>
+          <a:prstGeom prst="rect">
+            <a:avLst/>
+          </a:prstGeom>
+        </p:spPr>
+        <p:txBody>
+          <a:bodyPr lIns="0" rIns="0" tIns="0" bIns="0"/>
           <a:p>
             <a:endParaRPr b="0" lang="en-US" sz="3200" spc="-1" strike="noStrike">
               <a:solidFill>
@@ -1557,14 +2893,14 @@
                   <a:srgbClr val="ffffff"/>
                 </a:solidFill>
               </a:uFill>
-              <a:latin typeface="DejaVu Sans"/>
-            </a:endParaRPr>
-          </a:p>
-        </p:txBody>
-      </p:sp>
-      <p:sp>
-        <p:nvSpPr>
-          <p:cNvPr id="24" name="PlaceHolder 3"/>
+              <a:latin typeface="Arial"/>
+            </a:endParaRPr>
+          </a:p>
+        </p:txBody>
+      </p:sp>
+      <p:sp>
+        <p:nvSpPr>
+          <p:cNvPr id="21" name="PlaceHolder 3"/>
           <p:cNvSpPr>
             <a:spLocks noGrp="1"/>
           </p:cNvSpPr>
@@ -1574,17 +2910,15 @@
         </p:nvSpPr>
         <p:spPr>
           <a:xfrm>
-            <a:off x="5152680" y="1769040"/>
-            <a:ext cx="4426920" cy="2091240"/>
-          </a:xfrm>
-          <a:prstGeom prst="rect">
-            <a:avLst/>
-          </a:prstGeom>
-        </p:spPr>
-        <p:txBody>
-          <a:bodyPr lIns="0" rIns="0" tIns="0" bIns="0">
-            <a:normAutofit/>
-          </a:bodyPr>
+            <a:off x="5152320" y="1769040"/>
+            <a:ext cx="4426560" cy="2090880"/>
+          </a:xfrm>
+          <a:prstGeom prst="rect">
+            <a:avLst/>
+          </a:prstGeom>
+        </p:spPr>
+        <p:txBody>
+          <a:bodyPr lIns="0" rIns="0" tIns="0" bIns="0"/>
           <a:p>
             <a:endParaRPr b="0" lang="en-US" sz="3200" spc="-1" strike="noStrike">
               <a:solidFill>
@@ -1595,14 +2929,14 @@
                   <a:srgbClr val="ffffff"/>
                 </a:solidFill>
               </a:uFill>
-              <a:latin typeface="DejaVu Sans"/>
-            </a:endParaRPr>
-          </a:p>
-        </p:txBody>
-      </p:sp>
-      <p:sp>
-        <p:nvSpPr>
-          <p:cNvPr id="25" name="PlaceHolder 4"/>
+              <a:latin typeface="Arial"/>
+            </a:endParaRPr>
+          </a:p>
+        </p:txBody>
+      </p:sp>
+      <p:sp>
+        <p:nvSpPr>
+          <p:cNvPr id="22" name="PlaceHolder 4"/>
           <p:cNvSpPr>
             <a:spLocks noGrp="1"/>
           </p:cNvSpPr>
@@ -1612,17 +2946,15 @@
         </p:nvSpPr>
         <p:spPr>
           <a:xfrm>
-            <a:off x="504000" y="4059360"/>
-            <a:ext cx="9071640" cy="2091240"/>
-          </a:xfrm>
-          <a:prstGeom prst="rect">
-            <a:avLst/>
-          </a:prstGeom>
-        </p:spPr>
-        <p:txBody>
-          <a:bodyPr lIns="0" rIns="0" tIns="0" bIns="0">
-            <a:normAutofit/>
-          </a:bodyPr>
+            <a:off x="504000" y="4059000"/>
+            <a:ext cx="9071280" cy="2090880"/>
+          </a:xfrm>
+          <a:prstGeom prst="rect">
+            <a:avLst/>
+          </a:prstGeom>
+        </p:spPr>
+        <p:txBody>
+          <a:bodyPr lIns="0" rIns="0" tIns="0" bIns="0"/>
           <a:p>
             <a:endParaRPr b="0" lang="en-US" sz="3200" spc="-1" strike="noStrike">
               <a:solidFill>
@@ -1633,7 +2965,7 @@
                   <a:srgbClr val="ffffff"/>
                 </a:solidFill>
               </a:uFill>
-              <a:latin typeface="DejaVu Sans"/>
+              <a:latin typeface="Arial"/>
             </a:endParaRPr>
           </a:p>
         </p:txBody>
@@ -1673,7 +3005,7 @@
         <p:spPr>
           <a:xfrm>
             <a:off x="504000" y="301320"/>
-            <a:ext cx="9071640" cy="1262160"/>
+            <a:ext cx="9071280" cy="1261800"/>
           </a:xfrm>
           <a:prstGeom prst="rect">
             <a:avLst/>
@@ -1683,20 +3015,6 @@
           <a:bodyPr lIns="0" rIns="0" tIns="0" bIns="0" anchor="ctr"/>
           <a:p>
             <a:pPr algn="ctr"/>
-            <a:r>
-              <a:rPr b="0" lang="en-US" sz="4400" spc="-1" strike="noStrike">
-                <a:solidFill>
-                  <a:srgbClr val="000000"/>
-                </a:solidFill>
-                <a:uFill>
-                  <a:solidFill>
-                    <a:srgbClr val="ffffff"/>
-                  </a:solidFill>
-                </a:uFill>
-                <a:latin typeface="DejaVu Sans"/>
-              </a:rPr>
-              <a:t>Click to edit the title text format</a:t>
-            </a:r>
             <a:endParaRPr b="0" lang="en-US" sz="4400" spc="-1" strike="noStrike">
               <a:solidFill>
                 <a:srgbClr val="000000"/>
@@ -1706,7 +3024,7 @@
                   <a:srgbClr val="ffffff"/>
                 </a:solidFill>
               </a:uFill>
-              <a:latin typeface="DejaVu Sans"/>
+              <a:latin typeface="Arial"/>
             </a:endParaRPr>
           </a:p>
         </p:txBody>
@@ -1723,22 +3041,17 @@
         </p:nvSpPr>
         <p:spPr>
           <a:xfrm>
-            <a:off x="504000" y="1769040"/>
-            <a:ext cx="9071640" cy="4384440"/>
-          </a:xfrm>
-          <a:prstGeom prst="rect">
-            <a:avLst/>
-          </a:prstGeom>
-        </p:spPr>
-        <p:txBody>
-          <a:bodyPr lIns="0" rIns="0" tIns="0" bIns="0">
-            <a:normAutofit/>
-          </a:bodyPr>
+            <a:off x="504000" y="1768680"/>
+            <a:ext cx="9072000" cy="4384080"/>
+          </a:xfrm>
+          <a:prstGeom prst="rect">
+            <a:avLst/>
+          </a:prstGeom>
+        </p:spPr>
+        <p:txBody>
+          <a:bodyPr lIns="0" rIns="0" tIns="0" bIns="0"/>
           <a:p>
             <a:pPr marL="432000" indent="-324000">
-              <a:spcBef>
-                <a:spcPts val="1414"/>
-              </a:spcBef>
               <a:buClr>
                 <a:srgbClr val="000000"/>
               </a:buClr>
@@ -1756,7 +3069,7 @@
                     <a:srgbClr val="ffffff"/>
                   </a:solidFill>
                 </a:uFill>
-                <a:latin typeface="DejaVu Sans"/>
+                <a:latin typeface="Arial"/>
               </a:rPr>
               <a:t>Click to edit the outline text format</a:t>
             </a:r>
@@ -1769,14 +3082,11 @@
                   <a:srgbClr val="ffffff"/>
                 </a:solidFill>
               </a:uFill>
-              <a:latin typeface="DejaVu Sans"/>
+              <a:latin typeface="Arial"/>
             </a:endParaRPr>
           </a:p>
           <a:p>
             <a:pPr lvl="1" marL="864000" indent="-324000">
-              <a:spcBef>
-                <a:spcPts val="1134"/>
-              </a:spcBef>
               <a:buClr>
                 <a:srgbClr val="000000"/>
               </a:buClr>
@@ -1794,7 +3104,7 @@
                     <a:srgbClr val="ffffff"/>
                   </a:solidFill>
                 </a:uFill>
-                <a:latin typeface="DejaVu Sans"/>
+                <a:latin typeface="Arial"/>
               </a:rPr>
               <a:t>Second Outline Level</a:t>
             </a:r>
@@ -1807,14 +3117,11 @@
                   <a:srgbClr val="ffffff"/>
                 </a:solidFill>
               </a:uFill>
-              <a:latin typeface="DejaVu Sans"/>
+              <a:latin typeface="Arial"/>
             </a:endParaRPr>
           </a:p>
           <a:p>
             <a:pPr lvl="2" marL="1296000" indent="-288000">
-              <a:spcBef>
-                <a:spcPts val="850"/>
-              </a:spcBef>
               <a:buClr>
                 <a:srgbClr val="000000"/>
               </a:buClr>
@@ -1832,7 +3139,7 @@
                     <a:srgbClr val="ffffff"/>
                   </a:solidFill>
                 </a:uFill>
-                <a:latin typeface="DejaVu Sans"/>
+                <a:latin typeface="Arial"/>
               </a:rPr>
               <a:t>Third Outline Level</a:t>
             </a:r>
@@ -1845,14 +3152,11 @@
                   <a:srgbClr val="ffffff"/>
                 </a:solidFill>
               </a:uFill>
-              <a:latin typeface="DejaVu Sans"/>
+              <a:latin typeface="Arial"/>
             </a:endParaRPr>
           </a:p>
           <a:p>
             <a:pPr lvl="3" marL="1728000" indent="-216000">
-              <a:spcBef>
-                <a:spcPts val="567"/>
-              </a:spcBef>
               <a:buClr>
                 <a:srgbClr val="000000"/>
               </a:buClr>
@@ -1870,7 +3174,7 @@
                     <a:srgbClr val="ffffff"/>
                   </a:solidFill>
                 </a:uFill>
-                <a:latin typeface="DejaVu Sans"/>
+                <a:latin typeface="Arial"/>
               </a:rPr>
               <a:t>Fourth Outline Level</a:t>
             </a:r>
@@ -1883,14 +3187,11 @@
                   <a:srgbClr val="ffffff"/>
                 </a:solidFill>
               </a:uFill>
-              <a:latin typeface="DejaVu Sans"/>
+              <a:latin typeface="Arial"/>
             </a:endParaRPr>
           </a:p>
           <a:p>
             <a:pPr lvl="4" marL="2160000" indent="-216000">
-              <a:spcBef>
-                <a:spcPts val="283"/>
-              </a:spcBef>
               <a:buClr>
                 <a:srgbClr val="000000"/>
               </a:buClr>
@@ -1908,7 +3209,7 @@
                     <a:srgbClr val="ffffff"/>
                   </a:solidFill>
                 </a:uFill>
-                <a:latin typeface="DejaVu Sans"/>
+                <a:latin typeface="Arial"/>
               </a:rPr>
               <a:t>Fifth Outline Level</a:t>
             </a:r>
@@ -1921,14 +3222,11 @@
                   <a:srgbClr val="ffffff"/>
                 </a:solidFill>
               </a:uFill>
-              <a:latin typeface="DejaVu Sans"/>
+              <a:latin typeface="Arial"/>
             </a:endParaRPr>
           </a:p>
           <a:p>
             <a:pPr lvl="5" marL="2592000" indent="-216000">
-              <a:spcBef>
-                <a:spcPts val="283"/>
-              </a:spcBef>
               <a:buClr>
                 <a:srgbClr val="000000"/>
               </a:buClr>
@@ -1946,7 +3244,7 @@
                     <a:srgbClr val="ffffff"/>
                   </a:solidFill>
                 </a:uFill>
-                <a:latin typeface="DejaVu Sans"/>
+                <a:latin typeface="Arial"/>
               </a:rPr>
               <a:t>Sixth Outline Level</a:t>
             </a:r>
@@ -1959,14 +3257,11 @@
                   <a:srgbClr val="ffffff"/>
                 </a:solidFill>
               </a:uFill>
-              <a:latin typeface="DejaVu Sans"/>
+              <a:latin typeface="Arial"/>
             </a:endParaRPr>
           </a:p>
           <a:p>
             <a:pPr lvl="6" marL="3024000" indent="-216000">
-              <a:spcBef>
-                <a:spcPts val="283"/>
-              </a:spcBef>
               <a:buClr>
                 <a:srgbClr val="000000"/>
               </a:buClr>
@@ -1984,7 +3279,7 @@
                     <a:srgbClr val="ffffff"/>
                   </a:solidFill>
                 </a:uFill>
-                <a:latin typeface="DejaVu Sans"/>
+                <a:latin typeface="Arial"/>
               </a:rPr>
               <a:t>Seventh Outline Level</a:t>
             </a:r>
@@ -1997,159 +3292,7 @@
                   <a:srgbClr val="ffffff"/>
                 </a:solidFill>
               </a:uFill>
-              <a:latin typeface="DejaVu Sans"/>
-            </a:endParaRPr>
-          </a:p>
-        </p:txBody>
-      </p:sp>
-      <p:sp>
-        <p:nvSpPr>
-          <p:cNvPr id="2" name="PlaceHolder 3"/>
-          <p:cNvSpPr>
-            <a:spLocks noGrp="1"/>
-          </p:cNvSpPr>
-          <p:nvPr>
-            <p:ph type="dt"/>
-          </p:nvPr>
-        </p:nvSpPr>
-        <p:spPr>
-          <a:xfrm>
-            <a:off x="504000" y="6887160"/>
-            <a:ext cx="2348280" cy="521280"/>
-          </a:xfrm>
-          <a:prstGeom prst="rect">
-            <a:avLst/>
-          </a:prstGeom>
-        </p:spPr>
-        <p:txBody>
-          <a:bodyPr lIns="0" rIns="0" tIns="0" bIns="0"/>
-          <a:p>
-            <a:r>
-              <a:rPr b="0" lang="en-US" sz="1400" spc="-1" strike="noStrike">
-                <a:solidFill>
-                  <a:srgbClr val="000000"/>
-                </a:solidFill>
-                <a:uFill>
-                  <a:solidFill>
-                    <a:srgbClr val="ffffff"/>
-                  </a:solidFill>
-                </a:uFill>
-                <a:latin typeface="DejaVu Serif"/>
-              </a:rPr>
-              <a:t> </a:t>
-            </a:r>
-            <a:endParaRPr b="0" lang="en-US" sz="1400" spc="-1" strike="noStrike">
-              <a:solidFill>
-                <a:srgbClr val="000000"/>
-              </a:solidFill>
-              <a:uFill>
-                <a:solidFill>
-                  <a:srgbClr val="ffffff"/>
-                </a:solidFill>
-              </a:uFill>
-              <a:latin typeface="DejaVu Serif"/>
-            </a:endParaRPr>
-          </a:p>
-        </p:txBody>
-      </p:sp>
-      <p:sp>
-        <p:nvSpPr>
-          <p:cNvPr id="3" name="PlaceHolder 4"/>
-          <p:cNvSpPr>
-            <a:spLocks noGrp="1"/>
-          </p:cNvSpPr>
-          <p:nvPr>
-            <p:ph type="ftr"/>
-          </p:nvPr>
-        </p:nvSpPr>
-        <p:spPr>
-          <a:xfrm>
-            <a:off x="3447360" y="6887160"/>
-            <a:ext cx="3195000" cy="521280"/>
-          </a:xfrm>
-          <a:prstGeom prst="rect">
-            <a:avLst/>
-          </a:prstGeom>
-        </p:spPr>
-        <p:txBody>
-          <a:bodyPr lIns="0" rIns="0" tIns="0" bIns="0"/>
-          <a:p>
-            <a:pPr algn="ctr"/>
-            <a:r>
-              <a:rPr b="0" lang="en-US" sz="1400" spc="-1" strike="noStrike">
-                <a:solidFill>
-                  <a:srgbClr val="000000"/>
-                </a:solidFill>
-                <a:uFill>
-                  <a:solidFill>
-                    <a:srgbClr val="ffffff"/>
-                  </a:solidFill>
-                </a:uFill>
-                <a:latin typeface="DejaVu Serif"/>
-              </a:rPr>
-              <a:t> </a:t>
-            </a:r>
-            <a:endParaRPr b="0" lang="en-US" sz="1400" spc="-1" strike="noStrike">
-              <a:solidFill>
-                <a:srgbClr val="000000"/>
-              </a:solidFill>
-              <a:uFill>
-                <a:solidFill>
-                  <a:srgbClr val="ffffff"/>
-                </a:solidFill>
-              </a:uFill>
-              <a:latin typeface="DejaVu Serif"/>
-            </a:endParaRPr>
-          </a:p>
-        </p:txBody>
-      </p:sp>
-      <p:sp>
-        <p:nvSpPr>
-          <p:cNvPr id="4" name="PlaceHolder 5"/>
-          <p:cNvSpPr>
-            <a:spLocks noGrp="1"/>
-          </p:cNvSpPr>
-          <p:nvPr>
-            <p:ph type="sldNum"/>
-          </p:nvPr>
-        </p:nvSpPr>
-        <p:spPr>
-          <a:xfrm>
-            <a:off x="7227360" y="6887160"/>
-            <a:ext cx="2348280" cy="521280"/>
-          </a:xfrm>
-          <a:prstGeom prst="rect">
-            <a:avLst/>
-          </a:prstGeom>
-        </p:spPr>
-        <p:txBody>
-          <a:bodyPr lIns="0" rIns="0" tIns="0" bIns="0"/>
-          <a:p>
-            <a:pPr algn="r"/>
-            <a:fld id="{E23FA91B-6679-436D-BDAE-74DA3D447D0C}" type="slidenum">
-              <a:rPr b="0" lang="en-US" sz="1400" spc="-1" strike="noStrike">
-                <a:solidFill>
-                  <a:srgbClr val="000000"/>
-                </a:solidFill>
-                <a:uFill>
-                  <a:solidFill>
-                    <a:srgbClr val="ffffff"/>
-                  </a:solidFill>
-                </a:uFill>
-                <a:latin typeface="DejaVu Serif"/>
-              </a:rPr>
-              <a:t>1</a:t>
-            </a:fld>
-            <a:endParaRPr b="0" lang="en-US" sz="1400" spc="-1" strike="noStrike">
-              <a:solidFill>
-                <a:srgbClr val="000000"/>
-              </a:solidFill>
-              <a:uFill>
-                <a:solidFill>
-                  <a:srgbClr val="ffffff"/>
-                </a:solidFill>
-              </a:uFill>
-              <a:latin typeface="DejaVu Serif"/>
+              <a:latin typeface="Arial"/>
             </a:endParaRPr>
           </a:p>
         </p:txBody>
@@ -2170,6 +3313,348 @@
     <p:sldLayoutId id="2147483658" r:id="rId11"/>
     <p:sldLayoutId id="2147483659" r:id="rId12"/>
     <p:sldLayoutId id="2147483660" r:id="rId13"/>
+  </p:sldLayoutIdLst>
+</p:sldMaster>
+</file>
+
+<file path=ppt/slideMasters/slideMaster2.xml><?xml version="1.0" encoding="utf-8"?>
+<p:sldMaster xmlns:a="http://schemas.openxmlformats.org/drawingml/2006/main" xmlns:p="http://schemas.openxmlformats.org/presentationml/2006/main" xmlns:r="http://schemas.openxmlformats.org/officeDocument/2006/relationships" xmlns:p14="http://schemas.microsoft.com/office/powerpoint/2010/main" xmlns:p15="http://schemas.microsoft.com/office/powerpoint/2012/main" xmlns:mc="http://schemas.openxmlformats.org/markup-compatibility/2006">
+  <p:cSld>
+    <p:spTree>
+      <p:nvGrpSpPr>
+        <p:cNvPr id="1" name=""/>
+        <p:cNvGrpSpPr/>
+        <p:nvPr/>
+      </p:nvGrpSpPr>
+      <p:grpSpPr>
+        <a:xfrm>
+          <a:off x="0" y="0"/>
+          <a:ext cx="0" cy="0"/>
+          <a:chOff x="0" y="0"/>
+          <a:chExt cx="0" cy="0"/>
+        </a:xfrm>
+      </p:grpSpPr>
+      <p:sp>
+        <p:nvSpPr>
+          <p:cNvPr id="36" name="PlaceHolder 1"/>
+          <p:cNvSpPr>
+            <a:spLocks noGrp="1"/>
+          </p:cNvSpPr>
+          <p:nvPr>
+            <p:ph type="title"/>
+          </p:nvPr>
+        </p:nvSpPr>
+        <p:spPr>
+          <a:xfrm>
+            <a:off x="504000" y="301320"/>
+            <a:ext cx="9071280" cy="1261800"/>
+          </a:xfrm>
+          <a:prstGeom prst="rect">
+            <a:avLst/>
+          </a:prstGeom>
+        </p:spPr>
+        <p:txBody>
+          <a:bodyPr lIns="0" rIns="0" tIns="0" bIns="0" anchor="ctr"/>
+          <a:p>
+            <a:pPr algn="ctr"/>
+            <a:endParaRPr b="0" lang="en-US" sz="4400" spc="-1" strike="noStrike">
+              <a:solidFill>
+                <a:srgbClr val="000000"/>
+              </a:solidFill>
+              <a:uFill>
+                <a:solidFill>
+                  <a:srgbClr val="ffffff"/>
+                </a:solidFill>
+              </a:uFill>
+              <a:latin typeface="Arial"/>
+            </a:endParaRPr>
+          </a:p>
+        </p:txBody>
+      </p:sp>
+      <p:sp>
+        <p:nvSpPr>
+          <p:cNvPr id="37" name="PlaceHolder 2"/>
+          <p:cNvSpPr>
+            <a:spLocks noGrp="1"/>
+          </p:cNvSpPr>
+          <p:nvPr>
+            <p:ph type="body"/>
+          </p:nvPr>
+        </p:nvSpPr>
+        <p:spPr>
+          <a:xfrm>
+            <a:off x="504000" y="1769040"/>
+            <a:ext cx="9071280" cy="4384080"/>
+          </a:xfrm>
+          <a:prstGeom prst="rect">
+            <a:avLst/>
+          </a:prstGeom>
+        </p:spPr>
+        <p:txBody>
+          <a:bodyPr lIns="0" rIns="0" tIns="0" bIns="0"/>
+          <a:p>
+            <a:pPr marL="432000" indent="-324000">
+              <a:buClr>
+                <a:srgbClr val="000000"/>
+              </a:buClr>
+              <a:buSzPct val="45000"/>
+              <a:buFont typeface="Wingdings" charset="2"/>
+              <a:buChar char=""/>
+            </a:pPr>
+            <a:r>
+              <a:rPr b="0" lang="en-US" sz="1800" spc="-1" strike="noStrike">
+                <a:solidFill>
+                  <a:srgbClr val="000000"/>
+                </a:solidFill>
+                <a:uFill>
+                  <a:solidFill>
+                    <a:srgbClr val="ffffff"/>
+                  </a:solidFill>
+                </a:uFill>
+                <a:latin typeface="Arial"/>
+              </a:rPr>
+              <a:t>Click to edit the outline text format</a:t>
+            </a:r>
+            <a:endParaRPr b="0" lang="en-US" sz="1800" spc="-1" strike="noStrike">
+              <a:solidFill>
+                <a:srgbClr val="000000"/>
+              </a:solidFill>
+              <a:uFill>
+                <a:solidFill>
+                  <a:srgbClr val="ffffff"/>
+                </a:solidFill>
+              </a:uFill>
+              <a:latin typeface="Arial"/>
+            </a:endParaRPr>
+          </a:p>
+          <a:p>
+            <a:pPr lvl="1" marL="864000" indent="-324000">
+              <a:buClr>
+                <a:srgbClr val="000000"/>
+              </a:buClr>
+              <a:buSzPct val="75000"/>
+              <a:buFont typeface="Symbol" charset="2"/>
+              <a:buChar char=""/>
+            </a:pPr>
+            <a:r>
+              <a:rPr b="0" lang="en-US" sz="1800" spc="-1" strike="noStrike">
+                <a:solidFill>
+                  <a:srgbClr val="000000"/>
+                </a:solidFill>
+                <a:uFill>
+                  <a:solidFill>
+                    <a:srgbClr val="ffffff"/>
+                  </a:solidFill>
+                </a:uFill>
+                <a:latin typeface="Arial"/>
+              </a:rPr>
+              <a:t>Second Outline Level</a:t>
+            </a:r>
+            <a:endParaRPr b="0" lang="en-US" sz="1800" spc="-1" strike="noStrike">
+              <a:solidFill>
+                <a:srgbClr val="000000"/>
+              </a:solidFill>
+              <a:uFill>
+                <a:solidFill>
+                  <a:srgbClr val="ffffff"/>
+                </a:solidFill>
+              </a:uFill>
+              <a:latin typeface="Arial"/>
+            </a:endParaRPr>
+          </a:p>
+          <a:p>
+            <a:pPr lvl="2" marL="1296000" indent="-288000">
+              <a:buClr>
+                <a:srgbClr val="000000"/>
+              </a:buClr>
+              <a:buSzPct val="45000"/>
+              <a:buFont typeface="Wingdings" charset="2"/>
+              <a:buChar char=""/>
+            </a:pPr>
+            <a:r>
+              <a:rPr b="0" lang="en-US" sz="1800" spc="-1" strike="noStrike">
+                <a:solidFill>
+                  <a:srgbClr val="000000"/>
+                </a:solidFill>
+                <a:uFill>
+                  <a:solidFill>
+                    <a:srgbClr val="ffffff"/>
+                  </a:solidFill>
+                </a:uFill>
+                <a:latin typeface="Arial"/>
+              </a:rPr>
+              <a:t>Third Outline Level</a:t>
+            </a:r>
+            <a:endParaRPr b="0" lang="en-US" sz="1800" spc="-1" strike="noStrike">
+              <a:solidFill>
+                <a:srgbClr val="000000"/>
+              </a:solidFill>
+              <a:uFill>
+                <a:solidFill>
+                  <a:srgbClr val="ffffff"/>
+                </a:solidFill>
+              </a:uFill>
+              <a:latin typeface="Arial"/>
+            </a:endParaRPr>
+          </a:p>
+          <a:p>
+            <a:pPr lvl="3" marL="1728000" indent="-216000">
+              <a:buClr>
+                <a:srgbClr val="000000"/>
+              </a:buClr>
+              <a:buSzPct val="75000"/>
+              <a:buFont typeface="Symbol" charset="2"/>
+              <a:buChar char=""/>
+            </a:pPr>
+            <a:r>
+              <a:rPr b="0" lang="en-US" sz="1800" spc="-1" strike="noStrike">
+                <a:solidFill>
+                  <a:srgbClr val="000000"/>
+                </a:solidFill>
+                <a:uFill>
+                  <a:solidFill>
+                    <a:srgbClr val="ffffff"/>
+                  </a:solidFill>
+                </a:uFill>
+                <a:latin typeface="Arial"/>
+              </a:rPr>
+              <a:t>Fourth Outline Level</a:t>
+            </a:r>
+            <a:endParaRPr b="0" lang="en-US" sz="1800" spc="-1" strike="noStrike">
+              <a:solidFill>
+                <a:srgbClr val="000000"/>
+              </a:solidFill>
+              <a:uFill>
+                <a:solidFill>
+                  <a:srgbClr val="ffffff"/>
+                </a:solidFill>
+              </a:uFill>
+              <a:latin typeface="Arial"/>
+            </a:endParaRPr>
+          </a:p>
+          <a:p>
+            <a:pPr lvl="4" marL="2160000" indent="-216000">
+              <a:buClr>
+                <a:srgbClr val="000000"/>
+              </a:buClr>
+              <a:buSzPct val="45000"/>
+              <a:buFont typeface="Wingdings" charset="2"/>
+              <a:buChar char=""/>
+            </a:pPr>
+            <a:r>
+              <a:rPr b="0" lang="en-US" sz="1800" spc="-1" strike="noStrike">
+                <a:solidFill>
+                  <a:srgbClr val="000000"/>
+                </a:solidFill>
+                <a:uFill>
+                  <a:solidFill>
+                    <a:srgbClr val="ffffff"/>
+                  </a:solidFill>
+                </a:uFill>
+                <a:latin typeface="Arial"/>
+              </a:rPr>
+              <a:t>Fifth Outline Level</a:t>
+            </a:r>
+            <a:endParaRPr b="0" lang="en-US" sz="1800" spc="-1" strike="noStrike">
+              <a:solidFill>
+                <a:srgbClr val="000000"/>
+              </a:solidFill>
+              <a:uFill>
+                <a:solidFill>
+                  <a:srgbClr val="ffffff"/>
+                </a:solidFill>
+              </a:uFill>
+              <a:latin typeface="Arial"/>
+            </a:endParaRPr>
+          </a:p>
+          <a:p>
+            <a:pPr lvl="5" marL="2592000" indent="-216000">
+              <a:buClr>
+                <a:srgbClr val="000000"/>
+              </a:buClr>
+              <a:buSzPct val="45000"/>
+              <a:buFont typeface="Wingdings" charset="2"/>
+              <a:buChar char=""/>
+            </a:pPr>
+            <a:r>
+              <a:rPr b="0" lang="en-US" sz="1800" spc="-1" strike="noStrike">
+                <a:solidFill>
+                  <a:srgbClr val="000000"/>
+                </a:solidFill>
+                <a:uFill>
+                  <a:solidFill>
+                    <a:srgbClr val="ffffff"/>
+                  </a:solidFill>
+                </a:uFill>
+                <a:latin typeface="Arial"/>
+              </a:rPr>
+              <a:t>Sixth Outline Level</a:t>
+            </a:r>
+            <a:endParaRPr b="0" lang="en-US" sz="1800" spc="-1" strike="noStrike">
+              <a:solidFill>
+                <a:srgbClr val="000000"/>
+              </a:solidFill>
+              <a:uFill>
+                <a:solidFill>
+                  <a:srgbClr val="ffffff"/>
+                </a:solidFill>
+              </a:uFill>
+              <a:latin typeface="Arial"/>
+            </a:endParaRPr>
+          </a:p>
+          <a:p>
+            <a:pPr lvl="6" marL="3024000" indent="-216000">
+              <a:buClr>
+                <a:srgbClr val="000000"/>
+              </a:buClr>
+              <a:buSzPct val="45000"/>
+              <a:buFont typeface="Wingdings" charset="2"/>
+              <a:buChar char=""/>
+            </a:pPr>
+            <a:r>
+              <a:rPr b="0" lang="en-US" sz="1800" spc="-1" strike="noStrike">
+                <a:solidFill>
+                  <a:srgbClr val="000000"/>
+                </a:solidFill>
+                <a:uFill>
+                  <a:solidFill>
+                    <a:srgbClr val="ffffff"/>
+                  </a:solidFill>
+                </a:uFill>
+                <a:latin typeface="Arial"/>
+              </a:rPr>
+              <a:t>Seventh Outline Level</a:t>
+            </a:r>
+            <a:endParaRPr b="0" lang="en-US" sz="1800" spc="-1" strike="noStrike">
+              <a:solidFill>
+                <a:srgbClr val="000000"/>
+              </a:solidFill>
+              <a:uFill>
+                <a:solidFill>
+                  <a:srgbClr val="ffffff"/>
+                </a:solidFill>
+              </a:uFill>
+              <a:latin typeface="Arial"/>
+            </a:endParaRPr>
+          </a:p>
+        </p:txBody>
+      </p:sp>
+    </p:spTree>
+  </p:cSld>
+  <p:clrMap bg1="lt1" bg2="lt2" tx1="dk1" tx2="dk2" accent1="accent1" accent2="accent2" accent3="accent3" accent4="accent4" accent5="accent5" accent6="accent6" hlink="hlink" folHlink="folHlink"/>
+  <p:sldLayoutIdLst>
+    <p:sldLayoutId id="2147483662" r:id="rId2"/>
+    <p:sldLayoutId id="2147483663" r:id="rId3"/>
+    <p:sldLayoutId id="2147483664" r:id="rId4"/>
+    <p:sldLayoutId id="2147483665" r:id="rId5"/>
+    <p:sldLayoutId id="2147483666" r:id="rId6"/>
+    <p:sldLayoutId id="2147483667" r:id="rId7"/>
+    <p:sldLayoutId id="2147483668" r:id="rId8"/>
+    <p:sldLayoutId id="2147483669" r:id="rId9"/>
+    <p:sldLayoutId id="2147483670" r:id="rId10"/>
+    <p:sldLayoutId id="2147483671" r:id="rId11"/>
+    <p:sldLayoutId id="2147483672" r:id="rId12"/>
+    <p:sldLayoutId id="2147483673" r:id="rId13"/>
   </p:sldLayoutIdLst>
 </p:sldMaster>
 </file>
@@ -2193,14 +3678,14 @@
       </p:grpSpPr>
       <p:sp>
         <p:nvSpPr>
-          <p:cNvPr id="41" name="TextShape 1"/>
-          <p:cNvSpPr txBox="1"/>
+          <p:cNvPr id="72" name="CustomShape 1"/>
+          <p:cNvSpPr/>
           <p:nvPr/>
         </p:nvSpPr>
         <p:spPr>
           <a:xfrm>
             <a:off x="504000" y="283320"/>
-            <a:ext cx="9071640" cy="4471560"/>
+            <a:ext cx="9071280" cy="4471200"/>
           </a:xfrm>
           <a:prstGeom prst="rect">
             <a:avLst/>
@@ -2210,10 +3695,20 @@
             <a:noFill/>
           </a:ln>
         </p:spPr>
+        <p:style>
+          <a:lnRef idx="0"/>
+          <a:fillRef idx="0"/>
+          <a:effectRef idx="0"/>
+          <a:fontRef idx="minor"/>
+        </p:style>
         <p:txBody>
           <a:bodyPr lIns="0" rIns="0" tIns="0" bIns="0" anchor="ctr"/>
           <a:p>
-            <a:pPr algn="ctr"/>
+            <a:pPr algn="ctr">
+              <a:lnSpc>
+                <a:spcPct val="100000"/>
+              </a:lnSpc>
+            </a:pPr>
             <a:r>
               <a:rPr b="0" lang="en-US" sz="4400" spc="-1" strike="noStrike">
                 <a:solidFill>
@@ -2228,7 +3723,21 @@
               </a:rPr>
               <a:t>Portland Crime Analysis: </a:t>
             </a:r>
-            <a:br/>
+            <a:r>
+              <a:rPr b="0" lang="en-US" sz="1800" spc="-1" strike="noStrike">
+                <a:solidFill>
+                  <a:srgbClr val="000000"/>
+                </a:solidFill>
+                <a:uFill>
+                  <a:solidFill>
+                    <a:srgbClr val="ffffff"/>
+                  </a:solidFill>
+                </a:uFill>
+                <a:latin typeface="DejaVu Sans"/>
+              </a:rPr>
+              <a:t>
+</a:t>
+            </a:r>
             <a:r>
               <a:rPr b="0" lang="en-US" sz="4400" spc="-1" strike="noStrike">
                 <a:solidFill>
@@ -2243,30 +3752,30 @@
               </a:rPr>
               <a:t>2004-2014</a:t>
             </a:r>
-            <a:endParaRPr b="0" lang="en-US" sz="4400" spc="-1" strike="noStrike">
-              <a:solidFill>
-                <a:srgbClr val="000000"/>
-              </a:solidFill>
-              <a:uFill>
-                <a:solidFill>
-                  <a:srgbClr val="ffffff"/>
-                </a:solidFill>
-              </a:uFill>
-              <a:latin typeface="DejaVu Sans"/>
-            </a:endParaRPr>
-          </a:p>
-        </p:txBody>
-      </p:sp>
-      <p:sp>
-        <p:nvSpPr>
-          <p:cNvPr id="42" name="TextShape 2"/>
-          <p:cNvSpPr txBox="1"/>
+            <a:endParaRPr b="0" lang="en-US" sz="1800" spc="-1" strike="noStrike">
+              <a:solidFill>
+                <a:srgbClr val="000000"/>
+              </a:solidFill>
+              <a:uFill>
+                <a:solidFill>
+                  <a:srgbClr val="ffffff"/>
+                </a:solidFill>
+              </a:uFill>
+              <a:latin typeface="Arial"/>
+            </a:endParaRPr>
+          </a:p>
+        </p:txBody>
+      </p:sp>
+      <p:sp>
+        <p:nvSpPr>
+          <p:cNvPr id="73" name="CustomShape 2"/>
+          <p:cNvSpPr/>
           <p:nvPr/>
         </p:nvSpPr>
         <p:spPr>
           <a:xfrm>
             <a:off x="504000" y="3108960"/>
-            <a:ext cx="9071640" cy="3044520"/>
+            <a:ext cx="9071280" cy="3044160"/>
           </a:xfrm>
           <a:prstGeom prst="rect">
             <a:avLst/>
@@ -2276,10 +3785,20 @@
             <a:noFill/>
           </a:ln>
         </p:spPr>
+        <p:style>
+          <a:lnRef idx="0"/>
+          <a:fillRef idx="0"/>
+          <a:effectRef idx="0"/>
+          <a:fontRef idx="minor"/>
+        </p:style>
         <p:txBody>
           <a:bodyPr lIns="0" rIns="0" tIns="0" bIns="0" anchor="ctr"/>
           <a:p>
-            <a:pPr algn="ctr"/>
+            <a:pPr algn="ctr">
+              <a:lnSpc>
+                <a:spcPct val="100000"/>
+              </a:lnSpc>
+            </a:pPr>
             <a:r>
               <a:rPr b="0" lang="en-US" sz="3200" spc="-1" strike="noStrike">
                 <a:solidFill>
@@ -2294,16 +3813,16 @@
               </a:rPr>
               <a:t>Crime statistics from data gathered by the Portland Police Bureau</a:t>
             </a:r>
-            <a:endParaRPr b="0" lang="en-US" sz="3200" spc="-1" strike="noStrike">
-              <a:solidFill>
-                <a:srgbClr val="000000"/>
-              </a:solidFill>
-              <a:uFill>
-                <a:solidFill>
-                  <a:srgbClr val="ffffff"/>
-                </a:solidFill>
-              </a:uFill>
-              <a:latin typeface="DejaVu Sans"/>
+            <a:endParaRPr b="0" lang="en-US" sz="1800" spc="-1" strike="noStrike">
+              <a:solidFill>
+                <a:srgbClr val="000000"/>
+              </a:solidFill>
+              <a:uFill>
+                <a:solidFill>
+                  <a:srgbClr val="ffffff"/>
+                </a:solidFill>
+              </a:uFill>
+              <a:latin typeface="Arial"/>
             </a:endParaRPr>
           </a:p>
         </p:txBody>
@@ -2359,14 +3878,14 @@
       </p:grpSpPr>
       <p:sp>
         <p:nvSpPr>
-          <p:cNvPr id="79" name="TextShape 1"/>
-          <p:cNvSpPr txBox="1"/>
+          <p:cNvPr id="104" name="CustomShape 1"/>
+          <p:cNvSpPr/>
           <p:nvPr/>
         </p:nvSpPr>
         <p:spPr>
           <a:xfrm>
-            <a:off x="504000" y="301320"/>
-            <a:ext cx="9071640" cy="1262160"/>
+            <a:off x="504000" y="283320"/>
+            <a:ext cx="9071280" cy="1298160"/>
           </a:xfrm>
           <a:prstGeom prst="rect">
             <a:avLst/>
@@ -2376,10 +3895,20 @@
             <a:noFill/>
           </a:ln>
         </p:spPr>
+        <p:style>
+          <a:lnRef idx="0"/>
+          <a:fillRef idx="0"/>
+          <a:effectRef idx="0"/>
+          <a:fontRef idx="minor"/>
+        </p:style>
         <p:txBody>
           <a:bodyPr lIns="0" rIns="0" tIns="0" bIns="0" anchor="ctr"/>
           <a:p>
-            <a:pPr algn="ctr"/>
+            <a:pPr algn="ctr">
+              <a:lnSpc>
+                <a:spcPct val="100000"/>
+              </a:lnSpc>
+            </a:pPr>
             <a:r>
               <a:rPr b="0" lang="en-US" sz="4400" spc="-1" strike="noStrike">
                 <a:solidFill>
@@ -2392,84 +3921,8 @@
                 </a:uFill>
                 <a:latin typeface="DejaVu Sans"/>
               </a:rPr>
-              <a:t>The “Ferguson Effect”</a:t>
+              <a:t>Correlation Between Liquor</a:t>
             </a:r>
-            <a:endParaRPr b="0" lang="en-US" sz="4400" spc="-1" strike="noStrike">
-              <a:solidFill>
-                <a:srgbClr val="000000"/>
-              </a:solidFill>
-              <a:uFill>
-                <a:solidFill>
-                  <a:srgbClr val="ffffff"/>
-                </a:solidFill>
-              </a:uFill>
-              <a:latin typeface="DejaVu Sans"/>
-            </a:endParaRPr>
-          </a:p>
-        </p:txBody>
-      </p:sp>
-      <p:sp>
-        <p:nvSpPr>
-          <p:cNvPr id="80" name="TextShape 2"/>
-          <p:cNvSpPr txBox="1"/>
-          <p:nvPr/>
-        </p:nvSpPr>
-        <p:spPr>
-          <a:xfrm>
-            <a:off x="822960" y="6309360"/>
-            <a:ext cx="180720" cy="355680"/>
-          </a:xfrm>
-          <a:prstGeom prst="rect">
-            <a:avLst/>
-          </a:prstGeom>
-          <a:noFill/>
-          <a:ln>
-            <a:noFill/>
-          </a:ln>
-        </p:spPr>
-      </p:sp>
-      <p:sp>
-        <p:nvSpPr>
-          <p:cNvPr id="81" name="TextShape 3"/>
-          <p:cNvSpPr txBox="1"/>
-          <p:nvPr/>
-        </p:nvSpPr>
-        <p:spPr>
-          <a:xfrm>
-            <a:off x="4937760" y="7863840"/>
-            <a:ext cx="180720" cy="355680"/>
-          </a:xfrm>
-          <a:prstGeom prst="rect">
-            <a:avLst/>
-          </a:prstGeom>
-          <a:noFill/>
-          <a:ln>
-            <a:noFill/>
-          </a:ln>
-        </p:spPr>
-      </p:sp>
-      <p:sp>
-        <p:nvSpPr>
-          <p:cNvPr id="82" name="TextShape 4"/>
-          <p:cNvSpPr txBox="1"/>
-          <p:nvPr/>
-        </p:nvSpPr>
-        <p:spPr>
-          <a:xfrm>
-            <a:off x="822960" y="6309360"/>
-            <a:ext cx="8412480" cy="621000"/>
-          </a:xfrm>
-          <a:prstGeom prst="rect">
-            <a:avLst/>
-          </a:prstGeom>
-          <a:noFill/>
-          <a:ln>
-            <a:noFill/>
-          </a:ln>
-        </p:spPr>
-        <p:txBody>
-          <a:bodyPr lIns="90000" rIns="90000" tIns="45000" bIns="45000"/>
-          <a:p>
             <a:r>
               <a:rPr b="0" lang="en-US" sz="1800" spc="-1" strike="noStrike">
                 <a:solidFill>
@@ -2482,23 +3935,11 @@
                 </a:uFill>
                 <a:latin typeface="DejaVu Sans"/>
               </a:rPr>
-              <a:t>Pre-Ferguson mean: 2.46 robberies per day</a:t>
+              <a:t>
+</a:t>
             </a:r>
-            <a:endParaRPr b="0" lang="en-US" sz="1800" spc="-1" strike="noStrike">
-              <a:solidFill>
-                <a:srgbClr val="000000"/>
-              </a:solidFill>
-              <a:uFill>
-                <a:solidFill>
-                  <a:srgbClr val="ffffff"/>
-                </a:solidFill>
-              </a:uFill>
-              <a:latin typeface="DejaVu Sans"/>
-            </a:endParaRPr>
-          </a:p>
-          <a:p>
             <a:r>
-              <a:rPr b="0" lang="en-US" sz="1800" spc="-1" strike="noStrike">
+              <a:rPr b="0" lang="en-US" sz="4400" spc="-1" strike="noStrike">
                 <a:solidFill>
                   <a:srgbClr val="000000"/>
                 </a:solidFill>
@@ -2509,7 +3950,7 @@
                 </a:uFill>
                 <a:latin typeface="DejaVu Sans"/>
               </a:rPr>
-              <a:t>Post-Ferguson mean: 2.29 robberies per day</a:t>
+              <a:t>Law and Drug Offenses</a:t>
             </a:r>
             <a:endParaRPr b="0" lang="en-US" sz="1800" spc="-1" strike="noStrike">
               <a:solidFill>
@@ -2520,14 +3961,14 @@
                   <a:srgbClr val="ffffff"/>
                 </a:solidFill>
               </a:uFill>
-              <a:latin typeface="DejaVu Sans"/>
+              <a:latin typeface="Arial"/>
             </a:endParaRPr>
           </a:p>
         </p:txBody>
       </p:sp>
       <p:pic>
         <p:nvPicPr>
-          <p:cNvPr id="83" name="" descr=""/>
+          <p:cNvPr id="105" name="" descr=""/>
           <p:cNvPicPr/>
           <p:nvPr/>
         </p:nvPicPr>
@@ -2537,8 +3978,8 @@
         </p:blipFill>
         <p:spPr>
           <a:xfrm>
-            <a:off x="1262520" y="1768680"/>
-            <a:ext cx="7553880" cy="4384440"/>
+            <a:off x="1262160" y="1768680"/>
+            <a:ext cx="7553520" cy="4383720"/>
           </a:xfrm>
           <a:prstGeom prst="rect">
             <a:avLst/>
@@ -2548,6 +3989,119 @@
           </a:ln>
         </p:spPr>
       </p:pic>
+      <p:sp>
+        <p:nvSpPr>
+          <p:cNvPr id="106" name="CustomShape 2"/>
+          <p:cNvSpPr/>
+          <p:nvPr/>
+        </p:nvSpPr>
+        <p:spPr>
+          <a:xfrm>
+            <a:off x="822960" y="6309360"/>
+            <a:ext cx="180360" cy="355320"/>
+          </a:xfrm>
+          <a:prstGeom prst="rect">
+            <a:avLst/>
+          </a:prstGeom>
+          <a:noFill/>
+          <a:ln>
+            <a:noFill/>
+          </a:ln>
+        </p:spPr>
+        <p:style>
+          <a:lnRef idx="0"/>
+          <a:fillRef idx="0"/>
+          <a:effectRef idx="0"/>
+          <a:fontRef idx="minor"/>
+        </p:style>
+      </p:sp>
+      <p:sp>
+        <p:nvSpPr>
+          <p:cNvPr id="107" name="CustomShape 3"/>
+          <p:cNvSpPr/>
+          <p:nvPr/>
+        </p:nvSpPr>
+        <p:spPr>
+          <a:xfrm>
+            <a:off x="4937760" y="7863840"/>
+            <a:ext cx="180360" cy="355320"/>
+          </a:xfrm>
+          <a:prstGeom prst="rect">
+            <a:avLst/>
+          </a:prstGeom>
+          <a:noFill/>
+          <a:ln>
+            <a:noFill/>
+          </a:ln>
+        </p:spPr>
+        <p:style>
+          <a:lnRef idx="0"/>
+          <a:fillRef idx="0"/>
+          <a:effectRef idx="0"/>
+          <a:fontRef idx="minor"/>
+        </p:style>
+      </p:sp>
+      <p:sp>
+        <p:nvSpPr>
+          <p:cNvPr id="108" name="CustomShape 4"/>
+          <p:cNvSpPr/>
+          <p:nvPr/>
+        </p:nvSpPr>
+        <p:spPr>
+          <a:xfrm>
+            <a:off x="822960" y="6309360"/>
+            <a:ext cx="8412120" cy="355320"/>
+          </a:xfrm>
+          <a:prstGeom prst="rect">
+            <a:avLst/>
+          </a:prstGeom>
+          <a:noFill/>
+          <a:ln>
+            <a:noFill/>
+          </a:ln>
+        </p:spPr>
+        <p:style>
+          <a:lnRef idx="0"/>
+          <a:fillRef idx="0"/>
+          <a:effectRef idx="0"/>
+          <a:fontRef idx="minor"/>
+        </p:style>
+        <p:txBody>
+          <a:bodyPr lIns="90000" rIns="90000" tIns="45000" bIns="45000"/>
+          <a:p>
+            <a:pPr algn="r">
+              <a:lnSpc>
+                <a:spcPct val="100000"/>
+              </a:lnSpc>
+            </a:pPr>
+            <a:r>
+              <a:rPr b="0" lang="en-US" sz="1800" spc="-1" strike="noStrike">
+                <a:solidFill>
+                  <a:srgbClr val="000000"/>
+                </a:solidFill>
+                <a:uFill>
+                  <a:solidFill>
+                    <a:srgbClr val="ffffff"/>
+                  </a:solidFill>
+                </a:uFill>
+                <a:latin typeface="DejaVu Sans"/>
+              </a:rPr>
+              <a:t>r = -0.707</a:t>
+            </a:r>
+            <a:endParaRPr b="0" lang="en-US" sz="1800" spc="-1" strike="noStrike">
+              <a:solidFill>
+                <a:srgbClr val="000000"/>
+              </a:solidFill>
+              <a:uFill>
+                <a:solidFill>
+                  <a:srgbClr val="ffffff"/>
+                </a:solidFill>
+              </a:uFill>
+              <a:latin typeface="Arial"/>
+            </a:endParaRPr>
+          </a:p>
+        </p:txBody>
+      </p:sp>
     </p:spTree>
   </p:cSld>
   <p:timing>
@@ -2599,14 +4153,14 @@
       </p:grpSpPr>
       <p:sp>
         <p:nvSpPr>
-          <p:cNvPr id="84" name="TextShape 1"/>
-          <p:cNvSpPr txBox="1"/>
+          <p:cNvPr id="109" name="CustomShape 1"/>
+          <p:cNvSpPr/>
           <p:nvPr/>
         </p:nvSpPr>
         <p:spPr>
           <a:xfrm>
-            <a:off x="504000" y="283680"/>
-            <a:ext cx="9071640" cy="1298520"/>
+            <a:off x="504000" y="283320"/>
+            <a:ext cx="9071280" cy="1298160"/>
           </a:xfrm>
           <a:prstGeom prst="rect">
             <a:avLst/>
@@ -2616,10 +4170,20 @@
             <a:noFill/>
           </a:ln>
         </p:spPr>
+        <p:style>
+          <a:lnRef idx="0"/>
+          <a:fillRef idx="0"/>
+          <a:effectRef idx="0"/>
+          <a:fontRef idx="minor"/>
+        </p:style>
         <p:txBody>
           <a:bodyPr lIns="0" rIns="0" tIns="0" bIns="0" anchor="ctr"/>
           <a:p>
-            <a:pPr algn="ctr"/>
+            <a:pPr algn="ctr">
+              <a:lnSpc>
+                <a:spcPct val="100000"/>
+              </a:lnSpc>
+            </a:pPr>
             <a:r>
               <a:rPr b="0" lang="en-US" sz="4400" spc="-1" strike="noStrike">
                 <a:solidFill>
@@ -2632,32 +4196,32 @@
                 </a:uFill>
                 <a:latin typeface="DejaVu Sans"/>
               </a:rPr>
-              <a:t>Effect of Neighborhood Racial Demographics</a:t>
+              <a:t>Correlation Between Population and Total Crime Reports</a:t>
             </a:r>
-            <a:endParaRPr b="0" lang="en-US" sz="4400" spc="-1" strike="noStrike">
-              <a:solidFill>
-                <a:srgbClr val="000000"/>
-              </a:solidFill>
-              <a:uFill>
-                <a:solidFill>
-                  <a:srgbClr val="ffffff"/>
-                </a:solidFill>
-              </a:uFill>
-              <a:latin typeface="DejaVu Sans"/>
-            </a:endParaRPr>
-          </a:p>
-        </p:txBody>
-      </p:sp>
-      <p:sp>
-        <p:nvSpPr>
-          <p:cNvPr id="85" name="TextShape 2"/>
-          <p:cNvSpPr txBox="1"/>
+            <a:endParaRPr b="0" lang="en-US" sz="1800" spc="-1" strike="noStrike">
+              <a:solidFill>
+                <a:srgbClr val="000000"/>
+              </a:solidFill>
+              <a:uFill>
+                <a:solidFill>
+                  <a:srgbClr val="ffffff"/>
+                </a:solidFill>
+              </a:uFill>
+              <a:latin typeface="Arial"/>
+            </a:endParaRPr>
+          </a:p>
+        </p:txBody>
+      </p:sp>
+      <p:sp>
+        <p:nvSpPr>
+          <p:cNvPr id="110" name="CustomShape 2"/>
+          <p:cNvSpPr/>
           <p:nvPr/>
         </p:nvSpPr>
         <p:spPr>
           <a:xfrm>
             <a:off x="822960" y="6309360"/>
-            <a:ext cx="180720" cy="355680"/>
+            <a:ext cx="180360" cy="355320"/>
           </a:xfrm>
           <a:prstGeom prst="rect">
             <a:avLst/>
@@ -2667,17 +4231,23 @@
             <a:noFill/>
           </a:ln>
         </p:spPr>
-      </p:sp>
-      <p:sp>
-        <p:nvSpPr>
-          <p:cNvPr id="86" name="TextShape 3"/>
-          <p:cNvSpPr txBox="1"/>
+        <p:style>
+          <a:lnRef idx="0"/>
+          <a:fillRef idx="0"/>
+          <a:effectRef idx="0"/>
+          <a:fontRef idx="minor"/>
+        </p:style>
+      </p:sp>
+      <p:sp>
+        <p:nvSpPr>
+          <p:cNvPr id="111" name="CustomShape 3"/>
+          <p:cNvSpPr/>
           <p:nvPr/>
         </p:nvSpPr>
         <p:spPr>
           <a:xfrm>
             <a:off x="4937760" y="7863840"/>
-            <a:ext cx="180720" cy="355680"/>
+            <a:ext cx="180360" cy="355320"/>
           </a:xfrm>
           <a:prstGeom prst="rect">
             <a:avLst/>
@@ -2687,17 +4257,23 @@
             <a:noFill/>
           </a:ln>
         </p:spPr>
-      </p:sp>
-      <p:sp>
-        <p:nvSpPr>
-          <p:cNvPr id="87" name="TextShape 4"/>
-          <p:cNvSpPr txBox="1"/>
+        <p:style>
+          <a:lnRef idx="0"/>
+          <a:fillRef idx="0"/>
+          <a:effectRef idx="0"/>
+          <a:fontRef idx="minor"/>
+        </p:style>
+      </p:sp>
+      <p:sp>
+        <p:nvSpPr>
+          <p:cNvPr id="112" name="CustomShape 4"/>
+          <p:cNvSpPr/>
           <p:nvPr/>
         </p:nvSpPr>
         <p:spPr>
           <a:xfrm>
             <a:off x="822960" y="6309360"/>
-            <a:ext cx="8412480" cy="886320"/>
+            <a:ext cx="8412120" cy="355320"/>
           </a:xfrm>
           <a:prstGeom prst="rect">
             <a:avLst/>
@@ -2707,9 +4283,20 @@
             <a:noFill/>
           </a:ln>
         </p:spPr>
+        <p:style>
+          <a:lnRef idx="0"/>
+          <a:fillRef idx="0"/>
+          <a:effectRef idx="0"/>
+          <a:fontRef idx="minor"/>
+        </p:style>
         <p:txBody>
           <a:bodyPr lIns="90000" rIns="90000" tIns="45000" bIns="45000"/>
           <a:p>
+            <a:pPr algn="r">
+              <a:lnSpc>
+                <a:spcPct val="100000"/>
+              </a:lnSpc>
+            </a:pPr>
             <a:r>
               <a:rPr b="0" lang="en-US" sz="1800" spc="-1" strike="noStrike">
                 <a:solidFill>
@@ -2722,7 +4309,7 @@
                 </a:uFill>
                 <a:latin typeface="DejaVu Sans"/>
               </a:rPr>
-              <a:t>Correlation coefficient for percent white: -0.347</a:t>
+              <a:t>r = -0.799</a:t>
             </a:r>
             <a:endParaRPr b="0" lang="en-US" sz="1800" spc="-1" strike="noStrike">
               <a:solidFill>
@@ -2733,68 +4320,14 @@
                   <a:srgbClr val="ffffff"/>
                 </a:solidFill>
               </a:uFill>
-              <a:latin typeface="DejaVu Sans"/>
-            </a:endParaRPr>
-          </a:p>
-          <a:p>
-            <a:r>
-              <a:rPr b="0" lang="en-US" sz="1800" spc="-1" strike="noStrike">
-                <a:solidFill>
-                  <a:srgbClr val="000000"/>
-                </a:solidFill>
-                <a:uFill>
-                  <a:solidFill>
-                    <a:srgbClr val="ffffff"/>
-                  </a:solidFill>
-                </a:uFill>
-                <a:latin typeface="DejaVu Sans"/>
-              </a:rPr>
-              <a:t>Correlation coefficient for percent black or African American: 0.169</a:t>
-            </a:r>
-            <a:endParaRPr b="0" lang="en-US" sz="1800" spc="-1" strike="noStrike">
-              <a:solidFill>
-                <a:srgbClr val="000000"/>
-              </a:solidFill>
-              <a:uFill>
-                <a:solidFill>
-                  <a:srgbClr val="ffffff"/>
-                </a:solidFill>
-              </a:uFill>
-              <a:latin typeface="DejaVu Sans"/>
-            </a:endParaRPr>
-          </a:p>
-          <a:p>
-            <a:r>
-              <a:rPr b="0" lang="en-US" sz="1800" spc="-1" strike="noStrike">
-                <a:solidFill>
-                  <a:srgbClr val="000000"/>
-                </a:solidFill>
-                <a:uFill>
-                  <a:solidFill>
-                    <a:srgbClr val="ffffff"/>
-                  </a:solidFill>
-                </a:uFill>
-                <a:latin typeface="DejaVu Sans"/>
-              </a:rPr>
-              <a:t>Correlation coefficient for percent not white: 0.342</a:t>
-            </a:r>
-            <a:endParaRPr b="0" lang="en-US" sz="1800" spc="-1" strike="noStrike">
-              <a:solidFill>
-                <a:srgbClr val="000000"/>
-              </a:solidFill>
-              <a:uFill>
-                <a:solidFill>
-                  <a:srgbClr val="ffffff"/>
-                </a:solidFill>
-              </a:uFill>
-              <a:latin typeface="DejaVu Sans"/>
+              <a:latin typeface="Arial"/>
             </a:endParaRPr>
           </a:p>
         </p:txBody>
       </p:sp>
       <p:pic>
         <p:nvPicPr>
-          <p:cNvPr id="88" name="" descr=""/>
+          <p:cNvPr id="113" name="" descr=""/>
           <p:cNvPicPr/>
           <p:nvPr/>
         </p:nvPicPr>
@@ -2804,8 +4337,8 @@
         </p:blipFill>
         <p:spPr>
           <a:xfrm>
-            <a:off x="1262160" y="1768680"/>
-            <a:ext cx="7553880" cy="4384080"/>
+            <a:off x="1262520" y="1768680"/>
+            <a:ext cx="7553520" cy="4384080"/>
           </a:xfrm>
           <a:prstGeom prst="rect">
             <a:avLst/>
@@ -2866,14 +4399,14 @@
       </p:grpSpPr>
       <p:sp>
         <p:nvSpPr>
-          <p:cNvPr id="89" name="TextShape 1"/>
-          <p:cNvSpPr txBox="1"/>
+          <p:cNvPr id="114" name="CustomShape 1"/>
+          <p:cNvSpPr/>
           <p:nvPr/>
         </p:nvSpPr>
         <p:spPr>
           <a:xfrm>
-            <a:off x="504000" y="301320"/>
-            <a:ext cx="9071640" cy="1262160"/>
+            <a:off x="504000" y="283320"/>
+            <a:ext cx="9071280" cy="1298160"/>
           </a:xfrm>
           <a:prstGeom prst="rect">
             <a:avLst/>
@@ -2883,34 +4416,58 @@
             <a:noFill/>
           </a:ln>
         </p:spPr>
+        <p:style>
+          <a:lnRef idx="0"/>
+          <a:fillRef idx="0"/>
+          <a:effectRef idx="0"/>
+          <a:fontRef idx="minor"/>
+        </p:style>
         <p:txBody>
           <a:bodyPr lIns="0" rIns="0" tIns="0" bIns="0" anchor="ctr"/>
           <a:p>
-            <a:pPr algn="ctr"/>
-            <a:endParaRPr b="0" lang="en-US" sz="4400" spc="-1" strike="noStrike">
-              <a:solidFill>
-                <a:srgbClr val="000000"/>
-              </a:solidFill>
-              <a:uFill>
-                <a:solidFill>
-                  <a:srgbClr val="ffffff"/>
-                </a:solidFill>
-              </a:uFill>
-              <a:latin typeface="DejaVu Sans"/>
-            </a:endParaRPr>
-          </a:p>
-        </p:txBody>
-      </p:sp>
-      <p:sp>
-        <p:nvSpPr>
-          <p:cNvPr id="90" name="TextShape 2"/>
-          <p:cNvSpPr txBox="1"/>
+            <a:pPr algn="ctr">
+              <a:lnSpc>
+                <a:spcPct val="100000"/>
+              </a:lnSpc>
+            </a:pPr>
+            <a:r>
+              <a:rPr b="0" lang="en-US" sz="4400" spc="-1" strike="noStrike">
+                <a:solidFill>
+                  <a:srgbClr val="000000"/>
+                </a:solidFill>
+                <a:uFill>
+                  <a:solidFill>
+                    <a:srgbClr val="ffffff"/>
+                  </a:solidFill>
+                </a:uFill>
+                <a:latin typeface="DejaVu Sans"/>
+              </a:rPr>
+              <a:t>Relationship Between Unemployment and Larceny</a:t>
+            </a:r>
+            <a:endParaRPr b="0" lang="en-US" sz="1800" spc="-1" strike="noStrike">
+              <a:solidFill>
+                <a:srgbClr val="000000"/>
+              </a:solidFill>
+              <a:uFill>
+                <a:solidFill>
+                  <a:srgbClr val="ffffff"/>
+                </a:solidFill>
+              </a:uFill>
+              <a:latin typeface="Arial"/>
+            </a:endParaRPr>
+          </a:p>
+        </p:txBody>
+      </p:sp>
+      <p:sp>
+        <p:nvSpPr>
+          <p:cNvPr id="115" name="CustomShape 2"/>
+          <p:cNvSpPr/>
           <p:nvPr/>
         </p:nvSpPr>
         <p:spPr>
           <a:xfrm>
-            <a:off x="504000" y="1769040"/>
-            <a:ext cx="9071640" cy="4384440"/>
+            <a:off x="822960" y="6309360"/>
+            <a:ext cx="180360" cy="355320"/>
           </a:xfrm>
           <a:prstGeom prst="rect">
             <a:avLst/>
@@ -2920,25 +4477,123 @@
             <a:noFill/>
           </a:ln>
         </p:spPr>
-        <p:txBody>
-          <a:bodyPr lIns="0" rIns="0" tIns="0" bIns="0">
-            <a:normAutofit/>
-          </a:bodyPr>
-          <a:p>
-            <a:endParaRPr b="0" lang="en-US" sz="3200" spc="-1" strike="noStrike">
-              <a:solidFill>
-                <a:srgbClr val="000000"/>
-              </a:solidFill>
-              <a:uFill>
-                <a:solidFill>
-                  <a:srgbClr val="ffffff"/>
-                </a:solidFill>
-              </a:uFill>
-              <a:latin typeface="DejaVu Sans"/>
-            </a:endParaRPr>
-          </a:p>
-        </p:txBody>
-      </p:sp>
+        <p:style>
+          <a:lnRef idx="0"/>
+          <a:fillRef idx="0"/>
+          <a:effectRef idx="0"/>
+          <a:fontRef idx="minor"/>
+        </p:style>
+      </p:sp>
+      <p:sp>
+        <p:nvSpPr>
+          <p:cNvPr id="116" name="CustomShape 3"/>
+          <p:cNvSpPr/>
+          <p:nvPr/>
+        </p:nvSpPr>
+        <p:spPr>
+          <a:xfrm>
+            <a:off x="4937760" y="7863840"/>
+            <a:ext cx="180360" cy="355320"/>
+          </a:xfrm>
+          <a:prstGeom prst="rect">
+            <a:avLst/>
+          </a:prstGeom>
+          <a:noFill/>
+          <a:ln>
+            <a:noFill/>
+          </a:ln>
+        </p:spPr>
+        <p:style>
+          <a:lnRef idx="0"/>
+          <a:fillRef idx="0"/>
+          <a:effectRef idx="0"/>
+          <a:fontRef idx="minor"/>
+        </p:style>
+      </p:sp>
+      <p:sp>
+        <p:nvSpPr>
+          <p:cNvPr id="117" name="CustomShape 4"/>
+          <p:cNvSpPr/>
+          <p:nvPr/>
+        </p:nvSpPr>
+        <p:spPr>
+          <a:xfrm>
+            <a:off x="822960" y="6309360"/>
+            <a:ext cx="8412120" cy="355320"/>
+          </a:xfrm>
+          <a:prstGeom prst="rect">
+            <a:avLst/>
+          </a:prstGeom>
+          <a:noFill/>
+          <a:ln>
+            <a:noFill/>
+          </a:ln>
+        </p:spPr>
+        <p:style>
+          <a:lnRef idx="0"/>
+          <a:fillRef idx="0"/>
+          <a:effectRef idx="0"/>
+          <a:fontRef idx="minor"/>
+        </p:style>
+        <p:txBody>
+          <a:bodyPr lIns="90000" rIns="90000" tIns="45000" bIns="45000"/>
+          <a:p>
+            <a:pPr algn="r">
+              <a:lnSpc>
+                <a:spcPct val="100000"/>
+              </a:lnSpc>
+            </a:pPr>
+            <a:r>
+              <a:rPr b="0" lang="en-US" sz="1800" spc="-1" strike="noStrike">
+                <a:solidFill>
+                  <a:srgbClr val="000000"/>
+                </a:solidFill>
+                <a:uFill>
+                  <a:solidFill>
+                    <a:srgbClr val="ffffff"/>
+                  </a:solidFill>
+                </a:uFill>
+                <a:latin typeface="DejaVu Sans"/>
+              </a:rPr>
+              <a:t>r = -0.382</a:t>
+            </a:r>
+            <a:endParaRPr b="0" lang="en-US" sz="1800" spc="-1" strike="noStrike">
+              <a:solidFill>
+                <a:srgbClr val="000000"/>
+              </a:solidFill>
+              <a:uFill>
+                <a:solidFill>
+                  <a:srgbClr val="ffffff"/>
+                </a:solidFill>
+              </a:uFill>
+              <a:latin typeface="Arial"/>
+            </a:endParaRPr>
+          </a:p>
+        </p:txBody>
+      </p:sp>
+      <p:pic>
+        <p:nvPicPr>
+          <p:cNvPr id="118" name="" descr=""/>
+          <p:cNvPicPr/>
+          <p:nvPr/>
+        </p:nvPicPr>
+        <p:blipFill>
+          <a:blip r:embed="rId1"/>
+          <a:stretch/>
+        </p:blipFill>
+        <p:spPr>
+          <a:xfrm>
+            <a:off x="1262160" y="1768680"/>
+            <a:ext cx="7553520" cy="4383720"/>
+          </a:xfrm>
+          <a:prstGeom prst="rect">
+            <a:avLst/>
+          </a:prstGeom>
+          <a:ln>
+            <a:noFill/>
+          </a:ln>
+        </p:spPr>
+      </p:pic>
     </p:spTree>
   </p:cSld>
   <p:timing>
@@ -2948,6 +4603,670 @@
           <p:childTnLst>
             <p:seq>
               <p:cTn id="24" nodeType="mainSeq"/>
+              <p:prevCondLst>
+                <p:cond delay="0" evt="onPrev">
+                  <p:tgtEl>
+                    <p:sldTgt/>
+                  </p:tgtEl>
+                </p:cond>
+              </p:prevCondLst>
+              <p:nextCondLst>
+                <p:cond delay="0" evt="onNext">
+                  <p:tgtEl>
+                    <p:sldTgt/>
+                  </p:tgtEl>
+                </p:cond>
+              </p:nextCondLst>
+            </p:seq>
+          </p:childTnLst>
+        </p:cTn>
+      </p:par>
+    </p:tnLst>
+  </p:timing>
+</p:sld>
+</file>
+
+<file path=ppt/slides/slide13.xml><?xml version="1.0" encoding="utf-8"?>
+<p:sld xmlns:a="http://schemas.openxmlformats.org/drawingml/2006/main" xmlns:p="http://schemas.openxmlformats.org/presentationml/2006/main" xmlns:r="http://schemas.openxmlformats.org/officeDocument/2006/relationships" xmlns:p14="http://schemas.microsoft.com/office/powerpoint/2010/main" xmlns:p15="http://schemas.microsoft.com/office/powerpoint/2012/main" xmlns:mc="http://schemas.openxmlformats.org/markup-compatibility/2006">
+  <p:cSld>
+    <p:spTree>
+      <p:nvGrpSpPr>
+        <p:cNvPr id="1" name=""/>
+        <p:cNvGrpSpPr/>
+        <p:nvPr/>
+      </p:nvGrpSpPr>
+      <p:grpSpPr>
+        <a:xfrm>
+          <a:off x="0" y="0"/>
+          <a:ext cx="0" cy="0"/>
+          <a:chOff x="0" y="0"/>
+          <a:chExt cx="0" cy="0"/>
+        </a:xfrm>
+      </p:grpSpPr>
+      <p:sp>
+        <p:nvSpPr>
+          <p:cNvPr id="119" name="CustomShape 1"/>
+          <p:cNvSpPr/>
+          <p:nvPr/>
+        </p:nvSpPr>
+        <p:spPr>
+          <a:xfrm>
+            <a:off x="504000" y="301320"/>
+            <a:ext cx="9071280" cy="1261800"/>
+          </a:xfrm>
+          <a:prstGeom prst="rect">
+            <a:avLst/>
+          </a:prstGeom>
+          <a:noFill/>
+          <a:ln>
+            <a:noFill/>
+          </a:ln>
+        </p:spPr>
+        <p:style>
+          <a:lnRef idx="0"/>
+          <a:fillRef idx="0"/>
+          <a:effectRef idx="0"/>
+          <a:fontRef idx="minor"/>
+        </p:style>
+        <p:txBody>
+          <a:bodyPr lIns="0" rIns="0" tIns="0" bIns="0" anchor="ctr"/>
+          <a:p>
+            <a:pPr algn="ctr">
+              <a:lnSpc>
+                <a:spcPct val="100000"/>
+              </a:lnSpc>
+            </a:pPr>
+            <a:r>
+              <a:rPr b="0" lang="en-US" sz="4400" spc="-1" strike="noStrike">
+                <a:solidFill>
+                  <a:srgbClr val="000000"/>
+                </a:solidFill>
+                <a:uFill>
+                  <a:solidFill>
+                    <a:srgbClr val="ffffff"/>
+                  </a:solidFill>
+                </a:uFill>
+                <a:latin typeface="DejaVu Sans"/>
+              </a:rPr>
+              <a:t>The “Ferguson Effect”</a:t>
+            </a:r>
+            <a:endParaRPr b="0" lang="en-US" sz="1800" spc="-1" strike="noStrike">
+              <a:solidFill>
+                <a:srgbClr val="000000"/>
+              </a:solidFill>
+              <a:uFill>
+                <a:solidFill>
+                  <a:srgbClr val="ffffff"/>
+                </a:solidFill>
+              </a:uFill>
+              <a:latin typeface="Arial"/>
+            </a:endParaRPr>
+          </a:p>
+        </p:txBody>
+      </p:sp>
+      <p:sp>
+        <p:nvSpPr>
+          <p:cNvPr id="120" name="CustomShape 2"/>
+          <p:cNvSpPr/>
+          <p:nvPr/>
+        </p:nvSpPr>
+        <p:spPr>
+          <a:xfrm>
+            <a:off x="822960" y="6309360"/>
+            <a:ext cx="180360" cy="355320"/>
+          </a:xfrm>
+          <a:prstGeom prst="rect">
+            <a:avLst/>
+          </a:prstGeom>
+          <a:noFill/>
+          <a:ln>
+            <a:noFill/>
+          </a:ln>
+        </p:spPr>
+        <p:style>
+          <a:lnRef idx="0"/>
+          <a:fillRef idx="0"/>
+          <a:effectRef idx="0"/>
+          <a:fontRef idx="minor"/>
+        </p:style>
+      </p:sp>
+      <p:sp>
+        <p:nvSpPr>
+          <p:cNvPr id="121" name="CustomShape 3"/>
+          <p:cNvSpPr/>
+          <p:nvPr/>
+        </p:nvSpPr>
+        <p:spPr>
+          <a:xfrm>
+            <a:off x="4937760" y="7863840"/>
+            <a:ext cx="180360" cy="355320"/>
+          </a:xfrm>
+          <a:prstGeom prst="rect">
+            <a:avLst/>
+          </a:prstGeom>
+          <a:noFill/>
+          <a:ln>
+            <a:noFill/>
+          </a:ln>
+        </p:spPr>
+        <p:style>
+          <a:lnRef idx="0"/>
+          <a:fillRef idx="0"/>
+          <a:effectRef idx="0"/>
+          <a:fontRef idx="minor"/>
+        </p:style>
+      </p:sp>
+      <p:sp>
+        <p:nvSpPr>
+          <p:cNvPr id="122" name="CustomShape 4"/>
+          <p:cNvSpPr/>
+          <p:nvPr/>
+        </p:nvSpPr>
+        <p:spPr>
+          <a:xfrm>
+            <a:off x="822960" y="6309360"/>
+            <a:ext cx="8412120" cy="620640"/>
+          </a:xfrm>
+          <a:prstGeom prst="rect">
+            <a:avLst/>
+          </a:prstGeom>
+          <a:noFill/>
+          <a:ln>
+            <a:noFill/>
+          </a:ln>
+        </p:spPr>
+        <p:style>
+          <a:lnRef idx="0"/>
+          <a:fillRef idx="0"/>
+          <a:effectRef idx="0"/>
+          <a:fontRef idx="minor"/>
+        </p:style>
+        <p:txBody>
+          <a:bodyPr lIns="90000" rIns="90000" tIns="45000" bIns="45000"/>
+          <a:p>
+            <a:r>
+              <a:rPr b="0" lang="en-US" sz="1800" spc="-1" strike="noStrike">
+                <a:solidFill>
+                  <a:srgbClr val="000000"/>
+                </a:solidFill>
+                <a:uFill>
+                  <a:solidFill>
+                    <a:srgbClr val="ffffff"/>
+                  </a:solidFill>
+                </a:uFill>
+                <a:latin typeface="DejaVu Sans"/>
+              </a:rPr>
+              <a:t>Pre-Ferguson mean: 2.46 robberies per day</a:t>
+            </a:r>
+            <a:endParaRPr b="0" lang="en-US" sz="1800" spc="-1" strike="noStrike">
+              <a:solidFill>
+                <a:srgbClr val="000000"/>
+              </a:solidFill>
+              <a:uFill>
+                <a:solidFill>
+                  <a:srgbClr val="ffffff"/>
+                </a:solidFill>
+              </a:uFill>
+              <a:latin typeface="Arial"/>
+            </a:endParaRPr>
+          </a:p>
+          <a:p>
+            <a:r>
+              <a:rPr b="0" lang="en-US" sz="1800" spc="-1" strike="noStrike">
+                <a:solidFill>
+                  <a:srgbClr val="000000"/>
+                </a:solidFill>
+                <a:uFill>
+                  <a:solidFill>
+                    <a:srgbClr val="ffffff"/>
+                  </a:solidFill>
+                </a:uFill>
+                <a:latin typeface="DejaVu Sans"/>
+              </a:rPr>
+              <a:t>Post-Ferguson mean: 2.29 robberies per day</a:t>
+            </a:r>
+            <a:endParaRPr b="0" lang="en-US" sz="1800" spc="-1" strike="noStrike">
+              <a:solidFill>
+                <a:srgbClr val="000000"/>
+              </a:solidFill>
+              <a:uFill>
+                <a:solidFill>
+                  <a:srgbClr val="ffffff"/>
+                </a:solidFill>
+              </a:uFill>
+              <a:latin typeface="Arial"/>
+            </a:endParaRPr>
+          </a:p>
+        </p:txBody>
+      </p:sp>
+      <p:pic>
+        <p:nvPicPr>
+          <p:cNvPr id="123" name="" descr=""/>
+          <p:cNvPicPr/>
+          <p:nvPr/>
+        </p:nvPicPr>
+        <p:blipFill>
+          <a:blip r:embed="rId1"/>
+          <a:stretch/>
+        </p:blipFill>
+        <p:spPr>
+          <a:xfrm>
+            <a:off x="1262520" y="1768680"/>
+            <a:ext cx="7553520" cy="4384080"/>
+          </a:xfrm>
+          <a:prstGeom prst="rect">
+            <a:avLst/>
+          </a:prstGeom>
+          <a:ln>
+            <a:noFill/>
+          </a:ln>
+        </p:spPr>
+      </p:pic>
+    </p:spTree>
+  </p:cSld>
+  <p:timing>
+    <p:tnLst>
+      <p:par>
+        <p:cTn id="25" dur="indefinite" restart="never" nodeType="tmRoot">
+          <p:childTnLst>
+            <p:seq>
+              <p:cTn id="26" nodeType="mainSeq"/>
+              <p:prevCondLst>
+                <p:cond delay="0" evt="onPrev">
+                  <p:tgtEl>
+                    <p:sldTgt/>
+                  </p:tgtEl>
+                </p:cond>
+              </p:prevCondLst>
+              <p:nextCondLst>
+                <p:cond delay="0" evt="onNext">
+                  <p:tgtEl>
+                    <p:sldTgt/>
+                  </p:tgtEl>
+                </p:cond>
+              </p:nextCondLst>
+            </p:seq>
+          </p:childTnLst>
+        </p:cTn>
+      </p:par>
+    </p:tnLst>
+  </p:timing>
+</p:sld>
+</file>
+
+<file path=ppt/slides/slide14.xml><?xml version="1.0" encoding="utf-8"?>
+<p:sld xmlns:a="http://schemas.openxmlformats.org/drawingml/2006/main" xmlns:p="http://schemas.openxmlformats.org/presentationml/2006/main" xmlns:r="http://schemas.openxmlformats.org/officeDocument/2006/relationships" xmlns:p14="http://schemas.microsoft.com/office/powerpoint/2010/main" xmlns:p15="http://schemas.microsoft.com/office/powerpoint/2012/main" xmlns:mc="http://schemas.openxmlformats.org/markup-compatibility/2006">
+  <p:cSld>
+    <p:spTree>
+      <p:nvGrpSpPr>
+        <p:cNvPr id="1" name=""/>
+        <p:cNvGrpSpPr/>
+        <p:nvPr/>
+      </p:nvGrpSpPr>
+      <p:grpSpPr>
+        <a:xfrm>
+          <a:off x="0" y="0"/>
+          <a:ext cx="0" cy="0"/>
+          <a:chOff x="0" y="0"/>
+          <a:chExt cx="0" cy="0"/>
+        </a:xfrm>
+      </p:grpSpPr>
+      <p:sp>
+        <p:nvSpPr>
+          <p:cNvPr id="124" name="CustomShape 1"/>
+          <p:cNvSpPr/>
+          <p:nvPr/>
+        </p:nvSpPr>
+        <p:spPr>
+          <a:xfrm>
+            <a:off x="504000" y="283680"/>
+            <a:ext cx="9071280" cy="1298160"/>
+          </a:xfrm>
+          <a:prstGeom prst="rect">
+            <a:avLst/>
+          </a:prstGeom>
+          <a:noFill/>
+          <a:ln>
+            <a:noFill/>
+          </a:ln>
+        </p:spPr>
+        <p:style>
+          <a:lnRef idx="0"/>
+          <a:fillRef idx="0"/>
+          <a:effectRef idx="0"/>
+          <a:fontRef idx="minor"/>
+        </p:style>
+        <p:txBody>
+          <a:bodyPr lIns="0" rIns="0" tIns="0" bIns="0" anchor="ctr"/>
+          <a:p>
+            <a:pPr algn="ctr">
+              <a:lnSpc>
+                <a:spcPct val="100000"/>
+              </a:lnSpc>
+            </a:pPr>
+            <a:r>
+              <a:rPr b="0" lang="en-US" sz="4400" spc="-1" strike="noStrike">
+                <a:solidFill>
+                  <a:srgbClr val="000000"/>
+                </a:solidFill>
+                <a:uFill>
+                  <a:solidFill>
+                    <a:srgbClr val="ffffff"/>
+                  </a:solidFill>
+                </a:uFill>
+                <a:latin typeface="DejaVu Sans"/>
+              </a:rPr>
+              <a:t>Effect of Neighborhood Racial Demographics</a:t>
+            </a:r>
+            <a:endParaRPr b="0" lang="en-US" sz="1800" spc="-1" strike="noStrike">
+              <a:solidFill>
+                <a:srgbClr val="000000"/>
+              </a:solidFill>
+              <a:uFill>
+                <a:solidFill>
+                  <a:srgbClr val="ffffff"/>
+                </a:solidFill>
+              </a:uFill>
+              <a:latin typeface="Arial"/>
+            </a:endParaRPr>
+          </a:p>
+        </p:txBody>
+      </p:sp>
+      <p:sp>
+        <p:nvSpPr>
+          <p:cNvPr id="125" name="CustomShape 2"/>
+          <p:cNvSpPr/>
+          <p:nvPr/>
+        </p:nvSpPr>
+        <p:spPr>
+          <a:xfrm>
+            <a:off x="822960" y="6309360"/>
+            <a:ext cx="180360" cy="355320"/>
+          </a:xfrm>
+          <a:prstGeom prst="rect">
+            <a:avLst/>
+          </a:prstGeom>
+          <a:noFill/>
+          <a:ln>
+            <a:noFill/>
+          </a:ln>
+        </p:spPr>
+        <p:style>
+          <a:lnRef idx="0"/>
+          <a:fillRef idx="0"/>
+          <a:effectRef idx="0"/>
+          <a:fontRef idx="minor"/>
+        </p:style>
+      </p:sp>
+      <p:sp>
+        <p:nvSpPr>
+          <p:cNvPr id="126" name="CustomShape 3"/>
+          <p:cNvSpPr/>
+          <p:nvPr/>
+        </p:nvSpPr>
+        <p:spPr>
+          <a:xfrm>
+            <a:off x="4937760" y="7863840"/>
+            <a:ext cx="180360" cy="355320"/>
+          </a:xfrm>
+          <a:prstGeom prst="rect">
+            <a:avLst/>
+          </a:prstGeom>
+          <a:noFill/>
+          <a:ln>
+            <a:noFill/>
+          </a:ln>
+        </p:spPr>
+        <p:style>
+          <a:lnRef idx="0"/>
+          <a:fillRef idx="0"/>
+          <a:effectRef idx="0"/>
+          <a:fontRef idx="minor"/>
+        </p:style>
+      </p:sp>
+      <p:sp>
+        <p:nvSpPr>
+          <p:cNvPr id="127" name="CustomShape 4"/>
+          <p:cNvSpPr/>
+          <p:nvPr/>
+        </p:nvSpPr>
+        <p:spPr>
+          <a:xfrm>
+            <a:off x="822960" y="6309360"/>
+            <a:ext cx="8412120" cy="885960"/>
+          </a:xfrm>
+          <a:prstGeom prst="rect">
+            <a:avLst/>
+          </a:prstGeom>
+          <a:noFill/>
+          <a:ln>
+            <a:noFill/>
+          </a:ln>
+        </p:spPr>
+        <p:style>
+          <a:lnRef idx="0"/>
+          <a:fillRef idx="0"/>
+          <a:effectRef idx="0"/>
+          <a:fontRef idx="minor"/>
+        </p:style>
+        <p:txBody>
+          <a:bodyPr lIns="90000" rIns="90000" tIns="45000" bIns="45000"/>
+          <a:p>
+            <a:r>
+              <a:rPr b="0" lang="en-US" sz="1800" spc="-1" strike="noStrike">
+                <a:solidFill>
+                  <a:srgbClr val="000000"/>
+                </a:solidFill>
+                <a:uFill>
+                  <a:solidFill>
+                    <a:srgbClr val="ffffff"/>
+                  </a:solidFill>
+                </a:uFill>
+                <a:latin typeface="DejaVu Sans"/>
+              </a:rPr>
+              <a:t>Correlation coefficient for percent white: -0.347</a:t>
+            </a:r>
+            <a:endParaRPr b="0" lang="en-US" sz="1800" spc="-1" strike="noStrike">
+              <a:solidFill>
+                <a:srgbClr val="000000"/>
+              </a:solidFill>
+              <a:uFill>
+                <a:solidFill>
+                  <a:srgbClr val="ffffff"/>
+                </a:solidFill>
+              </a:uFill>
+              <a:latin typeface="Arial"/>
+            </a:endParaRPr>
+          </a:p>
+          <a:p>
+            <a:r>
+              <a:rPr b="0" lang="en-US" sz="1800" spc="-1" strike="noStrike">
+                <a:solidFill>
+                  <a:srgbClr val="000000"/>
+                </a:solidFill>
+                <a:uFill>
+                  <a:solidFill>
+                    <a:srgbClr val="ffffff"/>
+                  </a:solidFill>
+                </a:uFill>
+                <a:latin typeface="DejaVu Sans"/>
+              </a:rPr>
+              <a:t>Correlation coefficient for percent black or African American: 0.169</a:t>
+            </a:r>
+            <a:endParaRPr b="0" lang="en-US" sz="1800" spc="-1" strike="noStrike">
+              <a:solidFill>
+                <a:srgbClr val="000000"/>
+              </a:solidFill>
+              <a:uFill>
+                <a:solidFill>
+                  <a:srgbClr val="ffffff"/>
+                </a:solidFill>
+              </a:uFill>
+              <a:latin typeface="Arial"/>
+            </a:endParaRPr>
+          </a:p>
+          <a:p>
+            <a:r>
+              <a:rPr b="0" lang="en-US" sz="1800" spc="-1" strike="noStrike">
+                <a:solidFill>
+                  <a:srgbClr val="000000"/>
+                </a:solidFill>
+                <a:uFill>
+                  <a:solidFill>
+                    <a:srgbClr val="ffffff"/>
+                  </a:solidFill>
+                </a:uFill>
+                <a:latin typeface="DejaVu Sans"/>
+              </a:rPr>
+              <a:t>Correlation coefficient for percent not white: 0.342</a:t>
+            </a:r>
+            <a:endParaRPr b="0" lang="en-US" sz="1800" spc="-1" strike="noStrike">
+              <a:solidFill>
+                <a:srgbClr val="000000"/>
+              </a:solidFill>
+              <a:uFill>
+                <a:solidFill>
+                  <a:srgbClr val="ffffff"/>
+                </a:solidFill>
+              </a:uFill>
+              <a:latin typeface="Arial"/>
+            </a:endParaRPr>
+          </a:p>
+        </p:txBody>
+      </p:sp>
+      <p:pic>
+        <p:nvPicPr>
+          <p:cNvPr id="128" name="" descr=""/>
+          <p:cNvPicPr/>
+          <p:nvPr/>
+        </p:nvPicPr>
+        <p:blipFill>
+          <a:blip r:embed="rId1"/>
+          <a:stretch/>
+        </p:blipFill>
+        <p:spPr>
+          <a:xfrm>
+            <a:off x="1262160" y="1768680"/>
+            <a:ext cx="7553520" cy="4383720"/>
+          </a:xfrm>
+          <a:prstGeom prst="rect">
+            <a:avLst/>
+          </a:prstGeom>
+          <a:ln>
+            <a:noFill/>
+          </a:ln>
+        </p:spPr>
+      </p:pic>
+    </p:spTree>
+  </p:cSld>
+  <p:timing>
+    <p:tnLst>
+      <p:par>
+        <p:cTn id="27" dur="indefinite" restart="never" nodeType="tmRoot">
+          <p:childTnLst>
+            <p:seq>
+              <p:cTn id="28" nodeType="mainSeq"/>
+              <p:prevCondLst>
+                <p:cond delay="0" evt="onPrev">
+                  <p:tgtEl>
+                    <p:sldTgt/>
+                  </p:tgtEl>
+                </p:cond>
+              </p:prevCondLst>
+              <p:nextCondLst>
+                <p:cond delay="0" evt="onNext">
+                  <p:tgtEl>
+                    <p:sldTgt/>
+                  </p:tgtEl>
+                </p:cond>
+              </p:nextCondLst>
+            </p:seq>
+          </p:childTnLst>
+        </p:cTn>
+      </p:par>
+    </p:tnLst>
+  </p:timing>
+</p:sld>
+</file>
+
+<file path=ppt/slides/slide15.xml><?xml version="1.0" encoding="utf-8"?>
+<p:sld xmlns:a="http://schemas.openxmlformats.org/drawingml/2006/main" xmlns:p="http://schemas.openxmlformats.org/presentationml/2006/main" xmlns:r="http://schemas.openxmlformats.org/officeDocument/2006/relationships" xmlns:p14="http://schemas.microsoft.com/office/powerpoint/2010/main" xmlns:p15="http://schemas.microsoft.com/office/powerpoint/2012/main" xmlns:mc="http://schemas.openxmlformats.org/markup-compatibility/2006">
+  <p:cSld>
+    <p:spTree>
+      <p:nvGrpSpPr>
+        <p:cNvPr id="1" name=""/>
+        <p:cNvGrpSpPr/>
+        <p:nvPr/>
+      </p:nvGrpSpPr>
+      <p:grpSpPr>
+        <a:xfrm>
+          <a:off x="0" y="0"/>
+          <a:ext cx="0" cy="0"/>
+          <a:chOff x="0" y="0"/>
+          <a:chExt cx="0" cy="0"/>
+        </a:xfrm>
+      </p:grpSpPr>
+      <p:sp>
+        <p:nvSpPr>
+          <p:cNvPr id="129" name="CustomShape 1"/>
+          <p:cNvSpPr/>
+          <p:nvPr/>
+        </p:nvSpPr>
+        <p:spPr>
+          <a:xfrm>
+            <a:off x="504000" y="301320"/>
+            <a:ext cx="9071280" cy="1261800"/>
+          </a:xfrm>
+          <a:prstGeom prst="rect">
+            <a:avLst/>
+          </a:prstGeom>
+          <a:noFill/>
+          <a:ln>
+            <a:noFill/>
+          </a:ln>
+        </p:spPr>
+        <p:style>
+          <a:lnRef idx="0"/>
+          <a:fillRef idx="0"/>
+          <a:effectRef idx="0"/>
+          <a:fontRef idx="minor"/>
+        </p:style>
+      </p:sp>
+      <p:sp>
+        <p:nvSpPr>
+          <p:cNvPr id="130" name="CustomShape 2"/>
+          <p:cNvSpPr/>
+          <p:nvPr/>
+        </p:nvSpPr>
+        <p:spPr>
+          <a:xfrm>
+            <a:off x="504000" y="1769040"/>
+            <a:ext cx="9071280" cy="4384080"/>
+          </a:xfrm>
+          <a:prstGeom prst="rect">
+            <a:avLst/>
+          </a:prstGeom>
+          <a:noFill/>
+          <a:ln>
+            <a:noFill/>
+          </a:ln>
+        </p:spPr>
+        <p:style>
+          <a:lnRef idx="0"/>
+          <a:fillRef idx="0"/>
+          <a:effectRef idx="0"/>
+          <a:fontRef idx="minor"/>
+        </p:style>
+      </p:sp>
+    </p:spTree>
+  </p:cSld>
+  <p:timing>
+    <p:tnLst>
+      <p:par>
+        <p:cTn id="29" dur="indefinite" restart="never" nodeType="tmRoot">
+          <p:childTnLst>
+            <p:seq>
+              <p:cTn id="30" nodeType="mainSeq"/>
               <p:prevCondLst>
                 <p:cond delay="0" evt="onPrev">
                   <p:tgtEl>
@@ -2990,14 +5309,14 @@
       </p:grpSpPr>
       <p:sp>
         <p:nvSpPr>
-          <p:cNvPr id="43" name="TextShape 1"/>
+          <p:cNvPr id="74" name="TextShape 1"/>
           <p:cNvSpPr txBox="1"/>
           <p:nvPr/>
         </p:nvSpPr>
         <p:spPr>
           <a:xfrm>
             <a:off x="504000" y="301320"/>
-            <a:ext cx="9071640" cy="1262160"/>
+            <a:ext cx="9071280" cy="1261800"/>
           </a:xfrm>
           <a:prstGeom prst="rect">
             <a:avLst/>
@@ -3021,9 +5340,9 @@
                     <a:srgbClr val="ffffff"/>
                   </a:solidFill>
                 </a:uFill>
-                <a:latin typeface="DejaVu Sans"/>
+                <a:latin typeface="Arial"/>
               </a:rPr>
-              <a:t>Crime Reports per Year</a:t>
+              <a:t>Questions:</a:t>
             </a:r>
             <a:endParaRPr b="0" lang="en-US" sz="4400" spc="-1" strike="noStrike">
               <a:solidFill>
@@ -3034,34 +5353,209 @@
                   <a:srgbClr val="ffffff"/>
                 </a:solidFill>
               </a:uFill>
-              <a:latin typeface="DejaVu Sans"/>
-            </a:endParaRPr>
-          </a:p>
-        </p:txBody>
-      </p:sp>
-      <p:pic>
-        <p:nvPicPr>
-          <p:cNvPr id="44" name="" descr=""/>
-          <p:cNvPicPr/>
+              <a:latin typeface="Arial"/>
+            </a:endParaRPr>
+          </a:p>
+        </p:txBody>
+      </p:sp>
+      <p:sp>
+        <p:nvSpPr>
+          <p:cNvPr id="75" name="TextShape 2"/>
+          <p:cNvSpPr txBox="1"/>
           <p:nvPr/>
-        </p:nvPicPr>
-        <p:blipFill>
-          <a:blip r:embed="rId1"/>
-          <a:stretch/>
-        </p:blipFill>
-        <p:spPr>
-          <a:xfrm>
-            <a:off x="1262520" y="1768680"/>
-            <a:ext cx="7553880" cy="4384440"/>
-          </a:xfrm>
-          <a:prstGeom prst="rect">
-            <a:avLst/>
-          </a:prstGeom>
+        </p:nvSpPr>
+        <p:spPr>
+          <a:xfrm>
+            <a:off x="504000" y="1768680"/>
+            <a:ext cx="9072000" cy="4384080"/>
+          </a:xfrm>
+          <a:prstGeom prst="rect">
+            <a:avLst/>
+          </a:prstGeom>
+          <a:noFill/>
           <a:ln>
             <a:noFill/>
           </a:ln>
         </p:spPr>
-      </p:pic>
+        <p:txBody>
+          <a:bodyPr lIns="0" rIns="0" tIns="0" bIns="0"/>
+          <a:p>
+            <a:pPr marL="432000" indent="-324000">
+              <a:buClr>
+                <a:srgbClr val="000000"/>
+              </a:buClr>
+              <a:buSzPct val="45000"/>
+              <a:buFont typeface="Wingdings" charset="2"/>
+              <a:buChar char=""/>
+            </a:pPr>
+            <a:r>
+              <a:rPr b="0" lang="en-US" sz="3200" spc="-1" strike="noStrike">
+                <a:solidFill>
+                  <a:srgbClr val="000000"/>
+                </a:solidFill>
+                <a:uFill>
+                  <a:solidFill>
+                    <a:srgbClr val="ffffff"/>
+                  </a:solidFill>
+                </a:uFill>
+                <a:latin typeface="Arial"/>
+              </a:rPr>
+              <a:t>How has crime changed?</a:t>
+            </a:r>
+            <a:endParaRPr b="0" lang="en-US" sz="3200" spc="-1" strike="noStrike">
+              <a:solidFill>
+                <a:srgbClr val="000000"/>
+              </a:solidFill>
+              <a:uFill>
+                <a:solidFill>
+                  <a:srgbClr val="ffffff"/>
+                </a:solidFill>
+              </a:uFill>
+              <a:latin typeface="Arial"/>
+            </a:endParaRPr>
+          </a:p>
+          <a:p>
+            <a:pPr marL="432000" indent="-324000">
+              <a:buClr>
+                <a:srgbClr val="000000"/>
+              </a:buClr>
+              <a:buSzPct val="45000"/>
+              <a:buFont typeface="Wingdings" charset="2"/>
+              <a:buChar char=""/>
+            </a:pPr>
+            <a:r>
+              <a:rPr b="0" lang="en-US" sz="3200" spc="-1" strike="noStrike">
+                <a:solidFill>
+                  <a:srgbClr val="000000"/>
+                </a:solidFill>
+                <a:uFill>
+                  <a:solidFill>
+                    <a:srgbClr val="ffffff"/>
+                  </a:solidFill>
+                </a:uFill>
+                <a:latin typeface="Arial"/>
+              </a:rPr>
+              <a:t>What factors have a significant effect on these changes?</a:t>
+            </a:r>
+            <a:endParaRPr b="0" lang="en-US" sz="3200" spc="-1" strike="noStrike">
+              <a:solidFill>
+                <a:srgbClr val="000000"/>
+              </a:solidFill>
+              <a:uFill>
+                <a:solidFill>
+                  <a:srgbClr val="ffffff"/>
+                </a:solidFill>
+              </a:uFill>
+              <a:latin typeface="Arial"/>
+            </a:endParaRPr>
+          </a:p>
+          <a:p>
+            <a:pPr marL="432000" indent="-324000">
+              <a:buClr>
+                <a:srgbClr val="000000"/>
+              </a:buClr>
+              <a:buSzPct val="45000"/>
+              <a:buFont typeface="Wingdings" charset="2"/>
+              <a:buChar char=""/>
+            </a:pPr>
+            <a:r>
+              <a:rPr b="0" lang="en-US" sz="3200" spc="-1" strike="noStrike">
+                <a:solidFill>
+                  <a:srgbClr val="000000"/>
+                </a:solidFill>
+                <a:uFill>
+                  <a:solidFill>
+                    <a:srgbClr val="ffffff"/>
+                  </a:solidFill>
+                </a:uFill>
+                <a:latin typeface="Arial"/>
+              </a:rPr>
+              <a:t>Do different types of crime change differently?</a:t>
+            </a:r>
+            <a:endParaRPr b="0" lang="en-US" sz="3200" spc="-1" strike="noStrike">
+              <a:solidFill>
+                <a:srgbClr val="000000"/>
+              </a:solidFill>
+              <a:uFill>
+                <a:solidFill>
+                  <a:srgbClr val="ffffff"/>
+                </a:solidFill>
+              </a:uFill>
+              <a:latin typeface="Arial"/>
+            </a:endParaRPr>
+          </a:p>
+          <a:p>
+            <a:pPr marL="432000" indent="-324000">
+              <a:buClr>
+                <a:srgbClr val="000000"/>
+              </a:buClr>
+              <a:buSzPct val="45000"/>
+              <a:buFont typeface="Wingdings" charset="2"/>
+              <a:buChar char=""/>
+            </a:pPr>
+            <a:r>
+              <a:rPr b="0" lang="en-US" sz="3200" spc="-1" strike="noStrike">
+                <a:solidFill>
+                  <a:srgbClr val="000000"/>
+                </a:solidFill>
+                <a:uFill>
+                  <a:solidFill>
+                    <a:srgbClr val="ffffff"/>
+                  </a:solidFill>
+                </a:uFill>
+                <a:latin typeface="Arial"/>
+              </a:rPr>
+              <a:t>How does geography and neighborhood composition affect crime rates?</a:t>
+            </a:r>
+            <a:endParaRPr b="0" lang="en-US" sz="3200" spc="-1" strike="noStrike">
+              <a:solidFill>
+                <a:srgbClr val="000000"/>
+              </a:solidFill>
+              <a:uFill>
+                <a:solidFill>
+                  <a:srgbClr val="ffffff"/>
+                </a:solidFill>
+              </a:uFill>
+              <a:latin typeface="Arial"/>
+            </a:endParaRPr>
+          </a:p>
+          <a:p>
+            <a:pPr marL="432000" indent="-324000">
+              <a:buClr>
+                <a:srgbClr val="000000"/>
+              </a:buClr>
+              <a:buSzPct val="45000"/>
+              <a:buFont typeface="Wingdings" charset="2"/>
+              <a:buChar char=""/>
+            </a:pPr>
+            <a:r>
+              <a:rPr b="0" lang="en-US" sz="3200" spc="-1" strike="noStrike">
+                <a:solidFill>
+                  <a:srgbClr val="000000"/>
+                </a:solidFill>
+                <a:uFill>
+                  <a:solidFill>
+                    <a:srgbClr val="ffffff"/>
+                  </a:solidFill>
+                </a:uFill>
+                <a:latin typeface="Arial"/>
+              </a:rPr>
+              <a:t>What questions about crime might we be able to answer with more information?</a:t>
+            </a:r>
+            <a:endParaRPr b="0" lang="en-US" sz="3200" spc="-1" strike="noStrike">
+              <a:solidFill>
+                <a:srgbClr val="000000"/>
+              </a:solidFill>
+              <a:uFill>
+                <a:solidFill>
+                  <a:srgbClr val="ffffff"/>
+                </a:solidFill>
+              </a:uFill>
+              <a:latin typeface="Arial"/>
+            </a:endParaRPr>
+          </a:p>
+        </p:txBody>
+      </p:sp>
     </p:spTree>
   </p:cSld>
   <p:timing>
@@ -3113,14 +5607,14 @@
       </p:grpSpPr>
       <p:sp>
         <p:nvSpPr>
-          <p:cNvPr id="45" name="TextShape 1"/>
-          <p:cNvSpPr txBox="1"/>
+          <p:cNvPr id="76" name="CustomShape 1"/>
+          <p:cNvSpPr/>
           <p:nvPr/>
         </p:nvSpPr>
         <p:spPr>
           <a:xfrm>
             <a:off x="504000" y="301320"/>
-            <a:ext cx="9071640" cy="1262160"/>
+            <a:ext cx="9071280" cy="1261800"/>
           </a:xfrm>
           <a:prstGeom prst="rect">
             <a:avLst/>
@@ -3130,10 +5624,20 @@
             <a:noFill/>
           </a:ln>
         </p:spPr>
+        <p:style>
+          <a:lnRef idx="0"/>
+          <a:fillRef idx="0"/>
+          <a:effectRef idx="0"/>
+          <a:fontRef idx="minor"/>
+        </p:style>
         <p:txBody>
           <a:bodyPr lIns="0" rIns="0" tIns="0" bIns="0" anchor="ctr"/>
           <a:p>
-            <a:pPr algn="ctr"/>
+            <a:pPr algn="ctr">
+              <a:lnSpc>
+                <a:spcPct val="100000"/>
+              </a:lnSpc>
+            </a:pPr>
             <a:r>
               <a:rPr b="0" lang="en-US" sz="4400" spc="-1" strike="noStrike">
                 <a:solidFill>
@@ -3146,55 +5650,32 @@
                 </a:uFill>
                 <a:latin typeface="DejaVu Sans"/>
               </a:rPr>
-              <a:t>Homicides per Year</a:t>
+              <a:t>Data Sources</a:t>
             </a:r>
-            <a:endParaRPr b="0" lang="en-US" sz="4400" spc="-1" strike="noStrike">
-              <a:solidFill>
-                <a:srgbClr val="000000"/>
-              </a:solidFill>
-              <a:uFill>
-                <a:solidFill>
-                  <a:srgbClr val="ffffff"/>
-                </a:solidFill>
-              </a:uFill>
-              <a:latin typeface="DejaVu Sans"/>
-            </a:endParaRPr>
-          </a:p>
-        </p:txBody>
-      </p:sp>
-      <p:pic>
-        <p:nvPicPr>
-          <p:cNvPr id="46" name="" descr=""/>
-          <p:cNvPicPr/>
+            <a:endParaRPr b="0" lang="en-US" sz="1800" spc="-1" strike="noStrike">
+              <a:solidFill>
+                <a:srgbClr val="000000"/>
+              </a:solidFill>
+              <a:uFill>
+                <a:solidFill>
+                  <a:srgbClr val="ffffff"/>
+                </a:solidFill>
+              </a:uFill>
+              <a:latin typeface="Arial"/>
+            </a:endParaRPr>
+          </a:p>
+        </p:txBody>
+      </p:sp>
+      <p:sp>
+        <p:nvSpPr>
+          <p:cNvPr id="77" name="CustomShape 2"/>
+          <p:cNvSpPr/>
           <p:nvPr/>
-        </p:nvPicPr>
-        <p:blipFill>
-          <a:blip r:embed="rId1"/>
-          <a:stretch/>
-        </p:blipFill>
-        <p:spPr>
-          <a:xfrm>
-            <a:off x="1262160" y="1768680"/>
-            <a:ext cx="7553880" cy="4384080"/>
-          </a:xfrm>
-          <a:prstGeom prst="rect">
-            <a:avLst/>
-          </a:prstGeom>
-          <a:ln>
-            <a:noFill/>
-          </a:ln>
-        </p:spPr>
-      </p:pic>
-      <p:sp>
-        <p:nvSpPr>
-          <p:cNvPr id="47" name="TextShape 2"/>
-          <p:cNvSpPr txBox="1"/>
-          <p:nvPr/>
-        </p:nvSpPr>
-        <p:spPr>
-          <a:xfrm>
-            <a:off x="822960" y="6309360"/>
-            <a:ext cx="180720" cy="355680"/>
+        </p:nvSpPr>
+        <p:spPr>
+          <a:xfrm>
+            <a:off x="504000" y="1769040"/>
+            <a:ext cx="9071280" cy="4384080"/>
           </a:xfrm>
           <a:prstGeom prst="rect">
             <a:avLst/>
@@ -3204,51 +5685,22 @@
             <a:noFill/>
           </a:ln>
         </p:spPr>
-      </p:sp>
-      <p:sp>
-        <p:nvSpPr>
-          <p:cNvPr id="48" name="TextShape 3"/>
-          <p:cNvSpPr txBox="1"/>
-          <p:nvPr/>
-        </p:nvSpPr>
-        <p:spPr>
-          <a:xfrm>
-            <a:off x="4937760" y="7863840"/>
-            <a:ext cx="180720" cy="355680"/>
-          </a:xfrm>
-          <a:prstGeom prst="rect">
-            <a:avLst/>
-          </a:prstGeom>
-          <a:noFill/>
-          <a:ln>
-            <a:noFill/>
-          </a:ln>
-        </p:spPr>
-      </p:sp>
-      <p:sp>
-        <p:nvSpPr>
-          <p:cNvPr id="49" name="TextShape 4"/>
-          <p:cNvSpPr txBox="1"/>
-          <p:nvPr/>
-        </p:nvSpPr>
-        <p:spPr>
-          <a:xfrm>
-            <a:off x="822960" y="6309360"/>
-            <a:ext cx="8412480" cy="621000"/>
-          </a:xfrm>
-          <a:prstGeom prst="rect">
-            <a:avLst/>
-          </a:prstGeom>
-          <a:noFill/>
-          <a:ln>
-            <a:noFill/>
-          </a:ln>
-        </p:spPr>
-        <p:txBody>
-          <a:bodyPr lIns="90000" rIns="90000" tIns="45000" bIns="45000"/>
-          <a:p>
+        <p:style>
+          <a:lnRef idx="0"/>
+          <a:fillRef idx="0"/>
+          <a:effectRef idx="0"/>
+          <a:fontRef idx="minor"/>
+        </p:style>
+        <p:txBody>
+          <a:bodyPr lIns="0" rIns="0" tIns="0" bIns="0"/>
+          <a:p>
+            <a:pPr marL="457200" indent="-228240">
+              <a:lnSpc>
+                <a:spcPct val="100000"/>
+              </a:lnSpc>
+            </a:pPr>
             <a:r>
-              <a:rPr b="0" lang="en-US" sz="1800" spc="-1" strike="noStrike">
+              <a:rPr b="1" lang="en-US" sz="1600" spc="-1" strike="noStrike">
                 <a:solidFill>
                   <a:srgbClr val="000000"/>
                 </a:solidFill>
@@ -3257,9 +5709,9 @@
                     <a:srgbClr val="ffffff"/>
                   </a:solidFill>
                 </a:uFill>
-                <a:latin typeface="DejaVu Sans"/>
+                <a:latin typeface="Times New Roman"/>
               </a:rPr>
-              <a:t>Mean homicides per year: 26.4</a:t>
+              <a:t>http://www.civicapps.org/datasets</a:t>
             </a:r>
             <a:endParaRPr b="0" lang="en-US" sz="1800" spc="-1" strike="noStrike">
               <a:solidFill>
@@ -3270,12 +5722,17 @@
                   <a:srgbClr val="ffffff"/>
                 </a:solidFill>
               </a:uFill>
-              <a:latin typeface="DejaVu Sans"/>
-            </a:endParaRPr>
-          </a:p>
-          <a:p>
+              <a:latin typeface="Arial"/>
+            </a:endParaRPr>
+          </a:p>
+          <a:p>
+            <a:pPr marL="457200" indent="-228240">
+              <a:lnSpc>
+                <a:spcPct val="100000"/>
+              </a:lnSpc>
+            </a:pPr>
             <a:r>
-              <a:rPr b="0" lang="en-US" sz="1800" spc="-1" strike="noStrike">
+              <a:rPr b="0" lang="en-US" sz="1600" spc="-1" strike="noStrike">
                 <a:solidFill>
                   <a:srgbClr val="000000"/>
                 </a:solidFill>
@@ -3284,9 +5741,9 @@
                     <a:srgbClr val="ffffff"/>
                   </a:solidFill>
                 </a:uFill>
-                <a:latin typeface="DejaVu Sans"/>
+                <a:latin typeface="Times New Roman"/>
               </a:rPr>
-              <a:t>Standard deviation: 4.74</a:t>
+              <a:t>This is the source of crime-related data for the project. It is recorded by the Portland Police Bureau, cleaned, and made available to the public with identifying information removed from each record. Variables such as the date and time of report, major offense type, and location information for each incident are provided.</a:t>
             </a:r>
             <a:endParaRPr b="0" lang="en-US" sz="1800" spc="-1" strike="noStrike">
               <a:solidFill>
@@ -3297,7 +5754,199 @@
                   <a:srgbClr val="ffffff"/>
                 </a:solidFill>
               </a:uFill>
-              <a:latin typeface="DejaVu Sans"/>
+              <a:latin typeface="Arial"/>
+            </a:endParaRPr>
+          </a:p>
+          <a:p>
+            <a:pPr marL="457200" indent="-228240">
+              <a:lnSpc>
+                <a:spcPct val="100000"/>
+              </a:lnSpc>
+            </a:pPr>
+            <a:r>
+              <a:rPr b="1" lang="en-US" sz="1600" spc="-1" strike="noStrike">
+                <a:solidFill>
+                  <a:srgbClr val="000000"/>
+                </a:solidFill>
+                <a:uFill>
+                  <a:solidFill>
+                    <a:srgbClr val="ffffff"/>
+                  </a:solidFill>
+                </a:uFill>
+                <a:latin typeface="Times New Roman"/>
+              </a:rPr>
+              <a:t>https://data.bls.gov/pdq</a:t>
+            </a:r>
+            <a:endParaRPr b="0" lang="en-US" sz="1800" spc="-1" strike="noStrike">
+              <a:solidFill>
+                <a:srgbClr val="000000"/>
+              </a:solidFill>
+              <a:uFill>
+                <a:solidFill>
+                  <a:srgbClr val="ffffff"/>
+                </a:solidFill>
+              </a:uFill>
+              <a:latin typeface="Arial"/>
+            </a:endParaRPr>
+          </a:p>
+          <a:p>
+            <a:pPr marL="457200" indent="-228240">
+              <a:lnSpc>
+                <a:spcPct val="100000"/>
+              </a:lnSpc>
+            </a:pPr>
+            <a:r>
+              <a:rPr b="0" lang="en-US" sz="1600" spc="-1" strike="noStrike">
+                <a:solidFill>
+                  <a:srgbClr val="000000"/>
+                </a:solidFill>
+                <a:uFill>
+                  <a:solidFill>
+                    <a:srgbClr val="ffffff"/>
+                  </a:solidFill>
+                </a:uFill>
+                <a:latin typeface="Times New Roman"/>
+              </a:rPr>
+              <a:t>This dataset includes unemployment information for Portland from January 2004 to December 2014.</a:t>
+            </a:r>
+            <a:endParaRPr b="0" lang="en-US" sz="1800" spc="-1" strike="noStrike">
+              <a:solidFill>
+                <a:srgbClr val="000000"/>
+              </a:solidFill>
+              <a:uFill>
+                <a:solidFill>
+                  <a:srgbClr val="ffffff"/>
+                </a:solidFill>
+              </a:uFill>
+              <a:latin typeface="Arial"/>
+            </a:endParaRPr>
+          </a:p>
+          <a:p>
+            <a:pPr marL="457200" indent="-228240">
+              <a:lnSpc>
+                <a:spcPct val="100000"/>
+              </a:lnSpc>
+            </a:pPr>
+            <a:r>
+              <a:rPr b="1" lang="en-US" sz="1600" spc="-1" strike="noStrike">
+                <a:solidFill>
+                  <a:srgbClr val="000000"/>
+                </a:solidFill>
+                <a:uFill>
+                  <a:solidFill>
+                    <a:srgbClr val="ffffff"/>
+                  </a:solidFill>
+                </a:uFill>
+                <a:latin typeface="Times New Roman"/>
+              </a:rPr>
+              <a:t>https://www.biggestuscities.com/city/portland-oregon</a:t>
+            </a:r>
+            <a:endParaRPr b="0" lang="en-US" sz="1800" spc="-1" strike="noStrike">
+              <a:solidFill>
+                <a:srgbClr val="000000"/>
+              </a:solidFill>
+              <a:uFill>
+                <a:solidFill>
+                  <a:srgbClr val="ffffff"/>
+                </a:solidFill>
+              </a:uFill>
+              <a:latin typeface="Arial"/>
+            </a:endParaRPr>
+          </a:p>
+          <a:p>
+            <a:pPr marL="457200" indent="-228240">
+              <a:lnSpc>
+                <a:spcPct val="100000"/>
+              </a:lnSpc>
+            </a:pPr>
+            <a:r>
+              <a:rPr b="0" lang="en-US" sz="1600" spc="-1" strike="noStrike">
+                <a:solidFill>
+                  <a:srgbClr val="000000"/>
+                </a:solidFill>
+                <a:uFill>
+                  <a:solidFill>
+                    <a:srgbClr val="ffffff"/>
+                  </a:solidFill>
+                </a:uFill>
+                <a:latin typeface="Times New Roman"/>
+              </a:rPr>
+              <a:t>Source for population (estimates) for Portland for January 1 of each year of interest. No source of information or margin of error is given with the data, so it is accepted without total confidence in its veracity.</a:t>
+            </a:r>
+            <a:endParaRPr b="0" lang="en-US" sz="1800" spc="-1" strike="noStrike">
+              <a:solidFill>
+                <a:srgbClr val="000000"/>
+              </a:solidFill>
+              <a:uFill>
+                <a:solidFill>
+                  <a:srgbClr val="ffffff"/>
+                </a:solidFill>
+              </a:uFill>
+              <a:latin typeface="Arial"/>
+            </a:endParaRPr>
+          </a:p>
+          <a:p>
+            <a:pPr marL="457200" indent="-228240">
+              <a:lnSpc>
+                <a:spcPct val="100000"/>
+              </a:lnSpc>
+            </a:pPr>
+            <a:r>
+              <a:rPr b="1" lang="en-US" sz="1600" spc="-1" strike="noStrike">
+                <a:solidFill>
+                  <a:srgbClr val="00000a"/>
+                </a:solidFill>
+                <a:uFill>
+                  <a:solidFill>
+                    <a:srgbClr val="ffffff"/>
+                  </a:solidFill>
+                </a:uFill>
+                <a:latin typeface="Times New Roman"/>
+              </a:rPr>
+              <a:t>https://www.portlandoregon.gov/oni/56897</a:t>
+            </a:r>
+            <a:endParaRPr b="0" lang="en-US" sz="1800" spc="-1" strike="noStrike">
+              <a:solidFill>
+                <a:srgbClr val="000000"/>
+              </a:solidFill>
+              <a:uFill>
+                <a:solidFill>
+                  <a:srgbClr val="ffffff"/>
+                </a:solidFill>
+              </a:uFill>
+              <a:latin typeface="Arial"/>
+            </a:endParaRPr>
+          </a:p>
+          <a:p>
+            <a:pPr marL="457200" indent="-228240">
+              <a:lnSpc>
+                <a:spcPct val="100000"/>
+              </a:lnSpc>
+            </a:pPr>
+            <a:r>
+              <a:rPr b="0" lang="en-US" sz="1600" spc="-1" strike="noStrike">
+                <a:solidFill>
+                  <a:srgbClr val="00000a"/>
+                </a:solidFill>
+                <a:uFill>
+                  <a:solidFill>
+                    <a:srgbClr val="ffffff"/>
+                  </a:solidFill>
+                </a:uFill>
+                <a:latin typeface="Times New Roman"/>
+              </a:rPr>
+              <a:t>Neighborhood information on Portland’s 95 neighborhoods gathered from the 2010 US Census. In particular, the data on racial composition of the various neighborhoods was utilized for this project.</a:t>
+            </a:r>
+            <a:endParaRPr b="0" lang="en-US" sz="1800" spc="-1" strike="noStrike">
+              <a:solidFill>
+                <a:srgbClr val="000000"/>
+              </a:solidFill>
+              <a:uFill>
+                <a:solidFill>
+                  <a:srgbClr val="ffffff"/>
+                </a:solidFill>
+              </a:uFill>
+              <a:latin typeface="Arial"/>
             </a:endParaRPr>
           </a:p>
         </p:txBody>
@@ -3353,14 +6002,14 @@
       </p:grpSpPr>
       <p:sp>
         <p:nvSpPr>
-          <p:cNvPr id="50" name="TextShape 1"/>
-          <p:cNvSpPr txBox="1"/>
+          <p:cNvPr id="78" name="CustomShape 1"/>
+          <p:cNvSpPr/>
           <p:nvPr/>
         </p:nvSpPr>
         <p:spPr>
           <a:xfrm>
             <a:off x="504000" y="301320"/>
-            <a:ext cx="9071640" cy="1262160"/>
+            <a:ext cx="9071280" cy="1261800"/>
           </a:xfrm>
           <a:prstGeom prst="rect">
             <a:avLst/>
@@ -3370,10 +6019,20 @@
             <a:noFill/>
           </a:ln>
         </p:spPr>
+        <p:style>
+          <a:lnRef idx="0"/>
+          <a:fillRef idx="0"/>
+          <a:effectRef idx="0"/>
+          <a:fontRef idx="minor"/>
+        </p:style>
         <p:txBody>
           <a:bodyPr lIns="0" rIns="0" tIns="0" bIns="0" anchor="ctr"/>
           <a:p>
-            <a:pPr algn="ctr"/>
+            <a:pPr algn="ctr">
+              <a:lnSpc>
+                <a:spcPct val="100000"/>
+              </a:lnSpc>
+            </a:pPr>
             <a:r>
               <a:rPr b="0" lang="en-US" sz="4400" spc="-1" strike="noStrike">
                 <a:solidFill>
@@ -3386,97 +6045,7 @@
                 </a:uFill>
                 <a:latin typeface="DejaVu Sans"/>
               </a:rPr>
-              <a:t>Burglaries per Year</a:t>
-            </a:r>
-            <a:endParaRPr b="0" lang="en-US" sz="4400" spc="-1" strike="noStrike">
-              <a:solidFill>
-                <a:srgbClr val="000000"/>
-              </a:solidFill>
-              <a:uFill>
-                <a:solidFill>
-                  <a:srgbClr val="ffffff"/>
-                </a:solidFill>
-              </a:uFill>
-              <a:latin typeface="DejaVu Sans"/>
-            </a:endParaRPr>
-          </a:p>
-        </p:txBody>
-      </p:sp>
-      <p:sp>
-        <p:nvSpPr>
-          <p:cNvPr id="51" name="TextShape 2"/>
-          <p:cNvSpPr txBox="1"/>
-          <p:nvPr/>
-        </p:nvSpPr>
-        <p:spPr>
-          <a:xfrm>
-            <a:off x="822960" y="6309360"/>
-            <a:ext cx="180720" cy="355680"/>
-          </a:xfrm>
-          <a:prstGeom prst="rect">
-            <a:avLst/>
-          </a:prstGeom>
-          <a:noFill/>
-          <a:ln>
-            <a:noFill/>
-          </a:ln>
-        </p:spPr>
-      </p:sp>
-      <p:sp>
-        <p:nvSpPr>
-          <p:cNvPr id="52" name="TextShape 3"/>
-          <p:cNvSpPr txBox="1"/>
-          <p:nvPr/>
-        </p:nvSpPr>
-        <p:spPr>
-          <a:xfrm>
-            <a:off x="4937760" y="7863840"/>
-            <a:ext cx="180720" cy="355680"/>
-          </a:xfrm>
-          <a:prstGeom prst="rect">
-            <a:avLst/>
-          </a:prstGeom>
-          <a:noFill/>
-          <a:ln>
-            <a:noFill/>
-          </a:ln>
-        </p:spPr>
-      </p:sp>
-      <p:sp>
-        <p:nvSpPr>
-          <p:cNvPr id="53" name="TextShape 4"/>
-          <p:cNvSpPr txBox="1"/>
-          <p:nvPr/>
-        </p:nvSpPr>
-        <p:spPr>
-          <a:xfrm>
-            <a:off x="822960" y="6309360"/>
-            <a:ext cx="8412480" cy="621000"/>
-          </a:xfrm>
-          <a:prstGeom prst="rect">
-            <a:avLst/>
-          </a:prstGeom>
-          <a:noFill/>
-          <a:ln>
-            <a:noFill/>
-          </a:ln>
-        </p:spPr>
-        <p:txBody>
-          <a:bodyPr lIns="90000" rIns="90000" tIns="45000" bIns="45000"/>
-          <a:p>
-            <a:r>
-              <a:rPr b="0" lang="en-US" sz="1800" spc="-1" strike="noStrike">
-                <a:solidFill>
-                  <a:srgbClr val="000000"/>
-                </a:solidFill>
-                <a:uFill>
-                  <a:solidFill>
-                    <a:srgbClr val="ffffff"/>
-                  </a:solidFill>
-                </a:uFill>
-                <a:latin typeface="DejaVu Sans"/>
-              </a:rPr>
-              <a:t>Mean burglaries per year: 4783</a:t>
+              <a:t>Crime Reports per Year</a:t>
             </a:r>
             <a:endParaRPr b="0" lang="en-US" sz="1800" spc="-1" strike="noStrike">
               <a:solidFill>
@@ -3487,41 +6056,14 @@
                   <a:srgbClr val="ffffff"/>
                 </a:solidFill>
               </a:uFill>
-              <a:latin typeface="DejaVu Sans"/>
-            </a:endParaRPr>
-          </a:p>
-          <a:p>
-            <a:r>
-              <a:rPr b="0" lang="en-US" sz="1800" spc="-1" strike="noStrike">
-                <a:solidFill>
-                  <a:srgbClr val="000000"/>
-                </a:solidFill>
-                <a:uFill>
-                  <a:solidFill>
-                    <a:srgbClr val="ffffff"/>
-                  </a:solidFill>
-                </a:uFill>
-                <a:latin typeface="DejaVu Sans"/>
-              </a:rPr>
-              <a:t>Standard deviation: 1071</a:t>
-            </a:r>
-            <a:endParaRPr b="0" lang="en-US" sz="1800" spc="-1" strike="noStrike">
-              <a:solidFill>
-                <a:srgbClr val="000000"/>
-              </a:solidFill>
-              <a:uFill>
-                <a:solidFill>
-                  <a:srgbClr val="ffffff"/>
-                </a:solidFill>
-              </a:uFill>
-              <a:latin typeface="DejaVu Sans"/>
+              <a:latin typeface="Arial"/>
             </a:endParaRPr>
           </a:p>
         </p:txBody>
       </p:sp>
       <p:pic>
         <p:nvPicPr>
-          <p:cNvPr id="54" name="" descr=""/>
+          <p:cNvPr id="79" name="" descr=""/>
           <p:cNvPicPr/>
           <p:nvPr/>
         </p:nvPicPr>
@@ -3532,7 +6074,7 @@
         <p:spPr>
           <a:xfrm>
             <a:off x="1262520" y="1768680"/>
-            <a:ext cx="7553880" cy="4384440"/>
+            <a:ext cx="7553520" cy="4384080"/>
           </a:xfrm>
           <a:prstGeom prst="rect">
             <a:avLst/>
@@ -3542,6 +6084,57 @@
           </a:ln>
         </p:spPr>
       </p:pic>
+      <p:sp>
+        <p:nvSpPr>
+          <p:cNvPr id="80" name="TextShape 2"/>
+          <p:cNvSpPr txBox="1"/>
+          <p:nvPr/>
+        </p:nvSpPr>
+        <p:spPr>
+          <a:xfrm>
+            <a:off x="1463040" y="6309360"/>
+            <a:ext cx="7223760" cy="346320"/>
+          </a:xfrm>
+          <a:prstGeom prst="rect">
+            <a:avLst/>
+          </a:prstGeom>
+          <a:noFill/>
+          <a:ln>
+            <a:noFill/>
+          </a:ln>
+        </p:spPr>
+        <p:txBody>
+          <a:bodyPr lIns="90000" rIns="90000" tIns="45000" bIns="45000"/>
+          <a:p>
+            <a:pPr algn="r"/>
+            <a:r>
+              <a:rPr b="0" lang="en-US" sz="1800" spc="-1" strike="noStrike">
+                <a:solidFill>
+                  <a:srgbClr val="000000"/>
+                </a:solidFill>
+                <a:uFill>
+                  <a:solidFill>
+                    <a:srgbClr val="ffffff"/>
+                  </a:solidFill>
+                </a:uFill>
+                <a:latin typeface="Arial"/>
+              </a:rPr>
+              <a:t>Correlation coefficient: r = -0.848</a:t>
+            </a:r>
+            <a:endParaRPr b="0" lang="en-US" sz="1800" spc="-1" strike="noStrike">
+              <a:solidFill>
+                <a:srgbClr val="000000"/>
+              </a:solidFill>
+              <a:uFill>
+                <a:solidFill>
+                  <a:srgbClr val="ffffff"/>
+                </a:solidFill>
+              </a:uFill>
+              <a:latin typeface="Arial"/>
+            </a:endParaRPr>
+          </a:p>
+        </p:txBody>
+      </p:sp>
     </p:spTree>
   </p:cSld>
   <p:timing>
@@ -3593,14 +6186,14 @@
       </p:grpSpPr>
       <p:sp>
         <p:nvSpPr>
-          <p:cNvPr id="55" name="TextShape 1"/>
-          <p:cNvSpPr txBox="1"/>
+          <p:cNvPr id="81" name="CustomShape 1"/>
+          <p:cNvSpPr/>
           <p:nvPr/>
         </p:nvSpPr>
         <p:spPr>
           <a:xfrm>
             <a:off x="504000" y="301320"/>
-            <a:ext cx="9071640" cy="1262160"/>
+            <a:ext cx="9071280" cy="1261800"/>
           </a:xfrm>
           <a:prstGeom prst="rect">
             <a:avLst/>
@@ -3610,10 +6203,91 @@
             <a:noFill/>
           </a:ln>
         </p:spPr>
+        <p:style>
+          <a:lnRef idx="0"/>
+          <a:fillRef idx="0"/>
+          <a:effectRef idx="0"/>
+          <a:fontRef idx="minor"/>
+        </p:style>
+      </p:sp>
+      <p:sp>
+        <p:nvSpPr>
+          <p:cNvPr id="82" name="TextShape 2"/>
+          <p:cNvSpPr txBox="1"/>
+          <p:nvPr/>
+        </p:nvSpPr>
+        <p:spPr>
+          <a:xfrm>
+            <a:off x="1463040" y="6309360"/>
+            <a:ext cx="7223760" cy="346320"/>
+          </a:xfrm>
+          <a:prstGeom prst="rect">
+            <a:avLst/>
+          </a:prstGeom>
+          <a:noFill/>
+          <a:ln>
+            <a:noFill/>
+          </a:ln>
+        </p:spPr>
+        <p:txBody>
+          <a:bodyPr lIns="90000" rIns="90000" tIns="45000" bIns="45000"/>
+          <a:p>
+            <a:pPr algn="r"/>
+            <a:r>
+              <a:rPr b="0" lang="en-US" sz="1800" spc="-1" strike="noStrike">
+                <a:solidFill>
+                  <a:srgbClr val="000000"/>
+                </a:solidFill>
+                <a:uFill>
+                  <a:solidFill>
+                    <a:srgbClr val="ffffff"/>
+                  </a:solidFill>
+                </a:uFill>
+                <a:latin typeface="Arial"/>
+              </a:rPr>
+              <a:t>r = -0.799</a:t>
+            </a:r>
+            <a:endParaRPr b="0" lang="en-US" sz="1800" spc="-1" strike="noStrike">
+              <a:solidFill>
+                <a:srgbClr val="000000"/>
+              </a:solidFill>
+              <a:uFill>
+                <a:solidFill>
+                  <a:srgbClr val="ffffff"/>
+                </a:solidFill>
+              </a:uFill>
+              <a:latin typeface="Arial"/>
+            </a:endParaRPr>
+          </a:p>
+        </p:txBody>
+      </p:sp>
+      <p:sp>
+        <p:nvSpPr>
+          <p:cNvPr id="83" name="TextShape 3"/>
+          <p:cNvSpPr txBox="1"/>
+          <p:nvPr/>
+        </p:nvSpPr>
+        <p:spPr>
+          <a:xfrm>
+            <a:off x="504000" y="279720"/>
+            <a:ext cx="9071280" cy="1305000"/>
+          </a:xfrm>
+          <a:prstGeom prst="rect">
+            <a:avLst/>
+          </a:prstGeom>
+          <a:noFill/>
+          <a:ln>
+            <a:noFill/>
+          </a:ln>
+        </p:spPr>
         <p:txBody>
           <a:bodyPr lIns="0" rIns="0" tIns="0" bIns="0" anchor="ctr"/>
           <a:p>
-            <a:pPr algn="ctr"/>
+            <a:pPr algn="ctr">
+              <a:lnSpc>
+                <a:spcPct val="100000"/>
+              </a:lnSpc>
+            </a:pPr>
             <a:r>
               <a:rPr b="0" lang="en-US" sz="4400" spc="-1" strike="noStrike">
                 <a:solidFill>
@@ -3626,7 +6300,36 @@
                 </a:uFill>
                 <a:latin typeface="DejaVu Sans"/>
               </a:rPr>
-              <a:t>DUII Offenses per Year</a:t>
+              <a:t>Correlation Between </a:t>
+            </a:r>
+            <a:r>
+              <a:rPr b="0" lang="en-US" sz="4400" spc="-1" strike="noStrike">
+                <a:solidFill>
+                  <a:srgbClr val="000000"/>
+                </a:solidFill>
+                <a:uFill>
+                  <a:solidFill>
+                    <a:srgbClr val="ffffff"/>
+                  </a:solidFill>
+                </a:uFill>
+                <a:latin typeface="DejaVu Sans"/>
+              </a:rPr>
+              <a:t>
+</a:t>
+            </a:r>
+            <a:r>
+              <a:rPr b="0" lang="en-US" sz="4400" spc="-1" strike="noStrike">
+                <a:solidFill>
+                  <a:srgbClr val="000000"/>
+                </a:solidFill>
+                <a:uFill>
+                  <a:solidFill>
+                    <a:srgbClr val="ffffff"/>
+                  </a:solidFill>
+                </a:uFill>
+                <a:latin typeface="DejaVu Sans"/>
+              </a:rPr>
+              <a:t>Crime and Population</a:t>
             </a:r>
             <a:endParaRPr b="0" lang="en-US" sz="4400" spc="-1" strike="noStrike">
               <a:solidFill>
@@ -3637,14 +6340,14 @@
                   <a:srgbClr val="ffffff"/>
                 </a:solidFill>
               </a:uFill>
-              <a:latin typeface="DejaVu Sans"/>
+              <a:latin typeface="Arial"/>
             </a:endParaRPr>
           </a:p>
         </p:txBody>
       </p:sp>
       <p:pic>
         <p:nvPicPr>
-          <p:cNvPr id="56" name="" descr=""/>
+          <p:cNvPr id="84" name="" descr=""/>
           <p:cNvPicPr/>
           <p:nvPr/>
         </p:nvPicPr>
@@ -3654,8 +6357,8 @@
         </p:blipFill>
         <p:spPr>
           <a:xfrm>
-            <a:off x="1262160" y="1768680"/>
-            <a:ext cx="7553880" cy="4384080"/>
+            <a:off x="1488960" y="1769040"/>
+            <a:ext cx="7101360" cy="4384080"/>
           </a:xfrm>
           <a:prstGeom prst="rect">
             <a:avLst/>
@@ -3665,123 +6368,6 @@
           </a:ln>
         </p:spPr>
       </p:pic>
-      <p:sp>
-        <p:nvSpPr>
-          <p:cNvPr id="57" name="TextShape 2"/>
-          <p:cNvSpPr txBox="1"/>
-          <p:nvPr/>
-        </p:nvSpPr>
-        <p:spPr>
-          <a:xfrm>
-            <a:off x="822960" y="6309360"/>
-            <a:ext cx="180720" cy="355680"/>
-          </a:xfrm>
-          <a:prstGeom prst="rect">
-            <a:avLst/>
-          </a:prstGeom>
-          <a:noFill/>
-          <a:ln>
-            <a:noFill/>
-          </a:ln>
-        </p:spPr>
-      </p:sp>
-      <p:sp>
-        <p:nvSpPr>
-          <p:cNvPr id="58" name="TextShape 3"/>
-          <p:cNvSpPr txBox="1"/>
-          <p:nvPr/>
-        </p:nvSpPr>
-        <p:spPr>
-          <a:xfrm>
-            <a:off x="4937760" y="7863840"/>
-            <a:ext cx="180720" cy="355680"/>
-          </a:xfrm>
-          <a:prstGeom prst="rect">
-            <a:avLst/>
-          </a:prstGeom>
-          <a:noFill/>
-          <a:ln>
-            <a:noFill/>
-          </a:ln>
-        </p:spPr>
-      </p:sp>
-      <p:sp>
-        <p:nvSpPr>
-          <p:cNvPr id="59" name="TextShape 4"/>
-          <p:cNvSpPr txBox="1"/>
-          <p:nvPr/>
-        </p:nvSpPr>
-        <p:spPr>
-          <a:xfrm>
-            <a:off x="822960" y="6309360"/>
-            <a:ext cx="8412480" cy="621000"/>
-          </a:xfrm>
-          <a:prstGeom prst="rect">
-            <a:avLst/>
-          </a:prstGeom>
-          <a:noFill/>
-          <a:ln>
-            <a:noFill/>
-          </a:ln>
-        </p:spPr>
-        <p:txBody>
-          <a:bodyPr lIns="90000" rIns="90000" tIns="45000" bIns="45000"/>
-          <a:p>
-            <a:r>
-              <a:rPr b="0" lang="en-US" sz="1800" spc="-1" strike="noStrike">
-                <a:solidFill>
-                  <a:srgbClr val="000000"/>
-                </a:solidFill>
-                <a:uFill>
-                  <a:solidFill>
-                    <a:srgbClr val="ffffff"/>
-                  </a:solidFill>
-                </a:uFill>
-                <a:latin typeface="DejaVu Sans"/>
-              </a:rPr>
-              <a:t>Mean homicides per year: 1943</a:t>
-            </a:r>
-            <a:endParaRPr b="0" lang="en-US" sz="1800" spc="-1" strike="noStrike">
-              <a:solidFill>
-                <a:srgbClr val="000000"/>
-              </a:solidFill>
-              <a:uFill>
-                <a:solidFill>
-                  <a:srgbClr val="ffffff"/>
-                </a:solidFill>
-              </a:uFill>
-              <a:latin typeface="DejaVu Sans"/>
-            </a:endParaRPr>
-          </a:p>
-          <a:p>
-            <a:r>
-              <a:rPr b="0" lang="en-US" sz="1800" spc="-1" strike="noStrike">
-                <a:solidFill>
-                  <a:srgbClr val="000000"/>
-                </a:solidFill>
-                <a:uFill>
-                  <a:solidFill>
-                    <a:srgbClr val="ffffff"/>
-                  </a:solidFill>
-                </a:uFill>
-                <a:latin typeface="DejaVu Sans"/>
-              </a:rPr>
-              <a:t>Standard deviation: 274</a:t>
-            </a:r>
-            <a:endParaRPr b="0" lang="en-US" sz="1800" spc="-1" strike="noStrike">
-              <a:solidFill>
-                <a:srgbClr val="000000"/>
-              </a:solidFill>
-              <a:uFill>
-                <a:solidFill>
-                  <a:srgbClr val="ffffff"/>
-                </a:solidFill>
-              </a:uFill>
-              <a:latin typeface="DejaVu Sans"/>
-            </a:endParaRPr>
-          </a:p>
-        </p:txBody>
-      </p:sp>
     </p:spTree>
   </p:cSld>
   <p:timing>
@@ -3833,14 +6419,14 @@
       </p:grpSpPr>
       <p:sp>
         <p:nvSpPr>
-          <p:cNvPr id="60" name="TextShape 1"/>
-          <p:cNvSpPr txBox="1"/>
+          <p:cNvPr id="85" name="CustomShape 1"/>
+          <p:cNvSpPr/>
           <p:nvPr/>
         </p:nvSpPr>
         <p:spPr>
           <a:xfrm>
-            <a:off x="504000" y="283320"/>
-            <a:ext cx="9071640" cy="1298520"/>
+            <a:off x="504000" y="301320"/>
+            <a:ext cx="9071280" cy="1261800"/>
           </a:xfrm>
           <a:prstGeom prst="rect">
             <a:avLst/>
@@ -3850,10 +6436,20 @@
             <a:noFill/>
           </a:ln>
         </p:spPr>
+        <p:style>
+          <a:lnRef idx="0"/>
+          <a:fillRef idx="0"/>
+          <a:effectRef idx="0"/>
+          <a:fontRef idx="minor"/>
+        </p:style>
         <p:txBody>
           <a:bodyPr lIns="0" rIns="0" tIns="0" bIns="0" anchor="ctr"/>
           <a:p>
-            <a:pPr algn="ctr"/>
+            <a:pPr algn="ctr">
+              <a:lnSpc>
+                <a:spcPct val="100000"/>
+              </a:lnSpc>
+            </a:pPr>
             <a:r>
               <a:rPr b="0" lang="en-US" sz="4400" spc="-1" strike="noStrike">
                 <a:solidFill>
@@ -3866,25 +6462,25 @@
                 </a:uFill>
                 <a:latin typeface="DejaVu Sans"/>
               </a:rPr>
-              <a:t>Liquor Law and Drug Offenses per Year</a:t>
+              <a:t>Homicides per Year</a:t>
             </a:r>
-            <a:endParaRPr b="0" lang="en-US" sz="4400" spc="-1" strike="noStrike">
-              <a:solidFill>
-                <a:srgbClr val="000000"/>
-              </a:solidFill>
-              <a:uFill>
-                <a:solidFill>
-                  <a:srgbClr val="ffffff"/>
-                </a:solidFill>
-              </a:uFill>
-              <a:latin typeface="DejaVu Sans"/>
+            <a:endParaRPr b="0" lang="en-US" sz="1800" spc="-1" strike="noStrike">
+              <a:solidFill>
+                <a:srgbClr val="000000"/>
+              </a:solidFill>
+              <a:uFill>
+                <a:solidFill>
+                  <a:srgbClr val="ffffff"/>
+                </a:solidFill>
+              </a:uFill>
+              <a:latin typeface="Arial"/>
             </a:endParaRPr>
           </a:p>
         </p:txBody>
       </p:sp>
       <p:pic>
         <p:nvPicPr>
-          <p:cNvPr id="61" name="" descr=""/>
+          <p:cNvPr id="86" name="" descr=""/>
           <p:cNvPicPr/>
           <p:nvPr/>
         </p:nvPicPr>
@@ -3895,7 +6491,7 @@
         <p:spPr>
           <a:xfrm>
             <a:off x="1262160" y="1768680"/>
-            <a:ext cx="7553880" cy="4384080"/>
+            <a:ext cx="7553520" cy="4383720"/>
           </a:xfrm>
           <a:prstGeom prst="rect">
             <a:avLst/>
@@ -3907,14 +6503,14 @@
       </p:pic>
       <p:sp>
         <p:nvSpPr>
-          <p:cNvPr id="62" name="TextShape 2"/>
-          <p:cNvSpPr txBox="1"/>
+          <p:cNvPr id="87" name="CustomShape 2"/>
+          <p:cNvSpPr/>
           <p:nvPr/>
         </p:nvSpPr>
         <p:spPr>
           <a:xfrm>
             <a:off x="822960" y="6309360"/>
-            <a:ext cx="180720" cy="355680"/>
+            <a:ext cx="180360" cy="355320"/>
           </a:xfrm>
           <a:prstGeom prst="rect">
             <a:avLst/>
@@ -3924,17 +6520,23 @@
             <a:noFill/>
           </a:ln>
         </p:spPr>
-      </p:sp>
-      <p:sp>
-        <p:nvSpPr>
-          <p:cNvPr id="63" name="TextShape 3"/>
-          <p:cNvSpPr txBox="1"/>
+        <p:style>
+          <a:lnRef idx="0"/>
+          <a:fillRef idx="0"/>
+          <a:effectRef idx="0"/>
+          <a:fontRef idx="minor"/>
+        </p:style>
+      </p:sp>
+      <p:sp>
+        <p:nvSpPr>
+          <p:cNvPr id="88" name="CustomShape 3"/>
+          <p:cNvSpPr/>
           <p:nvPr/>
         </p:nvSpPr>
         <p:spPr>
           <a:xfrm>
             <a:off x="4937760" y="7863840"/>
-            <a:ext cx="180720" cy="355680"/>
+            <a:ext cx="180360" cy="355320"/>
           </a:xfrm>
           <a:prstGeom prst="rect">
             <a:avLst/>
@@ -3944,6 +6546,95 @@
             <a:noFill/>
           </a:ln>
         </p:spPr>
+        <p:style>
+          <a:lnRef idx="0"/>
+          <a:fillRef idx="0"/>
+          <a:effectRef idx="0"/>
+          <a:fontRef idx="minor"/>
+        </p:style>
+      </p:sp>
+      <p:sp>
+        <p:nvSpPr>
+          <p:cNvPr id="89" name="CustomShape 4"/>
+          <p:cNvSpPr/>
+          <p:nvPr/>
+        </p:nvSpPr>
+        <p:spPr>
+          <a:xfrm>
+            <a:off x="822960" y="6309360"/>
+            <a:ext cx="8412120" cy="620640"/>
+          </a:xfrm>
+          <a:prstGeom prst="rect">
+            <a:avLst/>
+          </a:prstGeom>
+          <a:noFill/>
+          <a:ln>
+            <a:noFill/>
+          </a:ln>
+        </p:spPr>
+        <p:style>
+          <a:lnRef idx="0"/>
+          <a:fillRef idx="0"/>
+          <a:effectRef idx="0"/>
+          <a:fontRef idx="minor"/>
+        </p:style>
+        <p:txBody>
+          <a:bodyPr lIns="90000" rIns="90000" tIns="45000" bIns="45000"/>
+          <a:p>
+            <a:r>
+              <a:rPr b="0" lang="en-US" sz="1800" spc="-1" strike="noStrike">
+                <a:solidFill>
+                  <a:srgbClr val="000000"/>
+                </a:solidFill>
+                <a:uFill>
+                  <a:solidFill>
+                    <a:srgbClr val="ffffff"/>
+                  </a:solidFill>
+                </a:uFill>
+                <a:latin typeface="DejaVu Sans"/>
+              </a:rPr>
+              <a:t>Mean homicides per year: 26.4</a:t>
+            </a:r>
+            <a:endParaRPr b="0" lang="en-US" sz="1800" spc="-1" strike="noStrike">
+              <a:solidFill>
+                <a:srgbClr val="000000"/>
+              </a:solidFill>
+              <a:uFill>
+                <a:solidFill>
+                  <a:srgbClr val="ffffff"/>
+                </a:solidFill>
+              </a:uFill>
+              <a:latin typeface="Arial"/>
+            </a:endParaRPr>
+          </a:p>
+          <a:p>
+            <a:r>
+              <a:rPr b="0" lang="en-US" sz="1800" spc="-1" strike="noStrike">
+                <a:solidFill>
+                  <a:srgbClr val="000000"/>
+                </a:solidFill>
+                <a:uFill>
+                  <a:solidFill>
+                    <a:srgbClr val="ffffff"/>
+                  </a:solidFill>
+                </a:uFill>
+                <a:latin typeface="DejaVu Sans"/>
+              </a:rPr>
+              <a:t>Standard deviation: 4.74</a:t>
+            </a:r>
+            <a:endParaRPr b="0" lang="en-US" sz="1800" spc="-1" strike="noStrike">
+              <a:solidFill>
+                <a:srgbClr val="000000"/>
+              </a:solidFill>
+              <a:uFill>
+                <a:solidFill>
+                  <a:srgbClr val="ffffff"/>
+                </a:solidFill>
+              </a:uFill>
+              <a:latin typeface="Arial"/>
+            </a:endParaRPr>
+          </a:p>
+        </p:txBody>
       </p:sp>
     </p:spTree>
   </p:cSld>
@@ -3996,14 +6687,14 @@
       </p:grpSpPr>
       <p:sp>
         <p:nvSpPr>
-          <p:cNvPr id="64" name="TextShape 1"/>
-          <p:cNvSpPr txBox="1"/>
+          <p:cNvPr id="90" name="CustomShape 1"/>
+          <p:cNvSpPr/>
           <p:nvPr/>
         </p:nvSpPr>
         <p:spPr>
           <a:xfrm>
-            <a:off x="504000" y="283320"/>
-            <a:ext cx="9071640" cy="1298520"/>
+            <a:off x="504000" y="301320"/>
+            <a:ext cx="9071280" cy="1261800"/>
           </a:xfrm>
           <a:prstGeom prst="rect">
             <a:avLst/>
@@ -4013,10 +6704,20 @@
             <a:noFill/>
           </a:ln>
         </p:spPr>
+        <p:style>
+          <a:lnRef idx="0"/>
+          <a:fillRef idx="0"/>
+          <a:effectRef idx="0"/>
+          <a:fontRef idx="minor"/>
+        </p:style>
         <p:txBody>
           <a:bodyPr lIns="0" rIns="0" tIns="0" bIns="0" anchor="ctr"/>
           <a:p>
-            <a:pPr algn="ctr"/>
+            <a:pPr algn="ctr">
+              <a:lnSpc>
+                <a:spcPct val="100000"/>
+              </a:lnSpc>
+            </a:pPr>
             <a:r>
               <a:rPr b="0" lang="en-US" sz="4400" spc="-1" strike="noStrike">
                 <a:solidFill>
@@ -4029,11 +6730,104 @@
                 </a:uFill>
                 <a:latin typeface="DejaVu Sans"/>
               </a:rPr>
-              <a:t>Correlation Between Liquor</a:t>
+              <a:t>Burglaries per Year</a:t>
             </a:r>
-            <a:br/>
+            <a:endParaRPr b="0" lang="en-US" sz="1800" spc="-1" strike="noStrike">
+              <a:solidFill>
+                <a:srgbClr val="000000"/>
+              </a:solidFill>
+              <a:uFill>
+                <a:solidFill>
+                  <a:srgbClr val="ffffff"/>
+                </a:solidFill>
+              </a:uFill>
+              <a:latin typeface="Arial"/>
+            </a:endParaRPr>
+          </a:p>
+        </p:txBody>
+      </p:sp>
+      <p:sp>
+        <p:nvSpPr>
+          <p:cNvPr id="91" name="CustomShape 2"/>
+          <p:cNvSpPr/>
+          <p:nvPr/>
+        </p:nvSpPr>
+        <p:spPr>
+          <a:xfrm>
+            <a:off x="822960" y="6309360"/>
+            <a:ext cx="180360" cy="355320"/>
+          </a:xfrm>
+          <a:prstGeom prst="rect">
+            <a:avLst/>
+          </a:prstGeom>
+          <a:noFill/>
+          <a:ln>
+            <a:noFill/>
+          </a:ln>
+        </p:spPr>
+        <p:style>
+          <a:lnRef idx="0"/>
+          <a:fillRef idx="0"/>
+          <a:effectRef idx="0"/>
+          <a:fontRef idx="minor"/>
+        </p:style>
+      </p:sp>
+      <p:sp>
+        <p:nvSpPr>
+          <p:cNvPr id="92" name="CustomShape 3"/>
+          <p:cNvSpPr/>
+          <p:nvPr/>
+        </p:nvSpPr>
+        <p:spPr>
+          <a:xfrm>
+            <a:off x="4937760" y="7863840"/>
+            <a:ext cx="180360" cy="355320"/>
+          </a:xfrm>
+          <a:prstGeom prst="rect">
+            <a:avLst/>
+          </a:prstGeom>
+          <a:noFill/>
+          <a:ln>
+            <a:noFill/>
+          </a:ln>
+        </p:spPr>
+        <p:style>
+          <a:lnRef idx="0"/>
+          <a:fillRef idx="0"/>
+          <a:effectRef idx="0"/>
+          <a:fontRef idx="minor"/>
+        </p:style>
+      </p:sp>
+      <p:sp>
+        <p:nvSpPr>
+          <p:cNvPr id="93" name="CustomShape 4"/>
+          <p:cNvSpPr/>
+          <p:nvPr/>
+        </p:nvSpPr>
+        <p:spPr>
+          <a:xfrm>
+            <a:off x="822960" y="6309360"/>
+            <a:ext cx="8412120" cy="620640"/>
+          </a:xfrm>
+          <a:prstGeom prst="rect">
+            <a:avLst/>
+          </a:prstGeom>
+          <a:noFill/>
+          <a:ln>
+            <a:noFill/>
+          </a:ln>
+        </p:spPr>
+        <p:style>
+          <a:lnRef idx="0"/>
+          <a:fillRef idx="0"/>
+          <a:effectRef idx="0"/>
+          <a:fontRef idx="minor"/>
+        </p:style>
+        <p:txBody>
+          <a:bodyPr lIns="90000" rIns="90000" tIns="45000" bIns="45000"/>
+          <a:p>
             <a:r>
-              <a:rPr b="0" lang="en-US" sz="4400" spc="-1" strike="noStrike">
+              <a:rPr b="0" lang="en-US" sz="1800" spc="-1" strike="noStrike">
                 <a:solidFill>
                   <a:srgbClr val="000000"/>
                 </a:solidFill>
@@ -4044,25 +6838,52 @@
                 </a:uFill>
                 <a:latin typeface="DejaVu Sans"/>
               </a:rPr>
-              <a:t>Law and Drug Offenses</a:t>
+              <a:t>Mean burglaries per year: 4783</a:t>
             </a:r>
-            <a:endParaRPr b="0" lang="en-US" sz="4400" spc="-1" strike="noStrike">
-              <a:solidFill>
-                <a:srgbClr val="000000"/>
-              </a:solidFill>
-              <a:uFill>
-                <a:solidFill>
-                  <a:srgbClr val="ffffff"/>
-                </a:solidFill>
-              </a:uFill>
-              <a:latin typeface="DejaVu Sans"/>
+            <a:endParaRPr b="0" lang="en-US" sz="1800" spc="-1" strike="noStrike">
+              <a:solidFill>
+                <a:srgbClr val="000000"/>
+              </a:solidFill>
+              <a:uFill>
+                <a:solidFill>
+                  <a:srgbClr val="ffffff"/>
+                </a:solidFill>
+              </a:uFill>
+              <a:latin typeface="Arial"/>
+            </a:endParaRPr>
+          </a:p>
+          <a:p>
+            <a:r>
+              <a:rPr b="0" lang="en-US" sz="1800" spc="-1" strike="noStrike">
+                <a:solidFill>
+                  <a:srgbClr val="000000"/>
+                </a:solidFill>
+                <a:uFill>
+                  <a:solidFill>
+                    <a:srgbClr val="ffffff"/>
+                  </a:solidFill>
+                </a:uFill>
+                <a:latin typeface="DejaVu Sans"/>
+              </a:rPr>
+              <a:t>Standard deviation: 1071</a:t>
+            </a:r>
+            <a:endParaRPr b="0" lang="en-US" sz="1800" spc="-1" strike="noStrike">
+              <a:solidFill>
+                <a:srgbClr val="000000"/>
+              </a:solidFill>
+              <a:uFill>
+                <a:solidFill>
+                  <a:srgbClr val="ffffff"/>
+                </a:solidFill>
+              </a:uFill>
+              <a:latin typeface="Arial"/>
             </a:endParaRPr>
           </a:p>
         </p:txBody>
       </p:sp>
       <p:pic>
         <p:nvPicPr>
-          <p:cNvPr id="65" name="" descr=""/>
+          <p:cNvPr id="94" name="" descr=""/>
           <p:cNvPicPr/>
           <p:nvPr/>
         </p:nvPicPr>
@@ -4072,8 +6893,8 @@
         </p:blipFill>
         <p:spPr>
           <a:xfrm>
-            <a:off x="1262160" y="1768680"/>
-            <a:ext cx="7553880" cy="4384080"/>
+            <a:off x="1262520" y="1768680"/>
+            <a:ext cx="7553520" cy="4384080"/>
           </a:xfrm>
           <a:prstGeom prst="rect">
             <a:avLst/>
@@ -4083,97 +6904,6 @@
           </a:ln>
         </p:spPr>
       </p:pic>
-      <p:sp>
-        <p:nvSpPr>
-          <p:cNvPr id="66" name="TextShape 2"/>
-          <p:cNvSpPr txBox="1"/>
-          <p:nvPr/>
-        </p:nvSpPr>
-        <p:spPr>
-          <a:xfrm>
-            <a:off x="822960" y="6309360"/>
-            <a:ext cx="180720" cy="355680"/>
-          </a:xfrm>
-          <a:prstGeom prst="rect">
-            <a:avLst/>
-          </a:prstGeom>
-          <a:noFill/>
-          <a:ln>
-            <a:noFill/>
-          </a:ln>
-        </p:spPr>
-      </p:sp>
-      <p:sp>
-        <p:nvSpPr>
-          <p:cNvPr id="67" name="TextShape 3"/>
-          <p:cNvSpPr txBox="1"/>
-          <p:nvPr/>
-        </p:nvSpPr>
-        <p:spPr>
-          <a:xfrm>
-            <a:off x="4937760" y="7863840"/>
-            <a:ext cx="180720" cy="355680"/>
-          </a:xfrm>
-          <a:prstGeom prst="rect">
-            <a:avLst/>
-          </a:prstGeom>
-          <a:noFill/>
-          <a:ln>
-            <a:noFill/>
-          </a:ln>
-        </p:spPr>
-      </p:sp>
-      <p:sp>
-        <p:nvSpPr>
-          <p:cNvPr id="68" name="TextShape 4"/>
-          <p:cNvSpPr txBox="1"/>
-          <p:nvPr/>
-        </p:nvSpPr>
-        <p:spPr>
-          <a:xfrm>
-            <a:off x="822960" y="6309360"/>
-            <a:ext cx="8412480" cy="355680"/>
-          </a:xfrm>
-          <a:prstGeom prst="rect">
-            <a:avLst/>
-          </a:prstGeom>
-          <a:noFill/>
-          <a:ln>
-            <a:noFill/>
-          </a:ln>
-        </p:spPr>
-        <p:txBody>
-          <a:bodyPr lIns="90000" rIns="90000" tIns="45000" bIns="45000"/>
-          <a:p>
-            <a:pPr algn="r"/>
-            <a:r>
-              <a:rPr b="0" lang="en-US" sz="1800" spc="-1" strike="noStrike">
-                <a:solidFill>
-                  <a:srgbClr val="000000"/>
-                </a:solidFill>
-                <a:uFill>
-                  <a:solidFill>
-                    <a:srgbClr val="ffffff"/>
-                  </a:solidFill>
-                </a:uFill>
-                <a:latin typeface="DejaVu Sans"/>
-              </a:rPr>
-              <a:t>r = -0.707</a:t>
-            </a:r>
-            <a:endParaRPr b="0" lang="en-US" sz="1800" spc="-1" strike="noStrike">
-              <a:solidFill>
-                <a:srgbClr val="000000"/>
-              </a:solidFill>
-              <a:uFill>
-                <a:solidFill>
-                  <a:srgbClr val="ffffff"/>
-                </a:solidFill>
-              </a:uFill>
-              <a:latin typeface="DejaVu Sans"/>
-            </a:endParaRPr>
-          </a:p>
-        </p:txBody>
-      </p:sp>
     </p:spTree>
   </p:cSld>
   <p:timing>
@@ -4225,14 +6955,14 @@
       </p:grpSpPr>
       <p:sp>
         <p:nvSpPr>
-          <p:cNvPr id="69" name="TextShape 1"/>
-          <p:cNvSpPr txBox="1"/>
+          <p:cNvPr id="95" name="CustomShape 1"/>
+          <p:cNvSpPr/>
           <p:nvPr/>
         </p:nvSpPr>
         <p:spPr>
           <a:xfrm>
-            <a:off x="504000" y="283320"/>
-            <a:ext cx="9071640" cy="1298520"/>
+            <a:off x="504000" y="301320"/>
+            <a:ext cx="9071280" cy="1261800"/>
           </a:xfrm>
           <a:prstGeom prst="rect">
             <a:avLst/>
@@ -4242,10 +6972,20 @@
             <a:noFill/>
           </a:ln>
         </p:spPr>
+        <p:style>
+          <a:lnRef idx="0"/>
+          <a:fillRef idx="0"/>
+          <a:effectRef idx="0"/>
+          <a:fontRef idx="minor"/>
+        </p:style>
         <p:txBody>
           <a:bodyPr lIns="0" rIns="0" tIns="0" bIns="0" anchor="ctr"/>
           <a:p>
-            <a:pPr algn="ctr"/>
+            <a:pPr algn="ctr">
+              <a:lnSpc>
+                <a:spcPct val="100000"/>
+              </a:lnSpc>
+            </a:pPr>
             <a:r>
               <a:rPr b="0" lang="en-US" sz="4400" spc="-1" strike="noStrike">
                 <a:solidFill>
@@ -4258,32 +6998,55 @@
                 </a:uFill>
                 <a:latin typeface="DejaVu Sans"/>
               </a:rPr>
-              <a:t>Correlation Between Population and Total Crime Reports</a:t>
+              <a:t>DUII Offenses per Year</a:t>
             </a:r>
-            <a:endParaRPr b="0" lang="en-US" sz="4400" spc="-1" strike="noStrike">
-              <a:solidFill>
-                <a:srgbClr val="000000"/>
-              </a:solidFill>
-              <a:uFill>
-                <a:solidFill>
-                  <a:srgbClr val="ffffff"/>
-                </a:solidFill>
-              </a:uFill>
-              <a:latin typeface="DejaVu Sans"/>
-            </a:endParaRPr>
-          </a:p>
-        </p:txBody>
-      </p:sp>
-      <p:sp>
-        <p:nvSpPr>
-          <p:cNvPr id="70" name="TextShape 2"/>
-          <p:cNvSpPr txBox="1"/>
+            <a:endParaRPr b="0" lang="en-US" sz="1800" spc="-1" strike="noStrike">
+              <a:solidFill>
+                <a:srgbClr val="000000"/>
+              </a:solidFill>
+              <a:uFill>
+                <a:solidFill>
+                  <a:srgbClr val="ffffff"/>
+                </a:solidFill>
+              </a:uFill>
+              <a:latin typeface="Arial"/>
+            </a:endParaRPr>
+          </a:p>
+        </p:txBody>
+      </p:sp>
+      <p:pic>
+        <p:nvPicPr>
+          <p:cNvPr id="96" name="" descr=""/>
+          <p:cNvPicPr/>
           <p:nvPr/>
+        </p:nvPicPr>
+        <p:blipFill>
+          <a:blip r:embed="rId1"/>
+          <a:stretch/>
+        </p:blipFill>
+        <p:spPr>
+          <a:xfrm>
+            <a:off x="1262160" y="1768680"/>
+            <a:ext cx="7553520" cy="4383720"/>
+          </a:xfrm>
+          <a:prstGeom prst="rect">
+            <a:avLst/>
+          </a:prstGeom>
+          <a:ln>
+            <a:noFill/>
+          </a:ln>
+        </p:spPr>
+      </p:pic>
+      <p:sp>
+        <p:nvSpPr>
+          <p:cNvPr id="97" name="CustomShape 2"/>
+          <p:cNvSpPr/>
+          <p:nvPr/>
         </p:nvSpPr>
         <p:spPr>
           <a:xfrm>
             <a:off x="822960" y="6309360"/>
-            <a:ext cx="180720" cy="355680"/>
+            <a:ext cx="180360" cy="355320"/>
           </a:xfrm>
           <a:prstGeom prst="rect">
             <a:avLst/>
@@ -4293,17 +7056,23 @@
             <a:noFill/>
           </a:ln>
         </p:spPr>
-      </p:sp>
-      <p:sp>
-        <p:nvSpPr>
-          <p:cNvPr id="71" name="TextShape 3"/>
-          <p:cNvSpPr txBox="1"/>
+        <p:style>
+          <a:lnRef idx="0"/>
+          <a:fillRef idx="0"/>
+          <a:effectRef idx="0"/>
+          <a:fontRef idx="minor"/>
+        </p:style>
+      </p:sp>
+      <p:sp>
+        <p:nvSpPr>
+          <p:cNvPr id="98" name="CustomShape 3"/>
+          <p:cNvSpPr/>
           <p:nvPr/>
         </p:nvSpPr>
         <p:spPr>
           <a:xfrm>
             <a:off x="4937760" y="7863840"/>
-            <a:ext cx="180720" cy="355680"/>
+            <a:ext cx="180360" cy="355320"/>
           </a:xfrm>
           <a:prstGeom prst="rect">
             <a:avLst/>
@@ -4313,17 +7082,23 @@
             <a:noFill/>
           </a:ln>
         </p:spPr>
-      </p:sp>
-      <p:sp>
-        <p:nvSpPr>
-          <p:cNvPr id="72" name="TextShape 4"/>
-          <p:cNvSpPr txBox="1"/>
+        <p:style>
+          <a:lnRef idx="0"/>
+          <a:fillRef idx="0"/>
+          <a:effectRef idx="0"/>
+          <a:fontRef idx="minor"/>
+        </p:style>
+      </p:sp>
+      <p:sp>
+        <p:nvSpPr>
+          <p:cNvPr id="99" name="CustomShape 4"/>
+          <p:cNvSpPr/>
           <p:nvPr/>
         </p:nvSpPr>
         <p:spPr>
           <a:xfrm>
             <a:off x="822960" y="6309360"/>
-            <a:ext cx="8412480" cy="355680"/>
+            <a:ext cx="8412120" cy="620640"/>
           </a:xfrm>
           <a:prstGeom prst="rect">
             <a:avLst/>
@@ -4333,10 +7108,15 @@
             <a:noFill/>
           </a:ln>
         </p:spPr>
+        <p:style>
+          <a:lnRef idx="0"/>
+          <a:fillRef idx="0"/>
+          <a:effectRef idx="0"/>
+          <a:fontRef idx="minor"/>
+        </p:style>
         <p:txBody>
           <a:bodyPr lIns="90000" rIns="90000" tIns="45000" bIns="45000"/>
           <a:p>
-            <a:pPr algn="r"/>
             <a:r>
               <a:rPr b="0" lang="en-US" sz="1800" spc="-1" strike="noStrike">
                 <a:solidFill>
@@ -4349,7 +7129,7 @@
                 </a:uFill>
                 <a:latin typeface="DejaVu Sans"/>
               </a:rPr>
-              <a:t>r = -0.799</a:t>
+              <a:t>Mean homicides per year: 1943</a:t>
             </a:r>
             <a:endParaRPr b="0" lang="en-US" sz="1800" spc="-1" strike="noStrike">
               <a:solidFill>
@@ -4360,34 +7140,38 @@
                   <a:srgbClr val="ffffff"/>
                 </a:solidFill>
               </a:uFill>
-              <a:latin typeface="DejaVu Sans"/>
-            </a:endParaRPr>
-          </a:p>
-        </p:txBody>
-      </p:sp>
-      <p:pic>
-        <p:nvPicPr>
-          <p:cNvPr id="73" name="" descr=""/>
-          <p:cNvPicPr/>
-          <p:nvPr/>
-        </p:nvPicPr>
-        <p:blipFill>
-          <a:blip r:embed="rId1"/>
-          <a:stretch/>
-        </p:blipFill>
-        <p:spPr>
-          <a:xfrm>
-            <a:off x="1262520" y="1768680"/>
-            <a:ext cx="7553880" cy="4384440"/>
-          </a:xfrm>
-          <a:prstGeom prst="rect">
-            <a:avLst/>
-          </a:prstGeom>
-          <a:ln>
-            <a:noFill/>
-          </a:ln>
-        </p:spPr>
-      </p:pic>
+              <a:latin typeface="Arial"/>
+            </a:endParaRPr>
+          </a:p>
+          <a:p>
+            <a:r>
+              <a:rPr b="0" lang="en-US" sz="1800" spc="-1" strike="noStrike">
+                <a:solidFill>
+                  <a:srgbClr val="000000"/>
+                </a:solidFill>
+                <a:uFill>
+                  <a:solidFill>
+                    <a:srgbClr val="ffffff"/>
+                  </a:solidFill>
+                </a:uFill>
+                <a:latin typeface="DejaVu Sans"/>
+              </a:rPr>
+              <a:t>Standard deviation: 274</a:t>
+            </a:r>
+            <a:endParaRPr b="0" lang="en-US" sz="1800" spc="-1" strike="noStrike">
+              <a:solidFill>
+                <a:srgbClr val="000000"/>
+              </a:solidFill>
+              <a:uFill>
+                <a:solidFill>
+                  <a:srgbClr val="ffffff"/>
+                </a:solidFill>
+              </a:uFill>
+              <a:latin typeface="Arial"/>
+            </a:endParaRPr>
+          </a:p>
+        </p:txBody>
+      </p:sp>
     </p:spTree>
   </p:cSld>
   <p:timing>
@@ -4439,14 +7223,14 @@
       </p:grpSpPr>
       <p:sp>
         <p:nvSpPr>
-          <p:cNvPr id="74" name="TextShape 1"/>
-          <p:cNvSpPr txBox="1"/>
+          <p:cNvPr id="100" name="CustomShape 1"/>
+          <p:cNvSpPr/>
           <p:nvPr/>
         </p:nvSpPr>
         <p:spPr>
           <a:xfrm>
             <a:off x="504000" y="283320"/>
-            <a:ext cx="9071640" cy="1298520"/>
+            <a:ext cx="9071280" cy="1298160"/>
           </a:xfrm>
           <a:prstGeom prst="rect">
             <a:avLst/>
@@ -4456,10 +7240,20 @@
             <a:noFill/>
           </a:ln>
         </p:spPr>
+        <p:style>
+          <a:lnRef idx="0"/>
+          <a:fillRef idx="0"/>
+          <a:effectRef idx="0"/>
+          <a:fontRef idx="minor"/>
+        </p:style>
         <p:txBody>
           <a:bodyPr lIns="0" rIns="0" tIns="0" bIns="0" anchor="ctr"/>
           <a:p>
-            <a:pPr algn="ctr"/>
+            <a:pPr algn="ctr">
+              <a:lnSpc>
+                <a:spcPct val="100000"/>
+              </a:lnSpc>
+            </a:pPr>
             <a:r>
               <a:rPr b="0" lang="en-US" sz="4400" spc="-1" strike="noStrike">
                 <a:solidFill>
@@ -4472,98 +7266,7 @@
                 </a:uFill>
                 <a:latin typeface="DejaVu Sans"/>
               </a:rPr>
-              <a:t>Relationship Between Unemployment and Larceny</a:t>
-            </a:r>
-            <a:endParaRPr b="0" lang="en-US" sz="4400" spc="-1" strike="noStrike">
-              <a:solidFill>
-                <a:srgbClr val="000000"/>
-              </a:solidFill>
-              <a:uFill>
-                <a:solidFill>
-                  <a:srgbClr val="ffffff"/>
-                </a:solidFill>
-              </a:uFill>
-              <a:latin typeface="DejaVu Sans"/>
-            </a:endParaRPr>
-          </a:p>
-        </p:txBody>
-      </p:sp>
-      <p:sp>
-        <p:nvSpPr>
-          <p:cNvPr id="75" name="TextShape 2"/>
-          <p:cNvSpPr txBox="1"/>
-          <p:nvPr/>
-        </p:nvSpPr>
-        <p:spPr>
-          <a:xfrm>
-            <a:off x="822960" y="6309360"/>
-            <a:ext cx="180720" cy="355680"/>
-          </a:xfrm>
-          <a:prstGeom prst="rect">
-            <a:avLst/>
-          </a:prstGeom>
-          <a:noFill/>
-          <a:ln>
-            <a:noFill/>
-          </a:ln>
-        </p:spPr>
-      </p:sp>
-      <p:sp>
-        <p:nvSpPr>
-          <p:cNvPr id="76" name="TextShape 3"/>
-          <p:cNvSpPr txBox="1"/>
-          <p:nvPr/>
-        </p:nvSpPr>
-        <p:spPr>
-          <a:xfrm>
-            <a:off x="4937760" y="7863840"/>
-            <a:ext cx="180720" cy="355680"/>
-          </a:xfrm>
-          <a:prstGeom prst="rect">
-            <a:avLst/>
-          </a:prstGeom>
-          <a:noFill/>
-          <a:ln>
-            <a:noFill/>
-          </a:ln>
-        </p:spPr>
-      </p:sp>
-      <p:sp>
-        <p:nvSpPr>
-          <p:cNvPr id="77" name="TextShape 4"/>
-          <p:cNvSpPr txBox="1"/>
-          <p:nvPr/>
-        </p:nvSpPr>
-        <p:spPr>
-          <a:xfrm>
-            <a:off x="822960" y="6309360"/>
-            <a:ext cx="8412480" cy="355680"/>
-          </a:xfrm>
-          <a:prstGeom prst="rect">
-            <a:avLst/>
-          </a:prstGeom>
-          <a:noFill/>
-          <a:ln>
-            <a:noFill/>
-          </a:ln>
-        </p:spPr>
-        <p:txBody>
-          <a:bodyPr lIns="90000" rIns="90000" tIns="45000" bIns="45000"/>
-          <a:p>
-            <a:pPr algn="r"/>
-            <a:r>
-              <a:rPr b="0" lang="en-US" sz="1800" spc="-1" strike="noStrike">
-                <a:solidFill>
-                  <a:srgbClr val="000000"/>
-                </a:solidFill>
-                <a:uFill>
-                  <a:solidFill>
-                    <a:srgbClr val="ffffff"/>
-                  </a:solidFill>
-                </a:uFill>
-                <a:latin typeface="DejaVu Sans"/>
-              </a:rPr>
-              <a:t>r = -0.382</a:t>
+              <a:t>Liquor Law and Drug Offenses per Year</a:t>
             </a:r>
             <a:endParaRPr b="0" lang="en-US" sz="1800" spc="-1" strike="noStrike">
               <a:solidFill>
@@ -4574,14 +7277,14 @@
                   <a:srgbClr val="ffffff"/>
                 </a:solidFill>
               </a:uFill>
-              <a:latin typeface="DejaVu Sans"/>
+              <a:latin typeface="Arial"/>
             </a:endParaRPr>
           </a:p>
         </p:txBody>
       </p:sp>
       <p:pic>
         <p:nvPicPr>
-          <p:cNvPr id="78" name="" descr=""/>
+          <p:cNvPr id="101" name="" descr=""/>
           <p:cNvPicPr/>
           <p:nvPr/>
         </p:nvPicPr>
@@ -4592,7 +7295,7 @@
         <p:spPr>
           <a:xfrm>
             <a:off x="1262160" y="1768680"/>
-            <a:ext cx="7553880" cy="4384080"/>
+            <a:ext cx="7553520" cy="4383720"/>
           </a:xfrm>
           <a:prstGeom prst="rect">
             <a:avLst/>
@@ -4602,6 +7305,58 @@
           </a:ln>
         </p:spPr>
       </p:pic>
+      <p:sp>
+        <p:nvSpPr>
+          <p:cNvPr id="102" name="CustomShape 2"/>
+          <p:cNvSpPr/>
+          <p:nvPr/>
+        </p:nvSpPr>
+        <p:spPr>
+          <a:xfrm>
+            <a:off x="822960" y="6309360"/>
+            <a:ext cx="180360" cy="355320"/>
+          </a:xfrm>
+          <a:prstGeom prst="rect">
+            <a:avLst/>
+          </a:prstGeom>
+          <a:noFill/>
+          <a:ln>
+            <a:noFill/>
+          </a:ln>
+        </p:spPr>
+        <p:style>
+          <a:lnRef idx="0"/>
+          <a:fillRef idx="0"/>
+          <a:effectRef idx="0"/>
+          <a:fontRef idx="minor"/>
+        </p:style>
+      </p:sp>
+      <p:sp>
+        <p:nvSpPr>
+          <p:cNvPr id="103" name="CustomShape 3"/>
+          <p:cNvSpPr/>
+          <p:nvPr/>
+        </p:nvSpPr>
+        <p:spPr>
+          <a:xfrm>
+            <a:off x="4937760" y="7863840"/>
+            <a:ext cx="180360" cy="355320"/>
+          </a:xfrm>
+          <a:prstGeom prst="rect">
+            <a:avLst/>
+          </a:prstGeom>
+          <a:noFill/>
+          <a:ln>
+            <a:noFill/>
+          </a:ln>
+        </p:spPr>
+        <p:style>
+          <a:lnRef idx="0"/>
+          <a:fillRef idx="0"/>
+          <a:effectRef idx="0"/>
+          <a:fontRef idx="minor"/>
+        </p:style>
+      </p:sp>
     </p:spTree>
   </p:cSld>
   <p:timing>
@@ -4855,4 +7610,227 @@
     </a:fmtScheme>
   </a:themeElements>
 </a:theme>
+</file>
+
+<file path=ppt/theme/theme2.xml><?xml version="1.0" encoding="utf-8"?>
+<a:theme xmlns:a="http://schemas.openxmlformats.org/drawingml/2006/main" name="Office Theme">
+  <a:themeElements>
+    <a:clrScheme name="Office">
+      <a:dk1>
+        <a:sysClr val="windowText" lastClr="000000"/>
+      </a:dk1>
+      <a:lt1>
+        <a:sysClr val="window" lastClr="FFFFFF"/>
+      </a:lt1>
+      <a:dk2>
+        <a:srgbClr val="1F497D"/>
+      </a:dk2>
+      <a:lt2>
+        <a:srgbClr val="EEECE1"/>
+      </a:lt2>
+      <a:accent1>
+        <a:srgbClr val="4F81BD"/>
+      </a:accent1>
+      <a:accent2>
+        <a:srgbClr val="C0504D"/>
+      </a:accent2>
+      <a:accent3>
+        <a:srgbClr val="9BBB59"/>
+      </a:accent3>
+      <a:accent4>
+        <a:srgbClr val="8064A2"/>
+      </a:accent4>
+      <a:accent5>
+        <a:srgbClr val="4BACC6"/>
+      </a:accent5>
+      <a:accent6>
+        <a:srgbClr val="F79646"/>
+      </a:accent6>
+      <a:hlink>
+        <a:srgbClr val="0000FF"/>
+      </a:hlink>
+      <a:folHlink>
+        <a:srgbClr val="800080"/>
+      </a:folHlink>
+    </a:clrScheme>
+    <a:fontScheme name="Office">
+      <a:majorFont>
+        <a:latin typeface="Arial"/>
+        <a:ea typeface="DejaVu Sans"/>
+        <a:cs typeface="DejaVu Sans"/>
+      </a:majorFont>
+      <a:minorFont>
+        <a:latin typeface="Arial"/>
+        <a:ea typeface="DejaVu Sans"/>
+        <a:cs typeface="DejaVu Sans"/>
+      </a:minorFont>
+    </a:fontScheme>
+    <a:fmtScheme name="Office">
+      <a:fillStyleLst>
+        <a:solidFill>
+          <a:schemeClr val="phClr"/>
+        </a:solidFill>
+        <a:gradFill rotWithShape="1">
+          <a:gsLst>
+            <a:gs pos="0">
+              <a:schemeClr val="phClr">
+                <a:tint val="50000"/>
+                <a:satMod val="300000"/>
+              </a:schemeClr>
+            </a:gs>
+            <a:gs pos="35000">
+              <a:schemeClr val="phClr">
+                <a:tint val="37000"/>
+                <a:satMod val="300000"/>
+              </a:schemeClr>
+            </a:gs>
+            <a:gs pos="100000">
+              <a:schemeClr val="phClr">
+                <a:tint val="15000"/>
+                <a:satMod val="350000"/>
+              </a:schemeClr>
+            </a:gs>
+          </a:gsLst>
+          <a:lin ang="16200000" scaled="1"/>
+        </a:gradFill>
+        <a:gradFill rotWithShape="1">
+          <a:gsLst>
+            <a:gs pos="0">
+              <a:schemeClr val="phClr">
+                <a:shade val="51000"/>
+                <a:satMod val="130000"/>
+              </a:schemeClr>
+            </a:gs>
+            <a:gs pos="80000">
+              <a:schemeClr val="phClr">
+                <a:shade val="93000"/>
+                <a:satMod val="130000"/>
+              </a:schemeClr>
+            </a:gs>
+            <a:gs pos="100000">
+              <a:schemeClr val="phClr">
+                <a:shade val="94000"/>
+                <a:satMod val="135000"/>
+              </a:schemeClr>
+            </a:gs>
+          </a:gsLst>
+          <a:lin ang="16200000" scaled="0"/>
+        </a:gradFill>
+      </a:fillStyleLst>
+      <a:lnStyleLst>
+        <a:ln w="9525" cap="flat" cmpd="sng" algn="ctr">
+          <a:solidFill>
+            <a:schemeClr val="phClr">
+              <a:shade val="95000"/>
+              <a:satMod val="105000"/>
+            </a:schemeClr>
+          </a:solidFill>
+          <a:prstDash val="solid"/>
+        </a:ln>
+        <a:ln w="25400" cap="flat" cmpd="sng" algn="ctr">
+          <a:solidFill>
+            <a:schemeClr val="phClr"/>
+          </a:solidFill>
+          <a:prstDash val="solid"/>
+        </a:ln>
+        <a:ln w="38100" cap="flat" cmpd="sng" algn="ctr">
+          <a:solidFill>
+            <a:schemeClr val="phClr"/>
+          </a:solidFill>
+          <a:prstDash val="solid"/>
+        </a:ln>
+      </a:lnStyleLst>
+      <a:effectStyleLst>
+        <a:effectStyle>
+          <a:effectLst>
+            <a:outerShdw blurRad="40000" dist="20000" dir="5400000" rotWithShape="0">
+              <a:srgbClr val="000000">
+                <a:alpha val="38000"/>
+              </a:srgbClr>
+            </a:outerShdw>
+          </a:effectLst>
+        </a:effectStyle>
+        <a:effectStyle>
+          <a:effectLst>
+            <a:outerShdw blurRad="40000" dist="23000" dir="5400000" rotWithShape="0">
+              <a:srgbClr val="000000">
+                <a:alpha val="35000"/>
+              </a:srgbClr>
+            </a:outerShdw>
+          </a:effectLst>
+        </a:effectStyle>
+        <a:effectStyle>
+          <a:effectLst>
+            <a:outerShdw blurRad="40000" dist="23000" dir="5400000" rotWithShape="0">
+              <a:srgbClr val="000000">
+                <a:alpha val="35000"/>
+              </a:srgbClr>
+            </a:outerShdw>
+          </a:effectLst>
+          <a:scene3d>
+            <a:camera prst="orthographicFront">
+              <a:rot lat="0" lon="0" rev="0"/>
+            </a:camera>
+            <a:lightRig rig="threePt" dir="t">
+              <a:rot lat="0" lon="0" rev="1200000"/>
+            </a:lightRig>
+          </a:scene3d>
+          <a:sp3d>
+            <a:bevelT w="63500" h="25400"/>
+          </a:sp3d>
+        </a:effectStyle>
+      </a:effectStyleLst>
+      <a:bgFillStyleLst>
+        <a:solidFill>
+          <a:schemeClr val="phClr"/>
+        </a:solidFill>
+        <a:gradFill rotWithShape="1">
+          <a:gsLst>
+            <a:gs pos="0">
+              <a:schemeClr val="phClr">
+                <a:tint val="40000"/>
+                <a:satMod val="350000"/>
+              </a:schemeClr>
+            </a:gs>
+            <a:gs pos="40000">
+              <a:schemeClr val="phClr">
+                <a:tint val="45000"/>
+                <a:shade val="99000"/>
+                <a:satMod val="350000"/>
+              </a:schemeClr>
+            </a:gs>
+            <a:gs pos="100000">
+              <a:schemeClr val="phClr">
+                <a:shade val="20000"/>
+                <a:satMod val="255000"/>
+              </a:schemeClr>
+            </a:gs>
+          </a:gsLst>
+          <a:path path="circle">
+            <a:fillToRect l="50000" t="-80000" r="50000" b="180000"/>
+          </a:path>
+        </a:gradFill>
+        <a:gradFill rotWithShape="1">
+          <a:gsLst>
+            <a:gs pos="0">
+              <a:schemeClr val="phClr">
+                <a:tint val="80000"/>
+                <a:satMod val="300000"/>
+              </a:schemeClr>
+            </a:gs>
+            <a:gs pos="100000">
+              <a:schemeClr val="phClr">
+                <a:shade val="30000"/>
+                <a:satMod val="200000"/>
+              </a:schemeClr>
+            </a:gs>
+          </a:gsLst>
+          <a:path path="circle">
+            <a:fillToRect l="50000" t="50000" r="50000" b="50000"/>
+          </a:path>
+        </a:gradFill>
+      </a:bgFillStyleLst>
+    </a:fmtScheme>
+  </a:themeElements>
+</a:theme>
 </file>
--- a/docs/Bates_presentation.pptx
+++ b/docs/Bates_presentation.pptx
@@ -17,6 +17,7 @@
     <p:sldId id="265" r:id="rId12"/>
     <p:sldId id="266" r:id="rId13"/>
     <p:sldId id="267" r:id="rId14"/>
+    <p:sldId id="268" r:id="rId15"/>
   </p:sldIdLst>
   <p:sldSz cx="10080625" cy="7559675"/>
   <p:notesSz cx="7772400" cy="10058400"/>
@@ -2036,7 +2037,7 @@
                 </a:uFill>
                 <a:latin typeface="DejaVu Serif"/>
               </a:rPr>
-              <a:t> </a:t>
+              <a:t>&lt;date/time&gt;</a:t>
             </a:r>
             <a:endParaRPr b="0" lang="en-US" sz="1400" spc="-1" strike="noStrike">
               <a:solidFill>
@@ -2087,7 +2088,7 @@
                 </a:uFill>
                 <a:latin typeface="DejaVu Serif"/>
               </a:rPr>
-              <a:t> </a:t>
+              <a:t>&lt;footer&gt;</a:t>
             </a:r>
             <a:endParaRPr b="0" lang="en-US" sz="1400" spc="-1" strike="noStrike">
               <a:solidFill>
@@ -2126,7 +2127,7 @@
           <a:bodyPr lIns="0" rIns="0" tIns="0" bIns="0"/>
           <a:p>
             <a:pPr algn="r"/>
-            <a:fld id="{E23FA91B-6679-436D-BDAE-74DA3D447D0C}" type="slidenum">
+            <a:fld id="{FF4BDC47-BF36-42F0-BF64-6D2E532D8BFC}" type="slidenum">
               <a:rPr b="0" lang="en-US" sz="1400" spc="-1" strike="noStrike">
                 <a:solidFill>
                   <a:srgbClr val="000000"/>
@@ -2138,7 +2139,7 @@
                 </a:uFill>
                 <a:latin typeface="DejaVu Serif"/>
               </a:rPr>
-              <a:t>1</a:t>
+              <a:t>&lt;number&gt;</a:t>
             </a:fld>
             <a:endParaRPr b="0" lang="en-US" sz="1400" spc="-1" strike="noStrike">
               <a:solidFill>
@@ -2359,14 +2360,14 @@
       </p:grpSpPr>
       <p:sp>
         <p:nvSpPr>
-          <p:cNvPr id="79" name="TextShape 1"/>
+          <p:cNvPr id="76" name="TextShape 1"/>
           <p:cNvSpPr txBox="1"/>
           <p:nvPr/>
         </p:nvSpPr>
         <p:spPr>
           <a:xfrm>
-            <a:off x="504000" y="301320"/>
-            <a:ext cx="9071640" cy="1262160"/>
+            <a:off x="504000" y="283320"/>
+            <a:ext cx="9071640" cy="1298520"/>
           </a:xfrm>
           <a:prstGeom prst="rect">
             <a:avLst/>
@@ -2392,7 +2393,7 @@
                 </a:uFill>
                 <a:latin typeface="DejaVu Sans"/>
               </a:rPr>
-              <a:t>The “Ferguson Effect”</a:t>
+              <a:t>Relationship Between Unemployment and Larceny</a:t>
             </a:r>
             <a:endParaRPr b="0" lang="en-US" sz="4400" spc="-1" strike="noStrike">
               <a:solidFill>
@@ -2410,7 +2411,7 @@
       </p:sp>
       <p:sp>
         <p:nvSpPr>
-          <p:cNvPr id="80" name="TextShape 2"/>
+          <p:cNvPr id="77" name="TextShape 2"/>
           <p:cNvSpPr txBox="1"/>
           <p:nvPr/>
         </p:nvSpPr>
@@ -2430,7 +2431,7 @@
       </p:sp>
       <p:sp>
         <p:nvSpPr>
-          <p:cNvPr id="81" name="TextShape 3"/>
+          <p:cNvPr id="78" name="TextShape 3"/>
           <p:cNvSpPr txBox="1"/>
           <p:nvPr/>
         </p:nvSpPr>
@@ -2450,14 +2451,14 @@
       </p:sp>
       <p:sp>
         <p:nvSpPr>
-          <p:cNvPr id="82" name="TextShape 4"/>
+          <p:cNvPr id="79" name="TextShape 4"/>
           <p:cNvSpPr txBox="1"/>
           <p:nvPr/>
         </p:nvSpPr>
         <p:spPr>
           <a:xfrm>
             <a:off x="822960" y="6309360"/>
-            <a:ext cx="8412480" cy="621000"/>
+            <a:ext cx="8412480" cy="355680"/>
           </a:xfrm>
           <a:prstGeom prst="rect">
             <a:avLst/>
@@ -2470,6 +2471,7 @@
         <p:txBody>
           <a:bodyPr lIns="90000" rIns="90000" tIns="45000" bIns="45000"/>
           <a:p>
+            <a:pPr algn="r"/>
             <a:r>
               <a:rPr b="0" lang="en-US" sz="1800" spc="-1" strike="noStrike">
                 <a:solidFill>
@@ -2482,7 +2484,7 @@
                 </a:uFill>
                 <a:latin typeface="DejaVu Sans"/>
               </a:rPr>
-              <a:t>Pre-Ferguson mean: 2.46 robberies per day</a:t>
+              <a:t>r = -0.382</a:t>
             </a:r>
             <a:endParaRPr b="0" lang="en-US" sz="1800" spc="-1" strike="noStrike">
               <a:solidFill>
@@ -2496,38 +2498,11 @@
               <a:latin typeface="DejaVu Sans"/>
             </a:endParaRPr>
           </a:p>
-          <a:p>
-            <a:r>
-              <a:rPr b="0" lang="en-US" sz="1800" spc="-1" strike="noStrike">
-                <a:solidFill>
-                  <a:srgbClr val="000000"/>
-                </a:solidFill>
-                <a:uFill>
-                  <a:solidFill>
-                    <a:srgbClr val="ffffff"/>
-                  </a:solidFill>
-                </a:uFill>
-                <a:latin typeface="DejaVu Sans"/>
-              </a:rPr>
-              <a:t>Post-Ferguson mean: 2.29 robberies per day</a:t>
-            </a:r>
-            <a:endParaRPr b="0" lang="en-US" sz="1800" spc="-1" strike="noStrike">
-              <a:solidFill>
-                <a:srgbClr val="000000"/>
-              </a:solidFill>
-              <a:uFill>
-                <a:solidFill>
-                  <a:srgbClr val="ffffff"/>
-                </a:solidFill>
-              </a:uFill>
-              <a:latin typeface="DejaVu Sans"/>
-            </a:endParaRPr>
-          </a:p>
         </p:txBody>
       </p:sp>
       <p:pic>
         <p:nvPicPr>
-          <p:cNvPr id="83" name="" descr=""/>
+          <p:cNvPr id="80" name="" descr=""/>
           <p:cNvPicPr/>
           <p:nvPr/>
         </p:nvPicPr>
@@ -2537,8 +2512,8 @@
         </p:blipFill>
         <p:spPr>
           <a:xfrm>
-            <a:off x="1262520" y="1768680"/>
-            <a:ext cx="7553880" cy="4384440"/>
+            <a:off x="1262160" y="1768680"/>
+            <a:ext cx="7553880" cy="4384080"/>
           </a:xfrm>
           <a:prstGeom prst="rect">
             <a:avLst/>
@@ -2599,14 +2574,14 @@
       </p:grpSpPr>
       <p:sp>
         <p:nvSpPr>
-          <p:cNvPr id="84" name="TextShape 1"/>
+          <p:cNvPr id="81" name="TextShape 1"/>
           <p:cNvSpPr txBox="1"/>
           <p:nvPr/>
         </p:nvSpPr>
         <p:spPr>
           <a:xfrm>
-            <a:off x="504000" y="283680"/>
-            <a:ext cx="9071640" cy="1298520"/>
+            <a:off x="504000" y="301320"/>
+            <a:ext cx="9071640" cy="1262160"/>
           </a:xfrm>
           <a:prstGeom prst="rect">
             <a:avLst/>
@@ -2632,7 +2607,7 @@
                 </a:uFill>
                 <a:latin typeface="DejaVu Sans"/>
               </a:rPr>
-              <a:t>Effect of Neighborhood Racial Demographics</a:t>
+              <a:t>The “Ferguson Effect”</a:t>
             </a:r>
             <a:endParaRPr b="0" lang="en-US" sz="4400" spc="-1" strike="noStrike">
               <a:solidFill>
@@ -2650,7 +2625,7 @@
       </p:sp>
       <p:sp>
         <p:nvSpPr>
-          <p:cNvPr id="85" name="TextShape 2"/>
+          <p:cNvPr id="82" name="TextShape 2"/>
           <p:cNvSpPr txBox="1"/>
           <p:nvPr/>
         </p:nvSpPr>
@@ -2670,7 +2645,7 @@
       </p:sp>
       <p:sp>
         <p:nvSpPr>
-          <p:cNvPr id="86" name="TextShape 3"/>
+          <p:cNvPr id="83" name="TextShape 3"/>
           <p:cNvSpPr txBox="1"/>
           <p:nvPr/>
         </p:nvSpPr>
@@ -2690,14 +2665,14 @@
       </p:sp>
       <p:sp>
         <p:nvSpPr>
-          <p:cNvPr id="87" name="TextShape 4"/>
+          <p:cNvPr id="84" name="TextShape 4"/>
           <p:cNvSpPr txBox="1"/>
           <p:nvPr/>
         </p:nvSpPr>
         <p:spPr>
           <a:xfrm>
             <a:off x="822960" y="6309360"/>
-            <a:ext cx="8412480" cy="886320"/>
+            <a:ext cx="8412480" cy="621000"/>
           </a:xfrm>
           <a:prstGeom prst="rect">
             <a:avLst/>
@@ -2722,7 +2697,7 @@
                 </a:uFill>
                 <a:latin typeface="DejaVu Sans"/>
               </a:rPr>
-              <a:t>Correlation coefficient for percent white: -0.347</a:t>
+              <a:t>Pre-Ferguson mean: 2.46 robberies per day</a:t>
             </a:r>
             <a:endParaRPr b="0" lang="en-US" sz="1800" spc="-1" strike="noStrike">
               <a:solidFill>
@@ -2749,7 +2724,7 @@
                 </a:uFill>
                 <a:latin typeface="DejaVu Sans"/>
               </a:rPr>
-              <a:t>Correlation coefficient for percent black or African American: 0.169</a:t>
+              <a:t>Post-Ferguson mean: 2.29 robberies per day</a:t>
             </a:r>
             <a:endParaRPr b="0" lang="en-US" sz="1800" spc="-1" strike="noStrike">
               <a:solidFill>
@@ -2763,38 +2738,11 @@
               <a:latin typeface="DejaVu Sans"/>
             </a:endParaRPr>
           </a:p>
-          <a:p>
-            <a:r>
-              <a:rPr b="0" lang="en-US" sz="1800" spc="-1" strike="noStrike">
-                <a:solidFill>
-                  <a:srgbClr val="000000"/>
-                </a:solidFill>
-                <a:uFill>
-                  <a:solidFill>
-                    <a:srgbClr val="ffffff"/>
-                  </a:solidFill>
-                </a:uFill>
-                <a:latin typeface="DejaVu Sans"/>
-              </a:rPr>
-              <a:t>Correlation coefficient for percent not white: 0.342</a:t>
-            </a:r>
-            <a:endParaRPr b="0" lang="en-US" sz="1800" spc="-1" strike="noStrike">
-              <a:solidFill>
-                <a:srgbClr val="000000"/>
-              </a:solidFill>
-              <a:uFill>
-                <a:solidFill>
-                  <a:srgbClr val="ffffff"/>
-                </a:solidFill>
-              </a:uFill>
-              <a:latin typeface="DejaVu Sans"/>
-            </a:endParaRPr>
-          </a:p>
         </p:txBody>
       </p:sp>
       <p:pic>
         <p:nvPicPr>
-          <p:cNvPr id="88" name="" descr=""/>
+          <p:cNvPr id="85" name="" descr=""/>
           <p:cNvPicPr/>
           <p:nvPr/>
         </p:nvPicPr>
@@ -2804,8 +2752,8 @@
         </p:blipFill>
         <p:spPr>
           <a:xfrm>
-            <a:off x="1262160" y="1768680"/>
-            <a:ext cx="7553880" cy="4384080"/>
+            <a:off x="1262520" y="1768680"/>
+            <a:ext cx="7553880" cy="4384440"/>
           </a:xfrm>
           <a:prstGeom prst="rect">
             <a:avLst/>
@@ -2866,14 +2814,14 @@
       </p:grpSpPr>
       <p:sp>
         <p:nvSpPr>
-          <p:cNvPr id="89" name="TextShape 1"/>
+          <p:cNvPr id="86" name="TextShape 1"/>
           <p:cNvSpPr txBox="1"/>
           <p:nvPr/>
         </p:nvSpPr>
         <p:spPr>
           <a:xfrm>
-            <a:off x="504000" y="301320"/>
-            <a:ext cx="9071640" cy="1262160"/>
+            <a:off x="504000" y="283680"/>
+            <a:ext cx="9071640" cy="1298520"/>
           </a:xfrm>
           <a:prstGeom prst="rect">
             <a:avLst/>
@@ -2887,6 +2835,20 @@
           <a:bodyPr lIns="0" rIns="0" tIns="0" bIns="0" anchor="ctr"/>
           <a:p>
             <a:pPr algn="ctr"/>
+            <a:r>
+              <a:rPr b="0" lang="en-US" sz="4400" spc="-1" strike="noStrike">
+                <a:solidFill>
+                  <a:srgbClr val="000000"/>
+                </a:solidFill>
+                <a:uFill>
+                  <a:solidFill>
+                    <a:srgbClr val="ffffff"/>
+                  </a:solidFill>
+                </a:uFill>
+                <a:latin typeface="DejaVu Sans"/>
+              </a:rPr>
+              <a:t>Effect of Neighborhood Racial Demographics</a:t>
+            </a:r>
             <a:endParaRPr b="0" lang="en-US" sz="4400" spc="-1" strike="noStrike">
               <a:solidFill>
                 <a:srgbClr val="000000"/>
@@ -2903,14 +2865,14 @@
       </p:sp>
       <p:sp>
         <p:nvSpPr>
-          <p:cNvPr id="90" name="TextShape 2"/>
+          <p:cNvPr id="87" name="TextShape 2"/>
           <p:cNvSpPr txBox="1"/>
           <p:nvPr/>
         </p:nvSpPr>
         <p:spPr>
           <a:xfrm>
-            <a:off x="504000" y="1769040"/>
-            <a:ext cx="9071640" cy="4384440"/>
+            <a:off x="822960" y="6309360"/>
+            <a:ext cx="180720" cy="355680"/>
           </a:xfrm>
           <a:prstGeom prst="rect">
             <a:avLst/>
@@ -2920,25 +2882,154 @@
             <a:noFill/>
           </a:ln>
         </p:spPr>
-        <p:txBody>
-          <a:bodyPr lIns="0" rIns="0" tIns="0" bIns="0">
-            <a:normAutofit/>
-          </a:bodyPr>
-          <a:p>
-            <a:endParaRPr b="0" lang="en-US" sz="3200" spc="-1" strike="noStrike">
-              <a:solidFill>
-                <a:srgbClr val="000000"/>
-              </a:solidFill>
-              <a:uFill>
-                <a:solidFill>
-                  <a:srgbClr val="ffffff"/>
-                </a:solidFill>
-              </a:uFill>
-              <a:latin typeface="DejaVu Sans"/>
-            </a:endParaRPr>
-          </a:p>
-        </p:txBody>
-      </p:sp>
+      </p:sp>
+      <p:sp>
+        <p:nvSpPr>
+          <p:cNvPr id="88" name="TextShape 3"/>
+          <p:cNvSpPr txBox="1"/>
+          <p:nvPr/>
+        </p:nvSpPr>
+        <p:spPr>
+          <a:xfrm>
+            <a:off x="4937760" y="7863840"/>
+            <a:ext cx="180720" cy="355680"/>
+          </a:xfrm>
+          <a:prstGeom prst="rect">
+            <a:avLst/>
+          </a:prstGeom>
+          <a:noFill/>
+          <a:ln>
+            <a:noFill/>
+          </a:ln>
+        </p:spPr>
+      </p:sp>
+      <p:sp>
+        <p:nvSpPr>
+          <p:cNvPr id="89" name="TextShape 4"/>
+          <p:cNvSpPr txBox="1"/>
+          <p:nvPr/>
+        </p:nvSpPr>
+        <p:spPr>
+          <a:xfrm>
+            <a:off x="822960" y="6309360"/>
+            <a:ext cx="8412480" cy="886320"/>
+          </a:xfrm>
+          <a:prstGeom prst="rect">
+            <a:avLst/>
+          </a:prstGeom>
+          <a:noFill/>
+          <a:ln>
+            <a:noFill/>
+          </a:ln>
+        </p:spPr>
+        <p:txBody>
+          <a:bodyPr lIns="90000" rIns="90000" tIns="45000" bIns="45000"/>
+          <a:p>
+            <a:r>
+              <a:rPr b="0" lang="en-US" sz="1800" spc="-1" strike="noStrike">
+                <a:solidFill>
+                  <a:srgbClr val="000000"/>
+                </a:solidFill>
+                <a:uFill>
+                  <a:solidFill>
+                    <a:srgbClr val="ffffff"/>
+                  </a:solidFill>
+                </a:uFill>
+                <a:latin typeface="DejaVu Sans"/>
+              </a:rPr>
+              <a:t>Correlation coefficient for percent white: -0.347</a:t>
+            </a:r>
+            <a:endParaRPr b="0" lang="en-US" sz="1800" spc="-1" strike="noStrike">
+              <a:solidFill>
+                <a:srgbClr val="000000"/>
+              </a:solidFill>
+              <a:uFill>
+                <a:solidFill>
+                  <a:srgbClr val="ffffff"/>
+                </a:solidFill>
+              </a:uFill>
+              <a:latin typeface="DejaVu Sans"/>
+            </a:endParaRPr>
+          </a:p>
+          <a:p>
+            <a:r>
+              <a:rPr b="0" lang="en-US" sz="1800" spc="-1" strike="noStrike">
+                <a:solidFill>
+                  <a:srgbClr val="000000"/>
+                </a:solidFill>
+                <a:uFill>
+                  <a:solidFill>
+                    <a:srgbClr val="ffffff"/>
+                  </a:solidFill>
+                </a:uFill>
+                <a:latin typeface="DejaVu Sans"/>
+              </a:rPr>
+              <a:t>Correlation coefficient for percent black or African American: 0.169</a:t>
+            </a:r>
+            <a:endParaRPr b="0" lang="en-US" sz="1800" spc="-1" strike="noStrike">
+              <a:solidFill>
+                <a:srgbClr val="000000"/>
+              </a:solidFill>
+              <a:uFill>
+                <a:solidFill>
+                  <a:srgbClr val="ffffff"/>
+                </a:solidFill>
+              </a:uFill>
+              <a:latin typeface="DejaVu Sans"/>
+            </a:endParaRPr>
+          </a:p>
+          <a:p>
+            <a:r>
+              <a:rPr b="0" lang="en-US" sz="1800" spc="-1" strike="noStrike">
+                <a:solidFill>
+                  <a:srgbClr val="000000"/>
+                </a:solidFill>
+                <a:uFill>
+                  <a:solidFill>
+                    <a:srgbClr val="ffffff"/>
+                  </a:solidFill>
+                </a:uFill>
+                <a:latin typeface="DejaVu Sans"/>
+              </a:rPr>
+              <a:t>Correlation coefficient for percent not white: 0.342</a:t>
+            </a:r>
+            <a:endParaRPr b="0" lang="en-US" sz="1800" spc="-1" strike="noStrike">
+              <a:solidFill>
+                <a:srgbClr val="000000"/>
+              </a:solidFill>
+              <a:uFill>
+                <a:solidFill>
+                  <a:srgbClr val="ffffff"/>
+                </a:solidFill>
+              </a:uFill>
+              <a:latin typeface="DejaVu Sans"/>
+            </a:endParaRPr>
+          </a:p>
+        </p:txBody>
+      </p:sp>
+      <p:pic>
+        <p:nvPicPr>
+          <p:cNvPr id="90" name="" descr=""/>
+          <p:cNvPicPr/>
+          <p:nvPr/>
+        </p:nvPicPr>
+        <p:blipFill>
+          <a:blip r:embed="rId1"/>
+          <a:stretch/>
+        </p:blipFill>
+        <p:spPr>
+          <a:xfrm>
+            <a:off x="1262160" y="1768680"/>
+            <a:ext cx="7553880" cy="4384080"/>
+          </a:xfrm>
+          <a:prstGeom prst="rect">
+            <a:avLst/>
+          </a:prstGeom>
+          <a:ln>
+            <a:noFill/>
+          </a:ln>
+        </p:spPr>
+      </p:pic>
     </p:spTree>
   </p:cSld>
   <p:timing>
@@ -2948,6 +3039,130 @@
           <p:childTnLst>
             <p:seq>
               <p:cTn id="24" nodeType="mainSeq"/>
+              <p:prevCondLst>
+                <p:cond delay="0" evt="onPrev">
+                  <p:tgtEl>
+                    <p:sldTgt/>
+                  </p:tgtEl>
+                </p:cond>
+              </p:prevCondLst>
+              <p:nextCondLst>
+                <p:cond delay="0" evt="onNext">
+                  <p:tgtEl>
+                    <p:sldTgt/>
+                  </p:tgtEl>
+                </p:cond>
+              </p:nextCondLst>
+            </p:seq>
+          </p:childTnLst>
+        </p:cTn>
+      </p:par>
+    </p:tnLst>
+  </p:timing>
+</p:sld>
+</file>
+
+<file path=ppt/slides/slide13.xml><?xml version="1.0" encoding="utf-8"?>
+<p:sld xmlns:a="http://schemas.openxmlformats.org/drawingml/2006/main" xmlns:p="http://schemas.openxmlformats.org/presentationml/2006/main" xmlns:r="http://schemas.openxmlformats.org/officeDocument/2006/relationships" xmlns:p14="http://schemas.microsoft.com/office/powerpoint/2010/main" xmlns:p15="http://schemas.microsoft.com/office/powerpoint/2012/main" xmlns:mc="http://schemas.openxmlformats.org/markup-compatibility/2006">
+  <p:cSld>
+    <p:spTree>
+      <p:nvGrpSpPr>
+        <p:cNvPr id="1" name=""/>
+        <p:cNvGrpSpPr/>
+        <p:nvPr/>
+      </p:nvGrpSpPr>
+      <p:grpSpPr>
+        <a:xfrm>
+          <a:off x="0" y="0"/>
+          <a:ext cx="0" cy="0"/>
+          <a:chOff x="0" y="0"/>
+          <a:chExt cx="0" cy="0"/>
+        </a:xfrm>
+      </p:grpSpPr>
+      <p:sp>
+        <p:nvSpPr>
+          <p:cNvPr id="91" name="TextShape 1"/>
+          <p:cNvSpPr txBox="1"/>
+          <p:nvPr/>
+        </p:nvSpPr>
+        <p:spPr>
+          <a:xfrm>
+            <a:off x="504000" y="301320"/>
+            <a:ext cx="9071640" cy="1262160"/>
+          </a:xfrm>
+          <a:prstGeom prst="rect">
+            <a:avLst/>
+          </a:prstGeom>
+          <a:noFill/>
+          <a:ln>
+            <a:noFill/>
+          </a:ln>
+        </p:spPr>
+        <p:txBody>
+          <a:bodyPr lIns="0" rIns="0" tIns="0" bIns="0" anchor="ctr"/>
+          <a:p>
+            <a:pPr algn="ctr"/>
+            <a:endParaRPr b="0" lang="en-US" sz="4400" spc="-1" strike="noStrike">
+              <a:solidFill>
+                <a:srgbClr val="000000"/>
+              </a:solidFill>
+              <a:uFill>
+                <a:solidFill>
+                  <a:srgbClr val="ffffff"/>
+                </a:solidFill>
+              </a:uFill>
+              <a:latin typeface="DejaVu Sans"/>
+            </a:endParaRPr>
+          </a:p>
+        </p:txBody>
+      </p:sp>
+      <p:sp>
+        <p:nvSpPr>
+          <p:cNvPr id="92" name="TextShape 2"/>
+          <p:cNvSpPr txBox="1"/>
+          <p:nvPr/>
+        </p:nvSpPr>
+        <p:spPr>
+          <a:xfrm>
+            <a:off x="504000" y="1769040"/>
+            <a:ext cx="9071640" cy="4384440"/>
+          </a:xfrm>
+          <a:prstGeom prst="rect">
+            <a:avLst/>
+          </a:prstGeom>
+          <a:noFill/>
+          <a:ln>
+            <a:noFill/>
+          </a:ln>
+        </p:spPr>
+        <p:txBody>
+          <a:bodyPr lIns="0" rIns="0" tIns="0" bIns="0">
+            <a:normAutofit/>
+          </a:bodyPr>
+          <a:p>
+            <a:endParaRPr b="0" lang="en-US" sz="3200" spc="-1" strike="noStrike">
+              <a:solidFill>
+                <a:srgbClr val="000000"/>
+              </a:solidFill>
+              <a:uFill>
+                <a:solidFill>
+                  <a:srgbClr val="ffffff"/>
+                </a:solidFill>
+              </a:uFill>
+              <a:latin typeface="DejaVu Sans"/>
+            </a:endParaRPr>
+          </a:p>
+        </p:txBody>
+      </p:sp>
+    </p:spTree>
+  </p:cSld>
+  <p:timing>
+    <p:tnLst>
+      <p:par>
+        <p:cTn id="25" dur="indefinite" restart="never" nodeType="tmRoot">
+          <p:childTnLst>
+            <p:seq>
+              <p:cTn id="26" nodeType="mainSeq"/>
               <p:prevCondLst>
                 <p:cond delay="0" evt="onPrev">
                   <p:tgtEl>
@@ -3023,7 +3238,7 @@
                 </a:uFill>
                 <a:latin typeface="DejaVu Sans"/>
               </a:rPr>
-              <a:t>Crime Reports per Year</a:t>
+              <a:t>Data Sources</a:t>
             </a:r>
             <a:endParaRPr b="0" lang="en-US" sz="4400" spc="-1" strike="noStrike">
               <a:solidFill>
@@ -3039,29 +3254,311 @@
           </a:p>
         </p:txBody>
       </p:sp>
-      <p:pic>
-        <p:nvPicPr>
-          <p:cNvPr id="44" name="" descr=""/>
-          <p:cNvPicPr/>
+      <p:sp>
+        <p:nvSpPr>
+          <p:cNvPr id="44" name="TextShape 2"/>
+          <p:cNvSpPr txBox="1"/>
           <p:nvPr/>
-        </p:nvPicPr>
-        <p:blipFill>
-          <a:blip r:embed="rId1"/>
-          <a:stretch/>
-        </p:blipFill>
-        <p:spPr>
-          <a:xfrm>
-            <a:off x="1262520" y="1768680"/>
-            <a:ext cx="7553880" cy="4384440"/>
-          </a:xfrm>
-          <a:prstGeom prst="rect">
-            <a:avLst/>
-          </a:prstGeom>
+        </p:nvSpPr>
+        <p:spPr>
+          <a:xfrm>
+            <a:off x="504000" y="1769040"/>
+            <a:ext cx="9071640" cy="4384440"/>
+          </a:xfrm>
+          <a:prstGeom prst="rect">
+            <a:avLst/>
+          </a:prstGeom>
+          <a:noFill/>
           <a:ln>
             <a:noFill/>
           </a:ln>
         </p:spPr>
-      </p:pic>
+        <p:txBody>
+          <a:bodyPr lIns="0" rIns="0" tIns="0" bIns="0">
+            <a:normAutofit/>
+          </a:bodyPr>
+          <a:p>
+            <a:pPr marL="457200" indent="-228600">
+              <a:lnSpc>
+                <a:spcPct val="100000"/>
+              </a:lnSpc>
+              <a:spcAft>
+                <a:spcPts val="1060"/>
+              </a:spcAft>
+            </a:pPr>
+            <a:r>
+              <a:rPr b="1" lang="zxx" sz="1600" spc="-1" strike="noStrike">
+                <a:solidFill>
+                  <a:srgbClr val="000000"/>
+                </a:solidFill>
+                <a:uFill>
+                  <a:solidFill>
+                    <a:srgbClr val="ffffff"/>
+                  </a:solidFill>
+                </a:uFill>
+                <a:latin typeface="Times New Roman"/>
+              </a:rPr>
+              <a:t>http://www.civicapps.org/datasets</a:t>
+            </a:r>
+            <a:endParaRPr b="0" lang="zxx" sz="1600" spc="-1" strike="noStrike">
+              <a:solidFill>
+                <a:srgbClr val="000000"/>
+              </a:solidFill>
+              <a:uFill>
+                <a:solidFill>
+                  <a:srgbClr val="ffffff"/>
+                </a:solidFill>
+              </a:uFill>
+              <a:latin typeface="Times New Roman"/>
+            </a:endParaRPr>
+          </a:p>
+          <a:p>
+            <a:pPr marL="457200" indent="-228600">
+              <a:lnSpc>
+                <a:spcPct val="100000"/>
+              </a:lnSpc>
+              <a:spcAft>
+                <a:spcPts val="1060"/>
+              </a:spcAft>
+            </a:pPr>
+            <a:r>
+              <a:rPr b="0" lang="zxx" sz="1600" spc="-1" strike="noStrike">
+                <a:solidFill>
+                  <a:srgbClr val="000000"/>
+                </a:solidFill>
+                <a:uFill>
+                  <a:solidFill>
+                    <a:srgbClr val="ffffff"/>
+                  </a:solidFill>
+                </a:uFill>
+                <a:latin typeface="Times New Roman"/>
+              </a:rPr>
+              <a:t>This is the source of crime-related data for the project. It is recorded by the Portland Police Bureau, cleaned, and made available to the public with identifying information removed from each record. Variables such as the date and time of report, major offense type, and location information for each incident are provided.</a:t>
+            </a:r>
+            <a:endParaRPr b="0" lang="zxx" sz="1600" spc="-1" strike="noStrike">
+              <a:solidFill>
+                <a:srgbClr val="000000"/>
+              </a:solidFill>
+              <a:uFill>
+                <a:solidFill>
+                  <a:srgbClr val="ffffff"/>
+                </a:solidFill>
+              </a:uFill>
+              <a:latin typeface="Times New Roman"/>
+            </a:endParaRPr>
+          </a:p>
+          <a:p>
+            <a:pPr marL="457200" indent="-228600">
+              <a:lnSpc>
+                <a:spcPct val="100000"/>
+              </a:lnSpc>
+              <a:spcAft>
+                <a:spcPts val="1060"/>
+              </a:spcAft>
+            </a:pPr>
+            <a:r>
+              <a:rPr b="1" lang="zxx" sz="1600" spc="-1" strike="noStrike">
+                <a:solidFill>
+                  <a:srgbClr val="000000"/>
+                </a:solidFill>
+                <a:uFill>
+                  <a:solidFill>
+                    <a:srgbClr val="ffffff"/>
+                  </a:solidFill>
+                </a:uFill>
+                <a:latin typeface="Times New Roman"/>
+              </a:rPr>
+              <a:t>https://data.bls.gov/pdq</a:t>
+            </a:r>
+            <a:endParaRPr b="0" lang="zxx" sz="1600" spc="-1" strike="noStrike">
+              <a:solidFill>
+                <a:srgbClr val="000000"/>
+              </a:solidFill>
+              <a:uFill>
+                <a:solidFill>
+                  <a:srgbClr val="ffffff"/>
+                </a:solidFill>
+              </a:uFill>
+              <a:latin typeface="Times New Roman"/>
+            </a:endParaRPr>
+          </a:p>
+          <a:p>
+            <a:pPr marL="457200" indent="-228600">
+              <a:lnSpc>
+                <a:spcPct val="100000"/>
+              </a:lnSpc>
+              <a:spcAft>
+                <a:spcPts val="1060"/>
+              </a:spcAft>
+            </a:pPr>
+            <a:r>
+              <a:rPr b="0" lang="zxx" sz="1600" spc="-1" strike="noStrike">
+                <a:solidFill>
+                  <a:srgbClr val="000000"/>
+                </a:solidFill>
+                <a:uFill>
+                  <a:solidFill>
+                    <a:srgbClr val="ffffff"/>
+                  </a:solidFill>
+                </a:uFill>
+                <a:latin typeface="Times New Roman"/>
+              </a:rPr>
+              <a:t>This dataset includes unemployment information for Portland from January 2004 to December 2014.</a:t>
+            </a:r>
+            <a:endParaRPr b="0" lang="zxx" sz="1600" spc="-1" strike="noStrike">
+              <a:solidFill>
+                <a:srgbClr val="000000"/>
+              </a:solidFill>
+              <a:uFill>
+                <a:solidFill>
+                  <a:srgbClr val="ffffff"/>
+                </a:solidFill>
+              </a:uFill>
+              <a:latin typeface="Times New Roman"/>
+            </a:endParaRPr>
+          </a:p>
+          <a:p>
+            <a:pPr marL="457200" indent="-228600">
+              <a:lnSpc>
+                <a:spcPct val="100000"/>
+              </a:lnSpc>
+              <a:spcAft>
+                <a:spcPts val="1060"/>
+              </a:spcAft>
+            </a:pPr>
+            <a:r>
+              <a:rPr b="1" lang="zxx" sz="1600" spc="-1" strike="noStrike">
+                <a:solidFill>
+                  <a:srgbClr val="000000"/>
+                </a:solidFill>
+                <a:uFill>
+                  <a:solidFill>
+                    <a:srgbClr val="ffffff"/>
+                  </a:solidFill>
+                </a:uFill>
+                <a:latin typeface="Times New Roman"/>
+              </a:rPr>
+              <a:t>https://www.biggestuscities.com/city/portland-oregon</a:t>
+            </a:r>
+            <a:endParaRPr b="0" lang="zxx" sz="1600" spc="-1" strike="noStrike">
+              <a:solidFill>
+                <a:srgbClr val="000000"/>
+              </a:solidFill>
+              <a:uFill>
+                <a:solidFill>
+                  <a:srgbClr val="ffffff"/>
+                </a:solidFill>
+              </a:uFill>
+              <a:latin typeface="Times New Roman"/>
+            </a:endParaRPr>
+          </a:p>
+          <a:p>
+            <a:pPr marL="457200" indent="-228600">
+              <a:lnSpc>
+                <a:spcPct val="100000"/>
+              </a:lnSpc>
+              <a:spcAft>
+                <a:spcPts val="1060"/>
+              </a:spcAft>
+            </a:pPr>
+            <a:r>
+              <a:rPr b="0" lang="zxx" sz="1600" spc="-1" strike="noStrike">
+                <a:solidFill>
+                  <a:srgbClr val="000000"/>
+                </a:solidFill>
+                <a:uFill>
+                  <a:solidFill>
+                    <a:srgbClr val="ffffff"/>
+                  </a:solidFill>
+                </a:uFill>
+                <a:latin typeface="Times New Roman"/>
+              </a:rPr>
+              <a:t>Source for population (estimates) for Portland for January 1 of each year of interest. No source of information or margin of error is given with the data, so it is accepted without total confidence in its veracity.</a:t>
+            </a:r>
+            <a:endParaRPr b="0" lang="zxx" sz="1600" spc="-1" strike="noStrike">
+              <a:solidFill>
+                <a:srgbClr val="000000"/>
+              </a:solidFill>
+              <a:uFill>
+                <a:solidFill>
+                  <a:srgbClr val="ffffff"/>
+                </a:solidFill>
+              </a:uFill>
+              <a:latin typeface="Times New Roman"/>
+            </a:endParaRPr>
+          </a:p>
+          <a:p>
+            <a:pPr marL="457200" indent="-228600">
+              <a:lnSpc>
+                <a:spcPct val="100000"/>
+              </a:lnSpc>
+              <a:spcAft>
+                <a:spcPts val="1060"/>
+              </a:spcAft>
+            </a:pPr>
+            <a:r>
+              <a:rPr b="1" lang="en-GB" sz="1600" spc="-1" strike="noStrike">
+                <a:solidFill>
+                  <a:srgbClr val="00000a"/>
+                </a:solidFill>
+                <a:uFill>
+                  <a:solidFill>
+                    <a:srgbClr val="ffffff"/>
+                  </a:solidFill>
+                </a:uFill>
+                <a:latin typeface="Times New Roman"/>
+              </a:rPr>
+              <a:t>https://www.portlandoregon.gov/oni/56897</a:t>
+            </a:r>
+            <a:endParaRPr b="0" lang="en-GB" sz="1600" spc="-1" strike="noStrike">
+              <a:solidFill>
+                <a:srgbClr val="00000a"/>
+              </a:solidFill>
+              <a:uFill>
+                <a:solidFill>
+                  <a:srgbClr val="ffffff"/>
+                </a:solidFill>
+              </a:uFill>
+              <a:latin typeface="Times New Roman"/>
+            </a:endParaRPr>
+          </a:p>
+          <a:p>
+            <a:pPr marL="457200" indent="-228600">
+              <a:lnSpc>
+                <a:spcPct val="100000"/>
+              </a:lnSpc>
+              <a:spcAft>
+                <a:spcPts val="1060"/>
+              </a:spcAft>
+            </a:pPr>
+            <a:r>
+              <a:rPr b="0" lang="en-GB" sz="1600" spc="-1" strike="noStrike">
+                <a:solidFill>
+                  <a:srgbClr val="00000a"/>
+                </a:solidFill>
+                <a:uFill>
+                  <a:solidFill>
+                    <a:srgbClr val="ffffff"/>
+                  </a:solidFill>
+                </a:uFill>
+                <a:latin typeface="Times New Roman"/>
+              </a:rPr>
+              <a:t>Neighborhood information on Portland’s 95 neighborhoods gathered from the 2010 US Census. In particular, the data on racial composition of the various neighborhoods was utilized for this project.</a:t>
+            </a:r>
+            <a:endParaRPr b="0" lang="en-GB" sz="1600" spc="-1" strike="noStrike">
+              <a:solidFill>
+                <a:srgbClr val="00000a"/>
+              </a:solidFill>
+              <a:uFill>
+                <a:solidFill>
+                  <a:srgbClr val="ffffff"/>
+                </a:solidFill>
+              </a:uFill>
+              <a:latin typeface="Times New Roman"/>
+            </a:endParaRPr>
+          </a:p>
+        </p:txBody>
+      </p:sp>
     </p:spTree>
   </p:cSld>
   <p:timing>
@@ -3146,7 +3643,7 @@
                 </a:uFill>
                 <a:latin typeface="DejaVu Sans"/>
               </a:rPr>
-              <a:t>Homicides per Year</a:t>
+              <a:t>Crime Reports per Year</a:t>
             </a:r>
             <a:endParaRPr b="0" lang="en-US" sz="4400" spc="-1" strike="noStrike">
               <a:solidFill>
@@ -3174,8 +3671,8 @@
         </p:blipFill>
         <p:spPr>
           <a:xfrm>
-            <a:off x="1262160" y="1768680"/>
-            <a:ext cx="7553880" cy="4384080"/>
+            <a:off x="1262520" y="1768680"/>
+            <a:ext cx="7553880" cy="4384440"/>
           </a:xfrm>
           <a:prstGeom prst="rect">
             <a:avLst/>
@@ -3185,123 +3682,6 @@
           </a:ln>
         </p:spPr>
       </p:pic>
-      <p:sp>
-        <p:nvSpPr>
-          <p:cNvPr id="47" name="TextShape 2"/>
-          <p:cNvSpPr txBox="1"/>
-          <p:nvPr/>
-        </p:nvSpPr>
-        <p:spPr>
-          <a:xfrm>
-            <a:off x="822960" y="6309360"/>
-            <a:ext cx="180720" cy="355680"/>
-          </a:xfrm>
-          <a:prstGeom prst="rect">
-            <a:avLst/>
-          </a:prstGeom>
-          <a:noFill/>
-          <a:ln>
-            <a:noFill/>
-          </a:ln>
-        </p:spPr>
-      </p:sp>
-      <p:sp>
-        <p:nvSpPr>
-          <p:cNvPr id="48" name="TextShape 3"/>
-          <p:cNvSpPr txBox="1"/>
-          <p:nvPr/>
-        </p:nvSpPr>
-        <p:spPr>
-          <a:xfrm>
-            <a:off x="4937760" y="7863840"/>
-            <a:ext cx="180720" cy="355680"/>
-          </a:xfrm>
-          <a:prstGeom prst="rect">
-            <a:avLst/>
-          </a:prstGeom>
-          <a:noFill/>
-          <a:ln>
-            <a:noFill/>
-          </a:ln>
-        </p:spPr>
-      </p:sp>
-      <p:sp>
-        <p:nvSpPr>
-          <p:cNvPr id="49" name="TextShape 4"/>
-          <p:cNvSpPr txBox="1"/>
-          <p:nvPr/>
-        </p:nvSpPr>
-        <p:spPr>
-          <a:xfrm>
-            <a:off x="822960" y="6309360"/>
-            <a:ext cx="8412480" cy="621000"/>
-          </a:xfrm>
-          <a:prstGeom prst="rect">
-            <a:avLst/>
-          </a:prstGeom>
-          <a:noFill/>
-          <a:ln>
-            <a:noFill/>
-          </a:ln>
-        </p:spPr>
-        <p:txBody>
-          <a:bodyPr lIns="90000" rIns="90000" tIns="45000" bIns="45000"/>
-          <a:p>
-            <a:r>
-              <a:rPr b="0" lang="en-US" sz="1800" spc="-1" strike="noStrike">
-                <a:solidFill>
-                  <a:srgbClr val="000000"/>
-                </a:solidFill>
-                <a:uFill>
-                  <a:solidFill>
-                    <a:srgbClr val="ffffff"/>
-                  </a:solidFill>
-                </a:uFill>
-                <a:latin typeface="DejaVu Sans"/>
-              </a:rPr>
-              <a:t>Mean homicides per year: 26.4</a:t>
-            </a:r>
-            <a:endParaRPr b="0" lang="en-US" sz="1800" spc="-1" strike="noStrike">
-              <a:solidFill>
-                <a:srgbClr val="000000"/>
-              </a:solidFill>
-              <a:uFill>
-                <a:solidFill>
-                  <a:srgbClr val="ffffff"/>
-                </a:solidFill>
-              </a:uFill>
-              <a:latin typeface="DejaVu Sans"/>
-            </a:endParaRPr>
-          </a:p>
-          <a:p>
-            <a:r>
-              <a:rPr b="0" lang="en-US" sz="1800" spc="-1" strike="noStrike">
-                <a:solidFill>
-                  <a:srgbClr val="000000"/>
-                </a:solidFill>
-                <a:uFill>
-                  <a:solidFill>
-                    <a:srgbClr val="ffffff"/>
-                  </a:solidFill>
-                </a:uFill>
-                <a:latin typeface="DejaVu Sans"/>
-              </a:rPr>
-              <a:t>Standard deviation: 4.74</a:t>
-            </a:r>
-            <a:endParaRPr b="0" lang="en-US" sz="1800" spc="-1" strike="noStrike">
-              <a:solidFill>
-                <a:srgbClr val="000000"/>
-              </a:solidFill>
-              <a:uFill>
-                <a:solidFill>
-                  <a:srgbClr val="ffffff"/>
-                </a:solidFill>
-              </a:uFill>
-              <a:latin typeface="DejaVu Sans"/>
-            </a:endParaRPr>
-          </a:p>
-        </p:txBody>
-      </p:sp>
     </p:spTree>
   </p:cSld>
   <p:timing>
@@ -3353,7 +3733,7 @@
       </p:grpSpPr>
       <p:sp>
         <p:nvSpPr>
-          <p:cNvPr id="50" name="TextShape 1"/>
+          <p:cNvPr id="47" name="TextShape 1"/>
           <p:cNvSpPr txBox="1"/>
           <p:nvPr/>
         </p:nvSpPr>
@@ -3386,7 +3766,7 @@
                 </a:uFill>
                 <a:latin typeface="DejaVu Sans"/>
               </a:rPr>
-              <a:t>Burglaries per Year</a:t>
+              <a:t>Homicides per Year</a:t>
             </a:r>
             <a:endParaRPr b="0" lang="en-US" sz="4400" spc="-1" strike="noStrike">
               <a:solidFill>
@@ -3402,9 +3782,32 @@
           </a:p>
         </p:txBody>
       </p:sp>
-      <p:sp>
-        <p:nvSpPr>
-          <p:cNvPr id="51" name="TextShape 2"/>
+      <p:pic>
+        <p:nvPicPr>
+          <p:cNvPr id="48" name="" descr=""/>
+          <p:cNvPicPr/>
+          <p:nvPr/>
+        </p:nvPicPr>
+        <p:blipFill>
+          <a:blip r:embed="rId1"/>
+          <a:stretch/>
+        </p:blipFill>
+        <p:spPr>
+          <a:xfrm>
+            <a:off x="1262160" y="1768680"/>
+            <a:ext cx="7553880" cy="4384080"/>
+          </a:xfrm>
+          <a:prstGeom prst="rect">
+            <a:avLst/>
+          </a:prstGeom>
+          <a:ln>
+            <a:noFill/>
+          </a:ln>
+        </p:spPr>
+      </p:pic>
+      <p:sp>
+        <p:nvSpPr>
+          <p:cNvPr id="49" name="TextShape 2"/>
           <p:cNvSpPr txBox="1"/>
           <p:nvPr/>
         </p:nvSpPr>
@@ -3424,7 +3827,7 @@
       </p:sp>
       <p:sp>
         <p:nvSpPr>
-          <p:cNvPr id="52" name="TextShape 3"/>
+          <p:cNvPr id="50" name="TextShape 3"/>
           <p:cNvSpPr txBox="1"/>
           <p:nvPr/>
         </p:nvSpPr>
@@ -3444,7 +3847,7 @@
       </p:sp>
       <p:sp>
         <p:nvSpPr>
-          <p:cNvPr id="53" name="TextShape 4"/>
+          <p:cNvPr id="51" name="TextShape 4"/>
           <p:cNvSpPr txBox="1"/>
           <p:nvPr/>
         </p:nvSpPr>
@@ -3476,7 +3879,7 @@
                 </a:uFill>
                 <a:latin typeface="DejaVu Sans"/>
               </a:rPr>
-              <a:t>Mean burglaries per year: 4783</a:t>
+              <a:t>Mean homicides per year: 26.4</a:t>
             </a:r>
             <a:endParaRPr b="0" lang="en-US" sz="1800" spc="-1" strike="noStrike">
               <a:solidFill>
@@ -3503,7 +3906,7 @@
                 </a:uFill>
                 <a:latin typeface="DejaVu Sans"/>
               </a:rPr>
-              <a:t>Standard deviation: 1071</a:t>
+              <a:t>Standard deviation: 4.74</a:t>
             </a:r>
             <a:endParaRPr b="0" lang="en-US" sz="1800" spc="-1" strike="noStrike">
               <a:solidFill>
@@ -3519,29 +3922,6 @@
           </a:p>
         </p:txBody>
       </p:sp>
-      <p:pic>
-        <p:nvPicPr>
-          <p:cNvPr id="54" name="" descr=""/>
-          <p:cNvPicPr/>
-          <p:nvPr/>
-        </p:nvPicPr>
-        <p:blipFill>
-          <a:blip r:embed="rId1"/>
-          <a:stretch/>
-        </p:blipFill>
-        <p:spPr>
-          <a:xfrm>
-            <a:off x="1262520" y="1768680"/>
-            <a:ext cx="7553880" cy="4384440"/>
-          </a:xfrm>
-          <a:prstGeom prst="rect">
-            <a:avLst/>
-          </a:prstGeom>
-          <a:ln>
-            <a:noFill/>
-          </a:ln>
-        </p:spPr>
-      </p:pic>
     </p:spTree>
   </p:cSld>
   <p:timing>
@@ -3593,7 +3973,7 @@
       </p:grpSpPr>
       <p:sp>
         <p:nvSpPr>
-          <p:cNvPr id="55" name="TextShape 1"/>
+          <p:cNvPr id="52" name="TextShape 1"/>
           <p:cNvSpPr txBox="1"/>
           <p:nvPr/>
         </p:nvSpPr>
@@ -3626,9 +4006,126 @@
                 </a:uFill>
                 <a:latin typeface="DejaVu Sans"/>
               </a:rPr>
-              <a:t>DUII Offenses per Year</a:t>
+              <a:t>Burglaries per Year</a:t>
             </a:r>
             <a:endParaRPr b="0" lang="en-US" sz="4400" spc="-1" strike="noStrike">
+              <a:solidFill>
+                <a:srgbClr val="000000"/>
+              </a:solidFill>
+              <a:uFill>
+                <a:solidFill>
+                  <a:srgbClr val="ffffff"/>
+                </a:solidFill>
+              </a:uFill>
+              <a:latin typeface="DejaVu Sans"/>
+            </a:endParaRPr>
+          </a:p>
+        </p:txBody>
+      </p:sp>
+      <p:sp>
+        <p:nvSpPr>
+          <p:cNvPr id="53" name="TextShape 2"/>
+          <p:cNvSpPr txBox="1"/>
+          <p:nvPr/>
+        </p:nvSpPr>
+        <p:spPr>
+          <a:xfrm>
+            <a:off x="822960" y="6309360"/>
+            <a:ext cx="180720" cy="355680"/>
+          </a:xfrm>
+          <a:prstGeom prst="rect">
+            <a:avLst/>
+          </a:prstGeom>
+          <a:noFill/>
+          <a:ln>
+            <a:noFill/>
+          </a:ln>
+        </p:spPr>
+      </p:sp>
+      <p:sp>
+        <p:nvSpPr>
+          <p:cNvPr id="54" name="TextShape 3"/>
+          <p:cNvSpPr txBox="1"/>
+          <p:nvPr/>
+        </p:nvSpPr>
+        <p:spPr>
+          <a:xfrm>
+            <a:off x="4937760" y="7863840"/>
+            <a:ext cx="180720" cy="355680"/>
+          </a:xfrm>
+          <a:prstGeom prst="rect">
+            <a:avLst/>
+          </a:prstGeom>
+          <a:noFill/>
+          <a:ln>
+            <a:noFill/>
+          </a:ln>
+        </p:spPr>
+      </p:sp>
+      <p:sp>
+        <p:nvSpPr>
+          <p:cNvPr id="55" name="TextShape 4"/>
+          <p:cNvSpPr txBox="1"/>
+          <p:nvPr/>
+        </p:nvSpPr>
+        <p:spPr>
+          <a:xfrm>
+            <a:off x="822960" y="6309360"/>
+            <a:ext cx="8412480" cy="621000"/>
+          </a:xfrm>
+          <a:prstGeom prst="rect">
+            <a:avLst/>
+          </a:prstGeom>
+          <a:noFill/>
+          <a:ln>
+            <a:noFill/>
+          </a:ln>
+        </p:spPr>
+        <p:txBody>
+          <a:bodyPr lIns="90000" rIns="90000" tIns="45000" bIns="45000"/>
+          <a:p>
+            <a:r>
+              <a:rPr b="0" lang="en-US" sz="1800" spc="-1" strike="noStrike">
+                <a:solidFill>
+                  <a:srgbClr val="000000"/>
+                </a:solidFill>
+                <a:uFill>
+                  <a:solidFill>
+                    <a:srgbClr val="ffffff"/>
+                  </a:solidFill>
+                </a:uFill>
+                <a:latin typeface="DejaVu Sans"/>
+              </a:rPr>
+              <a:t>Mean burglaries per year: 4783</a:t>
+            </a:r>
+            <a:endParaRPr b="0" lang="en-US" sz="1800" spc="-1" strike="noStrike">
+              <a:solidFill>
+                <a:srgbClr val="000000"/>
+              </a:solidFill>
+              <a:uFill>
+                <a:solidFill>
+                  <a:srgbClr val="ffffff"/>
+                </a:solidFill>
+              </a:uFill>
+              <a:latin typeface="DejaVu Sans"/>
+            </a:endParaRPr>
+          </a:p>
+          <a:p>
+            <a:r>
+              <a:rPr b="0" lang="en-US" sz="1800" spc="-1" strike="noStrike">
+                <a:solidFill>
+                  <a:srgbClr val="000000"/>
+                </a:solidFill>
+                <a:uFill>
+                  <a:solidFill>
+                    <a:srgbClr val="ffffff"/>
+                  </a:solidFill>
+                </a:uFill>
+                <a:latin typeface="DejaVu Sans"/>
+              </a:rPr>
+              <a:t>Standard deviation: 1071</a:t>
+            </a:r>
+            <a:endParaRPr b="0" lang="en-US" sz="1800" spc="-1" strike="noStrike">
               <a:solidFill>
                 <a:srgbClr val="000000"/>
               </a:solidFill>
@@ -3654,8 +4151,8 @@
         </p:blipFill>
         <p:spPr>
           <a:xfrm>
-            <a:off x="1262160" y="1768680"/>
-            <a:ext cx="7553880" cy="4384080"/>
+            <a:off x="1262520" y="1768680"/>
+            <a:ext cx="7553880" cy="4384440"/>
           </a:xfrm>
           <a:prstGeom prst="rect">
             <a:avLst/>
@@ -3665,123 +4162,6 @@
           </a:ln>
         </p:spPr>
       </p:pic>
-      <p:sp>
-        <p:nvSpPr>
-          <p:cNvPr id="57" name="TextShape 2"/>
-          <p:cNvSpPr txBox="1"/>
-          <p:nvPr/>
-        </p:nvSpPr>
-        <p:spPr>
-          <a:xfrm>
-            <a:off x="822960" y="6309360"/>
-            <a:ext cx="180720" cy="355680"/>
-          </a:xfrm>
-          <a:prstGeom prst="rect">
-            <a:avLst/>
-          </a:prstGeom>
-          <a:noFill/>
-          <a:ln>
-            <a:noFill/>
-          </a:ln>
-        </p:spPr>
-      </p:sp>
-      <p:sp>
-        <p:nvSpPr>
-          <p:cNvPr id="58" name="TextShape 3"/>
-          <p:cNvSpPr txBox="1"/>
-          <p:nvPr/>
-        </p:nvSpPr>
-        <p:spPr>
-          <a:xfrm>
-            <a:off x="4937760" y="7863840"/>
-            <a:ext cx="180720" cy="355680"/>
-          </a:xfrm>
-          <a:prstGeom prst="rect">
-            <a:avLst/>
-          </a:prstGeom>
-          <a:noFill/>
-          <a:ln>
-            <a:noFill/>
-          </a:ln>
-        </p:spPr>
-      </p:sp>
-      <p:sp>
-        <p:nvSpPr>
-          <p:cNvPr id="59" name="TextShape 4"/>
-          <p:cNvSpPr txBox="1"/>
-          <p:nvPr/>
-        </p:nvSpPr>
-        <p:spPr>
-          <a:xfrm>
-            <a:off x="822960" y="6309360"/>
-            <a:ext cx="8412480" cy="621000"/>
-          </a:xfrm>
-          <a:prstGeom prst="rect">
-            <a:avLst/>
-          </a:prstGeom>
-          <a:noFill/>
-          <a:ln>
-            <a:noFill/>
-          </a:ln>
-        </p:spPr>
-        <p:txBody>
-          <a:bodyPr lIns="90000" rIns="90000" tIns="45000" bIns="45000"/>
-          <a:p>
-            <a:r>
-              <a:rPr b="0" lang="en-US" sz="1800" spc="-1" strike="noStrike">
-                <a:solidFill>
-                  <a:srgbClr val="000000"/>
-                </a:solidFill>
-                <a:uFill>
-                  <a:solidFill>
-                    <a:srgbClr val="ffffff"/>
-                  </a:solidFill>
-                </a:uFill>
-                <a:latin typeface="DejaVu Sans"/>
-              </a:rPr>
-              <a:t>Mean homicides per year: 1943</a:t>
-            </a:r>
-            <a:endParaRPr b="0" lang="en-US" sz="1800" spc="-1" strike="noStrike">
-              <a:solidFill>
-                <a:srgbClr val="000000"/>
-              </a:solidFill>
-              <a:uFill>
-                <a:solidFill>
-                  <a:srgbClr val="ffffff"/>
-                </a:solidFill>
-              </a:uFill>
-              <a:latin typeface="DejaVu Sans"/>
-            </a:endParaRPr>
-          </a:p>
-          <a:p>
-            <a:r>
-              <a:rPr b="0" lang="en-US" sz="1800" spc="-1" strike="noStrike">
-                <a:solidFill>
-                  <a:srgbClr val="000000"/>
-                </a:solidFill>
-                <a:uFill>
-                  <a:solidFill>
-                    <a:srgbClr val="ffffff"/>
-                  </a:solidFill>
-                </a:uFill>
-                <a:latin typeface="DejaVu Sans"/>
-              </a:rPr>
-              <a:t>Standard deviation: 274</a:t>
-            </a:r>
-            <a:endParaRPr b="0" lang="en-US" sz="1800" spc="-1" strike="noStrike">
-              <a:solidFill>
-                <a:srgbClr val="000000"/>
-              </a:solidFill>
-              <a:uFill>
-                <a:solidFill>
-                  <a:srgbClr val="ffffff"/>
-                </a:solidFill>
-              </a:uFill>
-              <a:latin typeface="DejaVu Sans"/>
-            </a:endParaRPr>
-          </a:p>
-        </p:txBody>
-      </p:sp>
     </p:spTree>
   </p:cSld>
   <p:timing>
@@ -3833,14 +4213,14 @@
       </p:grpSpPr>
       <p:sp>
         <p:nvSpPr>
-          <p:cNvPr id="60" name="TextShape 1"/>
+          <p:cNvPr id="57" name="TextShape 1"/>
           <p:cNvSpPr txBox="1"/>
           <p:nvPr/>
         </p:nvSpPr>
         <p:spPr>
           <a:xfrm>
-            <a:off x="504000" y="283320"/>
-            <a:ext cx="9071640" cy="1298520"/>
+            <a:off x="504000" y="301320"/>
+            <a:ext cx="9071640" cy="1262160"/>
           </a:xfrm>
           <a:prstGeom prst="rect">
             <a:avLst/>
@@ -3866,7 +4246,7 @@
                 </a:uFill>
                 <a:latin typeface="DejaVu Sans"/>
               </a:rPr>
-              <a:t>Liquor Law and Drug Offenses per Year</a:t>
+              <a:t>DUII Offenses per Year</a:t>
             </a:r>
             <a:endParaRPr b="0" lang="en-US" sz="4400" spc="-1" strike="noStrike">
               <a:solidFill>
@@ -3884,7 +4264,7 @@
       </p:sp>
       <p:pic>
         <p:nvPicPr>
-          <p:cNvPr id="61" name="" descr=""/>
+          <p:cNvPr id="58" name="" descr=""/>
           <p:cNvPicPr/>
           <p:nvPr/>
         </p:nvPicPr>
@@ -3907,7 +4287,7 @@
       </p:pic>
       <p:sp>
         <p:nvSpPr>
-          <p:cNvPr id="62" name="TextShape 2"/>
+          <p:cNvPr id="59" name="TextShape 2"/>
           <p:cNvSpPr txBox="1"/>
           <p:nvPr/>
         </p:nvSpPr>
@@ -3927,7 +4307,7 @@
       </p:sp>
       <p:sp>
         <p:nvSpPr>
-          <p:cNvPr id="63" name="TextShape 3"/>
+          <p:cNvPr id="60" name="TextShape 3"/>
           <p:cNvSpPr txBox="1"/>
           <p:nvPr/>
         </p:nvSpPr>
@@ -3944,6 +4324,83 @@
             <a:noFill/>
           </a:ln>
         </p:spPr>
+      </p:sp>
+      <p:sp>
+        <p:nvSpPr>
+          <p:cNvPr id="61" name="TextShape 4"/>
+          <p:cNvSpPr txBox="1"/>
+          <p:nvPr/>
+        </p:nvSpPr>
+        <p:spPr>
+          <a:xfrm>
+            <a:off x="822960" y="6309360"/>
+            <a:ext cx="8412480" cy="621000"/>
+          </a:xfrm>
+          <a:prstGeom prst="rect">
+            <a:avLst/>
+          </a:prstGeom>
+          <a:noFill/>
+          <a:ln>
+            <a:noFill/>
+          </a:ln>
+        </p:spPr>
+        <p:txBody>
+          <a:bodyPr lIns="90000" rIns="90000" tIns="45000" bIns="45000"/>
+          <a:p>
+            <a:r>
+              <a:rPr b="0" lang="en-US" sz="1800" spc="-1" strike="noStrike">
+                <a:solidFill>
+                  <a:srgbClr val="000000"/>
+                </a:solidFill>
+                <a:uFill>
+                  <a:solidFill>
+                    <a:srgbClr val="ffffff"/>
+                  </a:solidFill>
+                </a:uFill>
+                <a:latin typeface="DejaVu Sans"/>
+              </a:rPr>
+              <a:t>Mean homicides per year: 1943</a:t>
+            </a:r>
+            <a:endParaRPr b="0" lang="en-US" sz="1800" spc="-1" strike="noStrike">
+              <a:solidFill>
+                <a:srgbClr val="000000"/>
+              </a:solidFill>
+              <a:uFill>
+                <a:solidFill>
+                  <a:srgbClr val="ffffff"/>
+                </a:solidFill>
+              </a:uFill>
+              <a:latin typeface="DejaVu Sans"/>
+            </a:endParaRPr>
+          </a:p>
+          <a:p>
+            <a:r>
+              <a:rPr b="0" lang="en-US" sz="1800" spc="-1" strike="noStrike">
+                <a:solidFill>
+                  <a:srgbClr val="000000"/>
+                </a:solidFill>
+                <a:uFill>
+                  <a:solidFill>
+                    <a:srgbClr val="ffffff"/>
+                  </a:solidFill>
+                </a:uFill>
+                <a:latin typeface="DejaVu Sans"/>
+              </a:rPr>
+              <a:t>Standard deviation: 274</a:t>
+            </a:r>
+            <a:endParaRPr b="0" lang="en-US" sz="1800" spc="-1" strike="noStrike">
+              <a:solidFill>
+                <a:srgbClr val="000000"/>
+              </a:solidFill>
+              <a:uFill>
+                <a:solidFill>
+                  <a:srgbClr val="ffffff"/>
+                </a:solidFill>
+              </a:uFill>
+              <a:latin typeface="DejaVu Sans"/>
+            </a:endParaRPr>
+          </a:p>
+        </p:txBody>
       </p:sp>
     </p:spTree>
   </p:cSld>
@@ -3996,7 +4453,7 @@
       </p:grpSpPr>
       <p:sp>
         <p:nvSpPr>
-          <p:cNvPr id="64" name="TextShape 1"/>
+          <p:cNvPr id="62" name="TextShape 1"/>
           <p:cNvSpPr txBox="1"/>
           <p:nvPr/>
         </p:nvSpPr>
@@ -4029,22 +4486,7 @@
                 </a:uFill>
                 <a:latin typeface="DejaVu Sans"/>
               </a:rPr>
-              <a:t>Correlation Between Liquor</a:t>
-            </a:r>
-            <a:br/>
-            <a:r>
-              <a:rPr b="0" lang="en-US" sz="4400" spc="-1" strike="noStrike">
-                <a:solidFill>
-                  <a:srgbClr val="000000"/>
-                </a:solidFill>
-                <a:uFill>
-                  <a:solidFill>
-                    <a:srgbClr val="ffffff"/>
-                  </a:solidFill>
-                </a:uFill>
-                <a:latin typeface="DejaVu Sans"/>
-              </a:rPr>
-              <a:t>Law and Drug Offenses</a:t>
+              <a:t>Liquor Law and Drug Offenses per Year</a:t>
             </a:r>
             <a:endParaRPr b="0" lang="en-US" sz="4400" spc="-1" strike="noStrike">
               <a:solidFill>
@@ -4062,7 +4504,7 @@
       </p:sp>
       <p:pic>
         <p:nvPicPr>
-          <p:cNvPr id="65" name="" descr=""/>
+          <p:cNvPr id="63" name="" descr=""/>
           <p:cNvPicPr/>
           <p:nvPr/>
         </p:nvPicPr>
@@ -4085,7 +4527,7 @@
       </p:pic>
       <p:sp>
         <p:nvSpPr>
-          <p:cNvPr id="66" name="TextShape 2"/>
+          <p:cNvPr id="64" name="TextShape 2"/>
           <p:cNvSpPr txBox="1"/>
           <p:nvPr/>
         </p:nvSpPr>
@@ -4105,7 +4547,7 @@
       </p:sp>
       <p:sp>
         <p:nvSpPr>
-          <p:cNvPr id="67" name="TextShape 3"/>
+          <p:cNvPr id="65" name="TextShape 3"/>
           <p:cNvSpPr txBox="1"/>
           <p:nvPr/>
         </p:nvSpPr>
@@ -4122,57 +4564,6 @@
             <a:noFill/>
           </a:ln>
         </p:spPr>
-      </p:sp>
-      <p:sp>
-        <p:nvSpPr>
-          <p:cNvPr id="68" name="TextShape 4"/>
-          <p:cNvSpPr txBox="1"/>
-          <p:nvPr/>
-        </p:nvSpPr>
-        <p:spPr>
-          <a:xfrm>
-            <a:off x="822960" y="6309360"/>
-            <a:ext cx="8412480" cy="355680"/>
-          </a:xfrm>
-          <a:prstGeom prst="rect">
-            <a:avLst/>
-          </a:prstGeom>
-          <a:noFill/>
-          <a:ln>
-            <a:noFill/>
-          </a:ln>
-        </p:spPr>
-        <p:txBody>
-          <a:bodyPr lIns="90000" rIns="90000" tIns="45000" bIns="45000"/>
-          <a:p>
-            <a:pPr algn="r"/>
-            <a:r>
-              <a:rPr b="0" lang="en-US" sz="1800" spc="-1" strike="noStrike">
-                <a:solidFill>
-                  <a:srgbClr val="000000"/>
-                </a:solidFill>
-                <a:uFill>
-                  <a:solidFill>
-                    <a:srgbClr val="ffffff"/>
-                  </a:solidFill>
-                </a:uFill>
-                <a:latin typeface="DejaVu Sans"/>
-              </a:rPr>
-              <a:t>r = -0.707</a:t>
-            </a:r>
-            <a:endParaRPr b="0" lang="en-US" sz="1800" spc="-1" strike="noStrike">
-              <a:solidFill>
-                <a:srgbClr val="000000"/>
-              </a:solidFill>
-              <a:uFill>
-                <a:solidFill>
-                  <a:srgbClr val="ffffff"/>
-                </a:solidFill>
-              </a:uFill>
-              <a:latin typeface="DejaVu Sans"/>
-            </a:endParaRPr>
-          </a:p>
-        </p:txBody>
       </p:sp>
     </p:spTree>
   </p:cSld>
@@ -4225,7 +4616,7 @@
       </p:grpSpPr>
       <p:sp>
         <p:nvSpPr>
-          <p:cNvPr id="69" name="TextShape 1"/>
+          <p:cNvPr id="66" name="TextShape 1"/>
           <p:cNvSpPr txBox="1"/>
           <p:nvPr/>
         </p:nvSpPr>
@@ -4258,87 +4649,11 @@
                 </a:uFill>
                 <a:latin typeface="DejaVu Sans"/>
               </a:rPr>
-              <a:t>Correlation Between Population and Total Crime Reports</a:t>
+              <a:t>Correlation Between Liquor</a:t>
             </a:r>
-            <a:endParaRPr b="0" lang="en-US" sz="4400" spc="-1" strike="noStrike">
-              <a:solidFill>
-                <a:srgbClr val="000000"/>
-              </a:solidFill>
-              <a:uFill>
-                <a:solidFill>
-                  <a:srgbClr val="ffffff"/>
-                </a:solidFill>
-              </a:uFill>
-              <a:latin typeface="DejaVu Sans"/>
-            </a:endParaRPr>
-          </a:p>
-        </p:txBody>
-      </p:sp>
-      <p:sp>
-        <p:nvSpPr>
-          <p:cNvPr id="70" name="TextShape 2"/>
-          <p:cNvSpPr txBox="1"/>
-          <p:nvPr/>
-        </p:nvSpPr>
-        <p:spPr>
-          <a:xfrm>
-            <a:off x="822960" y="6309360"/>
-            <a:ext cx="180720" cy="355680"/>
-          </a:xfrm>
-          <a:prstGeom prst="rect">
-            <a:avLst/>
-          </a:prstGeom>
-          <a:noFill/>
-          <a:ln>
-            <a:noFill/>
-          </a:ln>
-        </p:spPr>
-      </p:sp>
-      <p:sp>
-        <p:nvSpPr>
-          <p:cNvPr id="71" name="TextShape 3"/>
-          <p:cNvSpPr txBox="1"/>
-          <p:nvPr/>
-        </p:nvSpPr>
-        <p:spPr>
-          <a:xfrm>
-            <a:off x="4937760" y="7863840"/>
-            <a:ext cx="180720" cy="355680"/>
-          </a:xfrm>
-          <a:prstGeom prst="rect">
-            <a:avLst/>
-          </a:prstGeom>
-          <a:noFill/>
-          <a:ln>
-            <a:noFill/>
-          </a:ln>
-        </p:spPr>
-      </p:sp>
-      <p:sp>
-        <p:nvSpPr>
-          <p:cNvPr id="72" name="TextShape 4"/>
-          <p:cNvSpPr txBox="1"/>
-          <p:nvPr/>
-        </p:nvSpPr>
-        <p:spPr>
-          <a:xfrm>
-            <a:off x="822960" y="6309360"/>
-            <a:ext cx="8412480" cy="355680"/>
-          </a:xfrm>
-          <a:prstGeom prst="rect">
-            <a:avLst/>
-          </a:prstGeom>
-          <a:noFill/>
-          <a:ln>
-            <a:noFill/>
-          </a:ln>
-        </p:spPr>
-        <p:txBody>
-          <a:bodyPr lIns="90000" rIns="90000" tIns="45000" bIns="45000"/>
-          <a:p>
-            <a:pPr algn="r"/>
+            <a:br/>
             <a:r>
-              <a:rPr b="0" lang="en-US" sz="1800" spc="-1" strike="noStrike">
+              <a:rPr b="0" lang="en-US" sz="4400" spc="-1" strike="noStrike">
                 <a:solidFill>
                   <a:srgbClr val="000000"/>
                 </a:solidFill>
@@ -4349,9 +4664,9 @@
                 </a:uFill>
                 <a:latin typeface="DejaVu Sans"/>
               </a:rPr>
-              <a:t>r = -0.799</a:t>
+              <a:t>Law and Drug Offenses</a:t>
             </a:r>
-            <a:endParaRPr b="0" lang="en-US" sz="1800" spc="-1" strike="noStrike">
+            <a:endParaRPr b="0" lang="en-US" sz="4400" spc="-1" strike="noStrike">
               <a:solidFill>
                 <a:srgbClr val="000000"/>
               </a:solidFill>
@@ -4367,7 +4682,7 @@
       </p:sp>
       <p:pic>
         <p:nvPicPr>
-          <p:cNvPr id="73" name="" descr=""/>
+          <p:cNvPr id="67" name="" descr=""/>
           <p:cNvPicPr/>
           <p:nvPr/>
         </p:nvPicPr>
@@ -4377,8 +4692,8 @@
         </p:blipFill>
         <p:spPr>
           <a:xfrm>
-            <a:off x="1262520" y="1768680"/>
-            <a:ext cx="7553880" cy="4384440"/>
+            <a:off x="1262160" y="1768680"/>
+            <a:ext cx="7553880" cy="4384080"/>
           </a:xfrm>
           <a:prstGeom prst="rect">
             <a:avLst/>
@@ -4388,6 +4703,97 @@
           </a:ln>
         </p:spPr>
       </p:pic>
+      <p:sp>
+        <p:nvSpPr>
+          <p:cNvPr id="68" name="TextShape 2"/>
+          <p:cNvSpPr txBox="1"/>
+          <p:nvPr/>
+        </p:nvSpPr>
+        <p:spPr>
+          <a:xfrm>
+            <a:off x="822960" y="6309360"/>
+            <a:ext cx="180720" cy="355680"/>
+          </a:xfrm>
+          <a:prstGeom prst="rect">
+            <a:avLst/>
+          </a:prstGeom>
+          <a:noFill/>
+          <a:ln>
+            <a:noFill/>
+          </a:ln>
+        </p:spPr>
+      </p:sp>
+      <p:sp>
+        <p:nvSpPr>
+          <p:cNvPr id="69" name="TextShape 3"/>
+          <p:cNvSpPr txBox="1"/>
+          <p:nvPr/>
+        </p:nvSpPr>
+        <p:spPr>
+          <a:xfrm>
+            <a:off x="4937760" y="7863840"/>
+            <a:ext cx="180720" cy="355680"/>
+          </a:xfrm>
+          <a:prstGeom prst="rect">
+            <a:avLst/>
+          </a:prstGeom>
+          <a:noFill/>
+          <a:ln>
+            <a:noFill/>
+          </a:ln>
+        </p:spPr>
+      </p:sp>
+      <p:sp>
+        <p:nvSpPr>
+          <p:cNvPr id="70" name="TextShape 4"/>
+          <p:cNvSpPr txBox="1"/>
+          <p:nvPr/>
+        </p:nvSpPr>
+        <p:spPr>
+          <a:xfrm>
+            <a:off x="822960" y="6309360"/>
+            <a:ext cx="8412480" cy="355680"/>
+          </a:xfrm>
+          <a:prstGeom prst="rect">
+            <a:avLst/>
+          </a:prstGeom>
+          <a:noFill/>
+          <a:ln>
+            <a:noFill/>
+          </a:ln>
+        </p:spPr>
+        <p:txBody>
+          <a:bodyPr lIns="90000" rIns="90000" tIns="45000" bIns="45000"/>
+          <a:p>
+            <a:pPr algn="r"/>
+            <a:r>
+              <a:rPr b="0" lang="en-US" sz="1800" spc="-1" strike="noStrike">
+                <a:solidFill>
+                  <a:srgbClr val="000000"/>
+                </a:solidFill>
+                <a:uFill>
+                  <a:solidFill>
+                    <a:srgbClr val="ffffff"/>
+                  </a:solidFill>
+                </a:uFill>
+                <a:latin typeface="DejaVu Sans"/>
+              </a:rPr>
+              <a:t>r = -0.707</a:t>
+            </a:r>
+            <a:endParaRPr b="0" lang="en-US" sz="1800" spc="-1" strike="noStrike">
+              <a:solidFill>
+                <a:srgbClr val="000000"/>
+              </a:solidFill>
+              <a:uFill>
+                <a:solidFill>
+                  <a:srgbClr val="ffffff"/>
+                </a:solidFill>
+              </a:uFill>
+              <a:latin typeface="DejaVu Sans"/>
+            </a:endParaRPr>
+          </a:p>
+        </p:txBody>
+      </p:sp>
     </p:spTree>
   </p:cSld>
   <p:timing>
@@ -4439,7 +4845,7 @@
       </p:grpSpPr>
       <p:sp>
         <p:nvSpPr>
-          <p:cNvPr id="74" name="TextShape 1"/>
+          <p:cNvPr id="71" name="TextShape 1"/>
           <p:cNvSpPr txBox="1"/>
           <p:nvPr/>
         </p:nvSpPr>
@@ -4472,7 +4878,7 @@
                 </a:uFill>
                 <a:latin typeface="DejaVu Sans"/>
               </a:rPr>
-              <a:t>Relationship Between Unemployment and Larceny</a:t>
+              <a:t>Correlation Between Population and Total Crime Reports</a:t>
             </a:r>
             <a:endParaRPr b="0" lang="en-US" sz="4400" spc="-1" strike="noStrike">
               <a:solidFill>
@@ -4490,7 +4896,7 @@
       </p:sp>
       <p:sp>
         <p:nvSpPr>
-          <p:cNvPr id="75" name="TextShape 2"/>
+          <p:cNvPr id="72" name="TextShape 2"/>
           <p:cNvSpPr txBox="1"/>
           <p:nvPr/>
         </p:nvSpPr>
@@ -4510,7 +4916,7 @@
       </p:sp>
       <p:sp>
         <p:nvSpPr>
-          <p:cNvPr id="76" name="TextShape 3"/>
+          <p:cNvPr id="73" name="TextShape 3"/>
           <p:cNvSpPr txBox="1"/>
           <p:nvPr/>
         </p:nvSpPr>
@@ -4530,7 +4936,7 @@
       </p:sp>
       <p:sp>
         <p:nvSpPr>
-          <p:cNvPr id="77" name="TextShape 4"/>
+          <p:cNvPr id="74" name="TextShape 4"/>
           <p:cNvSpPr txBox="1"/>
           <p:nvPr/>
         </p:nvSpPr>
@@ -4563,7 +4969,7 @@
                 </a:uFill>
                 <a:latin typeface="DejaVu Sans"/>
               </a:rPr>
-              <a:t>r = -0.382</a:t>
+              <a:t>r = -0.799</a:t>
             </a:r>
             <a:endParaRPr b="0" lang="en-US" sz="1800" spc="-1" strike="noStrike">
               <a:solidFill>
@@ -4581,7 +4987,7 @@
       </p:sp>
       <p:pic>
         <p:nvPicPr>
-          <p:cNvPr id="78" name="" descr=""/>
+          <p:cNvPr id="75" name="" descr=""/>
           <p:cNvPicPr/>
           <p:nvPr/>
         </p:nvPicPr>
@@ -4591,8 +4997,8 @@
         </p:blipFill>
         <p:spPr>
           <a:xfrm>
-            <a:off x="1262160" y="1768680"/>
-            <a:ext cx="7553880" cy="4384080"/>
+            <a:off x="1262520" y="1768680"/>
+            <a:ext cx="7553880" cy="4384440"/>
           </a:xfrm>
           <a:prstGeom prst="rect">
             <a:avLst/>

--- a/docs/Bates_presentation.pptx
+++ b/docs/Bates_presentation.pptx
@@ -5,28 +5,30 @@
     <p:sldMasterId id="2147483648" r:id="rId2"/>
     <p:sldMasterId id="2147483661" r:id="rId3"/>
     <p:sldMasterId id="2147483674" r:id="rId4"/>
+    <p:sldMasterId id="2147483687" r:id="rId5"/>
+    <p:sldMasterId id="2147483700" r:id="rId6"/>
+    <p:sldMasterId id="2147483713" r:id="rId7"/>
   </p:sldMasterIdLst>
   <p:sldIdLst>
-    <p:sldId id="256" r:id="rId5"/>
-    <p:sldId id="257" r:id="rId6"/>
-    <p:sldId id="258" r:id="rId7"/>
-    <p:sldId id="259" r:id="rId8"/>
-    <p:sldId id="260" r:id="rId9"/>
-    <p:sldId id="261" r:id="rId10"/>
-    <p:sldId id="262" r:id="rId11"/>
-    <p:sldId id="263" r:id="rId12"/>
-    <p:sldId id="264" r:id="rId13"/>
-    <p:sldId id="265" r:id="rId14"/>
-    <p:sldId id="266" r:id="rId15"/>
-    <p:sldId id="267" r:id="rId16"/>
-    <p:sldId id="268" r:id="rId17"/>
-    <p:sldId id="269" r:id="rId18"/>
-    <p:sldId id="270" r:id="rId19"/>
-    <p:sldId id="271" r:id="rId20"/>
-    <p:sldId id="272" r:id="rId21"/>
-    <p:sldId id="273" r:id="rId22"/>
-    <p:sldId id="274" r:id="rId23"/>
-    <p:sldId id="275" r:id="rId24"/>
+    <p:sldId id="256" r:id="rId8"/>
+    <p:sldId id="257" r:id="rId9"/>
+    <p:sldId id="258" r:id="rId10"/>
+    <p:sldId id="259" r:id="rId11"/>
+    <p:sldId id="260" r:id="rId12"/>
+    <p:sldId id="261" r:id="rId13"/>
+    <p:sldId id="262" r:id="rId14"/>
+    <p:sldId id="263" r:id="rId15"/>
+    <p:sldId id="264" r:id="rId16"/>
+    <p:sldId id="265" r:id="rId17"/>
+    <p:sldId id="266" r:id="rId18"/>
+    <p:sldId id="267" r:id="rId19"/>
+    <p:sldId id="268" r:id="rId20"/>
+    <p:sldId id="269" r:id="rId21"/>
+    <p:sldId id="270" r:id="rId22"/>
+    <p:sldId id="271" r:id="rId23"/>
+    <p:sldId id="272" r:id="rId24"/>
+    <p:sldId id="273" r:id="rId25"/>
+    <p:sldId id="274" r:id="rId26"/>
   </p:sldIdLst>
   <p:sldSz cx="10080625" cy="7559675"/>
   <p:notesSz cx="7772400" cy="10058400"/>
@@ -4121,6 +4123,221 @@
 </p:sldLayout>
 </file>
 
+<file path=ppt/slideLayouts/slideLayout37.xml><?xml version="1.0" encoding="utf-8"?>
+<p:sldLayout xmlns:a="http://schemas.openxmlformats.org/drawingml/2006/main" xmlns:p="http://schemas.openxmlformats.org/presentationml/2006/main" xmlns:r="http://schemas.openxmlformats.org/officeDocument/2006/relationships" xmlns:p14="http://schemas.microsoft.com/office/powerpoint/2010/main" xmlns:p15="http://schemas.microsoft.com/office/powerpoint/2012/main" xmlns:mc="http://schemas.openxmlformats.org/markup-compatibility/2006" type="blank" preserve="1">
+  <p:cSld name="Blank Slide">
+    <p:spTree>
+      <p:nvGrpSpPr>
+        <p:cNvPr id="1" name=""/>
+        <p:cNvGrpSpPr/>
+        <p:nvPr/>
+      </p:nvGrpSpPr>
+      <p:grpSpPr>
+        <a:xfrm>
+          <a:off x="0" y="0"/>
+          <a:ext cx="0" cy="0"/>
+          <a:chOff x="0" y="0"/>
+          <a:chExt cx="0" cy="0"/>
+        </a:xfrm>
+      </p:grpSpPr>
+    </p:spTree>
+  </p:cSld>
+</p:sldLayout>
+</file>
+
+<file path=ppt/slideLayouts/slideLayout38.xml><?xml version="1.0" encoding="utf-8"?>
+<p:sldLayout xmlns:a="http://schemas.openxmlformats.org/drawingml/2006/main" xmlns:p="http://schemas.openxmlformats.org/presentationml/2006/main" xmlns:r="http://schemas.openxmlformats.org/officeDocument/2006/relationships" xmlns:p14="http://schemas.microsoft.com/office/powerpoint/2010/main" xmlns:p15="http://schemas.microsoft.com/office/powerpoint/2012/main" xmlns:mc="http://schemas.openxmlformats.org/markup-compatibility/2006" type="tx" preserve="1">
+  <p:cSld name="Title Slide">
+    <p:spTree>
+      <p:nvGrpSpPr>
+        <p:cNvPr id="1" name=""/>
+        <p:cNvGrpSpPr/>
+        <p:nvPr/>
+      </p:nvGrpSpPr>
+      <p:grpSpPr>
+        <a:xfrm>
+          <a:off x="0" y="0"/>
+          <a:ext cx="0" cy="0"/>
+          <a:chOff x="0" y="0"/>
+          <a:chExt cx="0" cy="0"/>
+        </a:xfrm>
+      </p:grpSpPr>
+      <p:sp>
+        <p:nvSpPr>
+          <p:cNvPr id="116" name="PlaceHolder 1"/>
+          <p:cNvSpPr>
+            <a:spLocks noGrp="1"/>
+          </p:cNvSpPr>
+          <p:nvPr>
+            <p:ph type="title"/>
+          </p:nvPr>
+        </p:nvSpPr>
+        <p:spPr>
+          <a:xfrm>
+            <a:off x="504000" y="301320"/>
+            <a:ext cx="9072000" cy="1261800"/>
+          </a:xfrm>
+          <a:prstGeom prst="rect">
+            <a:avLst/>
+          </a:prstGeom>
+        </p:spPr>
+        <p:txBody>
+          <a:bodyPr lIns="0" rIns="0" tIns="0" bIns="0" anchor="ctr"/>
+          <a:p>
+            <a:pPr algn="ctr"/>
+            <a:endParaRPr b="0" lang="en-US" sz="4400" spc="-1" strike="noStrike">
+              <a:solidFill>
+                <a:srgbClr val="000000"/>
+              </a:solidFill>
+              <a:uFill>
+                <a:solidFill>
+                  <a:srgbClr val="ffffff"/>
+                </a:solidFill>
+              </a:uFill>
+              <a:latin typeface="DejaVu Sans"/>
+            </a:endParaRPr>
+          </a:p>
+        </p:txBody>
+      </p:sp>
+      <p:sp>
+        <p:nvSpPr>
+          <p:cNvPr id="117" name="PlaceHolder 2"/>
+          <p:cNvSpPr>
+            <a:spLocks noGrp="1"/>
+          </p:cNvSpPr>
+          <p:nvPr>
+            <p:ph type="subTitle"/>
+          </p:nvPr>
+        </p:nvSpPr>
+        <p:spPr>
+          <a:xfrm>
+            <a:off x="504000" y="1768680"/>
+            <a:ext cx="9072000" cy="4384080"/>
+          </a:xfrm>
+          <a:prstGeom prst="rect">
+            <a:avLst/>
+          </a:prstGeom>
+        </p:spPr>
+        <p:txBody>
+          <a:bodyPr lIns="0" rIns="0" tIns="0" bIns="0" anchor="ctr"/>
+          <a:p>
+            <a:pPr algn="ctr"/>
+            <a:endParaRPr b="0" lang="en-US" sz="3200" spc="-1" strike="noStrike">
+              <a:solidFill>
+                <a:srgbClr val="000000"/>
+              </a:solidFill>
+              <a:uFill>
+                <a:solidFill>
+                  <a:srgbClr val="ffffff"/>
+                </a:solidFill>
+              </a:uFill>
+              <a:latin typeface="DejaVu Sans"/>
+            </a:endParaRPr>
+          </a:p>
+        </p:txBody>
+      </p:sp>
+    </p:spTree>
+  </p:cSld>
+</p:sldLayout>
+</file>
+
+<file path=ppt/slideLayouts/slideLayout39.xml><?xml version="1.0" encoding="utf-8"?>
+<p:sldLayout xmlns:a="http://schemas.openxmlformats.org/drawingml/2006/main" xmlns:p="http://schemas.openxmlformats.org/presentationml/2006/main" xmlns:r="http://schemas.openxmlformats.org/officeDocument/2006/relationships" xmlns:p14="http://schemas.microsoft.com/office/powerpoint/2010/main" xmlns:p15="http://schemas.microsoft.com/office/powerpoint/2012/main" xmlns:mc="http://schemas.openxmlformats.org/markup-compatibility/2006" type="obj" preserve="1">
+  <p:cSld name="Title, Content">
+    <p:spTree>
+      <p:nvGrpSpPr>
+        <p:cNvPr id="1" name=""/>
+        <p:cNvGrpSpPr/>
+        <p:nvPr/>
+      </p:nvGrpSpPr>
+      <p:grpSpPr>
+        <a:xfrm>
+          <a:off x="0" y="0"/>
+          <a:ext cx="0" cy="0"/>
+          <a:chOff x="0" y="0"/>
+          <a:chExt cx="0" cy="0"/>
+        </a:xfrm>
+      </p:grpSpPr>
+      <p:sp>
+        <p:nvSpPr>
+          <p:cNvPr id="118" name="PlaceHolder 1"/>
+          <p:cNvSpPr>
+            <a:spLocks noGrp="1"/>
+          </p:cNvSpPr>
+          <p:nvPr>
+            <p:ph type="title"/>
+          </p:nvPr>
+        </p:nvSpPr>
+        <p:spPr>
+          <a:xfrm>
+            <a:off x="504000" y="301320"/>
+            <a:ext cx="9072000" cy="1261800"/>
+          </a:xfrm>
+          <a:prstGeom prst="rect">
+            <a:avLst/>
+          </a:prstGeom>
+        </p:spPr>
+        <p:txBody>
+          <a:bodyPr lIns="0" rIns="0" tIns="0" bIns="0" anchor="ctr"/>
+          <a:p>
+            <a:pPr algn="ctr"/>
+            <a:endParaRPr b="0" lang="en-US" sz="4400" spc="-1" strike="noStrike">
+              <a:solidFill>
+                <a:srgbClr val="000000"/>
+              </a:solidFill>
+              <a:uFill>
+                <a:solidFill>
+                  <a:srgbClr val="ffffff"/>
+                </a:solidFill>
+              </a:uFill>
+              <a:latin typeface="DejaVu Sans"/>
+            </a:endParaRPr>
+          </a:p>
+        </p:txBody>
+      </p:sp>
+      <p:sp>
+        <p:nvSpPr>
+          <p:cNvPr id="119" name="PlaceHolder 2"/>
+          <p:cNvSpPr>
+            <a:spLocks noGrp="1"/>
+          </p:cNvSpPr>
+          <p:nvPr>
+            <p:ph type="body"/>
+          </p:nvPr>
+        </p:nvSpPr>
+        <p:spPr>
+          <a:xfrm>
+            <a:off x="504000" y="1768680"/>
+            <a:ext cx="9072000" cy="4384080"/>
+          </a:xfrm>
+          <a:prstGeom prst="rect">
+            <a:avLst/>
+          </a:prstGeom>
+        </p:spPr>
+        <p:txBody>
+          <a:bodyPr lIns="0" rIns="0" tIns="0" bIns="0">
+            <a:normAutofit/>
+          </a:bodyPr>
+          <a:p>
+            <a:endParaRPr b="0" lang="en-US" sz="3200" spc="-1" strike="noStrike">
+              <a:solidFill>
+                <a:srgbClr val="000000"/>
+              </a:solidFill>
+              <a:uFill>
+                <a:solidFill>
+                  <a:srgbClr val="ffffff"/>
+                </a:solidFill>
+              </a:uFill>
+              <a:latin typeface="DejaVu Sans"/>
+            </a:endParaRPr>
+          </a:p>
+        </p:txBody>
+      </p:sp>
+    </p:spTree>
+  </p:cSld>
+</p:sldLayout>
+</file>
+
 <file path=ppt/slideLayouts/slideLayout4.xml><?xml version="1.0" encoding="utf-8"?>
 <p:sldLayout xmlns:a="http://schemas.openxmlformats.org/drawingml/2006/main" xmlns:p="http://schemas.openxmlformats.org/presentationml/2006/main" xmlns:r="http://schemas.openxmlformats.org/officeDocument/2006/relationships" xmlns:p14="http://schemas.microsoft.com/office/powerpoint/2010/main" xmlns:p15="http://schemas.microsoft.com/office/powerpoint/2012/main" xmlns:mc="http://schemas.openxmlformats.org/markup-compatibility/2006" type="twoObj" preserve="1">
   <p:cSld name="Title, 2 Content">
@@ -4251,6 +4468,1433 @@
           </a:p>
         </p:txBody>
       </p:sp>
+    </p:spTree>
+  </p:cSld>
+</p:sldLayout>
+</file>
+
+<file path=ppt/slideLayouts/slideLayout40.xml><?xml version="1.0" encoding="utf-8"?>
+<p:sldLayout xmlns:a="http://schemas.openxmlformats.org/drawingml/2006/main" xmlns:p="http://schemas.openxmlformats.org/presentationml/2006/main" xmlns:r="http://schemas.openxmlformats.org/officeDocument/2006/relationships" xmlns:p14="http://schemas.microsoft.com/office/powerpoint/2010/main" xmlns:p15="http://schemas.microsoft.com/office/powerpoint/2012/main" xmlns:mc="http://schemas.openxmlformats.org/markup-compatibility/2006" type="twoObj" preserve="1">
+  <p:cSld name="Title, 2 Content">
+    <p:spTree>
+      <p:nvGrpSpPr>
+        <p:cNvPr id="1" name=""/>
+        <p:cNvGrpSpPr/>
+        <p:nvPr/>
+      </p:nvGrpSpPr>
+      <p:grpSpPr>
+        <a:xfrm>
+          <a:off x="0" y="0"/>
+          <a:ext cx="0" cy="0"/>
+          <a:chOff x="0" y="0"/>
+          <a:chExt cx="0" cy="0"/>
+        </a:xfrm>
+      </p:grpSpPr>
+      <p:sp>
+        <p:nvSpPr>
+          <p:cNvPr id="120" name="PlaceHolder 1"/>
+          <p:cNvSpPr>
+            <a:spLocks noGrp="1"/>
+          </p:cNvSpPr>
+          <p:nvPr>
+            <p:ph type="title"/>
+          </p:nvPr>
+        </p:nvSpPr>
+        <p:spPr>
+          <a:xfrm>
+            <a:off x="504000" y="301320"/>
+            <a:ext cx="9072000" cy="1261800"/>
+          </a:xfrm>
+          <a:prstGeom prst="rect">
+            <a:avLst/>
+          </a:prstGeom>
+        </p:spPr>
+        <p:txBody>
+          <a:bodyPr lIns="0" rIns="0" tIns="0" bIns="0" anchor="ctr"/>
+          <a:p>
+            <a:pPr algn="ctr"/>
+            <a:endParaRPr b="0" lang="en-US" sz="4400" spc="-1" strike="noStrike">
+              <a:solidFill>
+                <a:srgbClr val="000000"/>
+              </a:solidFill>
+              <a:uFill>
+                <a:solidFill>
+                  <a:srgbClr val="ffffff"/>
+                </a:solidFill>
+              </a:uFill>
+              <a:latin typeface="DejaVu Sans"/>
+            </a:endParaRPr>
+          </a:p>
+        </p:txBody>
+      </p:sp>
+      <p:sp>
+        <p:nvSpPr>
+          <p:cNvPr id="121" name="PlaceHolder 2"/>
+          <p:cNvSpPr>
+            <a:spLocks noGrp="1"/>
+          </p:cNvSpPr>
+          <p:nvPr>
+            <p:ph type="body"/>
+          </p:nvPr>
+        </p:nvSpPr>
+        <p:spPr>
+          <a:xfrm>
+            <a:off x="504000" y="1768680"/>
+            <a:ext cx="4426920" cy="4384080"/>
+          </a:xfrm>
+          <a:prstGeom prst="rect">
+            <a:avLst/>
+          </a:prstGeom>
+        </p:spPr>
+        <p:txBody>
+          <a:bodyPr lIns="0" rIns="0" tIns="0" bIns="0">
+            <a:normAutofit/>
+          </a:bodyPr>
+          <a:p>
+            <a:endParaRPr b="0" lang="en-US" sz="3200" spc="-1" strike="noStrike">
+              <a:solidFill>
+                <a:srgbClr val="000000"/>
+              </a:solidFill>
+              <a:uFill>
+                <a:solidFill>
+                  <a:srgbClr val="ffffff"/>
+                </a:solidFill>
+              </a:uFill>
+              <a:latin typeface="DejaVu Sans"/>
+            </a:endParaRPr>
+          </a:p>
+        </p:txBody>
+      </p:sp>
+      <p:sp>
+        <p:nvSpPr>
+          <p:cNvPr id="122" name="PlaceHolder 3"/>
+          <p:cNvSpPr>
+            <a:spLocks noGrp="1"/>
+          </p:cNvSpPr>
+          <p:nvPr>
+            <p:ph type="body"/>
+          </p:nvPr>
+        </p:nvSpPr>
+        <p:spPr>
+          <a:xfrm>
+            <a:off x="5152680" y="1768680"/>
+            <a:ext cx="4426920" cy="4384080"/>
+          </a:xfrm>
+          <a:prstGeom prst="rect">
+            <a:avLst/>
+          </a:prstGeom>
+        </p:spPr>
+        <p:txBody>
+          <a:bodyPr lIns="0" rIns="0" tIns="0" bIns="0">
+            <a:normAutofit/>
+          </a:bodyPr>
+          <a:p>
+            <a:endParaRPr b="0" lang="en-US" sz="3200" spc="-1" strike="noStrike">
+              <a:solidFill>
+                <a:srgbClr val="000000"/>
+              </a:solidFill>
+              <a:uFill>
+                <a:solidFill>
+                  <a:srgbClr val="ffffff"/>
+                </a:solidFill>
+              </a:uFill>
+              <a:latin typeface="DejaVu Sans"/>
+            </a:endParaRPr>
+          </a:p>
+        </p:txBody>
+      </p:sp>
+    </p:spTree>
+  </p:cSld>
+</p:sldLayout>
+</file>
+
+<file path=ppt/slideLayouts/slideLayout41.xml><?xml version="1.0" encoding="utf-8"?>
+<p:sldLayout xmlns:a="http://schemas.openxmlformats.org/drawingml/2006/main" xmlns:p="http://schemas.openxmlformats.org/presentationml/2006/main" xmlns:r="http://schemas.openxmlformats.org/officeDocument/2006/relationships" xmlns:p14="http://schemas.microsoft.com/office/powerpoint/2010/main" xmlns:p15="http://schemas.microsoft.com/office/powerpoint/2012/main" xmlns:mc="http://schemas.openxmlformats.org/markup-compatibility/2006" type="titleOnly" preserve="1">
+  <p:cSld name="Title Only">
+    <p:spTree>
+      <p:nvGrpSpPr>
+        <p:cNvPr id="1" name=""/>
+        <p:cNvGrpSpPr/>
+        <p:nvPr/>
+      </p:nvGrpSpPr>
+      <p:grpSpPr>
+        <a:xfrm>
+          <a:off x="0" y="0"/>
+          <a:ext cx="0" cy="0"/>
+          <a:chOff x="0" y="0"/>
+          <a:chExt cx="0" cy="0"/>
+        </a:xfrm>
+      </p:grpSpPr>
+      <p:sp>
+        <p:nvSpPr>
+          <p:cNvPr id="123" name="PlaceHolder 1"/>
+          <p:cNvSpPr>
+            <a:spLocks noGrp="1"/>
+          </p:cNvSpPr>
+          <p:nvPr>
+            <p:ph type="title"/>
+          </p:nvPr>
+        </p:nvSpPr>
+        <p:spPr>
+          <a:xfrm>
+            <a:off x="504000" y="301320"/>
+            <a:ext cx="9072000" cy="1261800"/>
+          </a:xfrm>
+          <a:prstGeom prst="rect">
+            <a:avLst/>
+          </a:prstGeom>
+        </p:spPr>
+        <p:txBody>
+          <a:bodyPr lIns="0" rIns="0" tIns="0" bIns="0" anchor="ctr"/>
+          <a:p>
+            <a:pPr algn="ctr"/>
+            <a:endParaRPr b="0" lang="en-US" sz="4400" spc="-1" strike="noStrike">
+              <a:solidFill>
+                <a:srgbClr val="000000"/>
+              </a:solidFill>
+              <a:uFill>
+                <a:solidFill>
+                  <a:srgbClr val="ffffff"/>
+                </a:solidFill>
+              </a:uFill>
+              <a:latin typeface="DejaVu Sans"/>
+            </a:endParaRPr>
+          </a:p>
+        </p:txBody>
+      </p:sp>
+    </p:spTree>
+  </p:cSld>
+</p:sldLayout>
+</file>
+
+<file path=ppt/slideLayouts/slideLayout42.xml><?xml version="1.0" encoding="utf-8"?>
+<p:sldLayout xmlns:a="http://schemas.openxmlformats.org/drawingml/2006/main" xmlns:p="http://schemas.openxmlformats.org/presentationml/2006/main" xmlns:r="http://schemas.openxmlformats.org/officeDocument/2006/relationships" xmlns:p14="http://schemas.microsoft.com/office/powerpoint/2010/main" xmlns:p15="http://schemas.microsoft.com/office/powerpoint/2012/main" xmlns:mc="http://schemas.openxmlformats.org/markup-compatibility/2006" type="objOnly" preserve="1">
+  <p:cSld name="Centered Text">
+    <p:spTree>
+      <p:nvGrpSpPr>
+        <p:cNvPr id="1" name=""/>
+        <p:cNvGrpSpPr/>
+        <p:nvPr/>
+      </p:nvGrpSpPr>
+      <p:grpSpPr>
+        <a:xfrm>
+          <a:off x="0" y="0"/>
+          <a:ext cx="0" cy="0"/>
+          <a:chOff x="0" y="0"/>
+          <a:chExt cx="0" cy="0"/>
+        </a:xfrm>
+      </p:grpSpPr>
+      <p:sp>
+        <p:nvSpPr>
+          <p:cNvPr id="124" name="PlaceHolder 1"/>
+          <p:cNvSpPr>
+            <a:spLocks noGrp="1"/>
+          </p:cNvSpPr>
+          <p:nvPr>
+            <p:ph type="subTitle"/>
+          </p:nvPr>
+        </p:nvSpPr>
+        <p:spPr>
+          <a:xfrm>
+            <a:off x="504000" y="301320"/>
+            <a:ext cx="9072000" cy="5850360"/>
+          </a:xfrm>
+          <a:prstGeom prst="rect">
+            <a:avLst/>
+          </a:prstGeom>
+        </p:spPr>
+        <p:txBody>
+          <a:bodyPr lIns="0" rIns="0" tIns="0" bIns="0" anchor="ctr"/>
+          <a:p>
+            <a:pPr algn="ctr"/>
+            <a:endParaRPr b="0" lang="en-US" sz="3200" spc="-1" strike="noStrike">
+              <a:solidFill>
+                <a:srgbClr val="000000"/>
+              </a:solidFill>
+              <a:uFill>
+                <a:solidFill>
+                  <a:srgbClr val="ffffff"/>
+                </a:solidFill>
+              </a:uFill>
+              <a:latin typeface="DejaVu Sans"/>
+            </a:endParaRPr>
+          </a:p>
+        </p:txBody>
+      </p:sp>
+    </p:spTree>
+  </p:cSld>
+</p:sldLayout>
+</file>
+
+<file path=ppt/slideLayouts/slideLayout43.xml><?xml version="1.0" encoding="utf-8"?>
+<p:sldLayout xmlns:a="http://schemas.openxmlformats.org/drawingml/2006/main" xmlns:p="http://schemas.openxmlformats.org/presentationml/2006/main" xmlns:r="http://schemas.openxmlformats.org/officeDocument/2006/relationships" xmlns:p14="http://schemas.microsoft.com/office/powerpoint/2010/main" xmlns:p15="http://schemas.microsoft.com/office/powerpoint/2012/main" xmlns:mc="http://schemas.openxmlformats.org/markup-compatibility/2006" type="twoObjAndObj" preserve="1">
+  <p:cSld name="Title, 2 Content and Content">
+    <p:spTree>
+      <p:nvGrpSpPr>
+        <p:cNvPr id="1" name=""/>
+        <p:cNvGrpSpPr/>
+        <p:nvPr/>
+      </p:nvGrpSpPr>
+      <p:grpSpPr>
+        <a:xfrm>
+          <a:off x="0" y="0"/>
+          <a:ext cx="0" cy="0"/>
+          <a:chOff x="0" y="0"/>
+          <a:chExt cx="0" cy="0"/>
+        </a:xfrm>
+      </p:grpSpPr>
+      <p:sp>
+        <p:nvSpPr>
+          <p:cNvPr id="125" name="PlaceHolder 1"/>
+          <p:cNvSpPr>
+            <a:spLocks noGrp="1"/>
+          </p:cNvSpPr>
+          <p:nvPr>
+            <p:ph type="title"/>
+          </p:nvPr>
+        </p:nvSpPr>
+        <p:spPr>
+          <a:xfrm>
+            <a:off x="504000" y="301320"/>
+            <a:ext cx="9072000" cy="1261800"/>
+          </a:xfrm>
+          <a:prstGeom prst="rect">
+            <a:avLst/>
+          </a:prstGeom>
+        </p:spPr>
+        <p:txBody>
+          <a:bodyPr lIns="0" rIns="0" tIns="0" bIns="0" anchor="ctr"/>
+          <a:p>
+            <a:pPr algn="ctr"/>
+            <a:endParaRPr b="0" lang="en-US" sz="4400" spc="-1" strike="noStrike">
+              <a:solidFill>
+                <a:srgbClr val="000000"/>
+              </a:solidFill>
+              <a:uFill>
+                <a:solidFill>
+                  <a:srgbClr val="ffffff"/>
+                </a:solidFill>
+              </a:uFill>
+              <a:latin typeface="DejaVu Sans"/>
+            </a:endParaRPr>
+          </a:p>
+        </p:txBody>
+      </p:sp>
+      <p:sp>
+        <p:nvSpPr>
+          <p:cNvPr id="126" name="PlaceHolder 2"/>
+          <p:cNvSpPr>
+            <a:spLocks noGrp="1"/>
+          </p:cNvSpPr>
+          <p:nvPr>
+            <p:ph type="body"/>
+          </p:nvPr>
+        </p:nvSpPr>
+        <p:spPr>
+          <a:xfrm>
+            <a:off x="504000" y="1768680"/>
+            <a:ext cx="4426920" cy="2090880"/>
+          </a:xfrm>
+          <a:prstGeom prst="rect">
+            <a:avLst/>
+          </a:prstGeom>
+        </p:spPr>
+        <p:txBody>
+          <a:bodyPr lIns="0" rIns="0" tIns="0" bIns="0">
+            <a:normAutofit/>
+          </a:bodyPr>
+          <a:p>
+            <a:endParaRPr b="0" lang="en-US" sz="3200" spc="-1" strike="noStrike">
+              <a:solidFill>
+                <a:srgbClr val="000000"/>
+              </a:solidFill>
+              <a:uFill>
+                <a:solidFill>
+                  <a:srgbClr val="ffffff"/>
+                </a:solidFill>
+              </a:uFill>
+              <a:latin typeface="DejaVu Sans"/>
+            </a:endParaRPr>
+          </a:p>
+        </p:txBody>
+      </p:sp>
+      <p:sp>
+        <p:nvSpPr>
+          <p:cNvPr id="127" name="PlaceHolder 3"/>
+          <p:cNvSpPr>
+            <a:spLocks noGrp="1"/>
+          </p:cNvSpPr>
+          <p:nvPr>
+            <p:ph type="body"/>
+          </p:nvPr>
+        </p:nvSpPr>
+        <p:spPr>
+          <a:xfrm>
+            <a:off x="504000" y="4058640"/>
+            <a:ext cx="4426920" cy="2090880"/>
+          </a:xfrm>
+          <a:prstGeom prst="rect">
+            <a:avLst/>
+          </a:prstGeom>
+        </p:spPr>
+        <p:txBody>
+          <a:bodyPr lIns="0" rIns="0" tIns="0" bIns="0">
+            <a:normAutofit/>
+          </a:bodyPr>
+          <a:p>
+            <a:endParaRPr b="0" lang="en-US" sz="3200" spc="-1" strike="noStrike">
+              <a:solidFill>
+                <a:srgbClr val="000000"/>
+              </a:solidFill>
+              <a:uFill>
+                <a:solidFill>
+                  <a:srgbClr val="ffffff"/>
+                </a:solidFill>
+              </a:uFill>
+              <a:latin typeface="DejaVu Sans"/>
+            </a:endParaRPr>
+          </a:p>
+        </p:txBody>
+      </p:sp>
+      <p:sp>
+        <p:nvSpPr>
+          <p:cNvPr id="128" name="PlaceHolder 4"/>
+          <p:cNvSpPr>
+            <a:spLocks noGrp="1"/>
+          </p:cNvSpPr>
+          <p:nvPr>
+            <p:ph type="body"/>
+          </p:nvPr>
+        </p:nvSpPr>
+        <p:spPr>
+          <a:xfrm>
+            <a:off x="5152680" y="1768680"/>
+            <a:ext cx="4426920" cy="4384080"/>
+          </a:xfrm>
+          <a:prstGeom prst="rect">
+            <a:avLst/>
+          </a:prstGeom>
+        </p:spPr>
+        <p:txBody>
+          <a:bodyPr lIns="0" rIns="0" tIns="0" bIns="0">
+            <a:normAutofit/>
+          </a:bodyPr>
+          <a:p>
+            <a:endParaRPr b="0" lang="en-US" sz="3200" spc="-1" strike="noStrike">
+              <a:solidFill>
+                <a:srgbClr val="000000"/>
+              </a:solidFill>
+              <a:uFill>
+                <a:solidFill>
+                  <a:srgbClr val="ffffff"/>
+                </a:solidFill>
+              </a:uFill>
+              <a:latin typeface="DejaVu Sans"/>
+            </a:endParaRPr>
+          </a:p>
+        </p:txBody>
+      </p:sp>
+    </p:spTree>
+  </p:cSld>
+</p:sldLayout>
+</file>
+
+<file path=ppt/slideLayouts/slideLayout44.xml><?xml version="1.0" encoding="utf-8"?>
+<p:sldLayout xmlns:a="http://schemas.openxmlformats.org/drawingml/2006/main" xmlns:p="http://schemas.openxmlformats.org/presentationml/2006/main" xmlns:r="http://schemas.openxmlformats.org/officeDocument/2006/relationships" xmlns:p14="http://schemas.microsoft.com/office/powerpoint/2010/main" xmlns:p15="http://schemas.microsoft.com/office/powerpoint/2012/main" xmlns:mc="http://schemas.openxmlformats.org/markup-compatibility/2006" type="objAndTwoObj" preserve="1">
+  <p:cSld name="Title Content and 2 Content">
+    <p:spTree>
+      <p:nvGrpSpPr>
+        <p:cNvPr id="1" name=""/>
+        <p:cNvGrpSpPr/>
+        <p:nvPr/>
+      </p:nvGrpSpPr>
+      <p:grpSpPr>
+        <a:xfrm>
+          <a:off x="0" y="0"/>
+          <a:ext cx="0" cy="0"/>
+          <a:chOff x="0" y="0"/>
+          <a:chExt cx="0" cy="0"/>
+        </a:xfrm>
+      </p:grpSpPr>
+      <p:sp>
+        <p:nvSpPr>
+          <p:cNvPr id="129" name="PlaceHolder 1"/>
+          <p:cNvSpPr>
+            <a:spLocks noGrp="1"/>
+          </p:cNvSpPr>
+          <p:nvPr>
+            <p:ph type="title"/>
+          </p:nvPr>
+        </p:nvSpPr>
+        <p:spPr>
+          <a:xfrm>
+            <a:off x="504000" y="301320"/>
+            <a:ext cx="9072000" cy="1261800"/>
+          </a:xfrm>
+          <a:prstGeom prst="rect">
+            <a:avLst/>
+          </a:prstGeom>
+        </p:spPr>
+        <p:txBody>
+          <a:bodyPr lIns="0" rIns="0" tIns="0" bIns="0" anchor="ctr"/>
+          <a:p>
+            <a:pPr algn="ctr"/>
+            <a:endParaRPr b="0" lang="en-US" sz="4400" spc="-1" strike="noStrike">
+              <a:solidFill>
+                <a:srgbClr val="000000"/>
+              </a:solidFill>
+              <a:uFill>
+                <a:solidFill>
+                  <a:srgbClr val="ffffff"/>
+                </a:solidFill>
+              </a:uFill>
+              <a:latin typeface="DejaVu Sans"/>
+            </a:endParaRPr>
+          </a:p>
+        </p:txBody>
+      </p:sp>
+      <p:sp>
+        <p:nvSpPr>
+          <p:cNvPr id="130" name="PlaceHolder 2"/>
+          <p:cNvSpPr>
+            <a:spLocks noGrp="1"/>
+          </p:cNvSpPr>
+          <p:nvPr>
+            <p:ph type="body"/>
+          </p:nvPr>
+        </p:nvSpPr>
+        <p:spPr>
+          <a:xfrm>
+            <a:off x="504000" y="1768680"/>
+            <a:ext cx="4426920" cy="4384080"/>
+          </a:xfrm>
+          <a:prstGeom prst="rect">
+            <a:avLst/>
+          </a:prstGeom>
+        </p:spPr>
+        <p:txBody>
+          <a:bodyPr lIns="0" rIns="0" tIns="0" bIns="0">
+            <a:normAutofit/>
+          </a:bodyPr>
+          <a:p>
+            <a:endParaRPr b="0" lang="en-US" sz="3200" spc="-1" strike="noStrike">
+              <a:solidFill>
+                <a:srgbClr val="000000"/>
+              </a:solidFill>
+              <a:uFill>
+                <a:solidFill>
+                  <a:srgbClr val="ffffff"/>
+                </a:solidFill>
+              </a:uFill>
+              <a:latin typeface="DejaVu Sans"/>
+            </a:endParaRPr>
+          </a:p>
+        </p:txBody>
+      </p:sp>
+      <p:sp>
+        <p:nvSpPr>
+          <p:cNvPr id="131" name="PlaceHolder 3"/>
+          <p:cNvSpPr>
+            <a:spLocks noGrp="1"/>
+          </p:cNvSpPr>
+          <p:nvPr>
+            <p:ph type="body"/>
+          </p:nvPr>
+        </p:nvSpPr>
+        <p:spPr>
+          <a:xfrm>
+            <a:off x="5152680" y="1768680"/>
+            <a:ext cx="4426920" cy="2090880"/>
+          </a:xfrm>
+          <a:prstGeom prst="rect">
+            <a:avLst/>
+          </a:prstGeom>
+        </p:spPr>
+        <p:txBody>
+          <a:bodyPr lIns="0" rIns="0" tIns="0" bIns="0">
+            <a:normAutofit/>
+          </a:bodyPr>
+          <a:p>
+            <a:endParaRPr b="0" lang="en-US" sz="3200" spc="-1" strike="noStrike">
+              <a:solidFill>
+                <a:srgbClr val="000000"/>
+              </a:solidFill>
+              <a:uFill>
+                <a:solidFill>
+                  <a:srgbClr val="ffffff"/>
+                </a:solidFill>
+              </a:uFill>
+              <a:latin typeface="DejaVu Sans"/>
+            </a:endParaRPr>
+          </a:p>
+        </p:txBody>
+      </p:sp>
+      <p:sp>
+        <p:nvSpPr>
+          <p:cNvPr id="132" name="PlaceHolder 4"/>
+          <p:cNvSpPr>
+            <a:spLocks noGrp="1"/>
+          </p:cNvSpPr>
+          <p:nvPr>
+            <p:ph type="body"/>
+          </p:nvPr>
+        </p:nvSpPr>
+        <p:spPr>
+          <a:xfrm>
+            <a:off x="5152680" y="4058640"/>
+            <a:ext cx="4426920" cy="2090880"/>
+          </a:xfrm>
+          <a:prstGeom prst="rect">
+            <a:avLst/>
+          </a:prstGeom>
+        </p:spPr>
+        <p:txBody>
+          <a:bodyPr lIns="0" rIns="0" tIns="0" bIns="0">
+            <a:normAutofit/>
+          </a:bodyPr>
+          <a:p>
+            <a:endParaRPr b="0" lang="en-US" sz="3200" spc="-1" strike="noStrike">
+              <a:solidFill>
+                <a:srgbClr val="000000"/>
+              </a:solidFill>
+              <a:uFill>
+                <a:solidFill>
+                  <a:srgbClr val="ffffff"/>
+                </a:solidFill>
+              </a:uFill>
+              <a:latin typeface="DejaVu Sans"/>
+            </a:endParaRPr>
+          </a:p>
+        </p:txBody>
+      </p:sp>
+    </p:spTree>
+  </p:cSld>
+</p:sldLayout>
+</file>
+
+<file path=ppt/slideLayouts/slideLayout45.xml><?xml version="1.0" encoding="utf-8"?>
+<p:sldLayout xmlns:a="http://schemas.openxmlformats.org/drawingml/2006/main" xmlns:p="http://schemas.openxmlformats.org/presentationml/2006/main" xmlns:r="http://schemas.openxmlformats.org/officeDocument/2006/relationships" xmlns:p14="http://schemas.microsoft.com/office/powerpoint/2010/main" xmlns:p15="http://schemas.microsoft.com/office/powerpoint/2012/main" xmlns:mc="http://schemas.openxmlformats.org/markup-compatibility/2006" type="twoObjOverTx" preserve="1">
+  <p:cSld name="Title, 2 Content over Content">
+    <p:spTree>
+      <p:nvGrpSpPr>
+        <p:cNvPr id="1" name=""/>
+        <p:cNvGrpSpPr/>
+        <p:nvPr/>
+      </p:nvGrpSpPr>
+      <p:grpSpPr>
+        <a:xfrm>
+          <a:off x="0" y="0"/>
+          <a:ext cx="0" cy="0"/>
+          <a:chOff x="0" y="0"/>
+          <a:chExt cx="0" cy="0"/>
+        </a:xfrm>
+      </p:grpSpPr>
+      <p:sp>
+        <p:nvSpPr>
+          <p:cNvPr id="133" name="PlaceHolder 1"/>
+          <p:cNvSpPr>
+            <a:spLocks noGrp="1"/>
+          </p:cNvSpPr>
+          <p:nvPr>
+            <p:ph type="title"/>
+          </p:nvPr>
+        </p:nvSpPr>
+        <p:spPr>
+          <a:xfrm>
+            <a:off x="504000" y="301320"/>
+            <a:ext cx="9072000" cy="1261800"/>
+          </a:xfrm>
+          <a:prstGeom prst="rect">
+            <a:avLst/>
+          </a:prstGeom>
+        </p:spPr>
+        <p:txBody>
+          <a:bodyPr lIns="0" rIns="0" tIns="0" bIns="0" anchor="ctr"/>
+          <a:p>
+            <a:pPr algn="ctr"/>
+            <a:endParaRPr b="0" lang="en-US" sz="4400" spc="-1" strike="noStrike">
+              <a:solidFill>
+                <a:srgbClr val="000000"/>
+              </a:solidFill>
+              <a:uFill>
+                <a:solidFill>
+                  <a:srgbClr val="ffffff"/>
+                </a:solidFill>
+              </a:uFill>
+              <a:latin typeface="DejaVu Sans"/>
+            </a:endParaRPr>
+          </a:p>
+        </p:txBody>
+      </p:sp>
+      <p:sp>
+        <p:nvSpPr>
+          <p:cNvPr id="134" name="PlaceHolder 2"/>
+          <p:cNvSpPr>
+            <a:spLocks noGrp="1"/>
+          </p:cNvSpPr>
+          <p:nvPr>
+            <p:ph type="body"/>
+          </p:nvPr>
+        </p:nvSpPr>
+        <p:spPr>
+          <a:xfrm>
+            <a:off x="504000" y="1768680"/>
+            <a:ext cx="4426920" cy="2090880"/>
+          </a:xfrm>
+          <a:prstGeom prst="rect">
+            <a:avLst/>
+          </a:prstGeom>
+        </p:spPr>
+        <p:txBody>
+          <a:bodyPr lIns="0" rIns="0" tIns="0" bIns="0">
+            <a:normAutofit/>
+          </a:bodyPr>
+          <a:p>
+            <a:endParaRPr b="0" lang="en-US" sz="3200" spc="-1" strike="noStrike">
+              <a:solidFill>
+                <a:srgbClr val="000000"/>
+              </a:solidFill>
+              <a:uFill>
+                <a:solidFill>
+                  <a:srgbClr val="ffffff"/>
+                </a:solidFill>
+              </a:uFill>
+              <a:latin typeface="DejaVu Sans"/>
+            </a:endParaRPr>
+          </a:p>
+        </p:txBody>
+      </p:sp>
+      <p:sp>
+        <p:nvSpPr>
+          <p:cNvPr id="135" name="PlaceHolder 3"/>
+          <p:cNvSpPr>
+            <a:spLocks noGrp="1"/>
+          </p:cNvSpPr>
+          <p:nvPr>
+            <p:ph type="body"/>
+          </p:nvPr>
+        </p:nvSpPr>
+        <p:spPr>
+          <a:xfrm>
+            <a:off x="5152680" y="1768680"/>
+            <a:ext cx="4426920" cy="2090880"/>
+          </a:xfrm>
+          <a:prstGeom prst="rect">
+            <a:avLst/>
+          </a:prstGeom>
+        </p:spPr>
+        <p:txBody>
+          <a:bodyPr lIns="0" rIns="0" tIns="0" bIns="0">
+            <a:normAutofit/>
+          </a:bodyPr>
+          <a:p>
+            <a:endParaRPr b="0" lang="en-US" sz="3200" spc="-1" strike="noStrike">
+              <a:solidFill>
+                <a:srgbClr val="000000"/>
+              </a:solidFill>
+              <a:uFill>
+                <a:solidFill>
+                  <a:srgbClr val="ffffff"/>
+                </a:solidFill>
+              </a:uFill>
+              <a:latin typeface="DejaVu Sans"/>
+            </a:endParaRPr>
+          </a:p>
+        </p:txBody>
+      </p:sp>
+      <p:sp>
+        <p:nvSpPr>
+          <p:cNvPr id="136" name="PlaceHolder 4"/>
+          <p:cNvSpPr>
+            <a:spLocks noGrp="1"/>
+          </p:cNvSpPr>
+          <p:nvPr>
+            <p:ph type="body"/>
+          </p:nvPr>
+        </p:nvSpPr>
+        <p:spPr>
+          <a:xfrm>
+            <a:off x="504000" y="4058640"/>
+            <a:ext cx="9072000" cy="2090880"/>
+          </a:xfrm>
+          <a:prstGeom prst="rect">
+            <a:avLst/>
+          </a:prstGeom>
+        </p:spPr>
+        <p:txBody>
+          <a:bodyPr lIns="0" rIns="0" tIns="0" bIns="0">
+            <a:normAutofit/>
+          </a:bodyPr>
+          <a:p>
+            <a:endParaRPr b="0" lang="en-US" sz="3200" spc="-1" strike="noStrike">
+              <a:solidFill>
+                <a:srgbClr val="000000"/>
+              </a:solidFill>
+              <a:uFill>
+                <a:solidFill>
+                  <a:srgbClr val="ffffff"/>
+                </a:solidFill>
+              </a:uFill>
+              <a:latin typeface="DejaVu Sans"/>
+            </a:endParaRPr>
+          </a:p>
+        </p:txBody>
+      </p:sp>
+    </p:spTree>
+  </p:cSld>
+</p:sldLayout>
+</file>
+
+<file path=ppt/slideLayouts/slideLayout46.xml><?xml version="1.0" encoding="utf-8"?>
+<p:sldLayout xmlns:a="http://schemas.openxmlformats.org/drawingml/2006/main" xmlns:p="http://schemas.openxmlformats.org/presentationml/2006/main" xmlns:r="http://schemas.openxmlformats.org/officeDocument/2006/relationships" xmlns:p14="http://schemas.microsoft.com/office/powerpoint/2010/main" xmlns:p15="http://schemas.microsoft.com/office/powerpoint/2012/main" xmlns:mc="http://schemas.openxmlformats.org/markup-compatibility/2006" type="objOverTx" preserve="1">
+  <p:cSld name="Title, Content over Content">
+    <p:spTree>
+      <p:nvGrpSpPr>
+        <p:cNvPr id="1" name=""/>
+        <p:cNvGrpSpPr/>
+        <p:nvPr/>
+      </p:nvGrpSpPr>
+      <p:grpSpPr>
+        <a:xfrm>
+          <a:off x="0" y="0"/>
+          <a:ext cx="0" cy="0"/>
+          <a:chOff x="0" y="0"/>
+          <a:chExt cx="0" cy="0"/>
+        </a:xfrm>
+      </p:grpSpPr>
+      <p:sp>
+        <p:nvSpPr>
+          <p:cNvPr id="137" name="PlaceHolder 1"/>
+          <p:cNvSpPr>
+            <a:spLocks noGrp="1"/>
+          </p:cNvSpPr>
+          <p:nvPr>
+            <p:ph type="title"/>
+          </p:nvPr>
+        </p:nvSpPr>
+        <p:spPr>
+          <a:xfrm>
+            <a:off x="504000" y="301320"/>
+            <a:ext cx="9072000" cy="1261800"/>
+          </a:xfrm>
+          <a:prstGeom prst="rect">
+            <a:avLst/>
+          </a:prstGeom>
+        </p:spPr>
+        <p:txBody>
+          <a:bodyPr lIns="0" rIns="0" tIns="0" bIns="0" anchor="ctr"/>
+          <a:p>
+            <a:pPr algn="ctr"/>
+            <a:endParaRPr b="0" lang="en-US" sz="4400" spc="-1" strike="noStrike">
+              <a:solidFill>
+                <a:srgbClr val="000000"/>
+              </a:solidFill>
+              <a:uFill>
+                <a:solidFill>
+                  <a:srgbClr val="ffffff"/>
+                </a:solidFill>
+              </a:uFill>
+              <a:latin typeface="DejaVu Sans"/>
+            </a:endParaRPr>
+          </a:p>
+        </p:txBody>
+      </p:sp>
+      <p:sp>
+        <p:nvSpPr>
+          <p:cNvPr id="138" name="PlaceHolder 2"/>
+          <p:cNvSpPr>
+            <a:spLocks noGrp="1"/>
+          </p:cNvSpPr>
+          <p:nvPr>
+            <p:ph type="body"/>
+          </p:nvPr>
+        </p:nvSpPr>
+        <p:spPr>
+          <a:xfrm>
+            <a:off x="504000" y="1768680"/>
+            <a:ext cx="9072000" cy="2090880"/>
+          </a:xfrm>
+          <a:prstGeom prst="rect">
+            <a:avLst/>
+          </a:prstGeom>
+        </p:spPr>
+        <p:txBody>
+          <a:bodyPr lIns="0" rIns="0" tIns="0" bIns="0">
+            <a:normAutofit/>
+          </a:bodyPr>
+          <a:p>
+            <a:endParaRPr b="0" lang="en-US" sz="3200" spc="-1" strike="noStrike">
+              <a:solidFill>
+                <a:srgbClr val="000000"/>
+              </a:solidFill>
+              <a:uFill>
+                <a:solidFill>
+                  <a:srgbClr val="ffffff"/>
+                </a:solidFill>
+              </a:uFill>
+              <a:latin typeface="DejaVu Sans"/>
+            </a:endParaRPr>
+          </a:p>
+        </p:txBody>
+      </p:sp>
+      <p:sp>
+        <p:nvSpPr>
+          <p:cNvPr id="139" name="PlaceHolder 3"/>
+          <p:cNvSpPr>
+            <a:spLocks noGrp="1"/>
+          </p:cNvSpPr>
+          <p:nvPr>
+            <p:ph type="body"/>
+          </p:nvPr>
+        </p:nvSpPr>
+        <p:spPr>
+          <a:xfrm>
+            <a:off x="504000" y="4058640"/>
+            <a:ext cx="9072000" cy="2090880"/>
+          </a:xfrm>
+          <a:prstGeom prst="rect">
+            <a:avLst/>
+          </a:prstGeom>
+        </p:spPr>
+        <p:txBody>
+          <a:bodyPr lIns="0" rIns="0" tIns="0" bIns="0">
+            <a:normAutofit/>
+          </a:bodyPr>
+          <a:p>
+            <a:endParaRPr b="0" lang="en-US" sz="3200" spc="-1" strike="noStrike">
+              <a:solidFill>
+                <a:srgbClr val="000000"/>
+              </a:solidFill>
+              <a:uFill>
+                <a:solidFill>
+                  <a:srgbClr val="ffffff"/>
+                </a:solidFill>
+              </a:uFill>
+              <a:latin typeface="DejaVu Sans"/>
+            </a:endParaRPr>
+          </a:p>
+        </p:txBody>
+      </p:sp>
+    </p:spTree>
+  </p:cSld>
+</p:sldLayout>
+</file>
+
+<file path=ppt/slideLayouts/slideLayout47.xml><?xml version="1.0" encoding="utf-8"?>
+<p:sldLayout xmlns:a="http://schemas.openxmlformats.org/drawingml/2006/main" xmlns:p="http://schemas.openxmlformats.org/presentationml/2006/main" xmlns:r="http://schemas.openxmlformats.org/officeDocument/2006/relationships" xmlns:p14="http://schemas.microsoft.com/office/powerpoint/2010/main" xmlns:p15="http://schemas.microsoft.com/office/powerpoint/2012/main" xmlns:mc="http://schemas.openxmlformats.org/markup-compatibility/2006" type="fourObj" preserve="1">
+  <p:cSld name="Title, 4 Content">
+    <p:spTree>
+      <p:nvGrpSpPr>
+        <p:cNvPr id="1" name=""/>
+        <p:cNvGrpSpPr/>
+        <p:nvPr/>
+      </p:nvGrpSpPr>
+      <p:grpSpPr>
+        <a:xfrm>
+          <a:off x="0" y="0"/>
+          <a:ext cx="0" cy="0"/>
+          <a:chOff x="0" y="0"/>
+          <a:chExt cx="0" cy="0"/>
+        </a:xfrm>
+      </p:grpSpPr>
+      <p:sp>
+        <p:nvSpPr>
+          <p:cNvPr id="140" name="PlaceHolder 1"/>
+          <p:cNvSpPr>
+            <a:spLocks noGrp="1"/>
+          </p:cNvSpPr>
+          <p:nvPr>
+            <p:ph type="title"/>
+          </p:nvPr>
+        </p:nvSpPr>
+        <p:spPr>
+          <a:xfrm>
+            <a:off x="504000" y="301320"/>
+            <a:ext cx="9072000" cy="1261800"/>
+          </a:xfrm>
+          <a:prstGeom prst="rect">
+            <a:avLst/>
+          </a:prstGeom>
+        </p:spPr>
+        <p:txBody>
+          <a:bodyPr lIns="0" rIns="0" tIns="0" bIns="0" anchor="ctr"/>
+          <a:p>
+            <a:pPr algn="ctr"/>
+            <a:endParaRPr b="0" lang="en-US" sz="4400" spc="-1" strike="noStrike">
+              <a:solidFill>
+                <a:srgbClr val="000000"/>
+              </a:solidFill>
+              <a:uFill>
+                <a:solidFill>
+                  <a:srgbClr val="ffffff"/>
+                </a:solidFill>
+              </a:uFill>
+              <a:latin typeface="DejaVu Sans"/>
+            </a:endParaRPr>
+          </a:p>
+        </p:txBody>
+      </p:sp>
+      <p:sp>
+        <p:nvSpPr>
+          <p:cNvPr id="141" name="PlaceHolder 2"/>
+          <p:cNvSpPr>
+            <a:spLocks noGrp="1"/>
+          </p:cNvSpPr>
+          <p:nvPr>
+            <p:ph type="body"/>
+          </p:nvPr>
+        </p:nvSpPr>
+        <p:spPr>
+          <a:xfrm>
+            <a:off x="504000" y="1768680"/>
+            <a:ext cx="4426920" cy="2090880"/>
+          </a:xfrm>
+          <a:prstGeom prst="rect">
+            <a:avLst/>
+          </a:prstGeom>
+        </p:spPr>
+        <p:txBody>
+          <a:bodyPr lIns="0" rIns="0" tIns="0" bIns="0">
+            <a:normAutofit/>
+          </a:bodyPr>
+          <a:p>
+            <a:endParaRPr b="0" lang="en-US" sz="3200" spc="-1" strike="noStrike">
+              <a:solidFill>
+                <a:srgbClr val="000000"/>
+              </a:solidFill>
+              <a:uFill>
+                <a:solidFill>
+                  <a:srgbClr val="ffffff"/>
+                </a:solidFill>
+              </a:uFill>
+              <a:latin typeface="DejaVu Sans"/>
+            </a:endParaRPr>
+          </a:p>
+        </p:txBody>
+      </p:sp>
+      <p:sp>
+        <p:nvSpPr>
+          <p:cNvPr id="142" name="PlaceHolder 3"/>
+          <p:cNvSpPr>
+            <a:spLocks noGrp="1"/>
+          </p:cNvSpPr>
+          <p:nvPr>
+            <p:ph type="body"/>
+          </p:nvPr>
+        </p:nvSpPr>
+        <p:spPr>
+          <a:xfrm>
+            <a:off x="5152680" y="1768680"/>
+            <a:ext cx="4426920" cy="2090880"/>
+          </a:xfrm>
+          <a:prstGeom prst="rect">
+            <a:avLst/>
+          </a:prstGeom>
+        </p:spPr>
+        <p:txBody>
+          <a:bodyPr lIns="0" rIns="0" tIns="0" bIns="0">
+            <a:normAutofit/>
+          </a:bodyPr>
+          <a:p>
+            <a:endParaRPr b="0" lang="en-US" sz="3200" spc="-1" strike="noStrike">
+              <a:solidFill>
+                <a:srgbClr val="000000"/>
+              </a:solidFill>
+              <a:uFill>
+                <a:solidFill>
+                  <a:srgbClr val="ffffff"/>
+                </a:solidFill>
+              </a:uFill>
+              <a:latin typeface="DejaVu Sans"/>
+            </a:endParaRPr>
+          </a:p>
+        </p:txBody>
+      </p:sp>
+      <p:sp>
+        <p:nvSpPr>
+          <p:cNvPr id="143" name="PlaceHolder 4"/>
+          <p:cNvSpPr>
+            <a:spLocks noGrp="1"/>
+          </p:cNvSpPr>
+          <p:nvPr>
+            <p:ph type="body"/>
+          </p:nvPr>
+        </p:nvSpPr>
+        <p:spPr>
+          <a:xfrm>
+            <a:off x="5152680" y="4058640"/>
+            <a:ext cx="4426920" cy="2090880"/>
+          </a:xfrm>
+          <a:prstGeom prst="rect">
+            <a:avLst/>
+          </a:prstGeom>
+        </p:spPr>
+        <p:txBody>
+          <a:bodyPr lIns="0" rIns="0" tIns="0" bIns="0">
+            <a:normAutofit/>
+          </a:bodyPr>
+          <a:p>
+            <a:endParaRPr b="0" lang="en-US" sz="3200" spc="-1" strike="noStrike">
+              <a:solidFill>
+                <a:srgbClr val="000000"/>
+              </a:solidFill>
+              <a:uFill>
+                <a:solidFill>
+                  <a:srgbClr val="ffffff"/>
+                </a:solidFill>
+              </a:uFill>
+              <a:latin typeface="DejaVu Sans"/>
+            </a:endParaRPr>
+          </a:p>
+        </p:txBody>
+      </p:sp>
+      <p:sp>
+        <p:nvSpPr>
+          <p:cNvPr id="144" name="PlaceHolder 5"/>
+          <p:cNvSpPr>
+            <a:spLocks noGrp="1"/>
+          </p:cNvSpPr>
+          <p:nvPr>
+            <p:ph type="body"/>
+          </p:nvPr>
+        </p:nvSpPr>
+        <p:spPr>
+          <a:xfrm>
+            <a:off x="504000" y="4058640"/>
+            <a:ext cx="4426920" cy="2090880"/>
+          </a:xfrm>
+          <a:prstGeom prst="rect">
+            <a:avLst/>
+          </a:prstGeom>
+        </p:spPr>
+        <p:txBody>
+          <a:bodyPr lIns="0" rIns="0" tIns="0" bIns="0">
+            <a:normAutofit/>
+          </a:bodyPr>
+          <a:p>
+            <a:endParaRPr b="0" lang="en-US" sz="3200" spc="-1" strike="noStrike">
+              <a:solidFill>
+                <a:srgbClr val="000000"/>
+              </a:solidFill>
+              <a:uFill>
+                <a:solidFill>
+                  <a:srgbClr val="ffffff"/>
+                </a:solidFill>
+              </a:uFill>
+              <a:latin typeface="DejaVu Sans"/>
+            </a:endParaRPr>
+          </a:p>
+        </p:txBody>
+      </p:sp>
+    </p:spTree>
+  </p:cSld>
+</p:sldLayout>
+</file>
+
+<file path=ppt/slideLayouts/slideLayout48.xml><?xml version="1.0" encoding="utf-8"?>
+<p:sldLayout xmlns:a="http://schemas.openxmlformats.org/drawingml/2006/main" xmlns:p="http://schemas.openxmlformats.org/presentationml/2006/main" xmlns:r="http://schemas.openxmlformats.org/officeDocument/2006/relationships" xmlns:p14="http://schemas.microsoft.com/office/powerpoint/2010/main" xmlns:p15="http://schemas.microsoft.com/office/powerpoint/2012/main" xmlns:mc="http://schemas.openxmlformats.org/markup-compatibility/2006" type="blank" preserve="1">
+  <p:cSld name="Title, 6 Content">
+    <p:spTree>
+      <p:nvGrpSpPr>
+        <p:cNvPr id="1" name=""/>
+        <p:cNvGrpSpPr/>
+        <p:nvPr/>
+      </p:nvGrpSpPr>
+      <p:grpSpPr>
+        <a:xfrm>
+          <a:off x="0" y="0"/>
+          <a:ext cx="0" cy="0"/>
+          <a:chOff x="0" y="0"/>
+          <a:chExt cx="0" cy="0"/>
+        </a:xfrm>
+      </p:grpSpPr>
+      <p:sp>
+        <p:nvSpPr>
+          <p:cNvPr id="145" name="PlaceHolder 1"/>
+          <p:cNvSpPr>
+            <a:spLocks noGrp="1"/>
+          </p:cNvSpPr>
+          <p:nvPr>
+            <p:ph type="title"/>
+          </p:nvPr>
+        </p:nvSpPr>
+        <p:spPr>
+          <a:xfrm>
+            <a:off x="504000" y="301320"/>
+            <a:ext cx="9072000" cy="1261800"/>
+          </a:xfrm>
+          <a:prstGeom prst="rect">
+            <a:avLst/>
+          </a:prstGeom>
+        </p:spPr>
+        <p:txBody>
+          <a:bodyPr lIns="0" rIns="0" tIns="0" bIns="0" anchor="ctr"/>
+          <a:p>
+            <a:pPr algn="ctr"/>
+            <a:endParaRPr b="0" lang="en-US" sz="4400" spc="-1" strike="noStrike">
+              <a:solidFill>
+                <a:srgbClr val="000000"/>
+              </a:solidFill>
+              <a:uFill>
+                <a:solidFill>
+                  <a:srgbClr val="ffffff"/>
+                </a:solidFill>
+              </a:uFill>
+              <a:latin typeface="DejaVu Sans"/>
+            </a:endParaRPr>
+          </a:p>
+        </p:txBody>
+      </p:sp>
+      <p:sp>
+        <p:nvSpPr>
+          <p:cNvPr id="146" name="PlaceHolder 2"/>
+          <p:cNvSpPr>
+            <a:spLocks noGrp="1"/>
+          </p:cNvSpPr>
+          <p:nvPr>
+            <p:ph type="body"/>
+          </p:nvPr>
+        </p:nvSpPr>
+        <p:spPr>
+          <a:xfrm>
+            <a:off x="504000" y="1768680"/>
+            <a:ext cx="2921040" cy="2090880"/>
+          </a:xfrm>
+          <a:prstGeom prst="rect">
+            <a:avLst/>
+          </a:prstGeom>
+        </p:spPr>
+        <p:txBody>
+          <a:bodyPr lIns="0" rIns="0" tIns="0" bIns="0">
+            <a:normAutofit/>
+          </a:bodyPr>
+          <a:p>
+            <a:endParaRPr b="0" lang="en-US" sz="3200" spc="-1" strike="noStrike">
+              <a:solidFill>
+                <a:srgbClr val="000000"/>
+              </a:solidFill>
+              <a:uFill>
+                <a:solidFill>
+                  <a:srgbClr val="ffffff"/>
+                </a:solidFill>
+              </a:uFill>
+              <a:latin typeface="DejaVu Sans"/>
+            </a:endParaRPr>
+          </a:p>
+        </p:txBody>
+      </p:sp>
+      <p:sp>
+        <p:nvSpPr>
+          <p:cNvPr id="147" name="PlaceHolder 3"/>
+          <p:cNvSpPr>
+            <a:spLocks noGrp="1"/>
+          </p:cNvSpPr>
+          <p:nvPr>
+            <p:ph type="body"/>
+          </p:nvPr>
+        </p:nvSpPr>
+        <p:spPr>
+          <a:xfrm>
+            <a:off x="3571560" y="1768680"/>
+            <a:ext cx="2921040" cy="2090880"/>
+          </a:xfrm>
+          <a:prstGeom prst="rect">
+            <a:avLst/>
+          </a:prstGeom>
+        </p:spPr>
+        <p:txBody>
+          <a:bodyPr lIns="0" rIns="0" tIns="0" bIns="0">
+            <a:normAutofit/>
+          </a:bodyPr>
+          <a:p>
+            <a:endParaRPr b="0" lang="en-US" sz="3200" spc="-1" strike="noStrike">
+              <a:solidFill>
+                <a:srgbClr val="000000"/>
+              </a:solidFill>
+              <a:uFill>
+                <a:solidFill>
+                  <a:srgbClr val="ffffff"/>
+                </a:solidFill>
+              </a:uFill>
+              <a:latin typeface="DejaVu Sans"/>
+            </a:endParaRPr>
+          </a:p>
+        </p:txBody>
+      </p:sp>
+      <p:sp>
+        <p:nvSpPr>
+          <p:cNvPr id="148" name="PlaceHolder 4"/>
+          <p:cNvSpPr>
+            <a:spLocks noGrp="1"/>
+          </p:cNvSpPr>
+          <p:nvPr>
+            <p:ph type="body"/>
+          </p:nvPr>
+        </p:nvSpPr>
+        <p:spPr>
+          <a:xfrm>
+            <a:off x="6639120" y="1768680"/>
+            <a:ext cx="2921040" cy="2090880"/>
+          </a:xfrm>
+          <a:prstGeom prst="rect">
+            <a:avLst/>
+          </a:prstGeom>
+        </p:spPr>
+        <p:txBody>
+          <a:bodyPr lIns="0" rIns="0" tIns="0" bIns="0">
+            <a:normAutofit/>
+          </a:bodyPr>
+          <a:p>
+            <a:endParaRPr b="0" lang="en-US" sz="3200" spc="-1" strike="noStrike">
+              <a:solidFill>
+                <a:srgbClr val="000000"/>
+              </a:solidFill>
+              <a:uFill>
+                <a:solidFill>
+                  <a:srgbClr val="ffffff"/>
+                </a:solidFill>
+              </a:uFill>
+              <a:latin typeface="DejaVu Sans"/>
+            </a:endParaRPr>
+          </a:p>
+        </p:txBody>
+      </p:sp>
+      <p:sp>
+        <p:nvSpPr>
+          <p:cNvPr id="149" name="PlaceHolder 5"/>
+          <p:cNvSpPr>
+            <a:spLocks noGrp="1"/>
+          </p:cNvSpPr>
+          <p:nvPr>
+            <p:ph type="body"/>
+          </p:nvPr>
+        </p:nvSpPr>
+        <p:spPr>
+          <a:xfrm>
+            <a:off x="6639120" y="4058640"/>
+            <a:ext cx="2921040" cy="2090880"/>
+          </a:xfrm>
+          <a:prstGeom prst="rect">
+            <a:avLst/>
+          </a:prstGeom>
+        </p:spPr>
+        <p:txBody>
+          <a:bodyPr lIns="0" rIns="0" tIns="0" bIns="0">
+            <a:normAutofit/>
+          </a:bodyPr>
+          <a:p>
+            <a:endParaRPr b="0" lang="en-US" sz="3200" spc="-1" strike="noStrike">
+              <a:solidFill>
+                <a:srgbClr val="000000"/>
+              </a:solidFill>
+              <a:uFill>
+                <a:solidFill>
+                  <a:srgbClr val="ffffff"/>
+                </a:solidFill>
+              </a:uFill>
+              <a:latin typeface="DejaVu Sans"/>
+            </a:endParaRPr>
+          </a:p>
+        </p:txBody>
+      </p:sp>
+      <p:sp>
+        <p:nvSpPr>
+          <p:cNvPr id="150" name="PlaceHolder 6"/>
+          <p:cNvSpPr>
+            <a:spLocks noGrp="1"/>
+          </p:cNvSpPr>
+          <p:nvPr>
+            <p:ph type="body"/>
+          </p:nvPr>
+        </p:nvSpPr>
+        <p:spPr>
+          <a:xfrm>
+            <a:off x="3571560" y="4058640"/>
+            <a:ext cx="2921040" cy="2090880"/>
+          </a:xfrm>
+          <a:prstGeom prst="rect">
+            <a:avLst/>
+          </a:prstGeom>
+        </p:spPr>
+        <p:txBody>
+          <a:bodyPr lIns="0" rIns="0" tIns="0" bIns="0">
+            <a:normAutofit/>
+          </a:bodyPr>
+          <a:p>
+            <a:endParaRPr b="0" lang="en-US" sz="3200" spc="-1" strike="noStrike">
+              <a:solidFill>
+                <a:srgbClr val="000000"/>
+              </a:solidFill>
+              <a:uFill>
+                <a:solidFill>
+                  <a:srgbClr val="ffffff"/>
+                </a:solidFill>
+              </a:uFill>
+              <a:latin typeface="DejaVu Sans"/>
+            </a:endParaRPr>
+          </a:p>
+        </p:txBody>
+      </p:sp>
+      <p:sp>
+        <p:nvSpPr>
+          <p:cNvPr id="151" name="PlaceHolder 7"/>
+          <p:cNvSpPr>
+            <a:spLocks noGrp="1"/>
+          </p:cNvSpPr>
+          <p:nvPr>
+            <p:ph type="body"/>
+          </p:nvPr>
+        </p:nvSpPr>
+        <p:spPr>
+          <a:xfrm>
+            <a:off x="504000" y="4058640"/>
+            <a:ext cx="2921040" cy="2090880"/>
+          </a:xfrm>
+          <a:prstGeom prst="rect">
+            <a:avLst/>
+          </a:prstGeom>
+        </p:spPr>
+        <p:txBody>
+          <a:bodyPr lIns="0" rIns="0" tIns="0" bIns="0">
+            <a:normAutofit/>
+          </a:bodyPr>
+          <a:p>
+            <a:endParaRPr b="0" lang="en-US" sz="3200" spc="-1" strike="noStrike">
+              <a:solidFill>
+                <a:srgbClr val="000000"/>
+              </a:solidFill>
+              <a:uFill>
+                <a:solidFill>
+                  <a:srgbClr val="ffffff"/>
+                </a:solidFill>
+              </a:uFill>
+              <a:latin typeface="DejaVu Sans"/>
+            </a:endParaRPr>
+          </a:p>
+        </p:txBody>
+      </p:sp>
+    </p:spTree>
+  </p:cSld>
+</p:sldLayout>
+</file>
+
+<file path=ppt/slideLayouts/slideLayout49.xml><?xml version="1.0" encoding="utf-8"?>
+<p:sldLayout xmlns:a="http://schemas.openxmlformats.org/drawingml/2006/main" xmlns:p="http://schemas.openxmlformats.org/presentationml/2006/main" xmlns:r="http://schemas.openxmlformats.org/officeDocument/2006/relationships" xmlns:p14="http://schemas.microsoft.com/office/powerpoint/2010/main" xmlns:p15="http://schemas.microsoft.com/office/powerpoint/2012/main" xmlns:mc="http://schemas.openxmlformats.org/markup-compatibility/2006" type="blank" preserve="1">
+  <p:cSld name="Blank Slide">
+    <p:spTree>
+      <p:nvGrpSpPr>
+        <p:cNvPr id="1" name=""/>
+        <p:cNvGrpSpPr/>
+        <p:nvPr/>
+      </p:nvGrpSpPr>
+      <p:grpSpPr>
+        <a:xfrm>
+          <a:off x="0" y="0"/>
+          <a:ext cx="0" cy="0"/>
+          <a:chOff x="0" y="0"/>
+          <a:chExt cx="0" cy="0"/>
+        </a:xfrm>
+      </p:grpSpPr>
     </p:spTree>
   </p:cSld>
 </p:sldLayout>
@@ -4315,6 +5959,1317 @@
 </p:sldLayout>
 </file>
 
+<file path=ppt/slideLayouts/slideLayout50.xml><?xml version="1.0" encoding="utf-8"?>
+<p:sldLayout xmlns:a="http://schemas.openxmlformats.org/drawingml/2006/main" xmlns:p="http://schemas.openxmlformats.org/presentationml/2006/main" xmlns:r="http://schemas.openxmlformats.org/officeDocument/2006/relationships" xmlns:p14="http://schemas.microsoft.com/office/powerpoint/2010/main" xmlns:p15="http://schemas.microsoft.com/office/powerpoint/2012/main" xmlns:mc="http://schemas.openxmlformats.org/markup-compatibility/2006" type="tx" preserve="1">
+  <p:cSld name="Title Slide">
+    <p:spTree>
+      <p:nvGrpSpPr>
+        <p:cNvPr id="1" name=""/>
+        <p:cNvGrpSpPr/>
+        <p:nvPr/>
+      </p:nvGrpSpPr>
+      <p:grpSpPr>
+        <a:xfrm>
+          <a:off x="0" y="0"/>
+          <a:ext cx="0" cy="0"/>
+          <a:chOff x="0" y="0"/>
+          <a:chExt cx="0" cy="0"/>
+        </a:xfrm>
+      </p:grpSpPr>
+      <p:sp>
+        <p:nvSpPr>
+          <p:cNvPr id="154" name="PlaceHolder 1"/>
+          <p:cNvSpPr>
+            <a:spLocks noGrp="1"/>
+          </p:cNvSpPr>
+          <p:nvPr>
+            <p:ph type="title"/>
+          </p:nvPr>
+        </p:nvSpPr>
+        <p:spPr>
+          <a:xfrm>
+            <a:off x="504000" y="301320"/>
+            <a:ext cx="9072000" cy="1261800"/>
+          </a:xfrm>
+          <a:prstGeom prst="rect">
+            <a:avLst/>
+          </a:prstGeom>
+        </p:spPr>
+        <p:txBody>
+          <a:bodyPr lIns="0" rIns="0" tIns="0" bIns="0" anchor="ctr"/>
+          <a:p>
+            <a:pPr algn="ctr"/>
+            <a:endParaRPr b="0" lang="en-US" sz="4400" spc="-1" strike="noStrike">
+              <a:solidFill>
+                <a:srgbClr val="000000"/>
+              </a:solidFill>
+              <a:uFill>
+                <a:solidFill>
+                  <a:srgbClr val="ffffff"/>
+                </a:solidFill>
+              </a:uFill>
+              <a:latin typeface="DejaVu Sans"/>
+            </a:endParaRPr>
+          </a:p>
+        </p:txBody>
+      </p:sp>
+      <p:sp>
+        <p:nvSpPr>
+          <p:cNvPr id="155" name="PlaceHolder 2"/>
+          <p:cNvSpPr>
+            <a:spLocks noGrp="1"/>
+          </p:cNvSpPr>
+          <p:nvPr>
+            <p:ph type="subTitle"/>
+          </p:nvPr>
+        </p:nvSpPr>
+        <p:spPr>
+          <a:xfrm>
+            <a:off x="504000" y="1768680"/>
+            <a:ext cx="9072000" cy="4384080"/>
+          </a:xfrm>
+          <a:prstGeom prst="rect">
+            <a:avLst/>
+          </a:prstGeom>
+        </p:spPr>
+        <p:txBody>
+          <a:bodyPr lIns="0" rIns="0" tIns="0" bIns="0" anchor="ctr"/>
+          <a:p>
+            <a:pPr algn="ctr"/>
+            <a:endParaRPr b="0" lang="en-US" sz="3200" spc="-1" strike="noStrike">
+              <a:solidFill>
+                <a:srgbClr val="000000"/>
+              </a:solidFill>
+              <a:uFill>
+                <a:solidFill>
+                  <a:srgbClr val="ffffff"/>
+                </a:solidFill>
+              </a:uFill>
+              <a:latin typeface="DejaVu Sans"/>
+            </a:endParaRPr>
+          </a:p>
+        </p:txBody>
+      </p:sp>
+    </p:spTree>
+  </p:cSld>
+</p:sldLayout>
+</file>
+
+<file path=ppt/slideLayouts/slideLayout51.xml><?xml version="1.0" encoding="utf-8"?>
+<p:sldLayout xmlns:a="http://schemas.openxmlformats.org/drawingml/2006/main" xmlns:p="http://schemas.openxmlformats.org/presentationml/2006/main" xmlns:r="http://schemas.openxmlformats.org/officeDocument/2006/relationships" xmlns:p14="http://schemas.microsoft.com/office/powerpoint/2010/main" xmlns:p15="http://schemas.microsoft.com/office/powerpoint/2012/main" xmlns:mc="http://schemas.openxmlformats.org/markup-compatibility/2006" type="obj" preserve="1">
+  <p:cSld name="Title, Content">
+    <p:spTree>
+      <p:nvGrpSpPr>
+        <p:cNvPr id="1" name=""/>
+        <p:cNvGrpSpPr/>
+        <p:nvPr/>
+      </p:nvGrpSpPr>
+      <p:grpSpPr>
+        <a:xfrm>
+          <a:off x="0" y="0"/>
+          <a:ext cx="0" cy="0"/>
+          <a:chOff x="0" y="0"/>
+          <a:chExt cx="0" cy="0"/>
+        </a:xfrm>
+      </p:grpSpPr>
+      <p:sp>
+        <p:nvSpPr>
+          <p:cNvPr id="156" name="PlaceHolder 1"/>
+          <p:cNvSpPr>
+            <a:spLocks noGrp="1"/>
+          </p:cNvSpPr>
+          <p:nvPr>
+            <p:ph type="title"/>
+          </p:nvPr>
+        </p:nvSpPr>
+        <p:spPr>
+          <a:xfrm>
+            <a:off x="504000" y="301320"/>
+            <a:ext cx="9072000" cy="1261800"/>
+          </a:xfrm>
+          <a:prstGeom prst="rect">
+            <a:avLst/>
+          </a:prstGeom>
+        </p:spPr>
+        <p:txBody>
+          <a:bodyPr lIns="0" rIns="0" tIns="0" bIns="0" anchor="ctr"/>
+          <a:p>
+            <a:pPr algn="ctr"/>
+            <a:endParaRPr b="0" lang="en-US" sz="4400" spc="-1" strike="noStrike">
+              <a:solidFill>
+                <a:srgbClr val="000000"/>
+              </a:solidFill>
+              <a:uFill>
+                <a:solidFill>
+                  <a:srgbClr val="ffffff"/>
+                </a:solidFill>
+              </a:uFill>
+              <a:latin typeface="DejaVu Sans"/>
+            </a:endParaRPr>
+          </a:p>
+        </p:txBody>
+      </p:sp>
+      <p:sp>
+        <p:nvSpPr>
+          <p:cNvPr id="157" name="PlaceHolder 2"/>
+          <p:cNvSpPr>
+            <a:spLocks noGrp="1"/>
+          </p:cNvSpPr>
+          <p:nvPr>
+            <p:ph type="body"/>
+          </p:nvPr>
+        </p:nvSpPr>
+        <p:spPr>
+          <a:xfrm>
+            <a:off x="504000" y="1768680"/>
+            <a:ext cx="9072000" cy="4384080"/>
+          </a:xfrm>
+          <a:prstGeom prst="rect">
+            <a:avLst/>
+          </a:prstGeom>
+        </p:spPr>
+        <p:txBody>
+          <a:bodyPr lIns="0" rIns="0" tIns="0" bIns="0">
+            <a:normAutofit/>
+          </a:bodyPr>
+          <a:p>
+            <a:endParaRPr b="0" lang="en-US" sz="3200" spc="-1" strike="noStrike">
+              <a:solidFill>
+                <a:srgbClr val="000000"/>
+              </a:solidFill>
+              <a:uFill>
+                <a:solidFill>
+                  <a:srgbClr val="ffffff"/>
+                </a:solidFill>
+              </a:uFill>
+              <a:latin typeface="DejaVu Sans"/>
+            </a:endParaRPr>
+          </a:p>
+        </p:txBody>
+      </p:sp>
+    </p:spTree>
+  </p:cSld>
+</p:sldLayout>
+</file>
+
+<file path=ppt/slideLayouts/slideLayout52.xml><?xml version="1.0" encoding="utf-8"?>
+<p:sldLayout xmlns:a="http://schemas.openxmlformats.org/drawingml/2006/main" xmlns:p="http://schemas.openxmlformats.org/presentationml/2006/main" xmlns:r="http://schemas.openxmlformats.org/officeDocument/2006/relationships" xmlns:p14="http://schemas.microsoft.com/office/powerpoint/2010/main" xmlns:p15="http://schemas.microsoft.com/office/powerpoint/2012/main" xmlns:mc="http://schemas.openxmlformats.org/markup-compatibility/2006" type="twoObj" preserve="1">
+  <p:cSld name="Title, 2 Content">
+    <p:spTree>
+      <p:nvGrpSpPr>
+        <p:cNvPr id="1" name=""/>
+        <p:cNvGrpSpPr/>
+        <p:nvPr/>
+      </p:nvGrpSpPr>
+      <p:grpSpPr>
+        <a:xfrm>
+          <a:off x="0" y="0"/>
+          <a:ext cx="0" cy="0"/>
+          <a:chOff x="0" y="0"/>
+          <a:chExt cx="0" cy="0"/>
+        </a:xfrm>
+      </p:grpSpPr>
+      <p:sp>
+        <p:nvSpPr>
+          <p:cNvPr id="158" name="PlaceHolder 1"/>
+          <p:cNvSpPr>
+            <a:spLocks noGrp="1"/>
+          </p:cNvSpPr>
+          <p:nvPr>
+            <p:ph type="title"/>
+          </p:nvPr>
+        </p:nvSpPr>
+        <p:spPr>
+          <a:xfrm>
+            <a:off x="504000" y="301320"/>
+            <a:ext cx="9072000" cy="1261800"/>
+          </a:xfrm>
+          <a:prstGeom prst="rect">
+            <a:avLst/>
+          </a:prstGeom>
+        </p:spPr>
+        <p:txBody>
+          <a:bodyPr lIns="0" rIns="0" tIns="0" bIns="0" anchor="ctr"/>
+          <a:p>
+            <a:pPr algn="ctr"/>
+            <a:endParaRPr b="0" lang="en-US" sz="4400" spc="-1" strike="noStrike">
+              <a:solidFill>
+                <a:srgbClr val="000000"/>
+              </a:solidFill>
+              <a:uFill>
+                <a:solidFill>
+                  <a:srgbClr val="ffffff"/>
+                </a:solidFill>
+              </a:uFill>
+              <a:latin typeface="DejaVu Sans"/>
+            </a:endParaRPr>
+          </a:p>
+        </p:txBody>
+      </p:sp>
+      <p:sp>
+        <p:nvSpPr>
+          <p:cNvPr id="159" name="PlaceHolder 2"/>
+          <p:cNvSpPr>
+            <a:spLocks noGrp="1"/>
+          </p:cNvSpPr>
+          <p:nvPr>
+            <p:ph type="body"/>
+          </p:nvPr>
+        </p:nvSpPr>
+        <p:spPr>
+          <a:xfrm>
+            <a:off x="504000" y="1768680"/>
+            <a:ext cx="4426920" cy="4384080"/>
+          </a:xfrm>
+          <a:prstGeom prst="rect">
+            <a:avLst/>
+          </a:prstGeom>
+        </p:spPr>
+        <p:txBody>
+          <a:bodyPr lIns="0" rIns="0" tIns="0" bIns="0">
+            <a:normAutofit/>
+          </a:bodyPr>
+          <a:p>
+            <a:endParaRPr b="0" lang="en-US" sz="3200" spc="-1" strike="noStrike">
+              <a:solidFill>
+                <a:srgbClr val="000000"/>
+              </a:solidFill>
+              <a:uFill>
+                <a:solidFill>
+                  <a:srgbClr val="ffffff"/>
+                </a:solidFill>
+              </a:uFill>
+              <a:latin typeface="DejaVu Sans"/>
+            </a:endParaRPr>
+          </a:p>
+        </p:txBody>
+      </p:sp>
+      <p:sp>
+        <p:nvSpPr>
+          <p:cNvPr id="160" name="PlaceHolder 3"/>
+          <p:cNvSpPr>
+            <a:spLocks noGrp="1"/>
+          </p:cNvSpPr>
+          <p:nvPr>
+            <p:ph type="body"/>
+          </p:nvPr>
+        </p:nvSpPr>
+        <p:spPr>
+          <a:xfrm>
+            <a:off x="5152680" y="1768680"/>
+            <a:ext cx="4426920" cy="4384080"/>
+          </a:xfrm>
+          <a:prstGeom prst="rect">
+            <a:avLst/>
+          </a:prstGeom>
+        </p:spPr>
+        <p:txBody>
+          <a:bodyPr lIns="0" rIns="0" tIns="0" bIns="0">
+            <a:normAutofit/>
+          </a:bodyPr>
+          <a:p>
+            <a:endParaRPr b="0" lang="en-US" sz="3200" spc="-1" strike="noStrike">
+              <a:solidFill>
+                <a:srgbClr val="000000"/>
+              </a:solidFill>
+              <a:uFill>
+                <a:solidFill>
+                  <a:srgbClr val="ffffff"/>
+                </a:solidFill>
+              </a:uFill>
+              <a:latin typeface="DejaVu Sans"/>
+            </a:endParaRPr>
+          </a:p>
+        </p:txBody>
+      </p:sp>
+    </p:spTree>
+  </p:cSld>
+</p:sldLayout>
+</file>
+
+<file path=ppt/slideLayouts/slideLayout53.xml><?xml version="1.0" encoding="utf-8"?>
+<p:sldLayout xmlns:a="http://schemas.openxmlformats.org/drawingml/2006/main" xmlns:p="http://schemas.openxmlformats.org/presentationml/2006/main" xmlns:r="http://schemas.openxmlformats.org/officeDocument/2006/relationships" xmlns:p14="http://schemas.microsoft.com/office/powerpoint/2010/main" xmlns:p15="http://schemas.microsoft.com/office/powerpoint/2012/main" xmlns:mc="http://schemas.openxmlformats.org/markup-compatibility/2006" type="titleOnly" preserve="1">
+  <p:cSld name="Title Only">
+    <p:spTree>
+      <p:nvGrpSpPr>
+        <p:cNvPr id="1" name=""/>
+        <p:cNvGrpSpPr/>
+        <p:nvPr/>
+      </p:nvGrpSpPr>
+      <p:grpSpPr>
+        <a:xfrm>
+          <a:off x="0" y="0"/>
+          <a:ext cx="0" cy="0"/>
+          <a:chOff x="0" y="0"/>
+          <a:chExt cx="0" cy="0"/>
+        </a:xfrm>
+      </p:grpSpPr>
+      <p:sp>
+        <p:nvSpPr>
+          <p:cNvPr id="161" name="PlaceHolder 1"/>
+          <p:cNvSpPr>
+            <a:spLocks noGrp="1"/>
+          </p:cNvSpPr>
+          <p:nvPr>
+            <p:ph type="title"/>
+          </p:nvPr>
+        </p:nvSpPr>
+        <p:spPr>
+          <a:xfrm>
+            <a:off x="504000" y="301320"/>
+            <a:ext cx="9072000" cy="1261800"/>
+          </a:xfrm>
+          <a:prstGeom prst="rect">
+            <a:avLst/>
+          </a:prstGeom>
+        </p:spPr>
+        <p:txBody>
+          <a:bodyPr lIns="0" rIns="0" tIns="0" bIns="0" anchor="ctr"/>
+          <a:p>
+            <a:pPr algn="ctr"/>
+            <a:endParaRPr b="0" lang="en-US" sz="4400" spc="-1" strike="noStrike">
+              <a:solidFill>
+                <a:srgbClr val="000000"/>
+              </a:solidFill>
+              <a:uFill>
+                <a:solidFill>
+                  <a:srgbClr val="ffffff"/>
+                </a:solidFill>
+              </a:uFill>
+              <a:latin typeface="DejaVu Sans"/>
+            </a:endParaRPr>
+          </a:p>
+        </p:txBody>
+      </p:sp>
+    </p:spTree>
+  </p:cSld>
+</p:sldLayout>
+</file>
+
+<file path=ppt/slideLayouts/slideLayout54.xml><?xml version="1.0" encoding="utf-8"?>
+<p:sldLayout xmlns:a="http://schemas.openxmlformats.org/drawingml/2006/main" xmlns:p="http://schemas.openxmlformats.org/presentationml/2006/main" xmlns:r="http://schemas.openxmlformats.org/officeDocument/2006/relationships" xmlns:p14="http://schemas.microsoft.com/office/powerpoint/2010/main" xmlns:p15="http://schemas.microsoft.com/office/powerpoint/2012/main" xmlns:mc="http://schemas.openxmlformats.org/markup-compatibility/2006" type="objOnly" preserve="1">
+  <p:cSld name="Centered Text">
+    <p:spTree>
+      <p:nvGrpSpPr>
+        <p:cNvPr id="1" name=""/>
+        <p:cNvGrpSpPr/>
+        <p:nvPr/>
+      </p:nvGrpSpPr>
+      <p:grpSpPr>
+        <a:xfrm>
+          <a:off x="0" y="0"/>
+          <a:ext cx="0" cy="0"/>
+          <a:chOff x="0" y="0"/>
+          <a:chExt cx="0" cy="0"/>
+        </a:xfrm>
+      </p:grpSpPr>
+      <p:sp>
+        <p:nvSpPr>
+          <p:cNvPr id="162" name="PlaceHolder 1"/>
+          <p:cNvSpPr>
+            <a:spLocks noGrp="1"/>
+          </p:cNvSpPr>
+          <p:nvPr>
+            <p:ph type="subTitle"/>
+          </p:nvPr>
+        </p:nvSpPr>
+        <p:spPr>
+          <a:xfrm>
+            <a:off x="504000" y="301320"/>
+            <a:ext cx="9072000" cy="5850360"/>
+          </a:xfrm>
+          <a:prstGeom prst="rect">
+            <a:avLst/>
+          </a:prstGeom>
+        </p:spPr>
+        <p:txBody>
+          <a:bodyPr lIns="0" rIns="0" tIns="0" bIns="0" anchor="ctr"/>
+          <a:p>
+            <a:pPr algn="ctr"/>
+            <a:endParaRPr b="0" lang="en-US" sz="3200" spc="-1" strike="noStrike">
+              <a:solidFill>
+                <a:srgbClr val="000000"/>
+              </a:solidFill>
+              <a:uFill>
+                <a:solidFill>
+                  <a:srgbClr val="ffffff"/>
+                </a:solidFill>
+              </a:uFill>
+              <a:latin typeface="DejaVu Sans"/>
+            </a:endParaRPr>
+          </a:p>
+        </p:txBody>
+      </p:sp>
+    </p:spTree>
+  </p:cSld>
+</p:sldLayout>
+</file>
+
+<file path=ppt/slideLayouts/slideLayout55.xml><?xml version="1.0" encoding="utf-8"?>
+<p:sldLayout xmlns:a="http://schemas.openxmlformats.org/drawingml/2006/main" xmlns:p="http://schemas.openxmlformats.org/presentationml/2006/main" xmlns:r="http://schemas.openxmlformats.org/officeDocument/2006/relationships" xmlns:p14="http://schemas.microsoft.com/office/powerpoint/2010/main" xmlns:p15="http://schemas.microsoft.com/office/powerpoint/2012/main" xmlns:mc="http://schemas.openxmlformats.org/markup-compatibility/2006" type="twoObjAndObj" preserve="1">
+  <p:cSld name="Title, 2 Content and Content">
+    <p:spTree>
+      <p:nvGrpSpPr>
+        <p:cNvPr id="1" name=""/>
+        <p:cNvGrpSpPr/>
+        <p:nvPr/>
+      </p:nvGrpSpPr>
+      <p:grpSpPr>
+        <a:xfrm>
+          <a:off x="0" y="0"/>
+          <a:ext cx="0" cy="0"/>
+          <a:chOff x="0" y="0"/>
+          <a:chExt cx="0" cy="0"/>
+        </a:xfrm>
+      </p:grpSpPr>
+      <p:sp>
+        <p:nvSpPr>
+          <p:cNvPr id="163" name="PlaceHolder 1"/>
+          <p:cNvSpPr>
+            <a:spLocks noGrp="1"/>
+          </p:cNvSpPr>
+          <p:nvPr>
+            <p:ph type="title"/>
+          </p:nvPr>
+        </p:nvSpPr>
+        <p:spPr>
+          <a:xfrm>
+            <a:off x="504000" y="301320"/>
+            <a:ext cx="9072000" cy="1261800"/>
+          </a:xfrm>
+          <a:prstGeom prst="rect">
+            <a:avLst/>
+          </a:prstGeom>
+        </p:spPr>
+        <p:txBody>
+          <a:bodyPr lIns="0" rIns="0" tIns="0" bIns="0" anchor="ctr"/>
+          <a:p>
+            <a:pPr algn="ctr"/>
+            <a:endParaRPr b="0" lang="en-US" sz="4400" spc="-1" strike="noStrike">
+              <a:solidFill>
+                <a:srgbClr val="000000"/>
+              </a:solidFill>
+              <a:uFill>
+                <a:solidFill>
+                  <a:srgbClr val="ffffff"/>
+                </a:solidFill>
+              </a:uFill>
+              <a:latin typeface="DejaVu Sans"/>
+            </a:endParaRPr>
+          </a:p>
+        </p:txBody>
+      </p:sp>
+      <p:sp>
+        <p:nvSpPr>
+          <p:cNvPr id="164" name="PlaceHolder 2"/>
+          <p:cNvSpPr>
+            <a:spLocks noGrp="1"/>
+          </p:cNvSpPr>
+          <p:nvPr>
+            <p:ph type="body"/>
+          </p:nvPr>
+        </p:nvSpPr>
+        <p:spPr>
+          <a:xfrm>
+            <a:off x="504000" y="1768680"/>
+            <a:ext cx="4426920" cy="2090880"/>
+          </a:xfrm>
+          <a:prstGeom prst="rect">
+            <a:avLst/>
+          </a:prstGeom>
+        </p:spPr>
+        <p:txBody>
+          <a:bodyPr lIns="0" rIns="0" tIns="0" bIns="0">
+            <a:normAutofit/>
+          </a:bodyPr>
+          <a:p>
+            <a:endParaRPr b="0" lang="en-US" sz="3200" spc="-1" strike="noStrike">
+              <a:solidFill>
+                <a:srgbClr val="000000"/>
+              </a:solidFill>
+              <a:uFill>
+                <a:solidFill>
+                  <a:srgbClr val="ffffff"/>
+                </a:solidFill>
+              </a:uFill>
+              <a:latin typeface="DejaVu Sans"/>
+            </a:endParaRPr>
+          </a:p>
+        </p:txBody>
+      </p:sp>
+      <p:sp>
+        <p:nvSpPr>
+          <p:cNvPr id="165" name="PlaceHolder 3"/>
+          <p:cNvSpPr>
+            <a:spLocks noGrp="1"/>
+          </p:cNvSpPr>
+          <p:nvPr>
+            <p:ph type="body"/>
+          </p:nvPr>
+        </p:nvSpPr>
+        <p:spPr>
+          <a:xfrm>
+            <a:off x="504000" y="4058640"/>
+            <a:ext cx="4426920" cy="2090880"/>
+          </a:xfrm>
+          <a:prstGeom prst="rect">
+            <a:avLst/>
+          </a:prstGeom>
+        </p:spPr>
+        <p:txBody>
+          <a:bodyPr lIns="0" rIns="0" tIns="0" bIns="0">
+            <a:normAutofit/>
+          </a:bodyPr>
+          <a:p>
+            <a:endParaRPr b="0" lang="en-US" sz="3200" spc="-1" strike="noStrike">
+              <a:solidFill>
+                <a:srgbClr val="000000"/>
+              </a:solidFill>
+              <a:uFill>
+                <a:solidFill>
+                  <a:srgbClr val="ffffff"/>
+                </a:solidFill>
+              </a:uFill>
+              <a:latin typeface="DejaVu Sans"/>
+            </a:endParaRPr>
+          </a:p>
+        </p:txBody>
+      </p:sp>
+      <p:sp>
+        <p:nvSpPr>
+          <p:cNvPr id="166" name="PlaceHolder 4"/>
+          <p:cNvSpPr>
+            <a:spLocks noGrp="1"/>
+          </p:cNvSpPr>
+          <p:nvPr>
+            <p:ph type="body"/>
+          </p:nvPr>
+        </p:nvSpPr>
+        <p:spPr>
+          <a:xfrm>
+            <a:off x="5152680" y="1768680"/>
+            <a:ext cx="4426920" cy="4384080"/>
+          </a:xfrm>
+          <a:prstGeom prst="rect">
+            <a:avLst/>
+          </a:prstGeom>
+        </p:spPr>
+        <p:txBody>
+          <a:bodyPr lIns="0" rIns="0" tIns="0" bIns="0">
+            <a:normAutofit/>
+          </a:bodyPr>
+          <a:p>
+            <a:endParaRPr b="0" lang="en-US" sz="3200" spc="-1" strike="noStrike">
+              <a:solidFill>
+                <a:srgbClr val="000000"/>
+              </a:solidFill>
+              <a:uFill>
+                <a:solidFill>
+                  <a:srgbClr val="ffffff"/>
+                </a:solidFill>
+              </a:uFill>
+              <a:latin typeface="DejaVu Sans"/>
+            </a:endParaRPr>
+          </a:p>
+        </p:txBody>
+      </p:sp>
+    </p:spTree>
+  </p:cSld>
+</p:sldLayout>
+</file>
+
+<file path=ppt/slideLayouts/slideLayout56.xml><?xml version="1.0" encoding="utf-8"?>
+<p:sldLayout xmlns:a="http://schemas.openxmlformats.org/drawingml/2006/main" xmlns:p="http://schemas.openxmlformats.org/presentationml/2006/main" xmlns:r="http://schemas.openxmlformats.org/officeDocument/2006/relationships" xmlns:p14="http://schemas.microsoft.com/office/powerpoint/2010/main" xmlns:p15="http://schemas.microsoft.com/office/powerpoint/2012/main" xmlns:mc="http://schemas.openxmlformats.org/markup-compatibility/2006" type="objAndTwoObj" preserve="1">
+  <p:cSld name="Title Content and 2 Content">
+    <p:spTree>
+      <p:nvGrpSpPr>
+        <p:cNvPr id="1" name=""/>
+        <p:cNvGrpSpPr/>
+        <p:nvPr/>
+      </p:nvGrpSpPr>
+      <p:grpSpPr>
+        <a:xfrm>
+          <a:off x="0" y="0"/>
+          <a:ext cx="0" cy="0"/>
+          <a:chOff x="0" y="0"/>
+          <a:chExt cx="0" cy="0"/>
+        </a:xfrm>
+      </p:grpSpPr>
+      <p:sp>
+        <p:nvSpPr>
+          <p:cNvPr id="167" name="PlaceHolder 1"/>
+          <p:cNvSpPr>
+            <a:spLocks noGrp="1"/>
+          </p:cNvSpPr>
+          <p:nvPr>
+            <p:ph type="title"/>
+          </p:nvPr>
+        </p:nvSpPr>
+        <p:spPr>
+          <a:xfrm>
+            <a:off x="504000" y="301320"/>
+            <a:ext cx="9072000" cy="1261800"/>
+          </a:xfrm>
+          <a:prstGeom prst="rect">
+            <a:avLst/>
+          </a:prstGeom>
+        </p:spPr>
+        <p:txBody>
+          <a:bodyPr lIns="0" rIns="0" tIns="0" bIns="0" anchor="ctr"/>
+          <a:p>
+            <a:pPr algn="ctr"/>
+            <a:endParaRPr b="0" lang="en-US" sz="4400" spc="-1" strike="noStrike">
+              <a:solidFill>
+                <a:srgbClr val="000000"/>
+              </a:solidFill>
+              <a:uFill>
+                <a:solidFill>
+                  <a:srgbClr val="ffffff"/>
+                </a:solidFill>
+              </a:uFill>
+              <a:latin typeface="DejaVu Sans"/>
+            </a:endParaRPr>
+          </a:p>
+        </p:txBody>
+      </p:sp>
+      <p:sp>
+        <p:nvSpPr>
+          <p:cNvPr id="168" name="PlaceHolder 2"/>
+          <p:cNvSpPr>
+            <a:spLocks noGrp="1"/>
+          </p:cNvSpPr>
+          <p:nvPr>
+            <p:ph type="body"/>
+          </p:nvPr>
+        </p:nvSpPr>
+        <p:spPr>
+          <a:xfrm>
+            <a:off x="504000" y="1768680"/>
+            <a:ext cx="4426920" cy="4384080"/>
+          </a:xfrm>
+          <a:prstGeom prst="rect">
+            <a:avLst/>
+          </a:prstGeom>
+        </p:spPr>
+        <p:txBody>
+          <a:bodyPr lIns="0" rIns="0" tIns="0" bIns="0">
+            <a:normAutofit/>
+          </a:bodyPr>
+          <a:p>
+            <a:endParaRPr b="0" lang="en-US" sz="3200" spc="-1" strike="noStrike">
+              <a:solidFill>
+                <a:srgbClr val="000000"/>
+              </a:solidFill>
+              <a:uFill>
+                <a:solidFill>
+                  <a:srgbClr val="ffffff"/>
+                </a:solidFill>
+              </a:uFill>
+              <a:latin typeface="DejaVu Sans"/>
+            </a:endParaRPr>
+          </a:p>
+        </p:txBody>
+      </p:sp>
+      <p:sp>
+        <p:nvSpPr>
+          <p:cNvPr id="169" name="PlaceHolder 3"/>
+          <p:cNvSpPr>
+            <a:spLocks noGrp="1"/>
+          </p:cNvSpPr>
+          <p:nvPr>
+            <p:ph type="body"/>
+          </p:nvPr>
+        </p:nvSpPr>
+        <p:spPr>
+          <a:xfrm>
+            <a:off x="5152680" y="1768680"/>
+            <a:ext cx="4426920" cy="2090880"/>
+          </a:xfrm>
+          <a:prstGeom prst="rect">
+            <a:avLst/>
+          </a:prstGeom>
+        </p:spPr>
+        <p:txBody>
+          <a:bodyPr lIns="0" rIns="0" tIns="0" bIns="0">
+            <a:normAutofit/>
+          </a:bodyPr>
+          <a:p>
+            <a:endParaRPr b="0" lang="en-US" sz="3200" spc="-1" strike="noStrike">
+              <a:solidFill>
+                <a:srgbClr val="000000"/>
+              </a:solidFill>
+              <a:uFill>
+                <a:solidFill>
+                  <a:srgbClr val="ffffff"/>
+                </a:solidFill>
+              </a:uFill>
+              <a:latin typeface="DejaVu Sans"/>
+            </a:endParaRPr>
+          </a:p>
+        </p:txBody>
+      </p:sp>
+      <p:sp>
+        <p:nvSpPr>
+          <p:cNvPr id="170" name="PlaceHolder 4"/>
+          <p:cNvSpPr>
+            <a:spLocks noGrp="1"/>
+          </p:cNvSpPr>
+          <p:nvPr>
+            <p:ph type="body"/>
+          </p:nvPr>
+        </p:nvSpPr>
+        <p:spPr>
+          <a:xfrm>
+            <a:off x="5152680" y="4058640"/>
+            <a:ext cx="4426920" cy="2090880"/>
+          </a:xfrm>
+          <a:prstGeom prst="rect">
+            <a:avLst/>
+          </a:prstGeom>
+        </p:spPr>
+        <p:txBody>
+          <a:bodyPr lIns="0" rIns="0" tIns="0" bIns="0">
+            <a:normAutofit/>
+          </a:bodyPr>
+          <a:p>
+            <a:endParaRPr b="0" lang="en-US" sz="3200" spc="-1" strike="noStrike">
+              <a:solidFill>
+                <a:srgbClr val="000000"/>
+              </a:solidFill>
+              <a:uFill>
+                <a:solidFill>
+                  <a:srgbClr val="ffffff"/>
+                </a:solidFill>
+              </a:uFill>
+              <a:latin typeface="DejaVu Sans"/>
+            </a:endParaRPr>
+          </a:p>
+        </p:txBody>
+      </p:sp>
+    </p:spTree>
+  </p:cSld>
+</p:sldLayout>
+</file>
+
+<file path=ppt/slideLayouts/slideLayout57.xml><?xml version="1.0" encoding="utf-8"?>
+<p:sldLayout xmlns:a="http://schemas.openxmlformats.org/drawingml/2006/main" xmlns:p="http://schemas.openxmlformats.org/presentationml/2006/main" xmlns:r="http://schemas.openxmlformats.org/officeDocument/2006/relationships" xmlns:p14="http://schemas.microsoft.com/office/powerpoint/2010/main" xmlns:p15="http://schemas.microsoft.com/office/powerpoint/2012/main" xmlns:mc="http://schemas.openxmlformats.org/markup-compatibility/2006" type="twoObjOverTx" preserve="1">
+  <p:cSld name="Title, 2 Content over Content">
+    <p:spTree>
+      <p:nvGrpSpPr>
+        <p:cNvPr id="1" name=""/>
+        <p:cNvGrpSpPr/>
+        <p:nvPr/>
+      </p:nvGrpSpPr>
+      <p:grpSpPr>
+        <a:xfrm>
+          <a:off x="0" y="0"/>
+          <a:ext cx="0" cy="0"/>
+          <a:chOff x="0" y="0"/>
+          <a:chExt cx="0" cy="0"/>
+        </a:xfrm>
+      </p:grpSpPr>
+      <p:sp>
+        <p:nvSpPr>
+          <p:cNvPr id="171" name="PlaceHolder 1"/>
+          <p:cNvSpPr>
+            <a:spLocks noGrp="1"/>
+          </p:cNvSpPr>
+          <p:nvPr>
+            <p:ph type="title"/>
+          </p:nvPr>
+        </p:nvSpPr>
+        <p:spPr>
+          <a:xfrm>
+            <a:off x="504000" y="301320"/>
+            <a:ext cx="9072000" cy="1261800"/>
+          </a:xfrm>
+          <a:prstGeom prst="rect">
+            <a:avLst/>
+          </a:prstGeom>
+        </p:spPr>
+        <p:txBody>
+          <a:bodyPr lIns="0" rIns="0" tIns="0" bIns="0" anchor="ctr"/>
+          <a:p>
+            <a:pPr algn="ctr"/>
+            <a:endParaRPr b="0" lang="en-US" sz="4400" spc="-1" strike="noStrike">
+              <a:solidFill>
+                <a:srgbClr val="000000"/>
+              </a:solidFill>
+              <a:uFill>
+                <a:solidFill>
+                  <a:srgbClr val="ffffff"/>
+                </a:solidFill>
+              </a:uFill>
+              <a:latin typeface="DejaVu Sans"/>
+            </a:endParaRPr>
+          </a:p>
+        </p:txBody>
+      </p:sp>
+      <p:sp>
+        <p:nvSpPr>
+          <p:cNvPr id="172" name="PlaceHolder 2"/>
+          <p:cNvSpPr>
+            <a:spLocks noGrp="1"/>
+          </p:cNvSpPr>
+          <p:nvPr>
+            <p:ph type="body"/>
+          </p:nvPr>
+        </p:nvSpPr>
+        <p:spPr>
+          <a:xfrm>
+            <a:off x="504000" y="1768680"/>
+            <a:ext cx="4426920" cy="2090880"/>
+          </a:xfrm>
+          <a:prstGeom prst="rect">
+            <a:avLst/>
+          </a:prstGeom>
+        </p:spPr>
+        <p:txBody>
+          <a:bodyPr lIns="0" rIns="0" tIns="0" bIns="0">
+            <a:normAutofit/>
+          </a:bodyPr>
+          <a:p>
+            <a:endParaRPr b="0" lang="en-US" sz="3200" spc="-1" strike="noStrike">
+              <a:solidFill>
+                <a:srgbClr val="000000"/>
+              </a:solidFill>
+              <a:uFill>
+                <a:solidFill>
+                  <a:srgbClr val="ffffff"/>
+                </a:solidFill>
+              </a:uFill>
+              <a:latin typeface="DejaVu Sans"/>
+            </a:endParaRPr>
+          </a:p>
+        </p:txBody>
+      </p:sp>
+      <p:sp>
+        <p:nvSpPr>
+          <p:cNvPr id="173" name="PlaceHolder 3"/>
+          <p:cNvSpPr>
+            <a:spLocks noGrp="1"/>
+          </p:cNvSpPr>
+          <p:nvPr>
+            <p:ph type="body"/>
+          </p:nvPr>
+        </p:nvSpPr>
+        <p:spPr>
+          <a:xfrm>
+            <a:off x="5152680" y="1768680"/>
+            <a:ext cx="4426920" cy="2090880"/>
+          </a:xfrm>
+          <a:prstGeom prst="rect">
+            <a:avLst/>
+          </a:prstGeom>
+        </p:spPr>
+        <p:txBody>
+          <a:bodyPr lIns="0" rIns="0" tIns="0" bIns="0">
+            <a:normAutofit/>
+          </a:bodyPr>
+          <a:p>
+            <a:endParaRPr b="0" lang="en-US" sz="3200" spc="-1" strike="noStrike">
+              <a:solidFill>
+                <a:srgbClr val="000000"/>
+              </a:solidFill>
+              <a:uFill>
+                <a:solidFill>
+                  <a:srgbClr val="ffffff"/>
+                </a:solidFill>
+              </a:uFill>
+              <a:latin typeface="DejaVu Sans"/>
+            </a:endParaRPr>
+          </a:p>
+        </p:txBody>
+      </p:sp>
+      <p:sp>
+        <p:nvSpPr>
+          <p:cNvPr id="174" name="PlaceHolder 4"/>
+          <p:cNvSpPr>
+            <a:spLocks noGrp="1"/>
+          </p:cNvSpPr>
+          <p:nvPr>
+            <p:ph type="body"/>
+          </p:nvPr>
+        </p:nvSpPr>
+        <p:spPr>
+          <a:xfrm>
+            <a:off x="504000" y="4058640"/>
+            <a:ext cx="9072000" cy="2090880"/>
+          </a:xfrm>
+          <a:prstGeom prst="rect">
+            <a:avLst/>
+          </a:prstGeom>
+        </p:spPr>
+        <p:txBody>
+          <a:bodyPr lIns="0" rIns="0" tIns="0" bIns="0">
+            <a:normAutofit/>
+          </a:bodyPr>
+          <a:p>
+            <a:endParaRPr b="0" lang="en-US" sz="3200" spc="-1" strike="noStrike">
+              <a:solidFill>
+                <a:srgbClr val="000000"/>
+              </a:solidFill>
+              <a:uFill>
+                <a:solidFill>
+                  <a:srgbClr val="ffffff"/>
+                </a:solidFill>
+              </a:uFill>
+              <a:latin typeface="DejaVu Sans"/>
+            </a:endParaRPr>
+          </a:p>
+        </p:txBody>
+      </p:sp>
+    </p:spTree>
+  </p:cSld>
+</p:sldLayout>
+</file>
+
+<file path=ppt/slideLayouts/slideLayout58.xml><?xml version="1.0" encoding="utf-8"?>
+<p:sldLayout xmlns:a="http://schemas.openxmlformats.org/drawingml/2006/main" xmlns:p="http://schemas.openxmlformats.org/presentationml/2006/main" xmlns:r="http://schemas.openxmlformats.org/officeDocument/2006/relationships" xmlns:p14="http://schemas.microsoft.com/office/powerpoint/2010/main" xmlns:p15="http://schemas.microsoft.com/office/powerpoint/2012/main" xmlns:mc="http://schemas.openxmlformats.org/markup-compatibility/2006" type="objOverTx" preserve="1">
+  <p:cSld name="Title, Content over Content">
+    <p:spTree>
+      <p:nvGrpSpPr>
+        <p:cNvPr id="1" name=""/>
+        <p:cNvGrpSpPr/>
+        <p:nvPr/>
+      </p:nvGrpSpPr>
+      <p:grpSpPr>
+        <a:xfrm>
+          <a:off x="0" y="0"/>
+          <a:ext cx="0" cy="0"/>
+          <a:chOff x="0" y="0"/>
+          <a:chExt cx="0" cy="0"/>
+        </a:xfrm>
+      </p:grpSpPr>
+      <p:sp>
+        <p:nvSpPr>
+          <p:cNvPr id="175" name="PlaceHolder 1"/>
+          <p:cNvSpPr>
+            <a:spLocks noGrp="1"/>
+          </p:cNvSpPr>
+          <p:nvPr>
+            <p:ph type="title"/>
+          </p:nvPr>
+        </p:nvSpPr>
+        <p:spPr>
+          <a:xfrm>
+            <a:off x="504000" y="301320"/>
+            <a:ext cx="9072000" cy="1261800"/>
+          </a:xfrm>
+          <a:prstGeom prst="rect">
+            <a:avLst/>
+          </a:prstGeom>
+        </p:spPr>
+        <p:txBody>
+          <a:bodyPr lIns="0" rIns="0" tIns="0" bIns="0" anchor="ctr"/>
+          <a:p>
+            <a:pPr algn="ctr"/>
+            <a:endParaRPr b="0" lang="en-US" sz="4400" spc="-1" strike="noStrike">
+              <a:solidFill>
+                <a:srgbClr val="000000"/>
+              </a:solidFill>
+              <a:uFill>
+                <a:solidFill>
+                  <a:srgbClr val="ffffff"/>
+                </a:solidFill>
+              </a:uFill>
+              <a:latin typeface="DejaVu Sans"/>
+            </a:endParaRPr>
+          </a:p>
+        </p:txBody>
+      </p:sp>
+      <p:sp>
+        <p:nvSpPr>
+          <p:cNvPr id="176" name="PlaceHolder 2"/>
+          <p:cNvSpPr>
+            <a:spLocks noGrp="1"/>
+          </p:cNvSpPr>
+          <p:nvPr>
+            <p:ph type="body"/>
+          </p:nvPr>
+        </p:nvSpPr>
+        <p:spPr>
+          <a:xfrm>
+            <a:off x="504000" y="1768680"/>
+            <a:ext cx="9072000" cy="2090880"/>
+          </a:xfrm>
+          <a:prstGeom prst="rect">
+            <a:avLst/>
+          </a:prstGeom>
+        </p:spPr>
+        <p:txBody>
+          <a:bodyPr lIns="0" rIns="0" tIns="0" bIns="0">
+            <a:normAutofit/>
+          </a:bodyPr>
+          <a:p>
+            <a:endParaRPr b="0" lang="en-US" sz="3200" spc="-1" strike="noStrike">
+              <a:solidFill>
+                <a:srgbClr val="000000"/>
+              </a:solidFill>
+              <a:uFill>
+                <a:solidFill>
+                  <a:srgbClr val="ffffff"/>
+                </a:solidFill>
+              </a:uFill>
+              <a:latin typeface="DejaVu Sans"/>
+            </a:endParaRPr>
+          </a:p>
+        </p:txBody>
+      </p:sp>
+      <p:sp>
+        <p:nvSpPr>
+          <p:cNvPr id="177" name="PlaceHolder 3"/>
+          <p:cNvSpPr>
+            <a:spLocks noGrp="1"/>
+          </p:cNvSpPr>
+          <p:nvPr>
+            <p:ph type="body"/>
+          </p:nvPr>
+        </p:nvSpPr>
+        <p:spPr>
+          <a:xfrm>
+            <a:off x="504000" y="4058640"/>
+            <a:ext cx="9072000" cy="2090880"/>
+          </a:xfrm>
+          <a:prstGeom prst="rect">
+            <a:avLst/>
+          </a:prstGeom>
+        </p:spPr>
+        <p:txBody>
+          <a:bodyPr lIns="0" rIns="0" tIns="0" bIns="0">
+            <a:normAutofit/>
+          </a:bodyPr>
+          <a:p>
+            <a:endParaRPr b="0" lang="en-US" sz="3200" spc="-1" strike="noStrike">
+              <a:solidFill>
+                <a:srgbClr val="000000"/>
+              </a:solidFill>
+              <a:uFill>
+                <a:solidFill>
+                  <a:srgbClr val="ffffff"/>
+                </a:solidFill>
+              </a:uFill>
+              <a:latin typeface="DejaVu Sans"/>
+            </a:endParaRPr>
+          </a:p>
+        </p:txBody>
+      </p:sp>
+    </p:spTree>
+  </p:cSld>
+</p:sldLayout>
+</file>
+
+<file path=ppt/slideLayouts/slideLayout59.xml><?xml version="1.0" encoding="utf-8"?>
+<p:sldLayout xmlns:a="http://schemas.openxmlformats.org/drawingml/2006/main" xmlns:p="http://schemas.openxmlformats.org/presentationml/2006/main" xmlns:r="http://schemas.openxmlformats.org/officeDocument/2006/relationships" xmlns:p14="http://schemas.microsoft.com/office/powerpoint/2010/main" xmlns:p15="http://schemas.microsoft.com/office/powerpoint/2012/main" xmlns:mc="http://schemas.openxmlformats.org/markup-compatibility/2006" type="fourObj" preserve="1">
+  <p:cSld name="Title, 4 Content">
+    <p:spTree>
+      <p:nvGrpSpPr>
+        <p:cNvPr id="1" name=""/>
+        <p:cNvGrpSpPr/>
+        <p:nvPr/>
+      </p:nvGrpSpPr>
+      <p:grpSpPr>
+        <a:xfrm>
+          <a:off x="0" y="0"/>
+          <a:ext cx="0" cy="0"/>
+          <a:chOff x="0" y="0"/>
+          <a:chExt cx="0" cy="0"/>
+        </a:xfrm>
+      </p:grpSpPr>
+      <p:sp>
+        <p:nvSpPr>
+          <p:cNvPr id="178" name="PlaceHolder 1"/>
+          <p:cNvSpPr>
+            <a:spLocks noGrp="1"/>
+          </p:cNvSpPr>
+          <p:nvPr>
+            <p:ph type="title"/>
+          </p:nvPr>
+        </p:nvSpPr>
+        <p:spPr>
+          <a:xfrm>
+            <a:off x="504000" y="301320"/>
+            <a:ext cx="9072000" cy="1261800"/>
+          </a:xfrm>
+          <a:prstGeom prst="rect">
+            <a:avLst/>
+          </a:prstGeom>
+        </p:spPr>
+        <p:txBody>
+          <a:bodyPr lIns="0" rIns="0" tIns="0" bIns="0" anchor="ctr"/>
+          <a:p>
+            <a:pPr algn="ctr"/>
+            <a:endParaRPr b="0" lang="en-US" sz="4400" spc="-1" strike="noStrike">
+              <a:solidFill>
+                <a:srgbClr val="000000"/>
+              </a:solidFill>
+              <a:uFill>
+                <a:solidFill>
+                  <a:srgbClr val="ffffff"/>
+                </a:solidFill>
+              </a:uFill>
+              <a:latin typeface="DejaVu Sans"/>
+            </a:endParaRPr>
+          </a:p>
+        </p:txBody>
+      </p:sp>
+      <p:sp>
+        <p:nvSpPr>
+          <p:cNvPr id="179" name="PlaceHolder 2"/>
+          <p:cNvSpPr>
+            <a:spLocks noGrp="1"/>
+          </p:cNvSpPr>
+          <p:nvPr>
+            <p:ph type="body"/>
+          </p:nvPr>
+        </p:nvSpPr>
+        <p:spPr>
+          <a:xfrm>
+            <a:off x="504000" y="1768680"/>
+            <a:ext cx="4426920" cy="2090880"/>
+          </a:xfrm>
+          <a:prstGeom prst="rect">
+            <a:avLst/>
+          </a:prstGeom>
+        </p:spPr>
+        <p:txBody>
+          <a:bodyPr lIns="0" rIns="0" tIns="0" bIns="0">
+            <a:normAutofit/>
+          </a:bodyPr>
+          <a:p>
+            <a:endParaRPr b="0" lang="en-US" sz="3200" spc="-1" strike="noStrike">
+              <a:solidFill>
+                <a:srgbClr val="000000"/>
+              </a:solidFill>
+              <a:uFill>
+                <a:solidFill>
+                  <a:srgbClr val="ffffff"/>
+                </a:solidFill>
+              </a:uFill>
+              <a:latin typeface="DejaVu Sans"/>
+            </a:endParaRPr>
+          </a:p>
+        </p:txBody>
+      </p:sp>
+      <p:sp>
+        <p:nvSpPr>
+          <p:cNvPr id="180" name="PlaceHolder 3"/>
+          <p:cNvSpPr>
+            <a:spLocks noGrp="1"/>
+          </p:cNvSpPr>
+          <p:nvPr>
+            <p:ph type="body"/>
+          </p:nvPr>
+        </p:nvSpPr>
+        <p:spPr>
+          <a:xfrm>
+            <a:off x="5152680" y="1768680"/>
+            <a:ext cx="4426920" cy="2090880"/>
+          </a:xfrm>
+          <a:prstGeom prst="rect">
+            <a:avLst/>
+          </a:prstGeom>
+        </p:spPr>
+        <p:txBody>
+          <a:bodyPr lIns="0" rIns="0" tIns="0" bIns="0">
+            <a:normAutofit/>
+          </a:bodyPr>
+          <a:p>
+            <a:endParaRPr b="0" lang="en-US" sz="3200" spc="-1" strike="noStrike">
+              <a:solidFill>
+                <a:srgbClr val="000000"/>
+              </a:solidFill>
+              <a:uFill>
+                <a:solidFill>
+                  <a:srgbClr val="ffffff"/>
+                </a:solidFill>
+              </a:uFill>
+              <a:latin typeface="DejaVu Sans"/>
+            </a:endParaRPr>
+          </a:p>
+        </p:txBody>
+      </p:sp>
+      <p:sp>
+        <p:nvSpPr>
+          <p:cNvPr id="181" name="PlaceHolder 4"/>
+          <p:cNvSpPr>
+            <a:spLocks noGrp="1"/>
+          </p:cNvSpPr>
+          <p:nvPr>
+            <p:ph type="body"/>
+          </p:nvPr>
+        </p:nvSpPr>
+        <p:spPr>
+          <a:xfrm>
+            <a:off x="5152680" y="4058640"/>
+            <a:ext cx="4426920" cy="2090880"/>
+          </a:xfrm>
+          <a:prstGeom prst="rect">
+            <a:avLst/>
+          </a:prstGeom>
+        </p:spPr>
+        <p:txBody>
+          <a:bodyPr lIns="0" rIns="0" tIns="0" bIns="0">
+            <a:normAutofit/>
+          </a:bodyPr>
+          <a:p>
+            <a:endParaRPr b="0" lang="en-US" sz="3200" spc="-1" strike="noStrike">
+              <a:solidFill>
+                <a:srgbClr val="000000"/>
+              </a:solidFill>
+              <a:uFill>
+                <a:solidFill>
+                  <a:srgbClr val="ffffff"/>
+                </a:solidFill>
+              </a:uFill>
+              <a:latin typeface="DejaVu Sans"/>
+            </a:endParaRPr>
+          </a:p>
+        </p:txBody>
+      </p:sp>
+      <p:sp>
+        <p:nvSpPr>
+          <p:cNvPr id="182" name="PlaceHolder 5"/>
+          <p:cNvSpPr>
+            <a:spLocks noGrp="1"/>
+          </p:cNvSpPr>
+          <p:nvPr>
+            <p:ph type="body"/>
+          </p:nvPr>
+        </p:nvSpPr>
+        <p:spPr>
+          <a:xfrm>
+            <a:off x="504000" y="4058640"/>
+            <a:ext cx="4426920" cy="2090880"/>
+          </a:xfrm>
+          <a:prstGeom prst="rect">
+            <a:avLst/>
+          </a:prstGeom>
+        </p:spPr>
+        <p:txBody>
+          <a:bodyPr lIns="0" rIns="0" tIns="0" bIns="0">
+            <a:normAutofit/>
+          </a:bodyPr>
+          <a:p>
+            <a:endParaRPr b="0" lang="en-US" sz="3200" spc="-1" strike="noStrike">
+              <a:solidFill>
+                <a:srgbClr val="000000"/>
+              </a:solidFill>
+              <a:uFill>
+                <a:solidFill>
+                  <a:srgbClr val="ffffff"/>
+                </a:solidFill>
+              </a:uFill>
+              <a:latin typeface="DejaVu Sans"/>
+            </a:endParaRPr>
+          </a:p>
+        </p:txBody>
+      </p:sp>
+    </p:spTree>
+  </p:cSld>
+</p:sldLayout>
+</file>
+
 <file path=ppt/slideLayouts/slideLayout6.xml><?xml version="1.0" encoding="utf-8"?>
 <p:sldLayout xmlns:a="http://schemas.openxmlformats.org/drawingml/2006/main" xmlns:p="http://schemas.openxmlformats.org/presentationml/2006/main" xmlns:r="http://schemas.openxmlformats.org/officeDocument/2006/relationships" xmlns:p14="http://schemas.microsoft.com/office/powerpoint/2010/main" xmlns:p15="http://schemas.microsoft.com/office/powerpoint/2012/main" xmlns:mc="http://schemas.openxmlformats.org/markup-compatibility/2006" type="objOnly" preserve="1">
   <p:cSld name="Centered Text">
@@ -4355,6 +7310,1280 @@
           <a:bodyPr lIns="0" rIns="0" tIns="0" bIns="0" anchor="ctr"/>
           <a:p>
             <a:pPr algn="ctr"/>
+            <a:endParaRPr b="0" lang="en-US" sz="3200" spc="-1" strike="noStrike">
+              <a:solidFill>
+                <a:srgbClr val="000000"/>
+              </a:solidFill>
+              <a:uFill>
+                <a:solidFill>
+                  <a:srgbClr val="ffffff"/>
+                </a:solidFill>
+              </a:uFill>
+              <a:latin typeface="DejaVu Sans"/>
+            </a:endParaRPr>
+          </a:p>
+        </p:txBody>
+      </p:sp>
+    </p:spTree>
+  </p:cSld>
+</p:sldLayout>
+</file>
+
+<file path=ppt/slideLayouts/slideLayout60.xml><?xml version="1.0" encoding="utf-8"?>
+<p:sldLayout xmlns:a="http://schemas.openxmlformats.org/drawingml/2006/main" xmlns:p="http://schemas.openxmlformats.org/presentationml/2006/main" xmlns:r="http://schemas.openxmlformats.org/officeDocument/2006/relationships" xmlns:p14="http://schemas.microsoft.com/office/powerpoint/2010/main" xmlns:p15="http://schemas.microsoft.com/office/powerpoint/2012/main" xmlns:mc="http://schemas.openxmlformats.org/markup-compatibility/2006" type="blank" preserve="1">
+  <p:cSld name="Title, 6 Content">
+    <p:spTree>
+      <p:nvGrpSpPr>
+        <p:cNvPr id="1" name=""/>
+        <p:cNvGrpSpPr/>
+        <p:nvPr/>
+      </p:nvGrpSpPr>
+      <p:grpSpPr>
+        <a:xfrm>
+          <a:off x="0" y="0"/>
+          <a:ext cx="0" cy="0"/>
+          <a:chOff x="0" y="0"/>
+          <a:chExt cx="0" cy="0"/>
+        </a:xfrm>
+      </p:grpSpPr>
+      <p:sp>
+        <p:nvSpPr>
+          <p:cNvPr id="183" name="PlaceHolder 1"/>
+          <p:cNvSpPr>
+            <a:spLocks noGrp="1"/>
+          </p:cNvSpPr>
+          <p:nvPr>
+            <p:ph type="title"/>
+          </p:nvPr>
+        </p:nvSpPr>
+        <p:spPr>
+          <a:xfrm>
+            <a:off x="504000" y="301320"/>
+            <a:ext cx="9072000" cy="1261800"/>
+          </a:xfrm>
+          <a:prstGeom prst="rect">
+            <a:avLst/>
+          </a:prstGeom>
+        </p:spPr>
+        <p:txBody>
+          <a:bodyPr lIns="0" rIns="0" tIns="0" bIns="0" anchor="ctr"/>
+          <a:p>
+            <a:pPr algn="ctr"/>
+            <a:endParaRPr b="0" lang="en-US" sz="4400" spc="-1" strike="noStrike">
+              <a:solidFill>
+                <a:srgbClr val="000000"/>
+              </a:solidFill>
+              <a:uFill>
+                <a:solidFill>
+                  <a:srgbClr val="ffffff"/>
+                </a:solidFill>
+              </a:uFill>
+              <a:latin typeface="DejaVu Sans"/>
+            </a:endParaRPr>
+          </a:p>
+        </p:txBody>
+      </p:sp>
+      <p:sp>
+        <p:nvSpPr>
+          <p:cNvPr id="184" name="PlaceHolder 2"/>
+          <p:cNvSpPr>
+            <a:spLocks noGrp="1"/>
+          </p:cNvSpPr>
+          <p:nvPr>
+            <p:ph type="body"/>
+          </p:nvPr>
+        </p:nvSpPr>
+        <p:spPr>
+          <a:xfrm>
+            <a:off x="504000" y="1768680"/>
+            <a:ext cx="2921040" cy="2090880"/>
+          </a:xfrm>
+          <a:prstGeom prst="rect">
+            <a:avLst/>
+          </a:prstGeom>
+        </p:spPr>
+        <p:txBody>
+          <a:bodyPr lIns="0" rIns="0" tIns="0" bIns="0">
+            <a:normAutofit/>
+          </a:bodyPr>
+          <a:p>
+            <a:endParaRPr b="0" lang="en-US" sz="3200" spc="-1" strike="noStrike">
+              <a:solidFill>
+                <a:srgbClr val="000000"/>
+              </a:solidFill>
+              <a:uFill>
+                <a:solidFill>
+                  <a:srgbClr val="ffffff"/>
+                </a:solidFill>
+              </a:uFill>
+              <a:latin typeface="DejaVu Sans"/>
+            </a:endParaRPr>
+          </a:p>
+        </p:txBody>
+      </p:sp>
+      <p:sp>
+        <p:nvSpPr>
+          <p:cNvPr id="185" name="PlaceHolder 3"/>
+          <p:cNvSpPr>
+            <a:spLocks noGrp="1"/>
+          </p:cNvSpPr>
+          <p:nvPr>
+            <p:ph type="body"/>
+          </p:nvPr>
+        </p:nvSpPr>
+        <p:spPr>
+          <a:xfrm>
+            <a:off x="3571560" y="1768680"/>
+            <a:ext cx="2921040" cy="2090880"/>
+          </a:xfrm>
+          <a:prstGeom prst="rect">
+            <a:avLst/>
+          </a:prstGeom>
+        </p:spPr>
+        <p:txBody>
+          <a:bodyPr lIns="0" rIns="0" tIns="0" bIns="0">
+            <a:normAutofit/>
+          </a:bodyPr>
+          <a:p>
+            <a:endParaRPr b="0" lang="en-US" sz="3200" spc="-1" strike="noStrike">
+              <a:solidFill>
+                <a:srgbClr val="000000"/>
+              </a:solidFill>
+              <a:uFill>
+                <a:solidFill>
+                  <a:srgbClr val="ffffff"/>
+                </a:solidFill>
+              </a:uFill>
+              <a:latin typeface="DejaVu Sans"/>
+            </a:endParaRPr>
+          </a:p>
+        </p:txBody>
+      </p:sp>
+      <p:sp>
+        <p:nvSpPr>
+          <p:cNvPr id="186" name="PlaceHolder 4"/>
+          <p:cNvSpPr>
+            <a:spLocks noGrp="1"/>
+          </p:cNvSpPr>
+          <p:nvPr>
+            <p:ph type="body"/>
+          </p:nvPr>
+        </p:nvSpPr>
+        <p:spPr>
+          <a:xfrm>
+            <a:off x="6639120" y="1768680"/>
+            <a:ext cx="2921040" cy="2090880"/>
+          </a:xfrm>
+          <a:prstGeom prst="rect">
+            <a:avLst/>
+          </a:prstGeom>
+        </p:spPr>
+        <p:txBody>
+          <a:bodyPr lIns="0" rIns="0" tIns="0" bIns="0">
+            <a:normAutofit/>
+          </a:bodyPr>
+          <a:p>
+            <a:endParaRPr b="0" lang="en-US" sz="3200" spc="-1" strike="noStrike">
+              <a:solidFill>
+                <a:srgbClr val="000000"/>
+              </a:solidFill>
+              <a:uFill>
+                <a:solidFill>
+                  <a:srgbClr val="ffffff"/>
+                </a:solidFill>
+              </a:uFill>
+              <a:latin typeface="DejaVu Sans"/>
+            </a:endParaRPr>
+          </a:p>
+        </p:txBody>
+      </p:sp>
+      <p:sp>
+        <p:nvSpPr>
+          <p:cNvPr id="187" name="PlaceHolder 5"/>
+          <p:cNvSpPr>
+            <a:spLocks noGrp="1"/>
+          </p:cNvSpPr>
+          <p:nvPr>
+            <p:ph type="body"/>
+          </p:nvPr>
+        </p:nvSpPr>
+        <p:spPr>
+          <a:xfrm>
+            <a:off x="6639120" y="4058640"/>
+            <a:ext cx="2921040" cy="2090880"/>
+          </a:xfrm>
+          <a:prstGeom prst="rect">
+            <a:avLst/>
+          </a:prstGeom>
+        </p:spPr>
+        <p:txBody>
+          <a:bodyPr lIns="0" rIns="0" tIns="0" bIns="0">
+            <a:normAutofit/>
+          </a:bodyPr>
+          <a:p>
+            <a:endParaRPr b="0" lang="en-US" sz="3200" spc="-1" strike="noStrike">
+              <a:solidFill>
+                <a:srgbClr val="000000"/>
+              </a:solidFill>
+              <a:uFill>
+                <a:solidFill>
+                  <a:srgbClr val="ffffff"/>
+                </a:solidFill>
+              </a:uFill>
+              <a:latin typeface="DejaVu Sans"/>
+            </a:endParaRPr>
+          </a:p>
+        </p:txBody>
+      </p:sp>
+      <p:sp>
+        <p:nvSpPr>
+          <p:cNvPr id="188" name="PlaceHolder 6"/>
+          <p:cNvSpPr>
+            <a:spLocks noGrp="1"/>
+          </p:cNvSpPr>
+          <p:nvPr>
+            <p:ph type="body"/>
+          </p:nvPr>
+        </p:nvSpPr>
+        <p:spPr>
+          <a:xfrm>
+            <a:off x="3571560" y="4058640"/>
+            <a:ext cx="2921040" cy="2090880"/>
+          </a:xfrm>
+          <a:prstGeom prst="rect">
+            <a:avLst/>
+          </a:prstGeom>
+        </p:spPr>
+        <p:txBody>
+          <a:bodyPr lIns="0" rIns="0" tIns="0" bIns="0">
+            <a:normAutofit/>
+          </a:bodyPr>
+          <a:p>
+            <a:endParaRPr b="0" lang="en-US" sz="3200" spc="-1" strike="noStrike">
+              <a:solidFill>
+                <a:srgbClr val="000000"/>
+              </a:solidFill>
+              <a:uFill>
+                <a:solidFill>
+                  <a:srgbClr val="ffffff"/>
+                </a:solidFill>
+              </a:uFill>
+              <a:latin typeface="DejaVu Sans"/>
+            </a:endParaRPr>
+          </a:p>
+        </p:txBody>
+      </p:sp>
+      <p:sp>
+        <p:nvSpPr>
+          <p:cNvPr id="189" name="PlaceHolder 7"/>
+          <p:cNvSpPr>
+            <a:spLocks noGrp="1"/>
+          </p:cNvSpPr>
+          <p:nvPr>
+            <p:ph type="body"/>
+          </p:nvPr>
+        </p:nvSpPr>
+        <p:spPr>
+          <a:xfrm>
+            <a:off x="504000" y="4058640"/>
+            <a:ext cx="2921040" cy="2090880"/>
+          </a:xfrm>
+          <a:prstGeom prst="rect">
+            <a:avLst/>
+          </a:prstGeom>
+        </p:spPr>
+        <p:txBody>
+          <a:bodyPr lIns="0" rIns="0" tIns="0" bIns="0">
+            <a:normAutofit/>
+          </a:bodyPr>
+          <a:p>
+            <a:endParaRPr b="0" lang="en-US" sz="3200" spc="-1" strike="noStrike">
+              <a:solidFill>
+                <a:srgbClr val="000000"/>
+              </a:solidFill>
+              <a:uFill>
+                <a:solidFill>
+                  <a:srgbClr val="ffffff"/>
+                </a:solidFill>
+              </a:uFill>
+              <a:latin typeface="DejaVu Sans"/>
+            </a:endParaRPr>
+          </a:p>
+        </p:txBody>
+      </p:sp>
+    </p:spTree>
+  </p:cSld>
+</p:sldLayout>
+</file>
+
+<file path=ppt/slideLayouts/slideLayout61.xml><?xml version="1.0" encoding="utf-8"?>
+<p:sldLayout xmlns:a="http://schemas.openxmlformats.org/drawingml/2006/main" xmlns:p="http://schemas.openxmlformats.org/presentationml/2006/main" xmlns:r="http://schemas.openxmlformats.org/officeDocument/2006/relationships" xmlns:p14="http://schemas.microsoft.com/office/powerpoint/2010/main" xmlns:p15="http://schemas.microsoft.com/office/powerpoint/2012/main" xmlns:mc="http://schemas.openxmlformats.org/markup-compatibility/2006" type="blank" preserve="1">
+  <p:cSld name="Blank Slide">
+    <p:spTree>
+      <p:nvGrpSpPr>
+        <p:cNvPr id="1" name=""/>
+        <p:cNvGrpSpPr/>
+        <p:nvPr/>
+      </p:nvGrpSpPr>
+      <p:grpSpPr>
+        <a:xfrm>
+          <a:off x="0" y="0"/>
+          <a:ext cx="0" cy="0"/>
+          <a:chOff x="0" y="0"/>
+          <a:chExt cx="0" cy="0"/>
+        </a:xfrm>
+      </p:grpSpPr>
+    </p:spTree>
+  </p:cSld>
+</p:sldLayout>
+</file>
+
+<file path=ppt/slideLayouts/slideLayout62.xml><?xml version="1.0" encoding="utf-8"?>
+<p:sldLayout xmlns:a="http://schemas.openxmlformats.org/drawingml/2006/main" xmlns:p="http://schemas.openxmlformats.org/presentationml/2006/main" xmlns:r="http://schemas.openxmlformats.org/officeDocument/2006/relationships" xmlns:p14="http://schemas.microsoft.com/office/powerpoint/2010/main" xmlns:p15="http://schemas.microsoft.com/office/powerpoint/2012/main" xmlns:mc="http://schemas.openxmlformats.org/markup-compatibility/2006" type="tx" preserve="1">
+  <p:cSld name="Title Slide">
+    <p:spTree>
+      <p:nvGrpSpPr>
+        <p:cNvPr id="1" name=""/>
+        <p:cNvGrpSpPr/>
+        <p:nvPr/>
+      </p:nvGrpSpPr>
+      <p:grpSpPr>
+        <a:xfrm>
+          <a:off x="0" y="0"/>
+          <a:ext cx="0" cy="0"/>
+          <a:chOff x="0" y="0"/>
+          <a:chExt cx="0" cy="0"/>
+        </a:xfrm>
+      </p:grpSpPr>
+      <p:sp>
+        <p:nvSpPr>
+          <p:cNvPr id="192" name="PlaceHolder 1"/>
+          <p:cNvSpPr>
+            <a:spLocks noGrp="1"/>
+          </p:cNvSpPr>
+          <p:nvPr>
+            <p:ph type="title"/>
+          </p:nvPr>
+        </p:nvSpPr>
+        <p:spPr>
+          <a:xfrm>
+            <a:off x="504000" y="301320"/>
+            <a:ext cx="9072000" cy="1261800"/>
+          </a:xfrm>
+          <a:prstGeom prst="rect">
+            <a:avLst/>
+          </a:prstGeom>
+        </p:spPr>
+        <p:txBody>
+          <a:bodyPr lIns="0" rIns="0" tIns="0" bIns="0" anchor="ctr"/>
+          <a:p>
+            <a:pPr algn="ctr"/>
+            <a:endParaRPr b="0" lang="en-US" sz="4400" spc="-1" strike="noStrike">
+              <a:solidFill>
+                <a:srgbClr val="000000"/>
+              </a:solidFill>
+              <a:uFill>
+                <a:solidFill>
+                  <a:srgbClr val="ffffff"/>
+                </a:solidFill>
+              </a:uFill>
+              <a:latin typeface="DejaVu Sans"/>
+            </a:endParaRPr>
+          </a:p>
+        </p:txBody>
+      </p:sp>
+      <p:sp>
+        <p:nvSpPr>
+          <p:cNvPr id="193" name="PlaceHolder 2"/>
+          <p:cNvSpPr>
+            <a:spLocks noGrp="1"/>
+          </p:cNvSpPr>
+          <p:nvPr>
+            <p:ph type="subTitle"/>
+          </p:nvPr>
+        </p:nvSpPr>
+        <p:spPr>
+          <a:xfrm>
+            <a:off x="504000" y="1768680"/>
+            <a:ext cx="9072000" cy="4384080"/>
+          </a:xfrm>
+          <a:prstGeom prst="rect">
+            <a:avLst/>
+          </a:prstGeom>
+        </p:spPr>
+        <p:txBody>
+          <a:bodyPr lIns="0" rIns="0" tIns="0" bIns="0" anchor="ctr"/>
+          <a:p>
+            <a:pPr algn="ctr"/>
+            <a:endParaRPr b="0" lang="en-US" sz="3200" spc="-1" strike="noStrike">
+              <a:solidFill>
+                <a:srgbClr val="000000"/>
+              </a:solidFill>
+              <a:uFill>
+                <a:solidFill>
+                  <a:srgbClr val="ffffff"/>
+                </a:solidFill>
+              </a:uFill>
+              <a:latin typeface="DejaVu Sans"/>
+            </a:endParaRPr>
+          </a:p>
+        </p:txBody>
+      </p:sp>
+    </p:spTree>
+  </p:cSld>
+</p:sldLayout>
+</file>
+
+<file path=ppt/slideLayouts/slideLayout63.xml><?xml version="1.0" encoding="utf-8"?>
+<p:sldLayout xmlns:a="http://schemas.openxmlformats.org/drawingml/2006/main" xmlns:p="http://schemas.openxmlformats.org/presentationml/2006/main" xmlns:r="http://schemas.openxmlformats.org/officeDocument/2006/relationships" xmlns:p14="http://schemas.microsoft.com/office/powerpoint/2010/main" xmlns:p15="http://schemas.microsoft.com/office/powerpoint/2012/main" xmlns:mc="http://schemas.openxmlformats.org/markup-compatibility/2006" type="obj" preserve="1">
+  <p:cSld name="Title, Content">
+    <p:spTree>
+      <p:nvGrpSpPr>
+        <p:cNvPr id="1" name=""/>
+        <p:cNvGrpSpPr/>
+        <p:nvPr/>
+      </p:nvGrpSpPr>
+      <p:grpSpPr>
+        <a:xfrm>
+          <a:off x="0" y="0"/>
+          <a:ext cx="0" cy="0"/>
+          <a:chOff x="0" y="0"/>
+          <a:chExt cx="0" cy="0"/>
+        </a:xfrm>
+      </p:grpSpPr>
+      <p:sp>
+        <p:nvSpPr>
+          <p:cNvPr id="194" name="PlaceHolder 1"/>
+          <p:cNvSpPr>
+            <a:spLocks noGrp="1"/>
+          </p:cNvSpPr>
+          <p:nvPr>
+            <p:ph type="title"/>
+          </p:nvPr>
+        </p:nvSpPr>
+        <p:spPr>
+          <a:xfrm>
+            <a:off x="504000" y="301320"/>
+            <a:ext cx="9072000" cy="1261800"/>
+          </a:xfrm>
+          <a:prstGeom prst="rect">
+            <a:avLst/>
+          </a:prstGeom>
+        </p:spPr>
+        <p:txBody>
+          <a:bodyPr lIns="0" rIns="0" tIns="0" bIns="0" anchor="ctr"/>
+          <a:p>
+            <a:pPr algn="ctr"/>
+            <a:endParaRPr b="0" lang="en-US" sz="4400" spc="-1" strike="noStrike">
+              <a:solidFill>
+                <a:srgbClr val="000000"/>
+              </a:solidFill>
+              <a:uFill>
+                <a:solidFill>
+                  <a:srgbClr val="ffffff"/>
+                </a:solidFill>
+              </a:uFill>
+              <a:latin typeface="DejaVu Sans"/>
+            </a:endParaRPr>
+          </a:p>
+        </p:txBody>
+      </p:sp>
+      <p:sp>
+        <p:nvSpPr>
+          <p:cNvPr id="195" name="PlaceHolder 2"/>
+          <p:cNvSpPr>
+            <a:spLocks noGrp="1"/>
+          </p:cNvSpPr>
+          <p:nvPr>
+            <p:ph type="body"/>
+          </p:nvPr>
+        </p:nvSpPr>
+        <p:spPr>
+          <a:xfrm>
+            <a:off x="504000" y="1768680"/>
+            <a:ext cx="9072000" cy="4384080"/>
+          </a:xfrm>
+          <a:prstGeom prst="rect">
+            <a:avLst/>
+          </a:prstGeom>
+        </p:spPr>
+        <p:txBody>
+          <a:bodyPr lIns="0" rIns="0" tIns="0" bIns="0">
+            <a:normAutofit/>
+          </a:bodyPr>
+          <a:p>
+            <a:endParaRPr b="0" lang="en-US" sz="3200" spc="-1" strike="noStrike">
+              <a:solidFill>
+                <a:srgbClr val="000000"/>
+              </a:solidFill>
+              <a:uFill>
+                <a:solidFill>
+                  <a:srgbClr val="ffffff"/>
+                </a:solidFill>
+              </a:uFill>
+              <a:latin typeface="DejaVu Sans"/>
+            </a:endParaRPr>
+          </a:p>
+        </p:txBody>
+      </p:sp>
+    </p:spTree>
+  </p:cSld>
+</p:sldLayout>
+</file>
+
+<file path=ppt/slideLayouts/slideLayout64.xml><?xml version="1.0" encoding="utf-8"?>
+<p:sldLayout xmlns:a="http://schemas.openxmlformats.org/drawingml/2006/main" xmlns:p="http://schemas.openxmlformats.org/presentationml/2006/main" xmlns:r="http://schemas.openxmlformats.org/officeDocument/2006/relationships" xmlns:p14="http://schemas.microsoft.com/office/powerpoint/2010/main" xmlns:p15="http://schemas.microsoft.com/office/powerpoint/2012/main" xmlns:mc="http://schemas.openxmlformats.org/markup-compatibility/2006" type="twoObj" preserve="1">
+  <p:cSld name="Title, 2 Content">
+    <p:spTree>
+      <p:nvGrpSpPr>
+        <p:cNvPr id="1" name=""/>
+        <p:cNvGrpSpPr/>
+        <p:nvPr/>
+      </p:nvGrpSpPr>
+      <p:grpSpPr>
+        <a:xfrm>
+          <a:off x="0" y="0"/>
+          <a:ext cx="0" cy="0"/>
+          <a:chOff x="0" y="0"/>
+          <a:chExt cx="0" cy="0"/>
+        </a:xfrm>
+      </p:grpSpPr>
+      <p:sp>
+        <p:nvSpPr>
+          <p:cNvPr id="196" name="PlaceHolder 1"/>
+          <p:cNvSpPr>
+            <a:spLocks noGrp="1"/>
+          </p:cNvSpPr>
+          <p:nvPr>
+            <p:ph type="title"/>
+          </p:nvPr>
+        </p:nvSpPr>
+        <p:spPr>
+          <a:xfrm>
+            <a:off x="504000" y="301320"/>
+            <a:ext cx="9072000" cy="1261800"/>
+          </a:xfrm>
+          <a:prstGeom prst="rect">
+            <a:avLst/>
+          </a:prstGeom>
+        </p:spPr>
+        <p:txBody>
+          <a:bodyPr lIns="0" rIns="0" tIns="0" bIns="0" anchor="ctr"/>
+          <a:p>
+            <a:pPr algn="ctr"/>
+            <a:endParaRPr b="0" lang="en-US" sz="4400" spc="-1" strike="noStrike">
+              <a:solidFill>
+                <a:srgbClr val="000000"/>
+              </a:solidFill>
+              <a:uFill>
+                <a:solidFill>
+                  <a:srgbClr val="ffffff"/>
+                </a:solidFill>
+              </a:uFill>
+              <a:latin typeface="DejaVu Sans"/>
+            </a:endParaRPr>
+          </a:p>
+        </p:txBody>
+      </p:sp>
+      <p:sp>
+        <p:nvSpPr>
+          <p:cNvPr id="197" name="PlaceHolder 2"/>
+          <p:cNvSpPr>
+            <a:spLocks noGrp="1"/>
+          </p:cNvSpPr>
+          <p:nvPr>
+            <p:ph type="body"/>
+          </p:nvPr>
+        </p:nvSpPr>
+        <p:spPr>
+          <a:xfrm>
+            <a:off x="504000" y="1768680"/>
+            <a:ext cx="4426920" cy="4384080"/>
+          </a:xfrm>
+          <a:prstGeom prst="rect">
+            <a:avLst/>
+          </a:prstGeom>
+        </p:spPr>
+        <p:txBody>
+          <a:bodyPr lIns="0" rIns="0" tIns="0" bIns="0">
+            <a:normAutofit/>
+          </a:bodyPr>
+          <a:p>
+            <a:endParaRPr b="0" lang="en-US" sz="3200" spc="-1" strike="noStrike">
+              <a:solidFill>
+                <a:srgbClr val="000000"/>
+              </a:solidFill>
+              <a:uFill>
+                <a:solidFill>
+                  <a:srgbClr val="ffffff"/>
+                </a:solidFill>
+              </a:uFill>
+              <a:latin typeface="DejaVu Sans"/>
+            </a:endParaRPr>
+          </a:p>
+        </p:txBody>
+      </p:sp>
+      <p:sp>
+        <p:nvSpPr>
+          <p:cNvPr id="198" name="PlaceHolder 3"/>
+          <p:cNvSpPr>
+            <a:spLocks noGrp="1"/>
+          </p:cNvSpPr>
+          <p:nvPr>
+            <p:ph type="body"/>
+          </p:nvPr>
+        </p:nvSpPr>
+        <p:spPr>
+          <a:xfrm>
+            <a:off x="5152680" y="1768680"/>
+            <a:ext cx="4426920" cy="4384080"/>
+          </a:xfrm>
+          <a:prstGeom prst="rect">
+            <a:avLst/>
+          </a:prstGeom>
+        </p:spPr>
+        <p:txBody>
+          <a:bodyPr lIns="0" rIns="0" tIns="0" bIns="0">
+            <a:normAutofit/>
+          </a:bodyPr>
+          <a:p>
+            <a:endParaRPr b="0" lang="en-US" sz="3200" spc="-1" strike="noStrike">
+              <a:solidFill>
+                <a:srgbClr val="000000"/>
+              </a:solidFill>
+              <a:uFill>
+                <a:solidFill>
+                  <a:srgbClr val="ffffff"/>
+                </a:solidFill>
+              </a:uFill>
+              <a:latin typeface="DejaVu Sans"/>
+            </a:endParaRPr>
+          </a:p>
+        </p:txBody>
+      </p:sp>
+    </p:spTree>
+  </p:cSld>
+</p:sldLayout>
+</file>
+
+<file path=ppt/slideLayouts/slideLayout65.xml><?xml version="1.0" encoding="utf-8"?>
+<p:sldLayout xmlns:a="http://schemas.openxmlformats.org/drawingml/2006/main" xmlns:p="http://schemas.openxmlformats.org/presentationml/2006/main" xmlns:r="http://schemas.openxmlformats.org/officeDocument/2006/relationships" xmlns:p14="http://schemas.microsoft.com/office/powerpoint/2010/main" xmlns:p15="http://schemas.microsoft.com/office/powerpoint/2012/main" xmlns:mc="http://schemas.openxmlformats.org/markup-compatibility/2006" type="titleOnly" preserve="1">
+  <p:cSld name="Title Only">
+    <p:spTree>
+      <p:nvGrpSpPr>
+        <p:cNvPr id="1" name=""/>
+        <p:cNvGrpSpPr/>
+        <p:nvPr/>
+      </p:nvGrpSpPr>
+      <p:grpSpPr>
+        <a:xfrm>
+          <a:off x="0" y="0"/>
+          <a:ext cx="0" cy="0"/>
+          <a:chOff x="0" y="0"/>
+          <a:chExt cx="0" cy="0"/>
+        </a:xfrm>
+      </p:grpSpPr>
+      <p:sp>
+        <p:nvSpPr>
+          <p:cNvPr id="199" name="PlaceHolder 1"/>
+          <p:cNvSpPr>
+            <a:spLocks noGrp="1"/>
+          </p:cNvSpPr>
+          <p:nvPr>
+            <p:ph type="title"/>
+          </p:nvPr>
+        </p:nvSpPr>
+        <p:spPr>
+          <a:xfrm>
+            <a:off x="504000" y="301320"/>
+            <a:ext cx="9072000" cy="1261800"/>
+          </a:xfrm>
+          <a:prstGeom prst="rect">
+            <a:avLst/>
+          </a:prstGeom>
+        </p:spPr>
+        <p:txBody>
+          <a:bodyPr lIns="0" rIns="0" tIns="0" bIns="0" anchor="ctr"/>
+          <a:p>
+            <a:pPr algn="ctr"/>
+            <a:endParaRPr b="0" lang="en-US" sz="4400" spc="-1" strike="noStrike">
+              <a:solidFill>
+                <a:srgbClr val="000000"/>
+              </a:solidFill>
+              <a:uFill>
+                <a:solidFill>
+                  <a:srgbClr val="ffffff"/>
+                </a:solidFill>
+              </a:uFill>
+              <a:latin typeface="DejaVu Sans"/>
+            </a:endParaRPr>
+          </a:p>
+        </p:txBody>
+      </p:sp>
+    </p:spTree>
+  </p:cSld>
+</p:sldLayout>
+</file>
+
+<file path=ppt/slideLayouts/slideLayout66.xml><?xml version="1.0" encoding="utf-8"?>
+<p:sldLayout xmlns:a="http://schemas.openxmlformats.org/drawingml/2006/main" xmlns:p="http://schemas.openxmlformats.org/presentationml/2006/main" xmlns:r="http://schemas.openxmlformats.org/officeDocument/2006/relationships" xmlns:p14="http://schemas.microsoft.com/office/powerpoint/2010/main" xmlns:p15="http://schemas.microsoft.com/office/powerpoint/2012/main" xmlns:mc="http://schemas.openxmlformats.org/markup-compatibility/2006" type="objOnly" preserve="1">
+  <p:cSld name="Centered Text">
+    <p:spTree>
+      <p:nvGrpSpPr>
+        <p:cNvPr id="1" name=""/>
+        <p:cNvGrpSpPr/>
+        <p:nvPr/>
+      </p:nvGrpSpPr>
+      <p:grpSpPr>
+        <a:xfrm>
+          <a:off x="0" y="0"/>
+          <a:ext cx="0" cy="0"/>
+          <a:chOff x="0" y="0"/>
+          <a:chExt cx="0" cy="0"/>
+        </a:xfrm>
+      </p:grpSpPr>
+      <p:sp>
+        <p:nvSpPr>
+          <p:cNvPr id="200" name="PlaceHolder 1"/>
+          <p:cNvSpPr>
+            <a:spLocks noGrp="1"/>
+          </p:cNvSpPr>
+          <p:nvPr>
+            <p:ph type="subTitle"/>
+          </p:nvPr>
+        </p:nvSpPr>
+        <p:spPr>
+          <a:xfrm>
+            <a:off x="504000" y="301320"/>
+            <a:ext cx="9072000" cy="5850360"/>
+          </a:xfrm>
+          <a:prstGeom prst="rect">
+            <a:avLst/>
+          </a:prstGeom>
+        </p:spPr>
+        <p:txBody>
+          <a:bodyPr lIns="0" rIns="0" tIns="0" bIns="0" anchor="ctr"/>
+          <a:p>
+            <a:pPr algn="ctr"/>
+            <a:endParaRPr b="0" lang="en-US" sz="3200" spc="-1" strike="noStrike">
+              <a:solidFill>
+                <a:srgbClr val="000000"/>
+              </a:solidFill>
+              <a:uFill>
+                <a:solidFill>
+                  <a:srgbClr val="ffffff"/>
+                </a:solidFill>
+              </a:uFill>
+              <a:latin typeface="DejaVu Sans"/>
+            </a:endParaRPr>
+          </a:p>
+        </p:txBody>
+      </p:sp>
+    </p:spTree>
+  </p:cSld>
+</p:sldLayout>
+</file>
+
+<file path=ppt/slideLayouts/slideLayout67.xml><?xml version="1.0" encoding="utf-8"?>
+<p:sldLayout xmlns:a="http://schemas.openxmlformats.org/drawingml/2006/main" xmlns:p="http://schemas.openxmlformats.org/presentationml/2006/main" xmlns:r="http://schemas.openxmlformats.org/officeDocument/2006/relationships" xmlns:p14="http://schemas.microsoft.com/office/powerpoint/2010/main" xmlns:p15="http://schemas.microsoft.com/office/powerpoint/2012/main" xmlns:mc="http://schemas.openxmlformats.org/markup-compatibility/2006" type="twoObjAndObj" preserve="1">
+  <p:cSld name="Title, 2 Content and Content">
+    <p:spTree>
+      <p:nvGrpSpPr>
+        <p:cNvPr id="1" name=""/>
+        <p:cNvGrpSpPr/>
+        <p:nvPr/>
+      </p:nvGrpSpPr>
+      <p:grpSpPr>
+        <a:xfrm>
+          <a:off x="0" y="0"/>
+          <a:ext cx="0" cy="0"/>
+          <a:chOff x="0" y="0"/>
+          <a:chExt cx="0" cy="0"/>
+        </a:xfrm>
+      </p:grpSpPr>
+      <p:sp>
+        <p:nvSpPr>
+          <p:cNvPr id="201" name="PlaceHolder 1"/>
+          <p:cNvSpPr>
+            <a:spLocks noGrp="1"/>
+          </p:cNvSpPr>
+          <p:nvPr>
+            <p:ph type="title"/>
+          </p:nvPr>
+        </p:nvSpPr>
+        <p:spPr>
+          <a:xfrm>
+            <a:off x="504000" y="301320"/>
+            <a:ext cx="9072000" cy="1261800"/>
+          </a:xfrm>
+          <a:prstGeom prst="rect">
+            <a:avLst/>
+          </a:prstGeom>
+        </p:spPr>
+        <p:txBody>
+          <a:bodyPr lIns="0" rIns="0" tIns="0" bIns="0" anchor="ctr"/>
+          <a:p>
+            <a:pPr algn="ctr"/>
+            <a:endParaRPr b="0" lang="en-US" sz="4400" spc="-1" strike="noStrike">
+              <a:solidFill>
+                <a:srgbClr val="000000"/>
+              </a:solidFill>
+              <a:uFill>
+                <a:solidFill>
+                  <a:srgbClr val="ffffff"/>
+                </a:solidFill>
+              </a:uFill>
+              <a:latin typeface="DejaVu Sans"/>
+            </a:endParaRPr>
+          </a:p>
+        </p:txBody>
+      </p:sp>
+      <p:sp>
+        <p:nvSpPr>
+          <p:cNvPr id="202" name="PlaceHolder 2"/>
+          <p:cNvSpPr>
+            <a:spLocks noGrp="1"/>
+          </p:cNvSpPr>
+          <p:nvPr>
+            <p:ph type="body"/>
+          </p:nvPr>
+        </p:nvSpPr>
+        <p:spPr>
+          <a:xfrm>
+            <a:off x="504000" y="1768680"/>
+            <a:ext cx="4426920" cy="2090880"/>
+          </a:xfrm>
+          <a:prstGeom prst="rect">
+            <a:avLst/>
+          </a:prstGeom>
+        </p:spPr>
+        <p:txBody>
+          <a:bodyPr lIns="0" rIns="0" tIns="0" bIns="0">
+            <a:normAutofit/>
+          </a:bodyPr>
+          <a:p>
+            <a:endParaRPr b="0" lang="en-US" sz="3200" spc="-1" strike="noStrike">
+              <a:solidFill>
+                <a:srgbClr val="000000"/>
+              </a:solidFill>
+              <a:uFill>
+                <a:solidFill>
+                  <a:srgbClr val="ffffff"/>
+                </a:solidFill>
+              </a:uFill>
+              <a:latin typeface="DejaVu Sans"/>
+            </a:endParaRPr>
+          </a:p>
+        </p:txBody>
+      </p:sp>
+      <p:sp>
+        <p:nvSpPr>
+          <p:cNvPr id="203" name="PlaceHolder 3"/>
+          <p:cNvSpPr>
+            <a:spLocks noGrp="1"/>
+          </p:cNvSpPr>
+          <p:nvPr>
+            <p:ph type="body"/>
+          </p:nvPr>
+        </p:nvSpPr>
+        <p:spPr>
+          <a:xfrm>
+            <a:off x="504000" y="4058640"/>
+            <a:ext cx="4426920" cy="2090880"/>
+          </a:xfrm>
+          <a:prstGeom prst="rect">
+            <a:avLst/>
+          </a:prstGeom>
+        </p:spPr>
+        <p:txBody>
+          <a:bodyPr lIns="0" rIns="0" tIns="0" bIns="0">
+            <a:normAutofit/>
+          </a:bodyPr>
+          <a:p>
+            <a:endParaRPr b="0" lang="en-US" sz="3200" spc="-1" strike="noStrike">
+              <a:solidFill>
+                <a:srgbClr val="000000"/>
+              </a:solidFill>
+              <a:uFill>
+                <a:solidFill>
+                  <a:srgbClr val="ffffff"/>
+                </a:solidFill>
+              </a:uFill>
+              <a:latin typeface="DejaVu Sans"/>
+            </a:endParaRPr>
+          </a:p>
+        </p:txBody>
+      </p:sp>
+      <p:sp>
+        <p:nvSpPr>
+          <p:cNvPr id="204" name="PlaceHolder 4"/>
+          <p:cNvSpPr>
+            <a:spLocks noGrp="1"/>
+          </p:cNvSpPr>
+          <p:nvPr>
+            <p:ph type="body"/>
+          </p:nvPr>
+        </p:nvSpPr>
+        <p:spPr>
+          <a:xfrm>
+            <a:off x="5152680" y="1768680"/>
+            <a:ext cx="4426920" cy="4384080"/>
+          </a:xfrm>
+          <a:prstGeom prst="rect">
+            <a:avLst/>
+          </a:prstGeom>
+        </p:spPr>
+        <p:txBody>
+          <a:bodyPr lIns="0" rIns="0" tIns="0" bIns="0">
+            <a:normAutofit/>
+          </a:bodyPr>
+          <a:p>
+            <a:endParaRPr b="0" lang="en-US" sz="3200" spc="-1" strike="noStrike">
+              <a:solidFill>
+                <a:srgbClr val="000000"/>
+              </a:solidFill>
+              <a:uFill>
+                <a:solidFill>
+                  <a:srgbClr val="ffffff"/>
+                </a:solidFill>
+              </a:uFill>
+              <a:latin typeface="DejaVu Sans"/>
+            </a:endParaRPr>
+          </a:p>
+        </p:txBody>
+      </p:sp>
+    </p:spTree>
+  </p:cSld>
+</p:sldLayout>
+</file>
+
+<file path=ppt/slideLayouts/slideLayout68.xml><?xml version="1.0" encoding="utf-8"?>
+<p:sldLayout xmlns:a="http://schemas.openxmlformats.org/drawingml/2006/main" xmlns:p="http://schemas.openxmlformats.org/presentationml/2006/main" xmlns:r="http://schemas.openxmlformats.org/officeDocument/2006/relationships" xmlns:p14="http://schemas.microsoft.com/office/powerpoint/2010/main" xmlns:p15="http://schemas.microsoft.com/office/powerpoint/2012/main" xmlns:mc="http://schemas.openxmlformats.org/markup-compatibility/2006" type="objAndTwoObj" preserve="1">
+  <p:cSld name="Title Content and 2 Content">
+    <p:spTree>
+      <p:nvGrpSpPr>
+        <p:cNvPr id="1" name=""/>
+        <p:cNvGrpSpPr/>
+        <p:nvPr/>
+      </p:nvGrpSpPr>
+      <p:grpSpPr>
+        <a:xfrm>
+          <a:off x="0" y="0"/>
+          <a:ext cx="0" cy="0"/>
+          <a:chOff x="0" y="0"/>
+          <a:chExt cx="0" cy="0"/>
+        </a:xfrm>
+      </p:grpSpPr>
+      <p:sp>
+        <p:nvSpPr>
+          <p:cNvPr id="205" name="PlaceHolder 1"/>
+          <p:cNvSpPr>
+            <a:spLocks noGrp="1"/>
+          </p:cNvSpPr>
+          <p:nvPr>
+            <p:ph type="title"/>
+          </p:nvPr>
+        </p:nvSpPr>
+        <p:spPr>
+          <a:xfrm>
+            <a:off x="504000" y="301320"/>
+            <a:ext cx="9072000" cy="1261800"/>
+          </a:xfrm>
+          <a:prstGeom prst="rect">
+            <a:avLst/>
+          </a:prstGeom>
+        </p:spPr>
+        <p:txBody>
+          <a:bodyPr lIns="0" rIns="0" tIns="0" bIns="0" anchor="ctr"/>
+          <a:p>
+            <a:pPr algn="ctr"/>
+            <a:endParaRPr b="0" lang="en-US" sz="4400" spc="-1" strike="noStrike">
+              <a:solidFill>
+                <a:srgbClr val="000000"/>
+              </a:solidFill>
+              <a:uFill>
+                <a:solidFill>
+                  <a:srgbClr val="ffffff"/>
+                </a:solidFill>
+              </a:uFill>
+              <a:latin typeface="DejaVu Sans"/>
+            </a:endParaRPr>
+          </a:p>
+        </p:txBody>
+      </p:sp>
+      <p:sp>
+        <p:nvSpPr>
+          <p:cNvPr id="206" name="PlaceHolder 2"/>
+          <p:cNvSpPr>
+            <a:spLocks noGrp="1"/>
+          </p:cNvSpPr>
+          <p:nvPr>
+            <p:ph type="body"/>
+          </p:nvPr>
+        </p:nvSpPr>
+        <p:spPr>
+          <a:xfrm>
+            <a:off x="504000" y="1768680"/>
+            <a:ext cx="4426920" cy="4384080"/>
+          </a:xfrm>
+          <a:prstGeom prst="rect">
+            <a:avLst/>
+          </a:prstGeom>
+        </p:spPr>
+        <p:txBody>
+          <a:bodyPr lIns="0" rIns="0" tIns="0" bIns="0">
+            <a:normAutofit/>
+          </a:bodyPr>
+          <a:p>
+            <a:endParaRPr b="0" lang="en-US" sz="3200" spc="-1" strike="noStrike">
+              <a:solidFill>
+                <a:srgbClr val="000000"/>
+              </a:solidFill>
+              <a:uFill>
+                <a:solidFill>
+                  <a:srgbClr val="ffffff"/>
+                </a:solidFill>
+              </a:uFill>
+              <a:latin typeface="DejaVu Sans"/>
+            </a:endParaRPr>
+          </a:p>
+        </p:txBody>
+      </p:sp>
+      <p:sp>
+        <p:nvSpPr>
+          <p:cNvPr id="207" name="PlaceHolder 3"/>
+          <p:cNvSpPr>
+            <a:spLocks noGrp="1"/>
+          </p:cNvSpPr>
+          <p:nvPr>
+            <p:ph type="body"/>
+          </p:nvPr>
+        </p:nvSpPr>
+        <p:spPr>
+          <a:xfrm>
+            <a:off x="5152680" y="1768680"/>
+            <a:ext cx="4426920" cy="2090880"/>
+          </a:xfrm>
+          <a:prstGeom prst="rect">
+            <a:avLst/>
+          </a:prstGeom>
+        </p:spPr>
+        <p:txBody>
+          <a:bodyPr lIns="0" rIns="0" tIns="0" bIns="0">
+            <a:normAutofit/>
+          </a:bodyPr>
+          <a:p>
+            <a:endParaRPr b="0" lang="en-US" sz="3200" spc="-1" strike="noStrike">
+              <a:solidFill>
+                <a:srgbClr val="000000"/>
+              </a:solidFill>
+              <a:uFill>
+                <a:solidFill>
+                  <a:srgbClr val="ffffff"/>
+                </a:solidFill>
+              </a:uFill>
+              <a:latin typeface="DejaVu Sans"/>
+            </a:endParaRPr>
+          </a:p>
+        </p:txBody>
+      </p:sp>
+      <p:sp>
+        <p:nvSpPr>
+          <p:cNvPr id="208" name="PlaceHolder 4"/>
+          <p:cNvSpPr>
+            <a:spLocks noGrp="1"/>
+          </p:cNvSpPr>
+          <p:nvPr>
+            <p:ph type="body"/>
+          </p:nvPr>
+        </p:nvSpPr>
+        <p:spPr>
+          <a:xfrm>
+            <a:off x="5152680" y="4058640"/>
+            <a:ext cx="4426920" cy="2090880"/>
+          </a:xfrm>
+          <a:prstGeom prst="rect">
+            <a:avLst/>
+          </a:prstGeom>
+        </p:spPr>
+        <p:txBody>
+          <a:bodyPr lIns="0" rIns="0" tIns="0" bIns="0">
+            <a:normAutofit/>
+          </a:bodyPr>
+          <a:p>
+            <a:endParaRPr b="0" lang="en-US" sz="3200" spc="-1" strike="noStrike">
+              <a:solidFill>
+                <a:srgbClr val="000000"/>
+              </a:solidFill>
+              <a:uFill>
+                <a:solidFill>
+                  <a:srgbClr val="ffffff"/>
+                </a:solidFill>
+              </a:uFill>
+              <a:latin typeface="DejaVu Sans"/>
+            </a:endParaRPr>
+          </a:p>
+        </p:txBody>
+      </p:sp>
+    </p:spTree>
+  </p:cSld>
+</p:sldLayout>
+</file>
+
+<file path=ppt/slideLayouts/slideLayout69.xml><?xml version="1.0" encoding="utf-8"?>
+<p:sldLayout xmlns:a="http://schemas.openxmlformats.org/drawingml/2006/main" xmlns:p="http://schemas.openxmlformats.org/presentationml/2006/main" xmlns:r="http://schemas.openxmlformats.org/officeDocument/2006/relationships" xmlns:p14="http://schemas.microsoft.com/office/powerpoint/2010/main" xmlns:p15="http://schemas.microsoft.com/office/powerpoint/2012/main" xmlns:mc="http://schemas.openxmlformats.org/markup-compatibility/2006" type="twoObjOverTx" preserve="1">
+  <p:cSld name="Title, 2 Content over Content">
+    <p:spTree>
+      <p:nvGrpSpPr>
+        <p:cNvPr id="1" name=""/>
+        <p:cNvGrpSpPr/>
+        <p:nvPr/>
+      </p:nvGrpSpPr>
+      <p:grpSpPr>
+        <a:xfrm>
+          <a:off x="0" y="0"/>
+          <a:ext cx="0" cy="0"/>
+          <a:chOff x="0" y="0"/>
+          <a:chExt cx="0" cy="0"/>
+        </a:xfrm>
+      </p:grpSpPr>
+      <p:sp>
+        <p:nvSpPr>
+          <p:cNvPr id="209" name="PlaceHolder 1"/>
+          <p:cNvSpPr>
+            <a:spLocks noGrp="1"/>
+          </p:cNvSpPr>
+          <p:nvPr>
+            <p:ph type="title"/>
+          </p:nvPr>
+        </p:nvSpPr>
+        <p:spPr>
+          <a:xfrm>
+            <a:off x="504000" y="301320"/>
+            <a:ext cx="9072000" cy="1261800"/>
+          </a:xfrm>
+          <a:prstGeom prst="rect">
+            <a:avLst/>
+          </a:prstGeom>
+        </p:spPr>
+        <p:txBody>
+          <a:bodyPr lIns="0" rIns="0" tIns="0" bIns="0" anchor="ctr"/>
+          <a:p>
+            <a:pPr algn="ctr"/>
+            <a:endParaRPr b="0" lang="en-US" sz="4400" spc="-1" strike="noStrike">
+              <a:solidFill>
+                <a:srgbClr val="000000"/>
+              </a:solidFill>
+              <a:uFill>
+                <a:solidFill>
+                  <a:srgbClr val="ffffff"/>
+                </a:solidFill>
+              </a:uFill>
+              <a:latin typeface="DejaVu Sans"/>
+            </a:endParaRPr>
+          </a:p>
+        </p:txBody>
+      </p:sp>
+      <p:sp>
+        <p:nvSpPr>
+          <p:cNvPr id="210" name="PlaceHolder 2"/>
+          <p:cNvSpPr>
+            <a:spLocks noGrp="1"/>
+          </p:cNvSpPr>
+          <p:nvPr>
+            <p:ph type="body"/>
+          </p:nvPr>
+        </p:nvSpPr>
+        <p:spPr>
+          <a:xfrm>
+            <a:off x="504000" y="1768680"/>
+            <a:ext cx="4426920" cy="2090880"/>
+          </a:xfrm>
+          <a:prstGeom prst="rect">
+            <a:avLst/>
+          </a:prstGeom>
+        </p:spPr>
+        <p:txBody>
+          <a:bodyPr lIns="0" rIns="0" tIns="0" bIns="0">
+            <a:normAutofit/>
+          </a:bodyPr>
+          <a:p>
+            <a:endParaRPr b="0" lang="en-US" sz="3200" spc="-1" strike="noStrike">
+              <a:solidFill>
+                <a:srgbClr val="000000"/>
+              </a:solidFill>
+              <a:uFill>
+                <a:solidFill>
+                  <a:srgbClr val="ffffff"/>
+                </a:solidFill>
+              </a:uFill>
+              <a:latin typeface="DejaVu Sans"/>
+            </a:endParaRPr>
+          </a:p>
+        </p:txBody>
+      </p:sp>
+      <p:sp>
+        <p:nvSpPr>
+          <p:cNvPr id="211" name="PlaceHolder 3"/>
+          <p:cNvSpPr>
+            <a:spLocks noGrp="1"/>
+          </p:cNvSpPr>
+          <p:nvPr>
+            <p:ph type="body"/>
+          </p:nvPr>
+        </p:nvSpPr>
+        <p:spPr>
+          <a:xfrm>
+            <a:off x="5152680" y="1768680"/>
+            <a:ext cx="4426920" cy="2090880"/>
+          </a:xfrm>
+          <a:prstGeom prst="rect">
+            <a:avLst/>
+          </a:prstGeom>
+        </p:spPr>
+        <p:txBody>
+          <a:bodyPr lIns="0" rIns="0" tIns="0" bIns="0">
+            <a:normAutofit/>
+          </a:bodyPr>
+          <a:p>
+            <a:endParaRPr b="0" lang="en-US" sz="3200" spc="-1" strike="noStrike">
+              <a:solidFill>
+                <a:srgbClr val="000000"/>
+              </a:solidFill>
+              <a:uFill>
+                <a:solidFill>
+                  <a:srgbClr val="ffffff"/>
+                </a:solidFill>
+              </a:uFill>
+              <a:latin typeface="DejaVu Sans"/>
+            </a:endParaRPr>
+          </a:p>
+        </p:txBody>
+      </p:sp>
+      <p:sp>
+        <p:nvSpPr>
+          <p:cNvPr id="212" name="PlaceHolder 4"/>
+          <p:cNvSpPr>
+            <a:spLocks noGrp="1"/>
+          </p:cNvSpPr>
+          <p:nvPr>
+            <p:ph type="body"/>
+          </p:nvPr>
+        </p:nvSpPr>
+        <p:spPr>
+          <a:xfrm>
+            <a:off x="504000" y="4058640"/>
+            <a:ext cx="9072000" cy="2090880"/>
+          </a:xfrm>
+          <a:prstGeom prst="rect">
+            <a:avLst/>
+          </a:prstGeom>
+        </p:spPr>
+        <p:txBody>
+          <a:bodyPr lIns="0" rIns="0" tIns="0" bIns="0">
+            <a:normAutofit/>
+          </a:bodyPr>
+          <a:p>
             <a:endParaRPr b="0" lang="en-US" sz="3200" spc="-1" strike="noStrike">
               <a:solidFill>
                 <a:srgbClr val="000000"/>
@@ -4547,6 +8776,639 @@
 </p:sldLayout>
 </file>
 
+<file path=ppt/slideLayouts/slideLayout70.xml><?xml version="1.0" encoding="utf-8"?>
+<p:sldLayout xmlns:a="http://schemas.openxmlformats.org/drawingml/2006/main" xmlns:p="http://schemas.openxmlformats.org/presentationml/2006/main" xmlns:r="http://schemas.openxmlformats.org/officeDocument/2006/relationships" xmlns:p14="http://schemas.microsoft.com/office/powerpoint/2010/main" xmlns:p15="http://schemas.microsoft.com/office/powerpoint/2012/main" xmlns:mc="http://schemas.openxmlformats.org/markup-compatibility/2006" type="objOverTx" preserve="1">
+  <p:cSld name="Title, Content over Content">
+    <p:spTree>
+      <p:nvGrpSpPr>
+        <p:cNvPr id="1" name=""/>
+        <p:cNvGrpSpPr/>
+        <p:nvPr/>
+      </p:nvGrpSpPr>
+      <p:grpSpPr>
+        <a:xfrm>
+          <a:off x="0" y="0"/>
+          <a:ext cx="0" cy="0"/>
+          <a:chOff x="0" y="0"/>
+          <a:chExt cx="0" cy="0"/>
+        </a:xfrm>
+      </p:grpSpPr>
+      <p:sp>
+        <p:nvSpPr>
+          <p:cNvPr id="213" name="PlaceHolder 1"/>
+          <p:cNvSpPr>
+            <a:spLocks noGrp="1"/>
+          </p:cNvSpPr>
+          <p:nvPr>
+            <p:ph type="title"/>
+          </p:nvPr>
+        </p:nvSpPr>
+        <p:spPr>
+          <a:xfrm>
+            <a:off x="504000" y="301320"/>
+            <a:ext cx="9072000" cy="1261800"/>
+          </a:xfrm>
+          <a:prstGeom prst="rect">
+            <a:avLst/>
+          </a:prstGeom>
+        </p:spPr>
+        <p:txBody>
+          <a:bodyPr lIns="0" rIns="0" tIns="0" bIns="0" anchor="ctr"/>
+          <a:p>
+            <a:pPr algn="ctr"/>
+            <a:endParaRPr b="0" lang="en-US" sz="4400" spc="-1" strike="noStrike">
+              <a:solidFill>
+                <a:srgbClr val="000000"/>
+              </a:solidFill>
+              <a:uFill>
+                <a:solidFill>
+                  <a:srgbClr val="ffffff"/>
+                </a:solidFill>
+              </a:uFill>
+              <a:latin typeface="DejaVu Sans"/>
+            </a:endParaRPr>
+          </a:p>
+        </p:txBody>
+      </p:sp>
+      <p:sp>
+        <p:nvSpPr>
+          <p:cNvPr id="214" name="PlaceHolder 2"/>
+          <p:cNvSpPr>
+            <a:spLocks noGrp="1"/>
+          </p:cNvSpPr>
+          <p:nvPr>
+            <p:ph type="body"/>
+          </p:nvPr>
+        </p:nvSpPr>
+        <p:spPr>
+          <a:xfrm>
+            <a:off x="504000" y="1768680"/>
+            <a:ext cx="9072000" cy="2090880"/>
+          </a:xfrm>
+          <a:prstGeom prst="rect">
+            <a:avLst/>
+          </a:prstGeom>
+        </p:spPr>
+        <p:txBody>
+          <a:bodyPr lIns="0" rIns="0" tIns="0" bIns="0">
+            <a:normAutofit/>
+          </a:bodyPr>
+          <a:p>
+            <a:endParaRPr b="0" lang="en-US" sz="3200" spc="-1" strike="noStrike">
+              <a:solidFill>
+                <a:srgbClr val="000000"/>
+              </a:solidFill>
+              <a:uFill>
+                <a:solidFill>
+                  <a:srgbClr val="ffffff"/>
+                </a:solidFill>
+              </a:uFill>
+              <a:latin typeface="DejaVu Sans"/>
+            </a:endParaRPr>
+          </a:p>
+        </p:txBody>
+      </p:sp>
+      <p:sp>
+        <p:nvSpPr>
+          <p:cNvPr id="215" name="PlaceHolder 3"/>
+          <p:cNvSpPr>
+            <a:spLocks noGrp="1"/>
+          </p:cNvSpPr>
+          <p:nvPr>
+            <p:ph type="body"/>
+          </p:nvPr>
+        </p:nvSpPr>
+        <p:spPr>
+          <a:xfrm>
+            <a:off x="504000" y="4058640"/>
+            <a:ext cx="9072000" cy="2090880"/>
+          </a:xfrm>
+          <a:prstGeom prst="rect">
+            <a:avLst/>
+          </a:prstGeom>
+        </p:spPr>
+        <p:txBody>
+          <a:bodyPr lIns="0" rIns="0" tIns="0" bIns="0">
+            <a:normAutofit/>
+          </a:bodyPr>
+          <a:p>
+            <a:endParaRPr b="0" lang="en-US" sz="3200" spc="-1" strike="noStrike">
+              <a:solidFill>
+                <a:srgbClr val="000000"/>
+              </a:solidFill>
+              <a:uFill>
+                <a:solidFill>
+                  <a:srgbClr val="ffffff"/>
+                </a:solidFill>
+              </a:uFill>
+              <a:latin typeface="DejaVu Sans"/>
+            </a:endParaRPr>
+          </a:p>
+        </p:txBody>
+      </p:sp>
+    </p:spTree>
+  </p:cSld>
+</p:sldLayout>
+</file>
+
+<file path=ppt/slideLayouts/slideLayout71.xml><?xml version="1.0" encoding="utf-8"?>
+<p:sldLayout xmlns:a="http://schemas.openxmlformats.org/drawingml/2006/main" xmlns:p="http://schemas.openxmlformats.org/presentationml/2006/main" xmlns:r="http://schemas.openxmlformats.org/officeDocument/2006/relationships" xmlns:p14="http://schemas.microsoft.com/office/powerpoint/2010/main" xmlns:p15="http://schemas.microsoft.com/office/powerpoint/2012/main" xmlns:mc="http://schemas.openxmlformats.org/markup-compatibility/2006" type="fourObj" preserve="1">
+  <p:cSld name="Title, 4 Content">
+    <p:spTree>
+      <p:nvGrpSpPr>
+        <p:cNvPr id="1" name=""/>
+        <p:cNvGrpSpPr/>
+        <p:nvPr/>
+      </p:nvGrpSpPr>
+      <p:grpSpPr>
+        <a:xfrm>
+          <a:off x="0" y="0"/>
+          <a:ext cx="0" cy="0"/>
+          <a:chOff x="0" y="0"/>
+          <a:chExt cx="0" cy="0"/>
+        </a:xfrm>
+      </p:grpSpPr>
+      <p:sp>
+        <p:nvSpPr>
+          <p:cNvPr id="216" name="PlaceHolder 1"/>
+          <p:cNvSpPr>
+            <a:spLocks noGrp="1"/>
+          </p:cNvSpPr>
+          <p:nvPr>
+            <p:ph type="title"/>
+          </p:nvPr>
+        </p:nvSpPr>
+        <p:spPr>
+          <a:xfrm>
+            <a:off x="504000" y="301320"/>
+            <a:ext cx="9072000" cy="1261800"/>
+          </a:xfrm>
+          <a:prstGeom prst="rect">
+            <a:avLst/>
+          </a:prstGeom>
+        </p:spPr>
+        <p:txBody>
+          <a:bodyPr lIns="0" rIns="0" tIns="0" bIns="0" anchor="ctr"/>
+          <a:p>
+            <a:pPr algn="ctr"/>
+            <a:endParaRPr b="0" lang="en-US" sz="4400" spc="-1" strike="noStrike">
+              <a:solidFill>
+                <a:srgbClr val="000000"/>
+              </a:solidFill>
+              <a:uFill>
+                <a:solidFill>
+                  <a:srgbClr val="ffffff"/>
+                </a:solidFill>
+              </a:uFill>
+              <a:latin typeface="DejaVu Sans"/>
+            </a:endParaRPr>
+          </a:p>
+        </p:txBody>
+      </p:sp>
+      <p:sp>
+        <p:nvSpPr>
+          <p:cNvPr id="217" name="PlaceHolder 2"/>
+          <p:cNvSpPr>
+            <a:spLocks noGrp="1"/>
+          </p:cNvSpPr>
+          <p:nvPr>
+            <p:ph type="body"/>
+          </p:nvPr>
+        </p:nvSpPr>
+        <p:spPr>
+          <a:xfrm>
+            <a:off x="504000" y="1768680"/>
+            <a:ext cx="4426920" cy="2090880"/>
+          </a:xfrm>
+          <a:prstGeom prst="rect">
+            <a:avLst/>
+          </a:prstGeom>
+        </p:spPr>
+        <p:txBody>
+          <a:bodyPr lIns="0" rIns="0" tIns="0" bIns="0">
+            <a:normAutofit/>
+          </a:bodyPr>
+          <a:p>
+            <a:endParaRPr b="0" lang="en-US" sz="3200" spc="-1" strike="noStrike">
+              <a:solidFill>
+                <a:srgbClr val="000000"/>
+              </a:solidFill>
+              <a:uFill>
+                <a:solidFill>
+                  <a:srgbClr val="ffffff"/>
+                </a:solidFill>
+              </a:uFill>
+              <a:latin typeface="DejaVu Sans"/>
+            </a:endParaRPr>
+          </a:p>
+        </p:txBody>
+      </p:sp>
+      <p:sp>
+        <p:nvSpPr>
+          <p:cNvPr id="218" name="PlaceHolder 3"/>
+          <p:cNvSpPr>
+            <a:spLocks noGrp="1"/>
+          </p:cNvSpPr>
+          <p:nvPr>
+            <p:ph type="body"/>
+          </p:nvPr>
+        </p:nvSpPr>
+        <p:spPr>
+          <a:xfrm>
+            <a:off x="5152680" y="1768680"/>
+            <a:ext cx="4426920" cy="2090880"/>
+          </a:xfrm>
+          <a:prstGeom prst="rect">
+            <a:avLst/>
+          </a:prstGeom>
+        </p:spPr>
+        <p:txBody>
+          <a:bodyPr lIns="0" rIns="0" tIns="0" bIns="0">
+            <a:normAutofit/>
+          </a:bodyPr>
+          <a:p>
+            <a:endParaRPr b="0" lang="en-US" sz="3200" spc="-1" strike="noStrike">
+              <a:solidFill>
+                <a:srgbClr val="000000"/>
+              </a:solidFill>
+              <a:uFill>
+                <a:solidFill>
+                  <a:srgbClr val="ffffff"/>
+                </a:solidFill>
+              </a:uFill>
+              <a:latin typeface="DejaVu Sans"/>
+            </a:endParaRPr>
+          </a:p>
+        </p:txBody>
+      </p:sp>
+      <p:sp>
+        <p:nvSpPr>
+          <p:cNvPr id="219" name="PlaceHolder 4"/>
+          <p:cNvSpPr>
+            <a:spLocks noGrp="1"/>
+          </p:cNvSpPr>
+          <p:nvPr>
+            <p:ph type="body"/>
+          </p:nvPr>
+        </p:nvSpPr>
+        <p:spPr>
+          <a:xfrm>
+            <a:off x="5152680" y="4058640"/>
+            <a:ext cx="4426920" cy="2090880"/>
+          </a:xfrm>
+          <a:prstGeom prst="rect">
+            <a:avLst/>
+          </a:prstGeom>
+        </p:spPr>
+        <p:txBody>
+          <a:bodyPr lIns="0" rIns="0" tIns="0" bIns="0">
+            <a:normAutofit/>
+          </a:bodyPr>
+          <a:p>
+            <a:endParaRPr b="0" lang="en-US" sz="3200" spc="-1" strike="noStrike">
+              <a:solidFill>
+                <a:srgbClr val="000000"/>
+              </a:solidFill>
+              <a:uFill>
+                <a:solidFill>
+                  <a:srgbClr val="ffffff"/>
+                </a:solidFill>
+              </a:uFill>
+              <a:latin typeface="DejaVu Sans"/>
+            </a:endParaRPr>
+          </a:p>
+        </p:txBody>
+      </p:sp>
+      <p:sp>
+        <p:nvSpPr>
+          <p:cNvPr id="220" name="PlaceHolder 5"/>
+          <p:cNvSpPr>
+            <a:spLocks noGrp="1"/>
+          </p:cNvSpPr>
+          <p:nvPr>
+            <p:ph type="body"/>
+          </p:nvPr>
+        </p:nvSpPr>
+        <p:spPr>
+          <a:xfrm>
+            <a:off x="504000" y="4058640"/>
+            <a:ext cx="4426920" cy="2090880"/>
+          </a:xfrm>
+          <a:prstGeom prst="rect">
+            <a:avLst/>
+          </a:prstGeom>
+        </p:spPr>
+        <p:txBody>
+          <a:bodyPr lIns="0" rIns="0" tIns="0" bIns="0">
+            <a:normAutofit/>
+          </a:bodyPr>
+          <a:p>
+            <a:endParaRPr b="0" lang="en-US" sz="3200" spc="-1" strike="noStrike">
+              <a:solidFill>
+                <a:srgbClr val="000000"/>
+              </a:solidFill>
+              <a:uFill>
+                <a:solidFill>
+                  <a:srgbClr val="ffffff"/>
+                </a:solidFill>
+              </a:uFill>
+              <a:latin typeface="DejaVu Sans"/>
+            </a:endParaRPr>
+          </a:p>
+        </p:txBody>
+      </p:sp>
+    </p:spTree>
+  </p:cSld>
+</p:sldLayout>
+</file>
+
+<file path=ppt/slideLayouts/slideLayout72.xml><?xml version="1.0" encoding="utf-8"?>
+<p:sldLayout xmlns:a="http://schemas.openxmlformats.org/drawingml/2006/main" xmlns:p="http://schemas.openxmlformats.org/presentationml/2006/main" xmlns:r="http://schemas.openxmlformats.org/officeDocument/2006/relationships" xmlns:p14="http://schemas.microsoft.com/office/powerpoint/2010/main" xmlns:p15="http://schemas.microsoft.com/office/powerpoint/2012/main" xmlns:mc="http://schemas.openxmlformats.org/markup-compatibility/2006" type="blank" preserve="1">
+  <p:cSld name="Title, 6 Content">
+    <p:spTree>
+      <p:nvGrpSpPr>
+        <p:cNvPr id="1" name=""/>
+        <p:cNvGrpSpPr/>
+        <p:nvPr/>
+      </p:nvGrpSpPr>
+      <p:grpSpPr>
+        <a:xfrm>
+          <a:off x="0" y="0"/>
+          <a:ext cx="0" cy="0"/>
+          <a:chOff x="0" y="0"/>
+          <a:chExt cx="0" cy="0"/>
+        </a:xfrm>
+      </p:grpSpPr>
+      <p:sp>
+        <p:nvSpPr>
+          <p:cNvPr id="221" name="PlaceHolder 1"/>
+          <p:cNvSpPr>
+            <a:spLocks noGrp="1"/>
+          </p:cNvSpPr>
+          <p:nvPr>
+            <p:ph type="title"/>
+          </p:nvPr>
+        </p:nvSpPr>
+        <p:spPr>
+          <a:xfrm>
+            <a:off x="504000" y="301320"/>
+            <a:ext cx="9072000" cy="1261800"/>
+          </a:xfrm>
+          <a:prstGeom prst="rect">
+            <a:avLst/>
+          </a:prstGeom>
+        </p:spPr>
+        <p:txBody>
+          <a:bodyPr lIns="0" rIns="0" tIns="0" bIns="0" anchor="ctr"/>
+          <a:p>
+            <a:pPr algn="ctr"/>
+            <a:endParaRPr b="0" lang="en-US" sz="4400" spc="-1" strike="noStrike">
+              <a:solidFill>
+                <a:srgbClr val="000000"/>
+              </a:solidFill>
+              <a:uFill>
+                <a:solidFill>
+                  <a:srgbClr val="ffffff"/>
+                </a:solidFill>
+              </a:uFill>
+              <a:latin typeface="DejaVu Sans"/>
+            </a:endParaRPr>
+          </a:p>
+        </p:txBody>
+      </p:sp>
+      <p:sp>
+        <p:nvSpPr>
+          <p:cNvPr id="222" name="PlaceHolder 2"/>
+          <p:cNvSpPr>
+            <a:spLocks noGrp="1"/>
+          </p:cNvSpPr>
+          <p:nvPr>
+            <p:ph type="body"/>
+          </p:nvPr>
+        </p:nvSpPr>
+        <p:spPr>
+          <a:xfrm>
+            <a:off x="504000" y="1768680"/>
+            <a:ext cx="2921040" cy="2090880"/>
+          </a:xfrm>
+          <a:prstGeom prst="rect">
+            <a:avLst/>
+          </a:prstGeom>
+        </p:spPr>
+        <p:txBody>
+          <a:bodyPr lIns="0" rIns="0" tIns="0" bIns="0">
+            <a:normAutofit/>
+          </a:bodyPr>
+          <a:p>
+            <a:endParaRPr b="0" lang="en-US" sz="3200" spc="-1" strike="noStrike">
+              <a:solidFill>
+                <a:srgbClr val="000000"/>
+              </a:solidFill>
+              <a:uFill>
+                <a:solidFill>
+                  <a:srgbClr val="ffffff"/>
+                </a:solidFill>
+              </a:uFill>
+              <a:latin typeface="DejaVu Sans"/>
+            </a:endParaRPr>
+          </a:p>
+        </p:txBody>
+      </p:sp>
+      <p:sp>
+        <p:nvSpPr>
+          <p:cNvPr id="223" name="PlaceHolder 3"/>
+          <p:cNvSpPr>
+            <a:spLocks noGrp="1"/>
+          </p:cNvSpPr>
+          <p:nvPr>
+            <p:ph type="body"/>
+          </p:nvPr>
+        </p:nvSpPr>
+        <p:spPr>
+          <a:xfrm>
+            <a:off x="3571560" y="1768680"/>
+            <a:ext cx="2921040" cy="2090880"/>
+          </a:xfrm>
+          <a:prstGeom prst="rect">
+            <a:avLst/>
+          </a:prstGeom>
+        </p:spPr>
+        <p:txBody>
+          <a:bodyPr lIns="0" rIns="0" tIns="0" bIns="0">
+            <a:normAutofit/>
+          </a:bodyPr>
+          <a:p>
+            <a:endParaRPr b="0" lang="en-US" sz="3200" spc="-1" strike="noStrike">
+              <a:solidFill>
+                <a:srgbClr val="000000"/>
+              </a:solidFill>
+              <a:uFill>
+                <a:solidFill>
+                  <a:srgbClr val="ffffff"/>
+                </a:solidFill>
+              </a:uFill>
+              <a:latin typeface="DejaVu Sans"/>
+            </a:endParaRPr>
+          </a:p>
+        </p:txBody>
+      </p:sp>
+      <p:sp>
+        <p:nvSpPr>
+          <p:cNvPr id="224" name="PlaceHolder 4"/>
+          <p:cNvSpPr>
+            <a:spLocks noGrp="1"/>
+          </p:cNvSpPr>
+          <p:nvPr>
+            <p:ph type="body"/>
+          </p:nvPr>
+        </p:nvSpPr>
+        <p:spPr>
+          <a:xfrm>
+            <a:off x="6639120" y="1768680"/>
+            <a:ext cx="2921040" cy="2090880"/>
+          </a:xfrm>
+          <a:prstGeom prst="rect">
+            <a:avLst/>
+          </a:prstGeom>
+        </p:spPr>
+        <p:txBody>
+          <a:bodyPr lIns="0" rIns="0" tIns="0" bIns="0">
+            <a:normAutofit/>
+          </a:bodyPr>
+          <a:p>
+            <a:endParaRPr b="0" lang="en-US" sz="3200" spc="-1" strike="noStrike">
+              <a:solidFill>
+                <a:srgbClr val="000000"/>
+              </a:solidFill>
+              <a:uFill>
+                <a:solidFill>
+                  <a:srgbClr val="ffffff"/>
+                </a:solidFill>
+              </a:uFill>
+              <a:latin typeface="DejaVu Sans"/>
+            </a:endParaRPr>
+          </a:p>
+        </p:txBody>
+      </p:sp>
+      <p:sp>
+        <p:nvSpPr>
+          <p:cNvPr id="225" name="PlaceHolder 5"/>
+          <p:cNvSpPr>
+            <a:spLocks noGrp="1"/>
+          </p:cNvSpPr>
+          <p:nvPr>
+            <p:ph type="body"/>
+          </p:nvPr>
+        </p:nvSpPr>
+        <p:spPr>
+          <a:xfrm>
+            <a:off x="6639120" y="4058640"/>
+            <a:ext cx="2921040" cy="2090880"/>
+          </a:xfrm>
+          <a:prstGeom prst="rect">
+            <a:avLst/>
+          </a:prstGeom>
+        </p:spPr>
+        <p:txBody>
+          <a:bodyPr lIns="0" rIns="0" tIns="0" bIns="0">
+            <a:normAutofit/>
+          </a:bodyPr>
+          <a:p>
+            <a:endParaRPr b="0" lang="en-US" sz="3200" spc="-1" strike="noStrike">
+              <a:solidFill>
+                <a:srgbClr val="000000"/>
+              </a:solidFill>
+              <a:uFill>
+                <a:solidFill>
+                  <a:srgbClr val="ffffff"/>
+                </a:solidFill>
+              </a:uFill>
+              <a:latin typeface="DejaVu Sans"/>
+            </a:endParaRPr>
+          </a:p>
+        </p:txBody>
+      </p:sp>
+      <p:sp>
+        <p:nvSpPr>
+          <p:cNvPr id="226" name="PlaceHolder 6"/>
+          <p:cNvSpPr>
+            <a:spLocks noGrp="1"/>
+          </p:cNvSpPr>
+          <p:nvPr>
+            <p:ph type="body"/>
+          </p:nvPr>
+        </p:nvSpPr>
+        <p:spPr>
+          <a:xfrm>
+            <a:off x="3571560" y="4058640"/>
+            <a:ext cx="2921040" cy="2090880"/>
+          </a:xfrm>
+          <a:prstGeom prst="rect">
+            <a:avLst/>
+          </a:prstGeom>
+        </p:spPr>
+        <p:txBody>
+          <a:bodyPr lIns="0" rIns="0" tIns="0" bIns="0">
+            <a:normAutofit/>
+          </a:bodyPr>
+          <a:p>
+            <a:endParaRPr b="0" lang="en-US" sz="3200" spc="-1" strike="noStrike">
+              <a:solidFill>
+                <a:srgbClr val="000000"/>
+              </a:solidFill>
+              <a:uFill>
+                <a:solidFill>
+                  <a:srgbClr val="ffffff"/>
+                </a:solidFill>
+              </a:uFill>
+              <a:latin typeface="DejaVu Sans"/>
+            </a:endParaRPr>
+          </a:p>
+        </p:txBody>
+      </p:sp>
+      <p:sp>
+        <p:nvSpPr>
+          <p:cNvPr id="227" name="PlaceHolder 7"/>
+          <p:cNvSpPr>
+            <a:spLocks noGrp="1"/>
+          </p:cNvSpPr>
+          <p:nvPr>
+            <p:ph type="body"/>
+          </p:nvPr>
+        </p:nvSpPr>
+        <p:spPr>
+          <a:xfrm>
+            <a:off x="504000" y="4058640"/>
+            <a:ext cx="2921040" cy="2090880"/>
+          </a:xfrm>
+          <a:prstGeom prst="rect">
+            <a:avLst/>
+          </a:prstGeom>
+        </p:spPr>
+        <p:txBody>
+          <a:bodyPr lIns="0" rIns="0" tIns="0" bIns="0">
+            <a:normAutofit/>
+          </a:bodyPr>
+          <a:p>
+            <a:endParaRPr b="0" lang="en-US" sz="3200" spc="-1" strike="noStrike">
+              <a:solidFill>
+                <a:srgbClr val="000000"/>
+              </a:solidFill>
+              <a:uFill>
+                <a:solidFill>
+                  <a:srgbClr val="ffffff"/>
+                </a:solidFill>
+              </a:uFill>
+              <a:latin typeface="DejaVu Sans"/>
+            </a:endParaRPr>
+          </a:p>
+        </p:txBody>
+      </p:sp>
+    </p:spTree>
+  </p:cSld>
+</p:sldLayout>
+</file>
+
 <file path=ppt/slideLayouts/slideLayout8.xml><?xml version="1.0" encoding="utf-8"?>
 <p:sldLayout xmlns:a="http://schemas.openxmlformats.org/drawingml/2006/main" xmlns:p="http://schemas.openxmlformats.org/presentationml/2006/main" xmlns:r="http://schemas.openxmlformats.org/officeDocument/2006/relationships" xmlns:p14="http://schemas.microsoft.com/office/powerpoint/2010/main" xmlns:p15="http://schemas.microsoft.com/office/powerpoint/2012/main" xmlns:mc="http://schemas.openxmlformats.org/markup-compatibility/2006" type="objAndTwoObj" preserve="1">
   <p:cSld name="Title Content and 2 Content">
@@ -4923,7 +9785,7 @@
         <p:spPr>
           <a:xfrm>
             <a:off x="504000" y="301320"/>
-            <a:ext cx="9070920" cy="1261440"/>
+            <a:ext cx="9072000" cy="1261800"/>
           </a:xfrm>
           <a:prstGeom prst="rect">
             <a:avLst/>
@@ -4932,8 +9794,9 @@
         <p:txBody>
           <a:bodyPr lIns="0" rIns="0" tIns="0" bIns="0" anchor="ctr"/>
           <a:p>
+            <a:pPr algn="ctr"/>
             <a:r>
-              <a:rPr b="0" lang="en-US" sz="1800" spc="-1" strike="noStrike">
+              <a:rPr b="0" lang="en-US" sz="4400" spc="-1" strike="noStrike">
                 <a:solidFill>
                   <a:srgbClr val="000000"/>
                 </a:solidFill>
@@ -4947,7 +9810,7 @@
               <a:t>C</a:t>
             </a:r>
             <a:r>
-              <a:rPr b="0" lang="en-US" sz="1800" spc="-1" strike="noStrike">
+              <a:rPr b="0" lang="en-US" sz="4400" spc="-1" strike="noStrike">
                 <a:solidFill>
                   <a:srgbClr val="000000"/>
                 </a:solidFill>
@@ -4961,7 +9824,7 @@
               <a:t>l</a:t>
             </a:r>
             <a:r>
-              <a:rPr b="0" lang="en-US" sz="1800" spc="-1" strike="noStrike">
+              <a:rPr b="0" lang="en-US" sz="4400" spc="-1" strike="noStrike">
                 <a:solidFill>
                   <a:srgbClr val="000000"/>
                 </a:solidFill>
@@ -4975,7 +9838,7 @@
               <a:t>i</a:t>
             </a:r>
             <a:r>
-              <a:rPr b="0" lang="en-US" sz="1800" spc="-1" strike="noStrike">
+              <a:rPr b="0" lang="en-US" sz="4400" spc="-1" strike="noStrike">
                 <a:solidFill>
                   <a:srgbClr val="000000"/>
                 </a:solidFill>
@@ -4989,7 +9852,7 @@
               <a:t>c</a:t>
             </a:r>
             <a:r>
-              <a:rPr b="0" lang="en-US" sz="1800" spc="-1" strike="noStrike">
+              <a:rPr b="0" lang="en-US" sz="4400" spc="-1" strike="noStrike">
                 <a:solidFill>
                   <a:srgbClr val="000000"/>
                 </a:solidFill>
@@ -5003,7 +9866,7 @@
               <a:t>k</a:t>
             </a:r>
             <a:r>
-              <a:rPr b="0" lang="en-US" sz="1800" spc="-1" strike="noStrike">
+              <a:rPr b="0" lang="en-US" sz="4400" spc="-1" strike="noStrike">
                 <a:solidFill>
                   <a:srgbClr val="000000"/>
                 </a:solidFill>
@@ -5017,7 +9880,7 @@
               <a:t> </a:t>
             </a:r>
             <a:r>
-              <a:rPr b="0" lang="en-US" sz="1800" spc="-1" strike="noStrike">
+              <a:rPr b="0" lang="en-US" sz="4400" spc="-1" strike="noStrike">
                 <a:solidFill>
                   <a:srgbClr val="000000"/>
                 </a:solidFill>
@@ -5031,7 +9894,7 @@
               <a:t>t</a:t>
             </a:r>
             <a:r>
-              <a:rPr b="0" lang="en-US" sz="1800" spc="-1" strike="noStrike">
+              <a:rPr b="0" lang="en-US" sz="4400" spc="-1" strike="noStrike">
                 <a:solidFill>
                   <a:srgbClr val="000000"/>
                 </a:solidFill>
@@ -5045,7 +9908,7 @@
               <a:t>o</a:t>
             </a:r>
             <a:r>
-              <a:rPr b="0" lang="en-US" sz="1800" spc="-1" strike="noStrike">
+              <a:rPr b="0" lang="en-US" sz="4400" spc="-1" strike="noStrike">
                 <a:solidFill>
                   <a:srgbClr val="000000"/>
                 </a:solidFill>
@@ -5059,7 +9922,7 @@
               <a:t> </a:t>
             </a:r>
             <a:r>
-              <a:rPr b="0" lang="en-US" sz="1800" spc="-1" strike="noStrike">
+              <a:rPr b="0" lang="en-US" sz="4400" spc="-1" strike="noStrike">
                 <a:solidFill>
                   <a:srgbClr val="000000"/>
                 </a:solidFill>
@@ -5073,7 +9936,7 @@
               <a:t>e</a:t>
             </a:r>
             <a:r>
-              <a:rPr b="0" lang="en-US" sz="1800" spc="-1" strike="noStrike">
+              <a:rPr b="0" lang="en-US" sz="4400" spc="-1" strike="noStrike">
                 <a:solidFill>
                   <a:srgbClr val="000000"/>
                 </a:solidFill>
@@ -5087,7 +9950,7 @@
               <a:t>d</a:t>
             </a:r>
             <a:r>
-              <a:rPr b="0" lang="en-US" sz="1800" spc="-1" strike="noStrike">
+              <a:rPr b="0" lang="en-US" sz="4400" spc="-1" strike="noStrike">
                 <a:solidFill>
                   <a:srgbClr val="000000"/>
                 </a:solidFill>
@@ -5101,7 +9964,7 @@
               <a:t>i</a:t>
             </a:r>
             <a:r>
-              <a:rPr b="0" lang="en-US" sz="1800" spc="-1" strike="noStrike">
+              <a:rPr b="0" lang="en-US" sz="4400" spc="-1" strike="noStrike">
                 <a:solidFill>
                   <a:srgbClr val="000000"/>
                 </a:solidFill>
@@ -5115,7 +9978,7 @@
               <a:t>t</a:t>
             </a:r>
             <a:r>
-              <a:rPr b="0" lang="en-US" sz="1800" spc="-1" strike="noStrike">
+              <a:rPr b="0" lang="en-US" sz="4400" spc="-1" strike="noStrike">
                 <a:solidFill>
                   <a:srgbClr val="000000"/>
                 </a:solidFill>
@@ -5129,7 +9992,7 @@
               <a:t> </a:t>
             </a:r>
             <a:r>
-              <a:rPr b="0" lang="en-US" sz="1800" spc="-1" strike="noStrike">
+              <a:rPr b="0" lang="en-US" sz="4400" spc="-1" strike="noStrike">
                 <a:solidFill>
                   <a:srgbClr val="000000"/>
                 </a:solidFill>
@@ -5143,7 +10006,7 @@
               <a:t>t</a:t>
             </a:r>
             <a:r>
-              <a:rPr b="0" lang="en-US" sz="1800" spc="-1" strike="noStrike">
+              <a:rPr b="0" lang="en-US" sz="4400" spc="-1" strike="noStrike">
                 <a:solidFill>
                   <a:srgbClr val="000000"/>
                 </a:solidFill>
@@ -5157,7 +10020,7 @@
               <a:t>h</a:t>
             </a:r>
             <a:r>
-              <a:rPr b="0" lang="en-US" sz="1800" spc="-1" strike="noStrike">
+              <a:rPr b="0" lang="en-US" sz="4400" spc="-1" strike="noStrike">
                 <a:solidFill>
                   <a:srgbClr val="000000"/>
                 </a:solidFill>
@@ -5171,7 +10034,7 @@
               <a:t>e</a:t>
             </a:r>
             <a:r>
-              <a:rPr b="0" lang="en-US" sz="1800" spc="-1" strike="noStrike">
+              <a:rPr b="0" lang="en-US" sz="4400" spc="-1" strike="noStrike">
                 <a:solidFill>
                   <a:srgbClr val="000000"/>
                 </a:solidFill>
@@ -5185,7 +10048,7 @@
               <a:t> </a:t>
             </a:r>
             <a:r>
-              <a:rPr b="0" lang="en-US" sz="1800" spc="-1" strike="noStrike">
+              <a:rPr b="0" lang="en-US" sz="4400" spc="-1" strike="noStrike">
                 <a:solidFill>
                   <a:srgbClr val="000000"/>
                 </a:solidFill>
@@ -5199,7 +10062,7 @@
               <a:t>t</a:t>
             </a:r>
             <a:r>
-              <a:rPr b="0" lang="en-US" sz="1800" spc="-1" strike="noStrike">
+              <a:rPr b="0" lang="en-US" sz="4400" spc="-1" strike="noStrike">
                 <a:solidFill>
                   <a:srgbClr val="000000"/>
                 </a:solidFill>
@@ -5213,7 +10076,7 @@
               <a:t>i</a:t>
             </a:r>
             <a:r>
-              <a:rPr b="0" lang="en-US" sz="1800" spc="-1" strike="noStrike">
+              <a:rPr b="0" lang="en-US" sz="4400" spc="-1" strike="noStrike">
                 <a:solidFill>
                   <a:srgbClr val="000000"/>
                 </a:solidFill>
@@ -5227,7 +10090,7 @@
               <a:t>t</a:t>
             </a:r>
             <a:r>
-              <a:rPr b="0" lang="en-US" sz="1800" spc="-1" strike="noStrike">
+              <a:rPr b="0" lang="en-US" sz="4400" spc="-1" strike="noStrike">
                 <a:solidFill>
                   <a:srgbClr val="000000"/>
                 </a:solidFill>
@@ -5241,7 +10104,7 @@
               <a:t>l</a:t>
             </a:r>
             <a:r>
-              <a:rPr b="0" lang="en-US" sz="1800" spc="-1" strike="noStrike">
+              <a:rPr b="0" lang="en-US" sz="4400" spc="-1" strike="noStrike">
                 <a:solidFill>
                   <a:srgbClr val="000000"/>
                 </a:solidFill>
@@ -5255,7 +10118,7 @@
               <a:t>e</a:t>
             </a:r>
             <a:r>
-              <a:rPr b="0" lang="en-US" sz="1800" spc="-1" strike="noStrike">
+              <a:rPr b="0" lang="en-US" sz="4400" spc="-1" strike="noStrike">
                 <a:solidFill>
                   <a:srgbClr val="000000"/>
                 </a:solidFill>
@@ -5269,7 +10132,7 @@
               <a:t> </a:t>
             </a:r>
             <a:r>
-              <a:rPr b="0" lang="en-US" sz="1800" spc="-1" strike="noStrike">
+              <a:rPr b="0" lang="en-US" sz="4400" spc="-1" strike="noStrike">
                 <a:solidFill>
                   <a:srgbClr val="000000"/>
                 </a:solidFill>
@@ -5283,7 +10146,7 @@
               <a:t>t</a:t>
             </a:r>
             <a:r>
-              <a:rPr b="0" lang="en-US" sz="1800" spc="-1" strike="noStrike">
+              <a:rPr b="0" lang="en-US" sz="4400" spc="-1" strike="noStrike">
                 <a:solidFill>
                   <a:srgbClr val="000000"/>
                 </a:solidFill>
@@ -5297,7 +10160,7 @@
               <a:t>e</a:t>
             </a:r>
             <a:r>
-              <a:rPr b="0" lang="en-US" sz="1800" spc="-1" strike="noStrike">
+              <a:rPr b="0" lang="en-US" sz="4400" spc="-1" strike="noStrike">
                 <a:solidFill>
                   <a:srgbClr val="000000"/>
                 </a:solidFill>
@@ -5311,7 +10174,7 @@
               <a:t>x</a:t>
             </a:r>
             <a:r>
-              <a:rPr b="0" lang="en-US" sz="1800" spc="-1" strike="noStrike">
+              <a:rPr b="0" lang="en-US" sz="4400" spc="-1" strike="noStrike">
                 <a:solidFill>
                   <a:srgbClr val="000000"/>
                 </a:solidFill>
@@ -5325,7 +10188,7 @@
               <a:t>t</a:t>
             </a:r>
             <a:r>
-              <a:rPr b="0" lang="en-US" sz="1800" spc="-1" strike="noStrike">
+              <a:rPr b="0" lang="en-US" sz="4400" spc="-1" strike="noStrike">
                 <a:solidFill>
                   <a:srgbClr val="000000"/>
                 </a:solidFill>
@@ -5339,7 +10202,7 @@
               <a:t> </a:t>
             </a:r>
             <a:r>
-              <a:rPr b="0" lang="en-US" sz="1800" spc="-1" strike="noStrike">
+              <a:rPr b="0" lang="en-US" sz="4400" spc="-1" strike="noStrike">
                 <a:solidFill>
                   <a:srgbClr val="000000"/>
                 </a:solidFill>
@@ -5353,7 +10216,7 @@
               <a:t>f</a:t>
             </a:r>
             <a:r>
-              <a:rPr b="0" lang="en-US" sz="1800" spc="-1" strike="noStrike">
+              <a:rPr b="0" lang="en-US" sz="4400" spc="-1" strike="noStrike">
                 <a:solidFill>
                   <a:srgbClr val="000000"/>
                 </a:solidFill>
@@ -5367,7 +10230,7 @@
               <a:t>o</a:t>
             </a:r>
             <a:r>
-              <a:rPr b="0" lang="en-US" sz="1800" spc="-1" strike="noStrike">
+              <a:rPr b="0" lang="en-US" sz="4400" spc="-1" strike="noStrike">
                 <a:solidFill>
                   <a:srgbClr val="000000"/>
                 </a:solidFill>
@@ -5381,7 +10244,7 @@
               <a:t>r</a:t>
             </a:r>
             <a:r>
-              <a:rPr b="0" lang="en-US" sz="1800" spc="-1" strike="noStrike">
+              <a:rPr b="0" lang="en-US" sz="4400" spc="-1" strike="noStrike">
                 <a:solidFill>
                   <a:srgbClr val="000000"/>
                 </a:solidFill>
@@ -5395,7 +10258,7 @@
               <a:t>m</a:t>
             </a:r>
             <a:r>
-              <a:rPr b="0" lang="en-US" sz="1800" spc="-1" strike="noStrike">
+              <a:rPr b="0" lang="en-US" sz="4400" spc="-1" strike="noStrike">
                 <a:solidFill>
                   <a:srgbClr val="000000"/>
                 </a:solidFill>
@@ -5409,7 +10272,7 @@
               <a:t>a</a:t>
             </a:r>
             <a:r>
-              <a:rPr b="0" lang="en-US" sz="1800" spc="-1" strike="noStrike">
+              <a:rPr b="0" lang="en-US" sz="4400" spc="-1" strike="noStrike">
                 <a:solidFill>
                   <a:srgbClr val="000000"/>
                 </a:solidFill>
@@ -5422,7 +10285,7 @@
               </a:rPr>
               <a:t>t</a:t>
             </a:r>
-            <a:endParaRPr b="0" lang="en-US" sz="1800" spc="-1" strike="noStrike">
+            <a:endParaRPr b="0" lang="en-US" sz="4400" spc="-1" strike="noStrike">
               <a:solidFill>
                 <a:srgbClr val="000000"/>
               </a:solidFill>
@@ -5448,15 +10311,17 @@
         </p:nvSpPr>
         <p:spPr>
           <a:xfrm>
-            <a:off x="504000" y="1769040"/>
-            <a:ext cx="9070920" cy="4383720"/>
-          </a:xfrm>
-          <a:prstGeom prst="rect">
-            <a:avLst/>
-          </a:prstGeom>
-        </p:spPr>
-        <p:txBody>
-          <a:bodyPr lIns="0" rIns="0" tIns="0" bIns="0"/>
+            <a:off x="504000" y="1768680"/>
+            <a:ext cx="9072000" cy="4384080"/>
+          </a:xfrm>
+          <a:prstGeom prst="rect">
+            <a:avLst/>
+          </a:prstGeom>
+        </p:spPr>
+        <p:txBody>
+          <a:bodyPr lIns="0" rIns="0" tIns="0" bIns="0">
+            <a:normAutofit/>
+          </a:bodyPr>
           <a:p>
             <a:pPr marL="432000" indent="-324000">
               <a:spcBef>
@@ -5470,7 +10335,7 @@
               <a:buChar char=""/>
             </a:pPr>
             <a:r>
-              <a:rPr b="0" lang="en-US" sz="1800" spc="-1" strike="noStrike">
+              <a:rPr b="0" lang="en-US" sz="3200" spc="-1" strike="noStrike">
                 <a:solidFill>
                   <a:srgbClr val="000000"/>
                 </a:solidFill>
@@ -5483,7 +10348,7 @@
               </a:rPr>
               <a:t>Click to edit the outline text format</a:t>
             </a:r>
-            <a:endParaRPr b="0" lang="en-US" sz="1800" spc="-1" strike="noStrike">
+            <a:endParaRPr b="0" lang="en-US" sz="3200" spc="-1" strike="noStrike">
               <a:solidFill>
                 <a:srgbClr val="000000"/>
               </a:solidFill>
@@ -5508,7 +10373,7 @@
               <a:buChar char=""/>
             </a:pPr>
             <a:r>
-              <a:rPr b="0" lang="en-US" sz="1800" spc="-1" strike="noStrike">
+              <a:rPr b="0" lang="en-US" sz="2800" spc="-1" strike="noStrike">
                 <a:solidFill>
                   <a:srgbClr val="000000"/>
                 </a:solidFill>
@@ -5521,7 +10386,7 @@
               </a:rPr>
               <a:t>Second Outline Level</a:t>
             </a:r>
-            <a:endParaRPr b="0" lang="en-US" sz="1800" spc="-1" strike="noStrike">
+            <a:endParaRPr b="0" lang="en-US" sz="2800" spc="-1" strike="noStrike">
               <a:solidFill>
                 <a:srgbClr val="000000"/>
               </a:solidFill>
@@ -5546,7 +10411,7 @@
               <a:buChar char=""/>
             </a:pPr>
             <a:r>
-              <a:rPr b="0" lang="en-US" sz="1800" spc="-1" strike="noStrike">
+              <a:rPr b="0" lang="en-US" sz="2400" spc="-1" strike="noStrike">
                 <a:solidFill>
                   <a:srgbClr val="000000"/>
                 </a:solidFill>
@@ -5559,7 +10424,7 @@
               </a:rPr>
               <a:t>Third Outline Level</a:t>
             </a:r>
-            <a:endParaRPr b="0" lang="en-US" sz="1800" spc="-1" strike="noStrike">
+            <a:endParaRPr b="0" lang="en-US" sz="2400" spc="-1" strike="noStrike">
               <a:solidFill>
                 <a:srgbClr val="000000"/>
               </a:solidFill>
@@ -5584,7 +10449,7 @@
               <a:buChar char=""/>
             </a:pPr>
             <a:r>
-              <a:rPr b="0" lang="en-US" sz="1800" spc="-1" strike="noStrike">
+              <a:rPr b="0" lang="en-US" sz="2000" spc="-1" strike="noStrike">
                 <a:solidFill>
                   <a:srgbClr val="000000"/>
                 </a:solidFill>
@@ -5597,7 +10462,7 @@
               </a:rPr>
               <a:t>Fourth Outline Level</a:t>
             </a:r>
-            <a:endParaRPr b="0" lang="en-US" sz="1800" spc="-1" strike="noStrike">
+            <a:endParaRPr b="0" lang="en-US" sz="2000" spc="-1" strike="noStrike">
               <a:solidFill>
                 <a:srgbClr val="000000"/>
               </a:solidFill>
@@ -5622,7 +10487,7 @@
               <a:buChar char=""/>
             </a:pPr>
             <a:r>
-              <a:rPr b="0" lang="en-US" sz="1800" spc="-1" strike="noStrike">
+              <a:rPr b="0" lang="en-US" sz="2000" spc="-1" strike="noStrike">
                 <a:solidFill>
                   <a:srgbClr val="000000"/>
                 </a:solidFill>
@@ -5635,7 +10500,7 @@
               </a:rPr>
               <a:t>Fifth Outline Level</a:t>
             </a:r>
-            <a:endParaRPr b="0" lang="en-US" sz="1800" spc="-1" strike="noStrike">
+            <a:endParaRPr b="0" lang="en-US" sz="2000" spc="-1" strike="noStrike">
               <a:solidFill>
                 <a:srgbClr val="000000"/>
               </a:solidFill>
@@ -5660,7 +10525,7 @@
               <a:buChar char=""/>
             </a:pPr>
             <a:r>
-              <a:rPr b="0" lang="en-US" sz="1800" spc="-1" strike="noStrike">
+              <a:rPr b="0" lang="en-US" sz="2000" spc="-1" strike="noStrike">
                 <a:solidFill>
                   <a:srgbClr val="000000"/>
                 </a:solidFill>
@@ -5673,7 +10538,7 @@
               </a:rPr>
               <a:t>Sixth Outline Level</a:t>
             </a:r>
-            <a:endParaRPr b="0" lang="en-US" sz="1800" spc="-1" strike="noStrike">
+            <a:endParaRPr b="0" lang="en-US" sz="2000" spc="-1" strike="noStrike">
               <a:solidFill>
                 <a:srgbClr val="000000"/>
               </a:solidFill>
@@ -5698,7 +10563,7 @@
               <a:buChar char=""/>
             </a:pPr>
             <a:r>
-              <a:rPr b="0" lang="en-US" sz="1800" spc="-1" strike="noStrike">
+              <a:rPr b="0" lang="en-US" sz="2000" spc="-1" strike="noStrike">
                 <a:solidFill>
                   <a:srgbClr val="000000"/>
                 </a:solidFill>
@@ -5711,7 +10576,7 @@
               </a:rPr>
               <a:t>Seventh Outline Level</a:t>
             </a:r>
-            <a:endParaRPr b="0" lang="en-US" sz="1800" spc="-1" strike="noStrike">
+            <a:endParaRPr b="0" lang="en-US" sz="2000" spc="-1" strike="noStrike">
               <a:solidFill>
                 <a:srgbClr val="000000"/>
               </a:solidFill>
@@ -6154,7 +11019,7 @@
         <p:spPr>
           <a:xfrm>
             <a:off x="504000" y="301320"/>
-            <a:ext cx="9070920" cy="1261440"/>
+            <a:ext cx="9072000" cy="1261800"/>
           </a:xfrm>
           <a:prstGeom prst="rect">
             <a:avLst/>
@@ -6163,8 +11028,9 @@
         <p:txBody>
           <a:bodyPr lIns="0" rIns="0" tIns="0" bIns="0" anchor="ctr"/>
           <a:p>
+            <a:pPr algn="ctr"/>
             <a:r>
-              <a:rPr b="0" lang="en-US" sz="1800" spc="-1" strike="noStrike">
+              <a:rPr b="0" lang="en-US" sz="4400" spc="-1" strike="noStrike">
                 <a:solidFill>
                   <a:srgbClr val="000000"/>
                 </a:solidFill>
@@ -6177,7 +11043,7 @@
               </a:rPr>
               <a:t>Click to edit the title text format</a:t>
             </a:r>
-            <a:endParaRPr b="0" lang="en-US" sz="1800" spc="-1" strike="noStrike">
+            <a:endParaRPr b="0" lang="en-US" sz="4400" spc="-1" strike="noStrike">
               <a:solidFill>
                 <a:srgbClr val="000000"/>
               </a:solidFill>
@@ -6203,15 +11069,17 @@
         </p:nvSpPr>
         <p:spPr>
           <a:xfrm>
-            <a:off x="504000" y="1769040"/>
-            <a:ext cx="9070920" cy="4383720"/>
-          </a:xfrm>
-          <a:prstGeom prst="rect">
-            <a:avLst/>
-          </a:prstGeom>
-        </p:spPr>
-        <p:txBody>
-          <a:bodyPr lIns="0" rIns="0" tIns="0" bIns="0"/>
+            <a:off x="504000" y="1768680"/>
+            <a:ext cx="9072000" cy="4384080"/>
+          </a:xfrm>
+          <a:prstGeom prst="rect">
+            <a:avLst/>
+          </a:prstGeom>
+        </p:spPr>
+        <p:txBody>
+          <a:bodyPr lIns="0" rIns="0" tIns="0" bIns="0">
+            <a:normAutofit/>
+          </a:bodyPr>
           <a:p>
             <a:pPr marL="432000" indent="-324000">
               <a:spcBef>
@@ -6225,7 +11093,7 @@
               <a:buChar char=""/>
             </a:pPr>
             <a:r>
-              <a:rPr b="0" lang="en-US" sz="1800" spc="-1" strike="noStrike">
+              <a:rPr b="0" lang="en-US" sz="3200" spc="-1" strike="noStrike">
                 <a:solidFill>
                   <a:srgbClr val="000000"/>
                 </a:solidFill>
@@ -6238,7 +11106,7 @@
               </a:rPr>
               <a:t>Click to edit the outline text format</a:t>
             </a:r>
-            <a:endParaRPr b="0" lang="en-US" sz="1800" spc="-1" strike="noStrike">
+            <a:endParaRPr b="0" lang="en-US" sz="3200" spc="-1" strike="noStrike">
               <a:solidFill>
                 <a:srgbClr val="000000"/>
               </a:solidFill>
@@ -6263,7 +11131,7 @@
               <a:buChar char=""/>
             </a:pPr>
             <a:r>
-              <a:rPr b="0" lang="en-US" sz="1800" spc="-1" strike="noStrike">
+              <a:rPr b="0" lang="en-US" sz="2800" spc="-1" strike="noStrike">
                 <a:solidFill>
                   <a:srgbClr val="000000"/>
                 </a:solidFill>
@@ -6276,7 +11144,7 @@
               </a:rPr>
               <a:t>Second Outline Level</a:t>
             </a:r>
-            <a:endParaRPr b="0" lang="en-US" sz="1800" spc="-1" strike="noStrike">
+            <a:endParaRPr b="0" lang="en-US" sz="2800" spc="-1" strike="noStrike">
               <a:solidFill>
                 <a:srgbClr val="000000"/>
               </a:solidFill>
@@ -6301,7 +11169,7 @@
               <a:buChar char=""/>
             </a:pPr>
             <a:r>
-              <a:rPr b="0" lang="en-US" sz="1800" spc="-1" strike="noStrike">
+              <a:rPr b="0" lang="en-US" sz="2400" spc="-1" strike="noStrike">
                 <a:solidFill>
                   <a:srgbClr val="000000"/>
                 </a:solidFill>
@@ -6314,7 +11182,7 @@
               </a:rPr>
               <a:t>Third Outline Level</a:t>
             </a:r>
-            <a:endParaRPr b="0" lang="en-US" sz="1800" spc="-1" strike="noStrike">
+            <a:endParaRPr b="0" lang="en-US" sz="2400" spc="-1" strike="noStrike">
               <a:solidFill>
                 <a:srgbClr val="000000"/>
               </a:solidFill>
@@ -6339,7 +11207,7 @@
               <a:buChar char=""/>
             </a:pPr>
             <a:r>
-              <a:rPr b="0" lang="en-US" sz="1800" spc="-1" strike="noStrike">
+              <a:rPr b="0" lang="en-US" sz="2000" spc="-1" strike="noStrike">
                 <a:solidFill>
                   <a:srgbClr val="000000"/>
                 </a:solidFill>
@@ -6352,7 +11220,7 @@
               </a:rPr>
               <a:t>Fourth Outline Level</a:t>
             </a:r>
-            <a:endParaRPr b="0" lang="en-US" sz="1800" spc="-1" strike="noStrike">
+            <a:endParaRPr b="0" lang="en-US" sz="2000" spc="-1" strike="noStrike">
               <a:solidFill>
                 <a:srgbClr val="000000"/>
               </a:solidFill>
@@ -6377,7 +11245,7 @@
               <a:buChar char=""/>
             </a:pPr>
             <a:r>
-              <a:rPr b="0" lang="en-US" sz="1800" spc="-1" strike="noStrike">
+              <a:rPr b="0" lang="en-US" sz="2000" spc="-1" strike="noStrike">
                 <a:solidFill>
                   <a:srgbClr val="000000"/>
                 </a:solidFill>
@@ -6390,7 +11258,7 @@
               </a:rPr>
               <a:t>Fifth Outline Level</a:t>
             </a:r>
-            <a:endParaRPr b="0" lang="en-US" sz="1800" spc="-1" strike="noStrike">
+            <a:endParaRPr b="0" lang="en-US" sz="2000" spc="-1" strike="noStrike">
               <a:solidFill>
                 <a:srgbClr val="000000"/>
               </a:solidFill>
@@ -6415,7 +11283,7 @@
               <a:buChar char=""/>
             </a:pPr>
             <a:r>
-              <a:rPr b="0" lang="en-US" sz="1800" spc="-1" strike="noStrike">
+              <a:rPr b="0" lang="en-US" sz="2000" spc="-1" strike="noStrike">
                 <a:solidFill>
                   <a:srgbClr val="000000"/>
                 </a:solidFill>
@@ -6428,7 +11296,7 @@
               </a:rPr>
               <a:t>Sixth Outline Level</a:t>
             </a:r>
-            <a:endParaRPr b="0" lang="en-US" sz="1800" spc="-1" strike="noStrike">
+            <a:endParaRPr b="0" lang="en-US" sz="2000" spc="-1" strike="noStrike">
               <a:solidFill>
                 <a:srgbClr val="000000"/>
               </a:solidFill>
@@ -6453,7 +11321,7 @@
               <a:buChar char=""/>
             </a:pPr>
             <a:r>
-              <a:rPr b="0" lang="en-US" sz="1800" spc="-1" strike="noStrike">
+              <a:rPr b="0" lang="en-US" sz="2000" spc="-1" strike="noStrike">
                 <a:solidFill>
                   <a:srgbClr val="000000"/>
                 </a:solidFill>
@@ -6466,7 +11334,7 @@
               </a:rPr>
               <a:t>Seventh Outline Level</a:t>
             </a:r>
-            <a:endParaRPr b="0" lang="en-US" sz="1800" spc="-1" strike="noStrike">
+            <a:endParaRPr b="0" lang="en-US" sz="2000" spc="-1" strike="noStrike">
               <a:solidFill>
                 <a:srgbClr val="000000"/>
               </a:solidFill>
@@ -6496,6 +11364,1142 @@
     <p:sldLayoutId id="2147483684" r:id="rId11"/>
     <p:sldLayoutId id="2147483685" r:id="rId12"/>
     <p:sldLayoutId id="2147483686" r:id="rId13"/>
+  </p:sldLayoutIdLst>
+</p:sldMaster>
+</file>
+
+<file path=ppt/slideMasters/slideMaster4.xml><?xml version="1.0" encoding="utf-8"?>
+<p:sldMaster xmlns:a="http://schemas.openxmlformats.org/drawingml/2006/main" xmlns:p="http://schemas.openxmlformats.org/presentationml/2006/main" xmlns:r="http://schemas.openxmlformats.org/officeDocument/2006/relationships" xmlns:p14="http://schemas.microsoft.com/office/powerpoint/2010/main" xmlns:p15="http://schemas.microsoft.com/office/powerpoint/2012/main" xmlns:mc="http://schemas.openxmlformats.org/markup-compatibility/2006">
+  <p:cSld>
+    <p:spTree>
+      <p:nvGrpSpPr>
+        <p:cNvPr id="1" name=""/>
+        <p:cNvGrpSpPr/>
+        <p:nvPr/>
+      </p:nvGrpSpPr>
+      <p:grpSpPr>
+        <a:xfrm>
+          <a:off x="0" y="0"/>
+          <a:ext cx="0" cy="0"/>
+          <a:chOff x="0" y="0"/>
+          <a:chExt cx="0" cy="0"/>
+        </a:xfrm>
+      </p:grpSpPr>
+      <p:sp>
+        <p:nvSpPr>
+          <p:cNvPr id="114" name="PlaceHolder 1"/>
+          <p:cNvSpPr>
+            <a:spLocks noGrp="1"/>
+          </p:cNvSpPr>
+          <p:nvPr>
+            <p:ph type="title"/>
+          </p:nvPr>
+        </p:nvSpPr>
+        <p:spPr>
+          <a:xfrm>
+            <a:off x="504000" y="301320"/>
+            <a:ext cx="9072000" cy="1261800"/>
+          </a:xfrm>
+          <a:prstGeom prst="rect">
+            <a:avLst/>
+          </a:prstGeom>
+        </p:spPr>
+        <p:txBody>
+          <a:bodyPr lIns="0" rIns="0" tIns="0" bIns="0" anchor="ctr"/>
+          <a:p>
+            <a:pPr algn="ctr"/>
+            <a:r>
+              <a:rPr b="0" lang="en-US" sz="4400" spc="-1" strike="noStrike">
+                <a:solidFill>
+                  <a:srgbClr val="000000"/>
+                </a:solidFill>
+                <a:uFill>
+                  <a:solidFill>
+                    <a:srgbClr val="ffffff"/>
+                  </a:solidFill>
+                </a:uFill>
+                <a:latin typeface="DejaVu Sans"/>
+              </a:rPr>
+              <a:t>Click to edit the title text format</a:t>
+            </a:r>
+            <a:endParaRPr b="0" lang="en-US" sz="4400" spc="-1" strike="noStrike">
+              <a:solidFill>
+                <a:srgbClr val="000000"/>
+              </a:solidFill>
+              <a:uFill>
+                <a:solidFill>
+                  <a:srgbClr val="ffffff"/>
+                </a:solidFill>
+              </a:uFill>
+              <a:latin typeface="DejaVu Sans"/>
+            </a:endParaRPr>
+          </a:p>
+        </p:txBody>
+      </p:sp>
+      <p:sp>
+        <p:nvSpPr>
+          <p:cNvPr id="115" name="PlaceHolder 2"/>
+          <p:cNvSpPr>
+            <a:spLocks noGrp="1"/>
+          </p:cNvSpPr>
+          <p:nvPr>
+            <p:ph type="body"/>
+          </p:nvPr>
+        </p:nvSpPr>
+        <p:spPr>
+          <a:xfrm>
+            <a:off x="504000" y="1768680"/>
+            <a:ext cx="9072000" cy="4384080"/>
+          </a:xfrm>
+          <a:prstGeom prst="rect">
+            <a:avLst/>
+          </a:prstGeom>
+        </p:spPr>
+        <p:txBody>
+          <a:bodyPr lIns="0" rIns="0" tIns="0" bIns="0">
+            <a:normAutofit/>
+          </a:bodyPr>
+          <a:p>
+            <a:pPr marL="432000" indent="-324000">
+              <a:spcBef>
+                <a:spcPts val="1417"/>
+              </a:spcBef>
+              <a:buClr>
+                <a:srgbClr val="000000"/>
+              </a:buClr>
+              <a:buSzPct val="45000"/>
+              <a:buFont typeface="Wingdings" charset="2"/>
+              <a:buChar char=""/>
+            </a:pPr>
+            <a:r>
+              <a:rPr b="0" lang="en-US" sz="3200" spc="-1" strike="noStrike">
+                <a:solidFill>
+                  <a:srgbClr val="000000"/>
+                </a:solidFill>
+                <a:uFill>
+                  <a:solidFill>
+                    <a:srgbClr val="ffffff"/>
+                  </a:solidFill>
+                </a:uFill>
+                <a:latin typeface="DejaVu Sans"/>
+              </a:rPr>
+              <a:t>Click to edit the outline text format</a:t>
+            </a:r>
+            <a:endParaRPr b="0" lang="en-US" sz="3200" spc="-1" strike="noStrike">
+              <a:solidFill>
+                <a:srgbClr val="000000"/>
+              </a:solidFill>
+              <a:uFill>
+                <a:solidFill>
+                  <a:srgbClr val="ffffff"/>
+                </a:solidFill>
+              </a:uFill>
+              <a:latin typeface="DejaVu Sans"/>
+            </a:endParaRPr>
+          </a:p>
+          <a:p>
+            <a:pPr lvl="1" marL="864000" indent="-324000">
+              <a:spcBef>
+                <a:spcPts val="1134"/>
+              </a:spcBef>
+              <a:buClr>
+                <a:srgbClr val="000000"/>
+              </a:buClr>
+              <a:buSzPct val="75000"/>
+              <a:buFont typeface="Symbol" charset="2"/>
+              <a:buChar char=""/>
+            </a:pPr>
+            <a:r>
+              <a:rPr b="0" lang="en-US" sz="2800" spc="-1" strike="noStrike">
+                <a:solidFill>
+                  <a:srgbClr val="000000"/>
+                </a:solidFill>
+                <a:uFill>
+                  <a:solidFill>
+                    <a:srgbClr val="ffffff"/>
+                  </a:solidFill>
+                </a:uFill>
+                <a:latin typeface="DejaVu Sans"/>
+              </a:rPr>
+              <a:t>Second Outline Level</a:t>
+            </a:r>
+            <a:endParaRPr b="0" lang="en-US" sz="2800" spc="-1" strike="noStrike">
+              <a:solidFill>
+                <a:srgbClr val="000000"/>
+              </a:solidFill>
+              <a:uFill>
+                <a:solidFill>
+                  <a:srgbClr val="ffffff"/>
+                </a:solidFill>
+              </a:uFill>
+              <a:latin typeface="DejaVu Sans"/>
+            </a:endParaRPr>
+          </a:p>
+          <a:p>
+            <a:pPr lvl="2" marL="1296000" indent="-288000">
+              <a:spcBef>
+                <a:spcPts val="850"/>
+              </a:spcBef>
+              <a:buClr>
+                <a:srgbClr val="000000"/>
+              </a:buClr>
+              <a:buSzPct val="45000"/>
+              <a:buFont typeface="Wingdings" charset="2"/>
+              <a:buChar char=""/>
+            </a:pPr>
+            <a:r>
+              <a:rPr b="0" lang="en-US" sz="2400" spc="-1" strike="noStrike">
+                <a:solidFill>
+                  <a:srgbClr val="000000"/>
+                </a:solidFill>
+                <a:uFill>
+                  <a:solidFill>
+                    <a:srgbClr val="ffffff"/>
+                  </a:solidFill>
+                </a:uFill>
+                <a:latin typeface="DejaVu Sans"/>
+              </a:rPr>
+              <a:t>Third Outline Level</a:t>
+            </a:r>
+            <a:endParaRPr b="0" lang="en-US" sz="2400" spc="-1" strike="noStrike">
+              <a:solidFill>
+                <a:srgbClr val="000000"/>
+              </a:solidFill>
+              <a:uFill>
+                <a:solidFill>
+                  <a:srgbClr val="ffffff"/>
+                </a:solidFill>
+              </a:uFill>
+              <a:latin typeface="DejaVu Sans"/>
+            </a:endParaRPr>
+          </a:p>
+          <a:p>
+            <a:pPr lvl="3" marL="1728000" indent="-216000">
+              <a:spcBef>
+                <a:spcPts val="567"/>
+              </a:spcBef>
+              <a:buClr>
+                <a:srgbClr val="000000"/>
+              </a:buClr>
+              <a:buSzPct val="75000"/>
+              <a:buFont typeface="Symbol" charset="2"/>
+              <a:buChar char=""/>
+            </a:pPr>
+            <a:r>
+              <a:rPr b="0" lang="en-US" sz="2000" spc="-1" strike="noStrike">
+                <a:solidFill>
+                  <a:srgbClr val="000000"/>
+                </a:solidFill>
+                <a:uFill>
+                  <a:solidFill>
+                    <a:srgbClr val="ffffff"/>
+                  </a:solidFill>
+                </a:uFill>
+                <a:latin typeface="DejaVu Sans"/>
+              </a:rPr>
+              <a:t>Fourth Outline Level</a:t>
+            </a:r>
+            <a:endParaRPr b="0" lang="en-US" sz="2000" spc="-1" strike="noStrike">
+              <a:solidFill>
+                <a:srgbClr val="000000"/>
+              </a:solidFill>
+              <a:uFill>
+                <a:solidFill>
+                  <a:srgbClr val="ffffff"/>
+                </a:solidFill>
+              </a:uFill>
+              <a:latin typeface="DejaVu Sans"/>
+            </a:endParaRPr>
+          </a:p>
+          <a:p>
+            <a:pPr lvl="4" marL="2160000" indent="-216000">
+              <a:spcBef>
+                <a:spcPts val="283"/>
+              </a:spcBef>
+              <a:buClr>
+                <a:srgbClr val="000000"/>
+              </a:buClr>
+              <a:buSzPct val="45000"/>
+              <a:buFont typeface="Wingdings" charset="2"/>
+              <a:buChar char=""/>
+            </a:pPr>
+            <a:r>
+              <a:rPr b="0" lang="en-US" sz="2000" spc="-1" strike="noStrike">
+                <a:solidFill>
+                  <a:srgbClr val="000000"/>
+                </a:solidFill>
+                <a:uFill>
+                  <a:solidFill>
+                    <a:srgbClr val="ffffff"/>
+                  </a:solidFill>
+                </a:uFill>
+                <a:latin typeface="DejaVu Sans"/>
+              </a:rPr>
+              <a:t>Fifth Outline Level</a:t>
+            </a:r>
+            <a:endParaRPr b="0" lang="en-US" sz="2000" spc="-1" strike="noStrike">
+              <a:solidFill>
+                <a:srgbClr val="000000"/>
+              </a:solidFill>
+              <a:uFill>
+                <a:solidFill>
+                  <a:srgbClr val="ffffff"/>
+                </a:solidFill>
+              </a:uFill>
+              <a:latin typeface="DejaVu Sans"/>
+            </a:endParaRPr>
+          </a:p>
+          <a:p>
+            <a:pPr lvl="5" marL="2592000" indent="-216000">
+              <a:spcBef>
+                <a:spcPts val="283"/>
+              </a:spcBef>
+              <a:buClr>
+                <a:srgbClr val="000000"/>
+              </a:buClr>
+              <a:buSzPct val="45000"/>
+              <a:buFont typeface="Wingdings" charset="2"/>
+              <a:buChar char=""/>
+            </a:pPr>
+            <a:r>
+              <a:rPr b="0" lang="en-US" sz="2000" spc="-1" strike="noStrike">
+                <a:solidFill>
+                  <a:srgbClr val="000000"/>
+                </a:solidFill>
+                <a:uFill>
+                  <a:solidFill>
+                    <a:srgbClr val="ffffff"/>
+                  </a:solidFill>
+                </a:uFill>
+                <a:latin typeface="DejaVu Sans"/>
+              </a:rPr>
+              <a:t>Sixth Outline Level</a:t>
+            </a:r>
+            <a:endParaRPr b="0" lang="en-US" sz="2000" spc="-1" strike="noStrike">
+              <a:solidFill>
+                <a:srgbClr val="000000"/>
+              </a:solidFill>
+              <a:uFill>
+                <a:solidFill>
+                  <a:srgbClr val="ffffff"/>
+                </a:solidFill>
+              </a:uFill>
+              <a:latin typeface="DejaVu Sans"/>
+            </a:endParaRPr>
+          </a:p>
+          <a:p>
+            <a:pPr lvl="6" marL="3024000" indent="-216000">
+              <a:spcBef>
+                <a:spcPts val="283"/>
+              </a:spcBef>
+              <a:buClr>
+                <a:srgbClr val="000000"/>
+              </a:buClr>
+              <a:buSzPct val="45000"/>
+              <a:buFont typeface="Wingdings" charset="2"/>
+              <a:buChar char=""/>
+            </a:pPr>
+            <a:r>
+              <a:rPr b="0" lang="en-US" sz="2000" spc="-1" strike="noStrike">
+                <a:solidFill>
+                  <a:srgbClr val="000000"/>
+                </a:solidFill>
+                <a:uFill>
+                  <a:solidFill>
+                    <a:srgbClr val="ffffff"/>
+                  </a:solidFill>
+                </a:uFill>
+                <a:latin typeface="DejaVu Sans"/>
+              </a:rPr>
+              <a:t>Seventh Outline Level</a:t>
+            </a:r>
+            <a:endParaRPr b="0" lang="en-US" sz="2000" spc="-1" strike="noStrike">
+              <a:solidFill>
+                <a:srgbClr val="000000"/>
+              </a:solidFill>
+              <a:uFill>
+                <a:solidFill>
+                  <a:srgbClr val="ffffff"/>
+                </a:solidFill>
+              </a:uFill>
+              <a:latin typeface="DejaVu Sans"/>
+            </a:endParaRPr>
+          </a:p>
+        </p:txBody>
+      </p:sp>
+    </p:spTree>
+  </p:cSld>
+  <p:clrMap bg1="lt1" bg2="lt2" tx1="dk1" tx2="dk2" accent1="accent1" accent2="accent2" accent3="accent3" accent4="accent4" accent5="accent5" accent6="accent6" hlink="hlink" folHlink="folHlink"/>
+  <p:sldLayoutIdLst>
+    <p:sldLayoutId id="2147483688" r:id="rId2"/>
+    <p:sldLayoutId id="2147483689" r:id="rId3"/>
+    <p:sldLayoutId id="2147483690" r:id="rId4"/>
+    <p:sldLayoutId id="2147483691" r:id="rId5"/>
+    <p:sldLayoutId id="2147483692" r:id="rId6"/>
+    <p:sldLayoutId id="2147483693" r:id="rId7"/>
+    <p:sldLayoutId id="2147483694" r:id="rId8"/>
+    <p:sldLayoutId id="2147483695" r:id="rId9"/>
+    <p:sldLayoutId id="2147483696" r:id="rId10"/>
+    <p:sldLayoutId id="2147483697" r:id="rId11"/>
+    <p:sldLayoutId id="2147483698" r:id="rId12"/>
+    <p:sldLayoutId id="2147483699" r:id="rId13"/>
+  </p:sldLayoutIdLst>
+</p:sldMaster>
+</file>
+
+<file path=ppt/slideMasters/slideMaster5.xml><?xml version="1.0" encoding="utf-8"?>
+<p:sldMaster xmlns:a="http://schemas.openxmlformats.org/drawingml/2006/main" xmlns:p="http://schemas.openxmlformats.org/presentationml/2006/main" xmlns:r="http://schemas.openxmlformats.org/officeDocument/2006/relationships" xmlns:p14="http://schemas.microsoft.com/office/powerpoint/2010/main" xmlns:p15="http://schemas.microsoft.com/office/powerpoint/2012/main" xmlns:mc="http://schemas.openxmlformats.org/markup-compatibility/2006">
+  <p:cSld>
+    <p:spTree>
+      <p:nvGrpSpPr>
+        <p:cNvPr id="1" name=""/>
+        <p:cNvGrpSpPr/>
+        <p:nvPr/>
+      </p:nvGrpSpPr>
+      <p:grpSpPr>
+        <a:xfrm>
+          <a:off x="0" y="0"/>
+          <a:ext cx="0" cy="0"/>
+          <a:chOff x="0" y="0"/>
+          <a:chExt cx="0" cy="0"/>
+        </a:xfrm>
+      </p:grpSpPr>
+      <p:sp>
+        <p:nvSpPr>
+          <p:cNvPr id="152" name="PlaceHolder 1"/>
+          <p:cNvSpPr>
+            <a:spLocks noGrp="1"/>
+          </p:cNvSpPr>
+          <p:nvPr>
+            <p:ph type="title"/>
+          </p:nvPr>
+        </p:nvSpPr>
+        <p:spPr>
+          <a:xfrm>
+            <a:off x="504000" y="301320"/>
+            <a:ext cx="9072000" cy="1261800"/>
+          </a:xfrm>
+          <a:prstGeom prst="rect">
+            <a:avLst/>
+          </a:prstGeom>
+        </p:spPr>
+        <p:txBody>
+          <a:bodyPr lIns="0" rIns="0" tIns="0" bIns="0" anchor="ctr"/>
+          <a:p>
+            <a:pPr algn="ctr"/>
+            <a:r>
+              <a:rPr b="0" lang="en-US" sz="4400" spc="-1" strike="noStrike">
+                <a:solidFill>
+                  <a:srgbClr val="000000"/>
+                </a:solidFill>
+                <a:uFill>
+                  <a:solidFill>
+                    <a:srgbClr val="ffffff"/>
+                  </a:solidFill>
+                </a:uFill>
+                <a:latin typeface="DejaVu Sans"/>
+              </a:rPr>
+              <a:t>Click to edit the title text format</a:t>
+            </a:r>
+            <a:endParaRPr b="0" lang="en-US" sz="4400" spc="-1" strike="noStrike">
+              <a:solidFill>
+                <a:srgbClr val="000000"/>
+              </a:solidFill>
+              <a:uFill>
+                <a:solidFill>
+                  <a:srgbClr val="ffffff"/>
+                </a:solidFill>
+              </a:uFill>
+              <a:latin typeface="DejaVu Sans"/>
+            </a:endParaRPr>
+          </a:p>
+        </p:txBody>
+      </p:sp>
+      <p:sp>
+        <p:nvSpPr>
+          <p:cNvPr id="153" name="PlaceHolder 2"/>
+          <p:cNvSpPr>
+            <a:spLocks noGrp="1"/>
+          </p:cNvSpPr>
+          <p:nvPr>
+            <p:ph type="body"/>
+          </p:nvPr>
+        </p:nvSpPr>
+        <p:spPr>
+          <a:xfrm>
+            <a:off x="504000" y="1768680"/>
+            <a:ext cx="9072000" cy="4384080"/>
+          </a:xfrm>
+          <a:prstGeom prst="rect">
+            <a:avLst/>
+          </a:prstGeom>
+        </p:spPr>
+        <p:txBody>
+          <a:bodyPr lIns="0" rIns="0" tIns="0" bIns="0">
+            <a:normAutofit/>
+          </a:bodyPr>
+          <a:p>
+            <a:pPr marL="432000" indent="-324000">
+              <a:spcBef>
+                <a:spcPts val="1417"/>
+              </a:spcBef>
+              <a:buClr>
+                <a:srgbClr val="000000"/>
+              </a:buClr>
+              <a:buSzPct val="45000"/>
+              <a:buFont typeface="Wingdings" charset="2"/>
+              <a:buChar char=""/>
+            </a:pPr>
+            <a:r>
+              <a:rPr b="0" lang="en-US" sz="3200" spc="-1" strike="noStrike">
+                <a:solidFill>
+                  <a:srgbClr val="000000"/>
+                </a:solidFill>
+                <a:uFill>
+                  <a:solidFill>
+                    <a:srgbClr val="ffffff"/>
+                  </a:solidFill>
+                </a:uFill>
+                <a:latin typeface="DejaVu Sans"/>
+              </a:rPr>
+              <a:t>Click to edit the outline text format</a:t>
+            </a:r>
+            <a:endParaRPr b="0" lang="en-US" sz="3200" spc="-1" strike="noStrike">
+              <a:solidFill>
+                <a:srgbClr val="000000"/>
+              </a:solidFill>
+              <a:uFill>
+                <a:solidFill>
+                  <a:srgbClr val="ffffff"/>
+                </a:solidFill>
+              </a:uFill>
+              <a:latin typeface="DejaVu Sans"/>
+            </a:endParaRPr>
+          </a:p>
+          <a:p>
+            <a:pPr lvl="1" marL="864000" indent="-324000">
+              <a:spcBef>
+                <a:spcPts val="1134"/>
+              </a:spcBef>
+              <a:buClr>
+                <a:srgbClr val="000000"/>
+              </a:buClr>
+              <a:buSzPct val="75000"/>
+              <a:buFont typeface="Symbol" charset="2"/>
+              <a:buChar char=""/>
+            </a:pPr>
+            <a:r>
+              <a:rPr b="0" lang="en-US" sz="2800" spc="-1" strike="noStrike">
+                <a:solidFill>
+                  <a:srgbClr val="000000"/>
+                </a:solidFill>
+                <a:uFill>
+                  <a:solidFill>
+                    <a:srgbClr val="ffffff"/>
+                  </a:solidFill>
+                </a:uFill>
+                <a:latin typeface="DejaVu Sans"/>
+              </a:rPr>
+              <a:t>Second Outline Level</a:t>
+            </a:r>
+            <a:endParaRPr b="0" lang="en-US" sz="2800" spc="-1" strike="noStrike">
+              <a:solidFill>
+                <a:srgbClr val="000000"/>
+              </a:solidFill>
+              <a:uFill>
+                <a:solidFill>
+                  <a:srgbClr val="ffffff"/>
+                </a:solidFill>
+              </a:uFill>
+              <a:latin typeface="DejaVu Sans"/>
+            </a:endParaRPr>
+          </a:p>
+          <a:p>
+            <a:pPr lvl="2" marL="1296000" indent="-288000">
+              <a:spcBef>
+                <a:spcPts val="850"/>
+              </a:spcBef>
+              <a:buClr>
+                <a:srgbClr val="000000"/>
+              </a:buClr>
+              <a:buSzPct val="45000"/>
+              <a:buFont typeface="Wingdings" charset="2"/>
+              <a:buChar char=""/>
+            </a:pPr>
+            <a:r>
+              <a:rPr b="0" lang="en-US" sz="2400" spc="-1" strike="noStrike">
+                <a:solidFill>
+                  <a:srgbClr val="000000"/>
+                </a:solidFill>
+                <a:uFill>
+                  <a:solidFill>
+                    <a:srgbClr val="ffffff"/>
+                  </a:solidFill>
+                </a:uFill>
+                <a:latin typeface="DejaVu Sans"/>
+              </a:rPr>
+              <a:t>Third Outline Level</a:t>
+            </a:r>
+            <a:endParaRPr b="0" lang="en-US" sz="2400" spc="-1" strike="noStrike">
+              <a:solidFill>
+                <a:srgbClr val="000000"/>
+              </a:solidFill>
+              <a:uFill>
+                <a:solidFill>
+                  <a:srgbClr val="ffffff"/>
+                </a:solidFill>
+              </a:uFill>
+              <a:latin typeface="DejaVu Sans"/>
+            </a:endParaRPr>
+          </a:p>
+          <a:p>
+            <a:pPr lvl="3" marL="1728000" indent="-216000">
+              <a:spcBef>
+                <a:spcPts val="567"/>
+              </a:spcBef>
+              <a:buClr>
+                <a:srgbClr val="000000"/>
+              </a:buClr>
+              <a:buSzPct val="75000"/>
+              <a:buFont typeface="Symbol" charset="2"/>
+              <a:buChar char=""/>
+            </a:pPr>
+            <a:r>
+              <a:rPr b="0" lang="en-US" sz="2000" spc="-1" strike="noStrike">
+                <a:solidFill>
+                  <a:srgbClr val="000000"/>
+                </a:solidFill>
+                <a:uFill>
+                  <a:solidFill>
+                    <a:srgbClr val="ffffff"/>
+                  </a:solidFill>
+                </a:uFill>
+                <a:latin typeface="DejaVu Sans"/>
+              </a:rPr>
+              <a:t>Fourth Outline Level</a:t>
+            </a:r>
+            <a:endParaRPr b="0" lang="en-US" sz="2000" spc="-1" strike="noStrike">
+              <a:solidFill>
+                <a:srgbClr val="000000"/>
+              </a:solidFill>
+              <a:uFill>
+                <a:solidFill>
+                  <a:srgbClr val="ffffff"/>
+                </a:solidFill>
+              </a:uFill>
+              <a:latin typeface="DejaVu Sans"/>
+            </a:endParaRPr>
+          </a:p>
+          <a:p>
+            <a:pPr lvl="4" marL="2160000" indent="-216000">
+              <a:spcBef>
+                <a:spcPts val="283"/>
+              </a:spcBef>
+              <a:buClr>
+                <a:srgbClr val="000000"/>
+              </a:buClr>
+              <a:buSzPct val="45000"/>
+              <a:buFont typeface="Wingdings" charset="2"/>
+              <a:buChar char=""/>
+            </a:pPr>
+            <a:r>
+              <a:rPr b="0" lang="en-US" sz="2000" spc="-1" strike="noStrike">
+                <a:solidFill>
+                  <a:srgbClr val="000000"/>
+                </a:solidFill>
+                <a:uFill>
+                  <a:solidFill>
+                    <a:srgbClr val="ffffff"/>
+                  </a:solidFill>
+                </a:uFill>
+                <a:latin typeface="DejaVu Sans"/>
+              </a:rPr>
+              <a:t>Fifth Outline Level</a:t>
+            </a:r>
+            <a:endParaRPr b="0" lang="en-US" sz="2000" spc="-1" strike="noStrike">
+              <a:solidFill>
+                <a:srgbClr val="000000"/>
+              </a:solidFill>
+              <a:uFill>
+                <a:solidFill>
+                  <a:srgbClr val="ffffff"/>
+                </a:solidFill>
+              </a:uFill>
+              <a:latin typeface="DejaVu Sans"/>
+            </a:endParaRPr>
+          </a:p>
+          <a:p>
+            <a:pPr lvl="5" marL="2592000" indent="-216000">
+              <a:spcBef>
+                <a:spcPts val="283"/>
+              </a:spcBef>
+              <a:buClr>
+                <a:srgbClr val="000000"/>
+              </a:buClr>
+              <a:buSzPct val="45000"/>
+              <a:buFont typeface="Wingdings" charset="2"/>
+              <a:buChar char=""/>
+            </a:pPr>
+            <a:r>
+              <a:rPr b="0" lang="en-US" sz="2000" spc="-1" strike="noStrike">
+                <a:solidFill>
+                  <a:srgbClr val="000000"/>
+                </a:solidFill>
+                <a:uFill>
+                  <a:solidFill>
+                    <a:srgbClr val="ffffff"/>
+                  </a:solidFill>
+                </a:uFill>
+                <a:latin typeface="DejaVu Sans"/>
+              </a:rPr>
+              <a:t>Sixth Outline Level</a:t>
+            </a:r>
+            <a:endParaRPr b="0" lang="en-US" sz="2000" spc="-1" strike="noStrike">
+              <a:solidFill>
+                <a:srgbClr val="000000"/>
+              </a:solidFill>
+              <a:uFill>
+                <a:solidFill>
+                  <a:srgbClr val="ffffff"/>
+                </a:solidFill>
+              </a:uFill>
+              <a:latin typeface="DejaVu Sans"/>
+            </a:endParaRPr>
+          </a:p>
+          <a:p>
+            <a:pPr lvl="6" marL="3024000" indent="-216000">
+              <a:spcBef>
+                <a:spcPts val="283"/>
+              </a:spcBef>
+              <a:buClr>
+                <a:srgbClr val="000000"/>
+              </a:buClr>
+              <a:buSzPct val="45000"/>
+              <a:buFont typeface="Wingdings" charset="2"/>
+              <a:buChar char=""/>
+            </a:pPr>
+            <a:r>
+              <a:rPr b="0" lang="en-US" sz="2000" spc="-1" strike="noStrike">
+                <a:solidFill>
+                  <a:srgbClr val="000000"/>
+                </a:solidFill>
+                <a:uFill>
+                  <a:solidFill>
+                    <a:srgbClr val="ffffff"/>
+                  </a:solidFill>
+                </a:uFill>
+                <a:latin typeface="DejaVu Sans"/>
+              </a:rPr>
+              <a:t>Seventh Outline Level</a:t>
+            </a:r>
+            <a:endParaRPr b="0" lang="en-US" sz="2000" spc="-1" strike="noStrike">
+              <a:solidFill>
+                <a:srgbClr val="000000"/>
+              </a:solidFill>
+              <a:uFill>
+                <a:solidFill>
+                  <a:srgbClr val="ffffff"/>
+                </a:solidFill>
+              </a:uFill>
+              <a:latin typeface="DejaVu Sans"/>
+            </a:endParaRPr>
+          </a:p>
+        </p:txBody>
+      </p:sp>
+    </p:spTree>
+  </p:cSld>
+  <p:clrMap bg1="lt1" bg2="lt2" tx1="dk1" tx2="dk2" accent1="accent1" accent2="accent2" accent3="accent3" accent4="accent4" accent5="accent5" accent6="accent6" hlink="hlink" folHlink="folHlink"/>
+  <p:sldLayoutIdLst>
+    <p:sldLayoutId id="2147483701" r:id="rId2"/>
+    <p:sldLayoutId id="2147483702" r:id="rId3"/>
+    <p:sldLayoutId id="2147483703" r:id="rId4"/>
+    <p:sldLayoutId id="2147483704" r:id="rId5"/>
+    <p:sldLayoutId id="2147483705" r:id="rId6"/>
+    <p:sldLayoutId id="2147483706" r:id="rId7"/>
+    <p:sldLayoutId id="2147483707" r:id="rId8"/>
+    <p:sldLayoutId id="2147483708" r:id="rId9"/>
+    <p:sldLayoutId id="2147483709" r:id="rId10"/>
+    <p:sldLayoutId id="2147483710" r:id="rId11"/>
+    <p:sldLayoutId id="2147483711" r:id="rId12"/>
+    <p:sldLayoutId id="2147483712" r:id="rId13"/>
+  </p:sldLayoutIdLst>
+</p:sldMaster>
+</file>
+
+<file path=ppt/slideMasters/slideMaster6.xml><?xml version="1.0" encoding="utf-8"?>
+<p:sldMaster xmlns:a="http://schemas.openxmlformats.org/drawingml/2006/main" xmlns:p="http://schemas.openxmlformats.org/presentationml/2006/main" xmlns:r="http://schemas.openxmlformats.org/officeDocument/2006/relationships" xmlns:p14="http://schemas.microsoft.com/office/powerpoint/2010/main" xmlns:p15="http://schemas.microsoft.com/office/powerpoint/2012/main" xmlns:mc="http://schemas.openxmlformats.org/markup-compatibility/2006">
+  <p:cSld>
+    <p:spTree>
+      <p:nvGrpSpPr>
+        <p:cNvPr id="1" name=""/>
+        <p:cNvGrpSpPr/>
+        <p:nvPr/>
+      </p:nvGrpSpPr>
+      <p:grpSpPr>
+        <a:xfrm>
+          <a:off x="0" y="0"/>
+          <a:ext cx="0" cy="0"/>
+          <a:chOff x="0" y="0"/>
+          <a:chExt cx="0" cy="0"/>
+        </a:xfrm>
+      </p:grpSpPr>
+      <p:sp>
+        <p:nvSpPr>
+          <p:cNvPr id="190" name="PlaceHolder 1"/>
+          <p:cNvSpPr>
+            <a:spLocks noGrp="1"/>
+          </p:cNvSpPr>
+          <p:nvPr>
+            <p:ph type="title"/>
+          </p:nvPr>
+        </p:nvSpPr>
+        <p:spPr>
+          <a:xfrm>
+            <a:off x="504000" y="301320"/>
+            <a:ext cx="9071640" cy="1261440"/>
+          </a:xfrm>
+          <a:prstGeom prst="rect">
+            <a:avLst/>
+          </a:prstGeom>
+        </p:spPr>
+        <p:txBody>
+          <a:bodyPr lIns="0" rIns="0" tIns="0" bIns="0" anchor="ctr"/>
+          <a:p>
+            <a:r>
+              <a:rPr b="0" lang="en-US" sz="1800" spc="-1" strike="noStrike">
+                <a:solidFill>
+                  <a:srgbClr val="000000"/>
+                </a:solidFill>
+                <a:uFill>
+                  <a:solidFill>
+                    <a:srgbClr val="ffffff"/>
+                  </a:solidFill>
+                </a:uFill>
+                <a:latin typeface="DejaVu Sans"/>
+              </a:rPr>
+              <a:t>Click to edit the title text format</a:t>
+            </a:r>
+            <a:endParaRPr b="0" lang="en-US" sz="1800" spc="-1" strike="noStrike">
+              <a:solidFill>
+                <a:srgbClr val="000000"/>
+              </a:solidFill>
+              <a:uFill>
+                <a:solidFill>
+                  <a:srgbClr val="ffffff"/>
+                </a:solidFill>
+              </a:uFill>
+              <a:latin typeface="DejaVu Sans"/>
+            </a:endParaRPr>
+          </a:p>
+        </p:txBody>
+      </p:sp>
+      <p:sp>
+        <p:nvSpPr>
+          <p:cNvPr id="191" name="PlaceHolder 2"/>
+          <p:cNvSpPr>
+            <a:spLocks noGrp="1"/>
+          </p:cNvSpPr>
+          <p:nvPr>
+            <p:ph type="body"/>
+          </p:nvPr>
+        </p:nvSpPr>
+        <p:spPr>
+          <a:xfrm>
+            <a:off x="504000" y="1768680"/>
+            <a:ext cx="9071640" cy="4383720"/>
+          </a:xfrm>
+          <a:prstGeom prst="rect">
+            <a:avLst/>
+          </a:prstGeom>
+        </p:spPr>
+        <p:txBody>
+          <a:bodyPr lIns="0" rIns="0" tIns="0" bIns="0">
+            <a:normAutofit/>
+          </a:bodyPr>
+          <a:p>
+            <a:pPr marL="432000" indent="-324000">
+              <a:spcBef>
+                <a:spcPts val="1417"/>
+              </a:spcBef>
+              <a:buClr>
+                <a:srgbClr val="000000"/>
+              </a:buClr>
+              <a:buSzPct val="45000"/>
+              <a:buFont typeface="Wingdings" charset="2"/>
+              <a:buChar char=""/>
+            </a:pPr>
+            <a:r>
+              <a:rPr b="0" lang="en-US" sz="1800" spc="-1" strike="noStrike">
+                <a:solidFill>
+                  <a:srgbClr val="000000"/>
+                </a:solidFill>
+                <a:uFill>
+                  <a:solidFill>
+                    <a:srgbClr val="ffffff"/>
+                  </a:solidFill>
+                </a:uFill>
+                <a:latin typeface="DejaVu Sans"/>
+              </a:rPr>
+              <a:t>Click to edit the outline text format</a:t>
+            </a:r>
+            <a:endParaRPr b="0" lang="en-US" sz="1800" spc="-1" strike="noStrike">
+              <a:solidFill>
+                <a:srgbClr val="000000"/>
+              </a:solidFill>
+              <a:uFill>
+                <a:solidFill>
+                  <a:srgbClr val="ffffff"/>
+                </a:solidFill>
+              </a:uFill>
+              <a:latin typeface="DejaVu Sans"/>
+            </a:endParaRPr>
+          </a:p>
+          <a:p>
+            <a:pPr lvl="1" marL="864000" indent="-324000">
+              <a:spcBef>
+                <a:spcPts val="1134"/>
+              </a:spcBef>
+              <a:buClr>
+                <a:srgbClr val="000000"/>
+              </a:buClr>
+              <a:buSzPct val="75000"/>
+              <a:buFont typeface="Symbol" charset="2"/>
+              <a:buChar char=""/>
+            </a:pPr>
+            <a:r>
+              <a:rPr b="0" lang="en-US" sz="1800" spc="-1" strike="noStrike">
+                <a:solidFill>
+                  <a:srgbClr val="000000"/>
+                </a:solidFill>
+                <a:uFill>
+                  <a:solidFill>
+                    <a:srgbClr val="ffffff"/>
+                  </a:solidFill>
+                </a:uFill>
+                <a:latin typeface="DejaVu Sans"/>
+              </a:rPr>
+              <a:t>Second Outline Level</a:t>
+            </a:r>
+            <a:endParaRPr b="0" lang="en-US" sz="1800" spc="-1" strike="noStrike">
+              <a:solidFill>
+                <a:srgbClr val="000000"/>
+              </a:solidFill>
+              <a:uFill>
+                <a:solidFill>
+                  <a:srgbClr val="ffffff"/>
+                </a:solidFill>
+              </a:uFill>
+              <a:latin typeface="DejaVu Sans"/>
+            </a:endParaRPr>
+          </a:p>
+          <a:p>
+            <a:pPr lvl="2" marL="1296000" indent="-288000">
+              <a:spcBef>
+                <a:spcPts val="850"/>
+              </a:spcBef>
+              <a:buClr>
+                <a:srgbClr val="000000"/>
+              </a:buClr>
+              <a:buSzPct val="45000"/>
+              <a:buFont typeface="Wingdings" charset="2"/>
+              <a:buChar char=""/>
+            </a:pPr>
+            <a:r>
+              <a:rPr b="0" lang="en-US" sz="1800" spc="-1" strike="noStrike">
+                <a:solidFill>
+                  <a:srgbClr val="000000"/>
+                </a:solidFill>
+                <a:uFill>
+                  <a:solidFill>
+                    <a:srgbClr val="ffffff"/>
+                  </a:solidFill>
+                </a:uFill>
+                <a:latin typeface="DejaVu Sans"/>
+              </a:rPr>
+              <a:t>Third Outline Level</a:t>
+            </a:r>
+            <a:endParaRPr b="0" lang="en-US" sz="1800" spc="-1" strike="noStrike">
+              <a:solidFill>
+                <a:srgbClr val="000000"/>
+              </a:solidFill>
+              <a:uFill>
+                <a:solidFill>
+                  <a:srgbClr val="ffffff"/>
+                </a:solidFill>
+              </a:uFill>
+              <a:latin typeface="DejaVu Sans"/>
+            </a:endParaRPr>
+          </a:p>
+          <a:p>
+            <a:pPr lvl="3" marL="1728000" indent="-216000">
+              <a:spcBef>
+                <a:spcPts val="567"/>
+              </a:spcBef>
+              <a:buClr>
+                <a:srgbClr val="000000"/>
+              </a:buClr>
+              <a:buSzPct val="75000"/>
+              <a:buFont typeface="Symbol" charset="2"/>
+              <a:buChar char=""/>
+            </a:pPr>
+            <a:r>
+              <a:rPr b="0" lang="en-US" sz="1800" spc="-1" strike="noStrike">
+                <a:solidFill>
+                  <a:srgbClr val="000000"/>
+                </a:solidFill>
+                <a:uFill>
+                  <a:solidFill>
+                    <a:srgbClr val="ffffff"/>
+                  </a:solidFill>
+                </a:uFill>
+                <a:latin typeface="DejaVu Sans"/>
+              </a:rPr>
+              <a:t>Fourth Outline Level</a:t>
+            </a:r>
+            <a:endParaRPr b="0" lang="en-US" sz="1800" spc="-1" strike="noStrike">
+              <a:solidFill>
+                <a:srgbClr val="000000"/>
+              </a:solidFill>
+              <a:uFill>
+                <a:solidFill>
+                  <a:srgbClr val="ffffff"/>
+                </a:solidFill>
+              </a:uFill>
+              <a:latin typeface="DejaVu Sans"/>
+            </a:endParaRPr>
+          </a:p>
+          <a:p>
+            <a:pPr lvl="4" marL="2160000" indent="-216000">
+              <a:spcBef>
+                <a:spcPts val="283"/>
+              </a:spcBef>
+              <a:buClr>
+                <a:srgbClr val="000000"/>
+              </a:buClr>
+              <a:buSzPct val="45000"/>
+              <a:buFont typeface="Wingdings" charset="2"/>
+              <a:buChar char=""/>
+            </a:pPr>
+            <a:r>
+              <a:rPr b="0" lang="en-US" sz="1800" spc="-1" strike="noStrike">
+                <a:solidFill>
+                  <a:srgbClr val="000000"/>
+                </a:solidFill>
+                <a:uFill>
+                  <a:solidFill>
+                    <a:srgbClr val="ffffff"/>
+                  </a:solidFill>
+                </a:uFill>
+                <a:latin typeface="DejaVu Sans"/>
+              </a:rPr>
+              <a:t>Fifth Outline Level</a:t>
+            </a:r>
+            <a:endParaRPr b="0" lang="en-US" sz="1800" spc="-1" strike="noStrike">
+              <a:solidFill>
+                <a:srgbClr val="000000"/>
+              </a:solidFill>
+              <a:uFill>
+                <a:solidFill>
+                  <a:srgbClr val="ffffff"/>
+                </a:solidFill>
+              </a:uFill>
+              <a:latin typeface="DejaVu Sans"/>
+            </a:endParaRPr>
+          </a:p>
+          <a:p>
+            <a:pPr lvl="5" marL="2592000" indent="-216000">
+              <a:spcBef>
+                <a:spcPts val="283"/>
+              </a:spcBef>
+              <a:buClr>
+                <a:srgbClr val="000000"/>
+              </a:buClr>
+              <a:buSzPct val="45000"/>
+              <a:buFont typeface="Wingdings" charset="2"/>
+              <a:buChar char=""/>
+            </a:pPr>
+            <a:r>
+              <a:rPr b="0" lang="en-US" sz="1800" spc="-1" strike="noStrike">
+                <a:solidFill>
+                  <a:srgbClr val="000000"/>
+                </a:solidFill>
+                <a:uFill>
+                  <a:solidFill>
+                    <a:srgbClr val="ffffff"/>
+                  </a:solidFill>
+                </a:uFill>
+                <a:latin typeface="DejaVu Sans"/>
+              </a:rPr>
+              <a:t>Sixth Outline Level</a:t>
+            </a:r>
+            <a:endParaRPr b="0" lang="en-US" sz="1800" spc="-1" strike="noStrike">
+              <a:solidFill>
+                <a:srgbClr val="000000"/>
+              </a:solidFill>
+              <a:uFill>
+                <a:solidFill>
+                  <a:srgbClr val="ffffff"/>
+                </a:solidFill>
+              </a:uFill>
+              <a:latin typeface="DejaVu Sans"/>
+            </a:endParaRPr>
+          </a:p>
+          <a:p>
+            <a:pPr lvl="6" marL="3024000" indent="-216000">
+              <a:spcBef>
+                <a:spcPts val="283"/>
+              </a:spcBef>
+              <a:buClr>
+                <a:srgbClr val="000000"/>
+              </a:buClr>
+              <a:buSzPct val="45000"/>
+              <a:buFont typeface="Wingdings" charset="2"/>
+              <a:buChar char=""/>
+            </a:pPr>
+            <a:r>
+              <a:rPr b="0" lang="en-US" sz="1800" spc="-1" strike="noStrike">
+                <a:solidFill>
+                  <a:srgbClr val="000000"/>
+                </a:solidFill>
+                <a:uFill>
+                  <a:solidFill>
+                    <a:srgbClr val="ffffff"/>
+                  </a:solidFill>
+                </a:uFill>
+                <a:latin typeface="DejaVu Sans"/>
+              </a:rPr>
+              <a:t>Seventh Outline Level</a:t>
+            </a:r>
+            <a:endParaRPr b="0" lang="en-US" sz="1800" spc="-1" strike="noStrike">
+              <a:solidFill>
+                <a:srgbClr val="000000"/>
+              </a:solidFill>
+              <a:uFill>
+                <a:solidFill>
+                  <a:srgbClr val="ffffff"/>
+                </a:solidFill>
+              </a:uFill>
+              <a:latin typeface="DejaVu Sans"/>
+            </a:endParaRPr>
+          </a:p>
+        </p:txBody>
+      </p:sp>
+    </p:spTree>
+  </p:cSld>
+  <p:clrMap bg1="lt1" bg2="lt2" tx1="dk1" tx2="dk2" accent1="accent1" accent2="accent2" accent3="accent3" accent4="accent4" accent5="accent5" accent6="accent6" hlink="hlink" folHlink="folHlink"/>
+  <p:sldLayoutIdLst>
+    <p:sldLayoutId id="2147483714" r:id="rId2"/>
+    <p:sldLayoutId id="2147483715" r:id="rId3"/>
+    <p:sldLayoutId id="2147483716" r:id="rId4"/>
+    <p:sldLayoutId id="2147483717" r:id="rId5"/>
+    <p:sldLayoutId id="2147483718" r:id="rId6"/>
+    <p:sldLayoutId id="2147483719" r:id="rId7"/>
+    <p:sldLayoutId id="2147483720" r:id="rId8"/>
+    <p:sldLayoutId id="2147483721" r:id="rId9"/>
+    <p:sldLayoutId id="2147483722" r:id="rId10"/>
+    <p:sldLayoutId id="2147483723" r:id="rId11"/>
+    <p:sldLayoutId id="2147483724" r:id="rId12"/>
+    <p:sldLayoutId id="2147483725" r:id="rId13"/>
   </p:sldLayoutIdLst>
 </p:sldMaster>
 </file>
@@ -6519,14 +12523,14 @@
       </p:grpSpPr>
       <p:sp>
         <p:nvSpPr>
-          <p:cNvPr id="114" name="CustomShape 1"/>
+          <p:cNvPr id="228" name="CustomShape 1"/>
           <p:cNvSpPr/>
           <p:nvPr/>
         </p:nvSpPr>
         <p:spPr>
           <a:xfrm>
             <a:off x="504000" y="283320"/>
-            <a:ext cx="9070920" cy="4470840"/>
+            <a:ext cx="9070200" cy="4470120"/>
           </a:xfrm>
           <a:prstGeom prst="rect">
             <a:avLst/>
@@ -6545,6 +12549,7 @@
         <p:txBody>
           <a:bodyPr lIns="0" rIns="0" tIns="0" bIns="0" anchor="ctr"/>
           <a:p>
+            <a:pPr algn="ctr"/>
             <a:r>
               <a:rPr b="0" lang="en-US" sz="4400" spc="-1" strike="noStrike">
                 <a:solidFill>
@@ -6609,14 +12614,14 @@
       </p:sp>
       <p:sp>
         <p:nvSpPr>
-          <p:cNvPr id="115" name="CustomShape 2"/>
+          <p:cNvPr id="229" name="CustomShape 2"/>
           <p:cNvSpPr/>
           <p:nvPr/>
         </p:nvSpPr>
         <p:spPr>
           <a:xfrm>
             <a:off x="504000" y="3108960"/>
-            <a:ext cx="9070920" cy="3043800"/>
+            <a:ext cx="9070200" cy="3043080"/>
           </a:xfrm>
           <a:prstGeom prst="rect">
             <a:avLst/>
@@ -6720,14 +12725,14 @@
       </p:grpSpPr>
       <p:sp>
         <p:nvSpPr>
-          <p:cNvPr id="146" name="CustomShape 1"/>
+          <p:cNvPr id="260" name="CustomShape 1"/>
           <p:cNvSpPr/>
           <p:nvPr/>
         </p:nvSpPr>
         <p:spPr>
           <a:xfrm>
             <a:off x="504000" y="283320"/>
-            <a:ext cx="9070920" cy="1297800"/>
+            <a:ext cx="9070200" cy="1297080"/>
           </a:xfrm>
           <a:prstGeom prst="rect">
             <a:avLst/>
@@ -6746,7 +12751,11 @@
         <p:txBody>
           <a:bodyPr lIns="0" rIns="0" tIns="0" bIns="0" anchor="ctr"/>
           <a:p>
-            <a:pPr algn="ctr"/>
+            <a:pPr algn="ctr">
+              <a:lnSpc>
+                <a:spcPct val="100000"/>
+              </a:lnSpc>
+            </a:pPr>
             <a:r>
               <a:rPr b="0" lang="en-US" sz="4400" spc="-1" strike="noStrike">
                 <a:solidFill>
@@ -6811,14 +12820,14 @@
       </p:sp>
       <p:sp>
         <p:nvSpPr>
-          <p:cNvPr id="147" name="CustomShape 2"/>
+          <p:cNvPr id="261" name="CustomShape 2"/>
           <p:cNvSpPr/>
           <p:nvPr/>
         </p:nvSpPr>
         <p:spPr>
           <a:xfrm>
             <a:off x="822960" y="6309360"/>
-            <a:ext cx="180000" cy="354960"/>
+            <a:ext cx="179280" cy="354240"/>
           </a:xfrm>
           <a:prstGeom prst="rect">
             <a:avLst/>
@@ -6837,14 +12846,14 @@
       </p:sp>
       <p:sp>
         <p:nvSpPr>
-          <p:cNvPr id="148" name="CustomShape 3"/>
+          <p:cNvPr id="262" name="CustomShape 3"/>
           <p:cNvSpPr/>
           <p:nvPr/>
         </p:nvSpPr>
         <p:spPr>
           <a:xfrm>
             <a:off x="4937760" y="7863840"/>
-            <a:ext cx="180000" cy="354960"/>
+            <a:ext cx="179280" cy="354240"/>
           </a:xfrm>
           <a:prstGeom prst="rect">
             <a:avLst/>
@@ -6863,14 +12872,14 @@
       </p:sp>
       <p:sp>
         <p:nvSpPr>
-          <p:cNvPr id="149" name="CustomShape 4"/>
+          <p:cNvPr id="263" name="CustomShape 4"/>
           <p:cNvSpPr/>
           <p:nvPr/>
         </p:nvSpPr>
         <p:spPr>
           <a:xfrm>
             <a:off x="822960" y="6309360"/>
-            <a:ext cx="8411760" cy="354960"/>
+            <a:ext cx="8411040" cy="354240"/>
           </a:xfrm>
           <a:prstGeom prst="rect">
             <a:avLst/>
@@ -6925,7 +12934,7 @@
       </p:sp>
       <p:pic>
         <p:nvPicPr>
-          <p:cNvPr id="150" name="" descr=""/>
+          <p:cNvPr id="264" name="" descr=""/>
           <p:cNvPicPr/>
           <p:nvPr/>
         </p:nvPicPr>
@@ -6936,7 +12945,7 @@
         <p:spPr>
           <a:xfrm>
             <a:off x="1263240" y="1768680"/>
-            <a:ext cx="7553160" cy="4384080"/>
+            <a:ext cx="7552440" cy="4383360"/>
           </a:xfrm>
           <a:prstGeom prst="rect">
             <a:avLst/>
@@ -6997,14 +13006,14 @@
       </p:grpSpPr>
       <p:sp>
         <p:nvSpPr>
-          <p:cNvPr id="151" name="TextShape 1"/>
-          <p:cNvSpPr txBox="1"/>
+          <p:cNvPr id="265" name="CustomShape 1"/>
+          <p:cNvSpPr/>
           <p:nvPr/>
         </p:nvSpPr>
         <p:spPr>
           <a:xfrm>
             <a:off x="504000" y="301320"/>
-            <a:ext cx="9072000" cy="5850360"/>
+            <a:ext cx="9071280" cy="5849640"/>
           </a:xfrm>
           <a:prstGeom prst="rect">
             <a:avLst/>
@@ -7014,10 +13023,20 @@
             <a:noFill/>
           </a:ln>
         </p:spPr>
+        <p:style>
+          <a:lnRef idx="0"/>
+          <a:fillRef idx="0"/>
+          <a:effectRef idx="0"/>
+          <a:fontRef idx="minor"/>
+        </p:style>
         <p:txBody>
           <a:bodyPr lIns="0" rIns="0" tIns="0" bIns="0" anchor="ctr"/>
           <a:p>
-            <a:pPr algn="ctr"/>
+            <a:pPr algn="ctr">
+              <a:lnSpc>
+                <a:spcPct val="100000"/>
+              </a:lnSpc>
+            </a:pPr>
             <a:r>
               <a:rPr b="0" lang="en-US" sz="4000" spc="-1" strike="noStrike">
                 <a:solidFill>
@@ -7029,6 +13048,7 @@
                   </a:solidFill>
                 </a:uFill>
                 <a:latin typeface="DejaVu Sans"/>
+                <a:ea typeface="DejaVu Sans"/>
               </a:rPr>
               <a:t>How does unemployment affect the crime rate?</a:t>
             </a:r>
@@ -7097,14 +13117,14 @@
       </p:grpSpPr>
       <p:sp>
         <p:nvSpPr>
-          <p:cNvPr id="152" name="CustomShape 1"/>
+          <p:cNvPr id="266" name="CustomShape 1"/>
           <p:cNvSpPr/>
           <p:nvPr/>
         </p:nvSpPr>
         <p:spPr>
           <a:xfrm>
             <a:off x="504000" y="283320"/>
-            <a:ext cx="9070920" cy="1297800"/>
+            <a:ext cx="9070200" cy="1297080"/>
           </a:xfrm>
           <a:prstGeom prst="rect">
             <a:avLst/>
@@ -7159,14 +13179,14 @@
       </p:sp>
       <p:sp>
         <p:nvSpPr>
-          <p:cNvPr id="153" name="CustomShape 2"/>
+          <p:cNvPr id="267" name="CustomShape 2"/>
           <p:cNvSpPr/>
           <p:nvPr/>
         </p:nvSpPr>
         <p:spPr>
           <a:xfrm>
             <a:off x="822960" y="6309360"/>
-            <a:ext cx="180000" cy="354960"/>
+            <a:ext cx="179280" cy="354240"/>
           </a:xfrm>
           <a:prstGeom prst="rect">
             <a:avLst/>
@@ -7185,14 +13205,14 @@
       </p:sp>
       <p:sp>
         <p:nvSpPr>
-          <p:cNvPr id="154" name="CustomShape 3"/>
+          <p:cNvPr id="268" name="CustomShape 3"/>
           <p:cNvSpPr/>
           <p:nvPr/>
         </p:nvSpPr>
         <p:spPr>
           <a:xfrm>
             <a:off x="4937760" y="7863840"/>
-            <a:ext cx="180000" cy="354960"/>
+            <a:ext cx="179280" cy="354240"/>
           </a:xfrm>
           <a:prstGeom prst="rect">
             <a:avLst/>
@@ -7211,14 +13231,14 @@
       </p:sp>
       <p:sp>
         <p:nvSpPr>
-          <p:cNvPr id="155" name="CustomShape 4"/>
+          <p:cNvPr id="269" name="CustomShape 4"/>
           <p:cNvSpPr/>
           <p:nvPr/>
         </p:nvSpPr>
         <p:spPr>
           <a:xfrm>
             <a:off x="822960" y="6309360"/>
-            <a:ext cx="8411760" cy="354960"/>
+            <a:ext cx="8411040" cy="354240"/>
           </a:xfrm>
           <a:prstGeom prst="rect">
             <a:avLst/>
@@ -7273,7 +13293,7 @@
       </p:sp>
       <p:pic>
         <p:nvPicPr>
-          <p:cNvPr id="156" name="" descr=""/>
+          <p:cNvPr id="270" name="" descr=""/>
           <p:cNvPicPr/>
           <p:nvPr/>
         </p:nvPicPr>
@@ -7284,7 +13304,7 @@
         <p:spPr>
           <a:xfrm>
             <a:off x="1262160" y="1768680"/>
-            <a:ext cx="7553160" cy="4383360"/>
+            <a:ext cx="7552440" cy="4382640"/>
           </a:xfrm>
           <a:prstGeom prst="rect">
             <a:avLst/>
@@ -7345,14 +13365,14 @@
       </p:grpSpPr>
       <p:sp>
         <p:nvSpPr>
-          <p:cNvPr id="157" name="CustomShape 1"/>
+          <p:cNvPr id="271" name="CustomShape 1"/>
           <p:cNvSpPr/>
           <p:nvPr/>
         </p:nvSpPr>
         <p:spPr>
           <a:xfrm>
             <a:off x="504000" y="283320"/>
-            <a:ext cx="9070920" cy="1297800"/>
+            <a:ext cx="9070200" cy="1297080"/>
           </a:xfrm>
           <a:prstGeom prst="rect">
             <a:avLst/>
@@ -7407,14 +13427,14 @@
       </p:sp>
       <p:sp>
         <p:nvSpPr>
-          <p:cNvPr id="158" name="CustomShape 2"/>
+          <p:cNvPr id="272" name="CustomShape 2"/>
           <p:cNvSpPr/>
           <p:nvPr/>
         </p:nvSpPr>
         <p:spPr>
           <a:xfrm>
             <a:off x="822960" y="6309360"/>
-            <a:ext cx="180000" cy="354960"/>
+            <a:ext cx="179280" cy="354240"/>
           </a:xfrm>
           <a:prstGeom prst="rect">
             <a:avLst/>
@@ -7433,14 +13453,14 @@
       </p:sp>
       <p:sp>
         <p:nvSpPr>
-          <p:cNvPr id="159" name="CustomShape 3"/>
+          <p:cNvPr id="273" name="CustomShape 3"/>
           <p:cNvSpPr/>
           <p:nvPr/>
         </p:nvSpPr>
         <p:spPr>
           <a:xfrm>
             <a:off x="4937760" y="7863840"/>
-            <a:ext cx="180000" cy="354960"/>
+            <a:ext cx="179280" cy="354240"/>
           </a:xfrm>
           <a:prstGeom prst="rect">
             <a:avLst/>
@@ -7459,14 +13479,14 @@
       </p:sp>
       <p:sp>
         <p:nvSpPr>
-          <p:cNvPr id="160" name="CustomShape 4"/>
+          <p:cNvPr id="274" name="CustomShape 4"/>
           <p:cNvSpPr/>
           <p:nvPr/>
         </p:nvSpPr>
         <p:spPr>
           <a:xfrm>
             <a:off x="822960" y="6309360"/>
-            <a:ext cx="8411760" cy="354960"/>
+            <a:ext cx="8411040" cy="354240"/>
           </a:xfrm>
           <a:prstGeom prst="rect">
             <a:avLst/>
@@ -7521,7 +13541,7 @@
       </p:sp>
       <p:pic>
         <p:nvPicPr>
-          <p:cNvPr id="161" name="" descr=""/>
+          <p:cNvPr id="275" name="" descr=""/>
           <p:cNvPicPr/>
           <p:nvPr/>
         </p:nvPicPr>
@@ -7532,7 +13552,7 @@
         <p:spPr>
           <a:xfrm>
             <a:off x="1263240" y="1768680"/>
-            <a:ext cx="7553160" cy="4384080"/>
+            <a:ext cx="7552440" cy="4383360"/>
           </a:xfrm>
           <a:prstGeom prst="rect">
             <a:avLst/>
@@ -7593,14 +13613,14 @@
       </p:grpSpPr>
       <p:sp>
         <p:nvSpPr>
-          <p:cNvPr id="162" name="CustomShape 1"/>
+          <p:cNvPr id="276" name="CustomShape 1"/>
           <p:cNvSpPr/>
           <p:nvPr/>
         </p:nvSpPr>
         <p:spPr>
           <a:xfrm>
             <a:off x="504000" y="283320"/>
-            <a:ext cx="9070920" cy="1297800"/>
+            <a:ext cx="9070200" cy="1297080"/>
           </a:xfrm>
           <a:prstGeom prst="rect">
             <a:avLst/>
@@ -7655,14 +13675,14 @@
       </p:sp>
       <p:sp>
         <p:nvSpPr>
-          <p:cNvPr id="163" name="CustomShape 2"/>
+          <p:cNvPr id="277" name="CustomShape 2"/>
           <p:cNvSpPr/>
           <p:nvPr/>
         </p:nvSpPr>
         <p:spPr>
           <a:xfrm>
             <a:off x="822960" y="6309360"/>
-            <a:ext cx="180000" cy="354960"/>
+            <a:ext cx="179280" cy="354240"/>
           </a:xfrm>
           <a:prstGeom prst="rect">
             <a:avLst/>
@@ -7681,14 +13701,14 @@
       </p:sp>
       <p:sp>
         <p:nvSpPr>
-          <p:cNvPr id="164" name="CustomShape 3"/>
+          <p:cNvPr id="278" name="CustomShape 3"/>
           <p:cNvSpPr/>
           <p:nvPr/>
         </p:nvSpPr>
         <p:spPr>
           <a:xfrm>
             <a:off x="4937760" y="7863840"/>
-            <a:ext cx="180000" cy="354960"/>
+            <a:ext cx="179280" cy="354240"/>
           </a:xfrm>
           <a:prstGeom prst="rect">
             <a:avLst/>
@@ -7707,14 +13727,14 @@
       </p:sp>
       <p:sp>
         <p:nvSpPr>
-          <p:cNvPr id="165" name="CustomShape 4"/>
+          <p:cNvPr id="279" name="CustomShape 4"/>
           <p:cNvSpPr/>
           <p:nvPr/>
         </p:nvSpPr>
         <p:spPr>
           <a:xfrm>
             <a:off x="822960" y="6309360"/>
-            <a:ext cx="8411760" cy="354960"/>
+            <a:ext cx="8411040" cy="354240"/>
           </a:xfrm>
           <a:prstGeom prst="rect">
             <a:avLst/>
@@ -7769,7 +13789,7 @@
       </p:sp>
       <p:pic>
         <p:nvPicPr>
-          <p:cNvPr id="166" name="" descr=""/>
+          <p:cNvPr id="280" name="" descr=""/>
           <p:cNvPicPr/>
           <p:nvPr/>
         </p:nvPicPr>
@@ -7780,7 +13800,7 @@
         <p:spPr>
           <a:xfrm>
             <a:off x="1262880" y="1768680"/>
-            <a:ext cx="7553160" cy="4383720"/>
+            <a:ext cx="7552440" cy="4383000"/>
           </a:xfrm>
           <a:prstGeom prst="rect">
             <a:avLst/>
@@ -7841,14 +13861,14 @@
       </p:grpSpPr>
       <p:sp>
         <p:nvSpPr>
-          <p:cNvPr id="167" name="TextShape 1"/>
-          <p:cNvSpPr txBox="1"/>
+          <p:cNvPr id="281" name="CustomShape 1"/>
+          <p:cNvSpPr/>
           <p:nvPr/>
         </p:nvSpPr>
         <p:spPr>
           <a:xfrm>
             <a:off x="504000" y="301320"/>
-            <a:ext cx="9072000" cy="5850360"/>
+            <a:ext cx="9071280" cy="5849640"/>
           </a:xfrm>
           <a:prstGeom prst="rect">
             <a:avLst/>
@@ -7858,10 +13878,20 @@
             <a:noFill/>
           </a:ln>
         </p:spPr>
+        <p:style>
+          <a:lnRef idx="0"/>
+          <a:fillRef idx="0"/>
+          <a:effectRef idx="0"/>
+          <a:fontRef idx="minor"/>
+        </p:style>
         <p:txBody>
           <a:bodyPr lIns="0" rIns="0" tIns="0" bIns="0" anchor="ctr"/>
           <a:p>
-            <a:pPr algn="ctr"/>
+            <a:pPr algn="ctr">
+              <a:lnSpc>
+                <a:spcPct val="100000"/>
+              </a:lnSpc>
+            </a:pPr>
             <a:r>
               <a:rPr b="0" lang="en-US" sz="4000" spc="-1" strike="noStrike">
                 <a:solidFill>
@@ -7873,6 +13903,7 @@
                   </a:solidFill>
                 </a:uFill>
                 <a:latin typeface="DejaVu Sans"/>
+                <a:ea typeface="DejaVu Sans"/>
               </a:rPr>
               <a:t>The Ferguson Effect</a:t>
             </a:r>
@@ -7941,14 +13972,14 @@
       </p:grpSpPr>
       <p:sp>
         <p:nvSpPr>
-          <p:cNvPr id="168" name="TextShape 1"/>
-          <p:cNvSpPr txBox="1"/>
+          <p:cNvPr id="282" name="CustomShape 1"/>
+          <p:cNvSpPr/>
           <p:nvPr/>
         </p:nvSpPr>
         <p:spPr>
           <a:xfrm>
             <a:off x="504000" y="282960"/>
-            <a:ext cx="9072000" cy="1298520"/>
+            <a:ext cx="9071280" cy="1297800"/>
           </a:xfrm>
           <a:prstGeom prst="rect">
             <a:avLst/>
@@ -7958,10 +13989,20 @@
             <a:noFill/>
           </a:ln>
         </p:spPr>
+        <p:style>
+          <a:lnRef idx="0"/>
+          <a:fillRef idx="0"/>
+          <a:effectRef idx="0"/>
+          <a:fontRef idx="minor"/>
+        </p:style>
         <p:txBody>
           <a:bodyPr lIns="0" rIns="0" tIns="0" bIns="0" anchor="ctr"/>
           <a:p>
-            <a:pPr algn="ctr"/>
+            <a:pPr algn="ctr">
+              <a:lnSpc>
+                <a:spcPct val="100000"/>
+              </a:lnSpc>
+            </a:pPr>
             <a:r>
               <a:rPr b="0" lang="en-US" sz="4400" spc="-1" strike="noStrike">
                 <a:solidFill>
@@ -7973,6 +14014,7 @@
                   </a:solidFill>
                 </a:uFill>
                 <a:latin typeface="DejaVu Sans"/>
+                <a:ea typeface="DejaVu Sans"/>
               </a:rPr>
               <a:t>Distribution of Robbery Offenses, 2004 - 2014</a:t>
             </a:r>
@@ -7992,14 +14034,14 @@
       </p:sp>
       <p:sp>
         <p:nvSpPr>
-          <p:cNvPr id="169" name="TextShape 2"/>
-          <p:cNvSpPr txBox="1"/>
+          <p:cNvPr id="283" name="CustomShape 2"/>
+          <p:cNvSpPr/>
           <p:nvPr/>
         </p:nvSpPr>
         <p:spPr>
           <a:xfrm>
             <a:off x="1371600" y="6217920"/>
-            <a:ext cx="7406640" cy="621000"/>
+            <a:ext cx="7405920" cy="620280"/>
           </a:xfrm>
           <a:prstGeom prst="rect">
             <a:avLst/>
@@ -8009,6 +14051,12 @@
             <a:noFill/>
           </a:ln>
         </p:spPr>
+        <p:style>
+          <a:lnRef idx="0"/>
+          <a:fillRef idx="0"/>
+          <a:effectRef idx="0"/>
+          <a:fontRef idx="minor"/>
+        </p:style>
         <p:txBody>
           <a:bodyPr lIns="90000" rIns="90000" tIns="45000" bIns="45000"/>
           <a:p>
@@ -8023,8 +14071,9 @@
                   </a:solidFill>
                 </a:uFill>
                 <a:latin typeface="DejaVu Sans"/>
+                <a:ea typeface="DejaVu Sans"/>
               </a:rPr>
-              <a:t>Mean robberies per day: 2.94</a:t>
+              <a:t>Mean robberies per day: 3.13</a:t>
             </a:r>
             <a:endParaRPr b="0" lang="en-US" sz="1800" spc="-1" strike="noStrike">
               <a:solidFill>
@@ -8050,8 +14099,9 @@
                   </a:solidFill>
                 </a:uFill>
                 <a:latin typeface="DejaVu Sans"/>
+                <a:ea typeface="DejaVu Sans"/>
               </a:rPr>
-              <a:t>Standard deviation: 1.83</a:t>
+              <a:t>Standard deviation: 1.72</a:t>
             </a:r>
             <a:endParaRPr b="0" lang="en-US" sz="1800" spc="-1" strike="noStrike">
               <a:solidFill>
@@ -8069,7 +14119,7 @@
       </p:sp>
       <p:pic>
         <p:nvPicPr>
-          <p:cNvPr id="170" name="" descr=""/>
+          <p:cNvPr id="284" name="" descr=""/>
           <p:cNvPicPr/>
           <p:nvPr/>
         </p:nvPicPr>
@@ -8079,8 +14129,8 @@
         </p:blipFill>
         <p:spPr>
           <a:xfrm>
-            <a:off x="1263240" y="1768680"/>
-            <a:ext cx="7553160" cy="4384080"/>
+            <a:off x="1263240" y="1768320"/>
+            <a:ext cx="7552440" cy="4383360"/>
           </a:xfrm>
           <a:prstGeom prst="rect">
             <a:avLst/>
@@ -8141,14 +14191,14 @@
       </p:grpSpPr>
       <p:sp>
         <p:nvSpPr>
-          <p:cNvPr id="171" name="CustomShape 1"/>
+          <p:cNvPr id="285" name="CustomShape 1"/>
           <p:cNvSpPr/>
           <p:nvPr/>
         </p:nvSpPr>
         <p:spPr>
           <a:xfrm>
             <a:off x="504000" y="301320"/>
-            <a:ext cx="9070920" cy="1261440"/>
+            <a:ext cx="9070200" cy="1260720"/>
           </a:xfrm>
           <a:prstGeom prst="rect">
             <a:avLst/>
@@ -8203,14 +14253,14 @@
       </p:sp>
       <p:sp>
         <p:nvSpPr>
-          <p:cNvPr id="172" name="CustomShape 2"/>
+          <p:cNvPr id="286" name="CustomShape 2"/>
           <p:cNvSpPr/>
           <p:nvPr/>
         </p:nvSpPr>
         <p:spPr>
           <a:xfrm>
             <a:off x="822960" y="6309360"/>
-            <a:ext cx="180000" cy="354960"/>
+            <a:ext cx="179280" cy="354240"/>
           </a:xfrm>
           <a:prstGeom prst="rect">
             <a:avLst/>
@@ -8229,14 +14279,14 @@
       </p:sp>
       <p:sp>
         <p:nvSpPr>
-          <p:cNvPr id="173" name="CustomShape 3"/>
+          <p:cNvPr id="287" name="CustomShape 3"/>
           <p:cNvSpPr/>
           <p:nvPr/>
         </p:nvSpPr>
         <p:spPr>
           <a:xfrm>
             <a:off x="4937760" y="7863840"/>
-            <a:ext cx="180000" cy="354960"/>
+            <a:ext cx="179280" cy="354240"/>
           </a:xfrm>
           <a:prstGeom prst="rect">
             <a:avLst/>
@@ -8255,14 +14305,14 @@
       </p:sp>
       <p:sp>
         <p:nvSpPr>
-          <p:cNvPr id="174" name="CustomShape 4"/>
+          <p:cNvPr id="288" name="CustomShape 4"/>
           <p:cNvSpPr/>
           <p:nvPr/>
         </p:nvSpPr>
         <p:spPr>
           <a:xfrm>
             <a:off x="822960" y="6309360"/>
-            <a:ext cx="8411760" cy="620280"/>
+            <a:ext cx="8411040" cy="619560"/>
           </a:xfrm>
           <a:prstGeom prst="rect">
             <a:avLst/>
@@ -8340,7 +14390,7 @@
       </p:sp>
       <p:pic>
         <p:nvPicPr>
-          <p:cNvPr id="175" name="" descr=""/>
+          <p:cNvPr id="289" name="" descr=""/>
           <p:cNvPicPr/>
           <p:nvPr/>
         </p:nvPicPr>
@@ -8350,8 +14400,8 @@
         </p:blipFill>
         <p:spPr>
           <a:xfrm>
-            <a:off x="1263240" y="1768680"/>
-            <a:ext cx="7553160" cy="4384080"/>
+            <a:off x="1263240" y="1768320"/>
+            <a:ext cx="7552440" cy="4383360"/>
           </a:xfrm>
           <a:prstGeom prst="rect">
             <a:avLst/>
@@ -8412,14 +14462,14 @@
       </p:grpSpPr>
       <p:sp>
         <p:nvSpPr>
-          <p:cNvPr id="176" name="TextShape 1"/>
-          <p:cNvSpPr txBox="1"/>
+          <p:cNvPr id="290" name="CustomShape 1"/>
+          <p:cNvSpPr/>
           <p:nvPr/>
         </p:nvSpPr>
         <p:spPr>
           <a:xfrm>
             <a:off x="504000" y="301320"/>
-            <a:ext cx="9072000" cy="5850360"/>
+            <a:ext cx="9071280" cy="5849640"/>
           </a:xfrm>
           <a:prstGeom prst="rect">
             <a:avLst/>
@@ -8429,10 +14479,20 @@
             <a:noFill/>
           </a:ln>
         </p:spPr>
+        <p:style>
+          <a:lnRef idx="0"/>
+          <a:fillRef idx="0"/>
+          <a:effectRef idx="0"/>
+          <a:fontRef idx="minor"/>
+        </p:style>
         <p:txBody>
           <a:bodyPr lIns="0" rIns="0" tIns="0" bIns="0" anchor="ctr"/>
           <a:p>
-            <a:pPr algn="ctr"/>
+            <a:pPr algn="ctr">
+              <a:lnSpc>
+                <a:spcPct val="100000"/>
+              </a:lnSpc>
+            </a:pPr>
             <a:r>
               <a:rPr b="0" lang="en-US" sz="4000" spc="-1" strike="noStrike">
                 <a:solidFill>
@@ -8444,6 +14504,7 @@
                   </a:solidFill>
                 </a:uFill>
                 <a:latin typeface="DejaVu Sans"/>
+                <a:ea typeface="DejaVu Sans"/>
               </a:rPr>
               <a:t>Neighborhood Demographics</a:t>
             </a:r>
@@ -8463,6 +14524,33 @@
       </p:sp>
     </p:spTree>
   </p:cSld>
+  <p:timing>
+    <p:tnLst>
+      <p:par>
+        <p:cTn id="35" dur="indefinite" restart="never" nodeType="tmRoot">
+          <p:childTnLst>
+            <p:seq>
+              <p:cTn id="36" nodeType="mainSeq"/>
+              <p:prevCondLst>
+                <p:cond delay="0" evt="onPrev">
+                  <p:tgtEl>
+                    <p:sldTgt/>
+                  </p:tgtEl>
+                </p:cond>
+              </p:prevCondLst>
+              <p:nextCondLst>
+                <p:cond delay="0" evt="onNext">
+                  <p:tgtEl>
+                    <p:sldTgt/>
+                  </p:tgtEl>
+                </p:cond>
+              </p:nextCondLst>
+            </p:seq>
+          </p:childTnLst>
+        </p:cTn>
+      </p:par>
+    </p:tnLst>
+  </p:timing>
 </p:sld>
 </file>
 
@@ -8485,14 +14573,14 @@
       </p:grpSpPr>
       <p:sp>
         <p:nvSpPr>
-          <p:cNvPr id="177" name="CustomShape 1"/>
+          <p:cNvPr id="291" name="CustomShape 1"/>
           <p:cNvSpPr/>
           <p:nvPr/>
         </p:nvSpPr>
         <p:spPr>
           <a:xfrm>
             <a:off x="504000" y="283680"/>
-            <a:ext cx="9070920" cy="1297800"/>
+            <a:ext cx="9070200" cy="1297080"/>
           </a:xfrm>
           <a:prstGeom prst="rect">
             <a:avLst/>
@@ -8547,14 +14635,14 @@
       </p:sp>
       <p:sp>
         <p:nvSpPr>
-          <p:cNvPr id="178" name="CustomShape 2"/>
+          <p:cNvPr id="292" name="CustomShape 2"/>
           <p:cNvSpPr/>
           <p:nvPr/>
         </p:nvSpPr>
         <p:spPr>
           <a:xfrm>
             <a:off x="822960" y="6309360"/>
-            <a:ext cx="180000" cy="354960"/>
+            <a:ext cx="179280" cy="354240"/>
           </a:xfrm>
           <a:prstGeom prst="rect">
             <a:avLst/>
@@ -8573,14 +14661,14 @@
       </p:sp>
       <p:sp>
         <p:nvSpPr>
-          <p:cNvPr id="179" name="CustomShape 3"/>
+          <p:cNvPr id="293" name="CustomShape 3"/>
           <p:cNvSpPr/>
           <p:nvPr/>
         </p:nvSpPr>
         <p:spPr>
           <a:xfrm>
             <a:off x="4937760" y="7863840"/>
-            <a:ext cx="180000" cy="354960"/>
+            <a:ext cx="179280" cy="354240"/>
           </a:xfrm>
           <a:prstGeom prst="rect">
             <a:avLst/>
@@ -8599,14 +14687,14 @@
       </p:sp>
       <p:sp>
         <p:nvSpPr>
-          <p:cNvPr id="180" name="CustomShape 4"/>
+          <p:cNvPr id="294" name="CustomShape 4"/>
           <p:cNvSpPr/>
           <p:nvPr/>
         </p:nvSpPr>
         <p:spPr>
           <a:xfrm>
             <a:off x="822960" y="6309360"/>
-            <a:ext cx="8411760" cy="885600"/>
+            <a:ext cx="8411040" cy="884880"/>
           </a:xfrm>
           <a:prstGeom prst="rect">
             <a:avLst/>
@@ -8712,7 +14800,7 @@
       </p:sp>
       <p:pic>
         <p:nvPicPr>
-          <p:cNvPr id="181" name="" descr=""/>
+          <p:cNvPr id="295" name="" descr=""/>
           <p:cNvPicPr/>
           <p:nvPr/>
         </p:nvPicPr>
@@ -8723,7 +14811,7 @@
         <p:spPr>
           <a:xfrm>
             <a:off x="1262160" y="1768680"/>
-            <a:ext cx="7553160" cy="4383360"/>
+            <a:ext cx="7552440" cy="4382640"/>
           </a:xfrm>
           <a:prstGeom prst="rect">
             <a:avLst/>
@@ -8738,10 +14826,10 @@
   <p:timing>
     <p:tnLst>
       <p:par>
-        <p:cTn id="35" dur="indefinite" restart="never" nodeType="tmRoot">
+        <p:cTn id="37" dur="indefinite" restart="never" nodeType="tmRoot">
           <p:childTnLst>
             <p:seq>
-              <p:cTn id="36" nodeType="mainSeq"/>
+              <p:cTn id="38" nodeType="mainSeq"/>
               <p:prevCondLst>
                 <p:cond delay="0" evt="onPrev">
                   <p:tgtEl>
@@ -8784,14 +14872,14 @@
       </p:grpSpPr>
       <p:sp>
         <p:nvSpPr>
-          <p:cNvPr id="116" name="CustomShape 1"/>
+          <p:cNvPr id="230" name="CustomShape 1"/>
           <p:cNvSpPr/>
           <p:nvPr/>
         </p:nvSpPr>
         <p:spPr>
           <a:xfrm>
             <a:off x="504000" y="301320"/>
-            <a:ext cx="9070920" cy="1261440"/>
+            <a:ext cx="9070200" cy="1260720"/>
           </a:xfrm>
           <a:prstGeom prst="rect">
             <a:avLst/>
@@ -8826,6 +14914,7 @@
                   </a:solidFill>
                 </a:uFill>
                 <a:latin typeface="Arial"/>
+                <a:ea typeface="DejaVu Sans"/>
               </a:rPr>
               <a:t>Questions:</a:t>
             </a:r>
@@ -8845,14 +14934,14 @@
       </p:sp>
       <p:sp>
         <p:nvSpPr>
-          <p:cNvPr id="117" name="CustomShape 2"/>
+          <p:cNvPr id="231" name="CustomShape 2"/>
           <p:cNvSpPr/>
           <p:nvPr/>
         </p:nvSpPr>
         <p:spPr>
           <a:xfrm>
             <a:off x="504000" y="1768680"/>
-            <a:ext cx="9071640" cy="4383720"/>
+            <a:ext cx="9070920" cy="4383000"/>
           </a:xfrm>
           <a:prstGeom prst="rect">
             <a:avLst/>
@@ -8871,7 +14960,7 @@
         <p:txBody>
           <a:bodyPr lIns="0" rIns="0" tIns="0" bIns="0"/>
           <a:p>
-            <a:pPr marL="432000" indent="-323640">
+            <a:pPr marL="432000" indent="-322920">
               <a:lnSpc>
                 <a:spcPct val="100000"/>
               </a:lnSpc>
@@ -8893,6 +14982,7 @@
                   </a:solidFill>
                 </a:uFill>
                 <a:latin typeface="Arial"/>
+                <a:ea typeface="DejaVu Sans"/>
               </a:rPr>
               <a:t>How has crime changed?</a:t>
             </a:r>
@@ -8909,7 +14999,7 @@
             </a:endParaRPr>
           </a:p>
           <a:p>
-            <a:pPr marL="432000" indent="-323640">
+            <a:pPr marL="432000" indent="-322920">
               <a:lnSpc>
                 <a:spcPct val="100000"/>
               </a:lnSpc>
@@ -8931,6 +15021,7 @@
                   </a:solidFill>
                 </a:uFill>
                 <a:latin typeface="Arial"/>
+                <a:ea typeface="DejaVu Sans"/>
               </a:rPr>
               <a:t>What factors have a significant effect on these changes?</a:t>
             </a:r>
@@ -8947,7 +15038,7 @@
             </a:endParaRPr>
           </a:p>
           <a:p>
-            <a:pPr marL="432000" indent="-323640">
+            <a:pPr marL="432000" indent="-322920">
               <a:lnSpc>
                 <a:spcPct val="100000"/>
               </a:lnSpc>
@@ -8969,6 +15060,7 @@
                   </a:solidFill>
                 </a:uFill>
                 <a:latin typeface="Arial"/>
+                <a:ea typeface="DejaVu Sans"/>
               </a:rPr>
               <a:t>Do different types of crime change differently?</a:t>
             </a:r>
@@ -8985,7 +15077,7 @@
             </a:endParaRPr>
           </a:p>
           <a:p>
-            <a:pPr marL="432000" indent="-323640">
+            <a:pPr marL="432000" indent="-322920">
               <a:lnSpc>
                 <a:spcPct val="100000"/>
               </a:lnSpc>
@@ -9007,6 +15099,7 @@
                   </a:solidFill>
                 </a:uFill>
                 <a:latin typeface="Arial"/>
+                <a:ea typeface="DejaVu Sans"/>
               </a:rPr>
               <a:t>How does geography and neighborhood composition affect crime rates?</a:t>
             </a:r>
@@ -9023,7 +15116,7 @@
             </a:endParaRPr>
           </a:p>
           <a:p>
-            <a:pPr marL="432000" indent="-323640">
+            <a:pPr marL="432000" indent="-322920">
               <a:lnSpc>
                 <a:spcPct val="100000"/>
               </a:lnSpc>
@@ -9045,6 +15138,7 @@
                   </a:solidFill>
                 </a:uFill>
                 <a:latin typeface="Arial"/>
+                <a:ea typeface="DejaVu Sans"/>
               </a:rPr>
               <a:t>What questions about crime might we be able to answer with more information?</a:t>
             </a:r>
@@ -9071,107 +15165,6 @@
           <p:childTnLst>
             <p:seq>
               <p:cTn id="4" nodeType="mainSeq"/>
-              <p:prevCondLst>
-                <p:cond delay="0" evt="onPrev">
-                  <p:tgtEl>
-                    <p:sldTgt/>
-                  </p:tgtEl>
-                </p:cond>
-              </p:prevCondLst>
-              <p:nextCondLst>
-                <p:cond delay="0" evt="onNext">
-                  <p:tgtEl>
-                    <p:sldTgt/>
-                  </p:tgtEl>
-                </p:cond>
-              </p:nextCondLst>
-            </p:seq>
-          </p:childTnLst>
-        </p:cTn>
-      </p:par>
-    </p:tnLst>
-  </p:timing>
-</p:sld>
-</file>
-
-<file path=ppt/slides/slide20.xml><?xml version="1.0" encoding="utf-8"?>
-<p:sld xmlns:a="http://schemas.openxmlformats.org/drawingml/2006/main" xmlns:p="http://schemas.openxmlformats.org/presentationml/2006/main" xmlns:r="http://schemas.openxmlformats.org/officeDocument/2006/relationships" xmlns:p14="http://schemas.microsoft.com/office/powerpoint/2010/main" xmlns:p15="http://schemas.microsoft.com/office/powerpoint/2012/main" xmlns:mc="http://schemas.openxmlformats.org/markup-compatibility/2006">
-  <p:cSld>
-    <p:spTree>
-      <p:nvGrpSpPr>
-        <p:cNvPr id="1" name=""/>
-        <p:cNvGrpSpPr/>
-        <p:nvPr/>
-      </p:nvGrpSpPr>
-      <p:grpSpPr>
-        <a:xfrm>
-          <a:off x="0" y="0"/>
-          <a:ext cx="0" cy="0"/>
-          <a:chOff x="0" y="0"/>
-          <a:chExt cx="0" cy="0"/>
-        </a:xfrm>
-      </p:grpSpPr>
-      <p:sp>
-        <p:nvSpPr>
-          <p:cNvPr id="182" name="CustomShape 1"/>
-          <p:cNvSpPr/>
-          <p:nvPr/>
-        </p:nvSpPr>
-        <p:spPr>
-          <a:xfrm>
-            <a:off x="504000" y="301320"/>
-            <a:ext cx="9070920" cy="1261440"/>
-          </a:xfrm>
-          <a:prstGeom prst="rect">
-            <a:avLst/>
-          </a:prstGeom>
-          <a:noFill/>
-          <a:ln>
-            <a:noFill/>
-          </a:ln>
-        </p:spPr>
-        <p:style>
-          <a:lnRef idx="0"/>
-          <a:fillRef idx="0"/>
-          <a:effectRef idx="0"/>
-          <a:fontRef idx="minor"/>
-        </p:style>
-      </p:sp>
-      <p:sp>
-        <p:nvSpPr>
-          <p:cNvPr id="183" name="CustomShape 2"/>
-          <p:cNvSpPr/>
-          <p:nvPr/>
-        </p:nvSpPr>
-        <p:spPr>
-          <a:xfrm>
-            <a:off x="504000" y="1769040"/>
-            <a:ext cx="9070920" cy="4383720"/>
-          </a:xfrm>
-          <a:prstGeom prst="rect">
-            <a:avLst/>
-          </a:prstGeom>
-          <a:noFill/>
-          <a:ln>
-            <a:noFill/>
-          </a:ln>
-        </p:spPr>
-        <p:style>
-          <a:lnRef idx="0"/>
-          <a:fillRef idx="0"/>
-          <a:effectRef idx="0"/>
-          <a:fontRef idx="minor"/>
-        </p:style>
-      </p:sp>
-    </p:spTree>
-  </p:cSld>
-  <p:timing>
-    <p:tnLst>
-      <p:par>
-        <p:cTn id="37" dur="indefinite" restart="never" nodeType="tmRoot">
-          <p:childTnLst>
-            <p:seq>
-              <p:cTn id="38" nodeType="mainSeq"/>
               <p:prevCondLst>
                 <p:cond delay="0" evt="onPrev">
                   <p:tgtEl>
@@ -9214,14 +15207,14 @@
       </p:grpSpPr>
       <p:sp>
         <p:nvSpPr>
-          <p:cNvPr id="118" name="CustomShape 1"/>
+          <p:cNvPr id="232" name="CustomShape 1"/>
           <p:cNvSpPr/>
           <p:nvPr/>
         </p:nvSpPr>
         <p:spPr>
           <a:xfrm>
             <a:off x="504000" y="301320"/>
-            <a:ext cx="9070920" cy="1261440"/>
+            <a:ext cx="9070200" cy="1260720"/>
           </a:xfrm>
           <a:prstGeom prst="rect">
             <a:avLst/>
@@ -9276,14 +15269,14 @@
       </p:sp>
       <p:sp>
         <p:nvSpPr>
-          <p:cNvPr id="119" name="CustomShape 2"/>
+          <p:cNvPr id="233" name="CustomShape 2"/>
           <p:cNvSpPr/>
           <p:nvPr/>
         </p:nvSpPr>
         <p:spPr>
           <a:xfrm>
             <a:off x="504000" y="1769040"/>
-            <a:ext cx="9070920" cy="4383720"/>
+            <a:ext cx="9070200" cy="4383000"/>
           </a:xfrm>
           <a:prstGeom prst="rect">
             <a:avLst/>
@@ -9302,7 +15295,7 @@
         <p:txBody>
           <a:bodyPr lIns="0" rIns="0" tIns="0" bIns="0"/>
           <a:p>
-            <a:pPr marL="457200" indent="-227880">
+            <a:pPr marL="457200" indent="-227160">
               <a:lnSpc>
                 <a:spcPct val="100000"/>
               </a:lnSpc>
@@ -9335,7 +15328,7 @@
             </a:endParaRPr>
           </a:p>
           <a:p>
-            <a:pPr marL="457200" indent="-227880">
+            <a:pPr marL="457200" indent="-227160">
               <a:lnSpc>
                 <a:spcPct val="100000"/>
               </a:lnSpc>
@@ -9368,7 +15361,25 @@
             </a:endParaRPr>
           </a:p>
           <a:p>
-            <a:pPr marL="457200" indent="-227880">
+            <a:pPr marL="457200" indent="-227160">
+              <a:lnSpc>
+                <a:spcPct val="100000"/>
+              </a:lnSpc>
+            </a:pPr>
+            <a:endParaRPr b="0" lang="en-US" sz="1600" spc="-1" strike="noStrike">
+              <a:solidFill>
+                <a:srgbClr val="000000"/>
+              </a:solidFill>
+              <a:uFill>
+                <a:solidFill>
+                  <a:srgbClr val="ffffff"/>
+                </a:solidFill>
+              </a:uFill>
+              <a:latin typeface="DejaVu Sans"/>
+            </a:endParaRPr>
+          </a:p>
+          <a:p>
+            <a:pPr marL="457200" indent="-227160">
               <a:lnSpc>
                 <a:spcPct val="100000"/>
               </a:lnSpc>
@@ -9401,7 +15412,7 @@
             </a:endParaRPr>
           </a:p>
           <a:p>
-            <a:pPr marL="457200" indent="-227880">
+            <a:pPr marL="457200" indent="-227160">
               <a:lnSpc>
                 <a:spcPct val="100000"/>
               </a:lnSpc>
@@ -9434,7 +15445,25 @@
             </a:endParaRPr>
           </a:p>
           <a:p>
-            <a:pPr marL="457200" indent="-227880">
+            <a:pPr marL="457200" indent="-227160">
+              <a:lnSpc>
+                <a:spcPct val="100000"/>
+              </a:lnSpc>
+            </a:pPr>
+            <a:endParaRPr b="0" lang="en-US" sz="1600" spc="-1" strike="noStrike">
+              <a:solidFill>
+                <a:srgbClr val="000000"/>
+              </a:solidFill>
+              <a:uFill>
+                <a:solidFill>
+                  <a:srgbClr val="ffffff"/>
+                </a:solidFill>
+              </a:uFill>
+              <a:latin typeface="DejaVu Sans"/>
+            </a:endParaRPr>
+          </a:p>
+          <a:p>
+            <a:pPr marL="457200" indent="-227160">
               <a:lnSpc>
                 <a:spcPct val="100000"/>
               </a:lnSpc>
@@ -9467,7 +15496,7 @@
             </a:endParaRPr>
           </a:p>
           <a:p>
-            <a:pPr marL="457200" indent="-227880">
+            <a:pPr marL="457200" indent="-227160">
               <a:lnSpc>
                 <a:spcPct val="100000"/>
               </a:lnSpc>
@@ -9500,7 +15529,25 @@
             </a:endParaRPr>
           </a:p>
           <a:p>
-            <a:pPr marL="457200" indent="-227880">
+            <a:pPr marL="457200" indent="-227160">
+              <a:lnSpc>
+                <a:spcPct val="100000"/>
+              </a:lnSpc>
+            </a:pPr>
+            <a:endParaRPr b="0" lang="en-US" sz="1600" spc="-1" strike="noStrike">
+              <a:solidFill>
+                <a:srgbClr val="000000"/>
+              </a:solidFill>
+              <a:uFill>
+                <a:solidFill>
+                  <a:srgbClr val="ffffff"/>
+                </a:solidFill>
+              </a:uFill>
+              <a:latin typeface="DejaVu Sans"/>
+            </a:endParaRPr>
+          </a:p>
+          <a:p>
+            <a:pPr marL="457200" indent="-227160">
               <a:lnSpc>
                 <a:spcPct val="100000"/>
               </a:lnSpc>
@@ -9533,7 +15580,7 @@
             </a:endParaRPr>
           </a:p>
           <a:p>
-            <a:pPr marL="457200" indent="-227880">
+            <a:pPr marL="457200" indent="-227160">
               <a:lnSpc>
                 <a:spcPct val="100000"/>
               </a:lnSpc>
@@ -9618,14 +15665,14 @@
       </p:grpSpPr>
       <p:sp>
         <p:nvSpPr>
-          <p:cNvPr id="120" name="CustomShape 1"/>
+          <p:cNvPr id="234" name="CustomShape 1"/>
           <p:cNvSpPr/>
           <p:nvPr/>
         </p:nvSpPr>
         <p:spPr>
           <a:xfrm>
             <a:off x="504000" y="301320"/>
-            <a:ext cx="9070920" cy="1261440"/>
+            <a:ext cx="9070200" cy="1260720"/>
           </a:xfrm>
           <a:prstGeom prst="rect">
             <a:avLst/>
@@ -9680,7 +15727,7 @@
       </p:sp>
       <p:pic>
         <p:nvPicPr>
-          <p:cNvPr id="121" name="" descr=""/>
+          <p:cNvPr id="235" name="" descr=""/>
           <p:cNvPicPr/>
           <p:nvPr/>
         </p:nvPicPr>
@@ -9691,7 +15738,7 @@
         <p:spPr>
           <a:xfrm>
             <a:off x="1262520" y="1768680"/>
-            <a:ext cx="7553160" cy="4383720"/>
+            <a:ext cx="7552440" cy="4383000"/>
           </a:xfrm>
           <a:prstGeom prst="rect">
             <a:avLst/>
@@ -9703,14 +15750,14 @@
       </p:pic>
       <p:sp>
         <p:nvSpPr>
-          <p:cNvPr id="122" name="CustomShape 2"/>
+          <p:cNvPr id="236" name="CustomShape 2"/>
           <p:cNvSpPr/>
           <p:nvPr/>
         </p:nvSpPr>
         <p:spPr>
           <a:xfrm>
             <a:off x="1463040" y="6309360"/>
-            <a:ext cx="7223400" cy="345960"/>
+            <a:ext cx="7222680" cy="345240"/>
           </a:xfrm>
           <a:prstGeom prst="rect">
             <a:avLst/>
@@ -9745,6 +15792,7 @@
                   </a:solidFill>
                 </a:uFill>
                 <a:latin typeface="Arial"/>
+                <a:ea typeface="DejaVu Sans"/>
               </a:rPr>
               <a:t>Correlation coefficient: r = -0.848</a:t>
             </a:r>
@@ -9813,14 +15861,14 @@
       </p:grpSpPr>
       <p:sp>
         <p:nvSpPr>
-          <p:cNvPr id="123" name="CustomShape 1"/>
+          <p:cNvPr id="237" name="CustomShape 1"/>
           <p:cNvSpPr/>
           <p:nvPr/>
         </p:nvSpPr>
         <p:spPr>
           <a:xfrm>
             <a:off x="504000" y="301320"/>
-            <a:ext cx="9070920" cy="1261440"/>
+            <a:ext cx="9070200" cy="1260720"/>
           </a:xfrm>
           <a:prstGeom prst="rect">
             <a:avLst/>
@@ -9839,14 +15887,14 @@
       </p:sp>
       <p:sp>
         <p:nvSpPr>
-          <p:cNvPr id="124" name="CustomShape 2"/>
+          <p:cNvPr id="238" name="CustomShape 2"/>
           <p:cNvSpPr/>
           <p:nvPr/>
         </p:nvSpPr>
         <p:spPr>
           <a:xfrm>
             <a:off x="1463040" y="6309360"/>
-            <a:ext cx="7223400" cy="345960"/>
+            <a:ext cx="7222680" cy="345240"/>
           </a:xfrm>
           <a:prstGeom prst="rect">
             <a:avLst/>
@@ -9881,6 +15929,7 @@
                   </a:solidFill>
                 </a:uFill>
                 <a:latin typeface="Arial"/>
+                <a:ea typeface="DejaVu Sans"/>
               </a:rPr>
               <a:t>r = -0.799</a:t>
             </a:r>
@@ -9900,14 +15949,14 @@
       </p:sp>
       <p:sp>
         <p:nvSpPr>
-          <p:cNvPr id="125" name="CustomShape 3"/>
+          <p:cNvPr id="239" name="CustomShape 3"/>
           <p:cNvSpPr/>
           <p:nvPr/>
         </p:nvSpPr>
         <p:spPr>
           <a:xfrm>
             <a:off x="504000" y="279720"/>
-            <a:ext cx="9070920" cy="1304640"/>
+            <a:ext cx="9070200" cy="1303920"/>
           </a:xfrm>
           <a:prstGeom prst="rect">
             <a:avLst/>
@@ -9925,34 +15974,6 @@
         </p:style>
         <p:txBody>
           <a:bodyPr lIns="0" rIns="0" tIns="0" bIns="0" anchor="ctr"/>
-          <a:p>
-            <a:pPr algn="ctr"/>
-            <a:r>
-              <a:rPr b="0" lang="en-US" sz="4400" spc="-1" strike="noStrike">
-                <a:solidFill>
-                  <a:srgbClr val="000000"/>
-                </a:solidFill>
-                <a:uFill>
-                  <a:solidFill>
-                    <a:srgbClr val="ffffff"/>
-                  </a:solidFill>
-                </a:uFill>
-                <a:latin typeface="DejaVu Sans"/>
-              </a:rPr>
-              <a:t>Correlation Between </a:t>
-            </a:r>
-            <a:endParaRPr b="0" lang="en-US" sz="4400" spc="-1" strike="noStrike">
-              <a:solidFill>
-                <a:srgbClr val="000000"/>
-              </a:solidFill>
-              <a:uFill>
-                <a:solidFill>
-                  <a:srgbClr val="ffffff"/>
-                </a:solidFill>
-              </a:uFill>
-              <a:latin typeface="DejaVu Sans"/>
-            </a:endParaRPr>
-          </a:p>
           <a:p>
             <a:pPr algn="ctr">
               <a:lnSpc>
@@ -9970,6 +15991,40 @@
                   </a:solidFill>
                 </a:uFill>
                 <a:latin typeface="DejaVu Sans"/>
+                <a:ea typeface="DejaVu Sans"/>
+              </a:rPr>
+              <a:t>Correlation Between </a:t>
+            </a:r>
+            <a:endParaRPr b="0" lang="en-US" sz="4400" spc="-1" strike="noStrike">
+              <a:solidFill>
+                <a:srgbClr val="000000"/>
+              </a:solidFill>
+              <a:uFill>
+                <a:solidFill>
+                  <a:srgbClr val="ffffff"/>
+                </a:solidFill>
+              </a:uFill>
+              <a:latin typeface="DejaVu Sans"/>
+            </a:endParaRPr>
+          </a:p>
+          <a:p>
+            <a:pPr algn="ctr">
+              <a:lnSpc>
+                <a:spcPct val="100000"/>
+              </a:lnSpc>
+            </a:pPr>
+            <a:r>
+              <a:rPr b="0" lang="en-US" sz="4400" spc="-1" strike="noStrike">
+                <a:solidFill>
+                  <a:srgbClr val="000000"/>
+                </a:solidFill>
+                <a:uFill>
+                  <a:solidFill>
+                    <a:srgbClr val="ffffff"/>
+                  </a:solidFill>
+                </a:uFill>
+                <a:latin typeface="DejaVu Sans"/>
+                <a:ea typeface="DejaVu Sans"/>
               </a:rPr>
               <a:t>Crime and Population</a:t>
             </a:r>
@@ -9989,7 +16044,7 @@
       </p:sp>
       <p:pic>
         <p:nvPicPr>
-          <p:cNvPr id="126" name="" descr=""/>
+          <p:cNvPr id="240" name="" descr=""/>
           <p:cNvPicPr/>
           <p:nvPr/>
         </p:nvPicPr>
@@ -10000,7 +16055,7 @@
         <p:spPr>
           <a:xfrm>
             <a:off x="1488960" y="1769040"/>
-            <a:ext cx="7101000" cy="4383720"/>
+            <a:ext cx="7100280" cy="4383000"/>
           </a:xfrm>
           <a:prstGeom prst="rect">
             <a:avLst/>
@@ -10061,14 +16116,14 @@
       </p:grpSpPr>
       <p:sp>
         <p:nvSpPr>
-          <p:cNvPr id="127" name="CustomShape 1"/>
+          <p:cNvPr id="241" name="CustomShape 1"/>
           <p:cNvSpPr/>
           <p:nvPr/>
         </p:nvSpPr>
         <p:spPr>
           <a:xfrm>
             <a:off x="504000" y="301320"/>
-            <a:ext cx="9070920" cy="1261440"/>
+            <a:ext cx="9070200" cy="1260720"/>
           </a:xfrm>
           <a:prstGeom prst="rect">
             <a:avLst/>
@@ -10123,7 +16178,7 @@
       </p:sp>
       <p:pic>
         <p:nvPicPr>
-          <p:cNvPr id="128" name="" descr=""/>
+          <p:cNvPr id="242" name="" descr=""/>
           <p:cNvPicPr/>
           <p:nvPr/>
         </p:nvPicPr>
@@ -10134,7 +16189,7 @@
         <p:spPr>
           <a:xfrm>
             <a:off x="1262160" y="1768680"/>
-            <a:ext cx="7553160" cy="4383360"/>
+            <a:ext cx="7552440" cy="4382640"/>
           </a:xfrm>
           <a:prstGeom prst="rect">
             <a:avLst/>
@@ -10146,14 +16201,14 @@
       </p:pic>
       <p:sp>
         <p:nvSpPr>
-          <p:cNvPr id="129" name="CustomShape 2"/>
+          <p:cNvPr id="243" name="CustomShape 2"/>
           <p:cNvSpPr/>
           <p:nvPr/>
         </p:nvSpPr>
         <p:spPr>
           <a:xfrm>
             <a:off x="822960" y="6309360"/>
-            <a:ext cx="180000" cy="354960"/>
+            <a:ext cx="179280" cy="354240"/>
           </a:xfrm>
           <a:prstGeom prst="rect">
             <a:avLst/>
@@ -10172,14 +16227,14 @@
       </p:sp>
       <p:sp>
         <p:nvSpPr>
-          <p:cNvPr id="130" name="CustomShape 3"/>
+          <p:cNvPr id="244" name="CustomShape 3"/>
           <p:cNvSpPr/>
           <p:nvPr/>
         </p:nvSpPr>
         <p:spPr>
           <a:xfrm>
             <a:off x="4937760" y="7863840"/>
-            <a:ext cx="180000" cy="354960"/>
+            <a:ext cx="179280" cy="354240"/>
           </a:xfrm>
           <a:prstGeom prst="rect">
             <a:avLst/>
@@ -10198,14 +16253,14 @@
       </p:sp>
       <p:sp>
         <p:nvSpPr>
-          <p:cNvPr id="131" name="CustomShape 4"/>
+          <p:cNvPr id="245" name="CustomShape 4"/>
           <p:cNvSpPr/>
           <p:nvPr/>
         </p:nvSpPr>
         <p:spPr>
           <a:xfrm>
             <a:off x="822960" y="6309360"/>
-            <a:ext cx="8411760" cy="620280"/>
+            <a:ext cx="8411040" cy="619560"/>
           </a:xfrm>
           <a:prstGeom prst="rect">
             <a:avLst/>
@@ -10224,7 +16279,11 @@
         <p:txBody>
           <a:bodyPr lIns="90000" rIns="90000" tIns="45000" bIns="45000"/>
           <a:p>
-            <a:pPr algn="r"/>
+            <a:pPr algn="r">
+              <a:lnSpc>
+                <a:spcPct val="100000"/>
+              </a:lnSpc>
+            </a:pPr>
             <a:r>
               <a:rPr b="0" lang="en-US" sz="1800" spc="-1" strike="noStrike">
                 <a:solidFill>
@@ -10253,6 +16312,11 @@
             </a:endParaRPr>
           </a:p>
           <a:p>
+            <a:pPr>
+              <a:lnSpc>
+                <a:spcPct val="100000"/>
+              </a:lnSpc>
+            </a:pPr>
             <a:r>
               <a:rPr b="0" lang="en-US" sz="1800" spc="-1" strike="noStrike">
                 <a:solidFill>
@@ -10281,6 +16345,11 @@
             </a:endParaRPr>
           </a:p>
           <a:p>
+            <a:pPr>
+              <a:lnSpc>
+                <a:spcPct val="100000"/>
+              </a:lnSpc>
+            </a:pPr>
             <a:r>
               <a:rPr b="0" lang="en-US" sz="1800" spc="-1" strike="noStrike">
                 <a:solidFill>
@@ -10309,6 +16378,11 @@
             </a:endParaRPr>
           </a:p>
           <a:p>
+            <a:pPr>
+              <a:lnSpc>
+                <a:spcPct val="100000"/>
+              </a:lnSpc>
+            </a:pPr>
             <a:endParaRPr b="0" lang="en-US" sz="1800" spc="-1" strike="noStrike">
               <a:solidFill>
                 <a:srgbClr val="000000"/>
@@ -10374,14 +16448,14 @@
       </p:grpSpPr>
       <p:sp>
         <p:nvSpPr>
-          <p:cNvPr id="132" name="CustomShape 1"/>
+          <p:cNvPr id="246" name="CustomShape 1"/>
           <p:cNvSpPr/>
           <p:nvPr/>
         </p:nvSpPr>
         <p:spPr>
           <a:xfrm>
             <a:off x="504000" y="301320"/>
-            <a:ext cx="9070920" cy="1261440"/>
+            <a:ext cx="9070200" cy="1260720"/>
           </a:xfrm>
           <a:prstGeom prst="rect">
             <a:avLst/>
@@ -10436,14 +16510,14 @@
       </p:sp>
       <p:sp>
         <p:nvSpPr>
-          <p:cNvPr id="133" name="CustomShape 2"/>
+          <p:cNvPr id="247" name="CustomShape 2"/>
           <p:cNvSpPr/>
           <p:nvPr/>
         </p:nvSpPr>
         <p:spPr>
           <a:xfrm>
             <a:off x="822960" y="6309360"/>
-            <a:ext cx="180000" cy="354960"/>
+            <a:ext cx="179280" cy="354240"/>
           </a:xfrm>
           <a:prstGeom prst="rect">
             <a:avLst/>
@@ -10462,14 +16536,14 @@
       </p:sp>
       <p:sp>
         <p:nvSpPr>
-          <p:cNvPr id="134" name="CustomShape 3"/>
+          <p:cNvPr id="248" name="CustomShape 3"/>
           <p:cNvSpPr/>
           <p:nvPr/>
         </p:nvSpPr>
         <p:spPr>
           <a:xfrm>
             <a:off x="4937760" y="7863840"/>
-            <a:ext cx="180000" cy="354960"/>
+            <a:ext cx="179280" cy="354240"/>
           </a:xfrm>
           <a:prstGeom prst="rect">
             <a:avLst/>
@@ -10488,14 +16562,14 @@
       </p:sp>
       <p:sp>
         <p:nvSpPr>
-          <p:cNvPr id="135" name="CustomShape 4"/>
+          <p:cNvPr id="249" name="CustomShape 4"/>
           <p:cNvSpPr/>
           <p:nvPr/>
         </p:nvSpPr>
         <p:spPr>
           <a:xfrm>
             <a:off x="822960" y="6309360"/>
-            <a:ext cx="8411760" cy="620280"/>
+            <a:ext cx="8411040" cy="619560"/>
           </a:xfrm>
           <a:prstGeom prst="rect">
             <a:avLst/>
@@ -10514,7 +16588,11 @@
         <p:txBody>
           <a:bodyPr lIns="90000" rIns="90000" tIns="45000" bIns="45000"/>
           <a:p>
-            <a:pPr algn="r"/>
+            <a:pPr algn="r">
+              <a:lnSpc>
+                <a:spcPct val="100000"/>
+              </a:lnSpc>
+            </a:pPr>
             <a:r>
               <a:rPr b="0" lang="en-US" sz="1800" spc="-1" strike="noStrike">
                 <a:solidFill>
@@ -10543,6 +16621,11 @@
             </a:endParaRPr>
           </a:p>
           <a:p>
+            <a:pPr>
+              <a:lnSpc>
+                <a:spcPct val="100000"/>
+              </a:lnSpc>
+            </a:pPr>
             <a:r>
               <a:rPr b="0" lang="en-US" sz="1800" spc="-1" strike="noStrike">
                 <a:solidFill>
@@ -10571,6 +16654,11 @@
             </a:endParaRPr>
           </a:p>
           <a:p>
+            <a:pPr>
+              <a:lnSpc>
+                <a:spcPct val="100000"/>
+              </a:lnSpc>
+            </a:pPr>
             <a:r>
               <a:rPr b="0" lang="en-US" sz="1800" spc="-1" strike="noStrike">
                 <a:solidFill>
@@ -10602,7 +16690,7 @@
       </p:sp>
       <p:pic>
         <p:nvPicPr>
-          <p:cNvPr id="136" name="" descr=""/>
+          <p:cNvPr id="250" name="" descr=""/>
           <p:cNvPicPr/>
           <p:nvPr/>
         </p:nvPicPr>
@@ -10613,7 +16701,7 @@
         <p:spPr>
           <a:xfrm>
             <a:off x="1262520" y="1768680"/>
-            <a:ext cx="7553160" cy="4383720"/>
+            <a:ext cx="7552440" cy="4383000"/>
           </a:xfrm>
           <a:prstGeom prst="rect">
             <a:avLst/>
@@ -10674,14 +16762,14 @@
       </p:grpSpPr>
       <p:sp>
         <p:nvSpPr>
-          <p:cNvPr id="137" name="CustomShape 1"/>
+          <p:cNvPr id="251" name="CustomShape 1"/>
           <p:cNvSpPr/>
           <p:nvPr/>
         </p:nvSpPr>
         <p:spPr>
           <a:xfrm>
             <a:off x="504000" y="301320"/>
-            <a:ext cx="9070920" cy="1261440"/>
+            <a:ext cx="9070200" cy="1260720"/>
           </a:xfrm>
           <a:prstGeom prst="rect">
             <a:avLst/>
@@ -10736,7 +16824,7 @@
       </p:sp>
       <p:pic>
         <p:nvPicPr>
-          <p:cNvPr id="138" name="" descr=""/>
+          <p:cNvPr id="252" name="" descr=""/>
           <p:cNvPicPr/>
           <p:nvPr/>
         </p:nvPicPr>
@@ -10747,7 +16835,7 @@
         <p:spPr>
           <a:xfrm>
             <a:off x="1262160" y="1768680"/>
-            <a:ext cx="7553160" cy="4383360"/>
+            <a:ext cx="7552440" cy="4382640"/>
           </a:xfrm>
           <a:prstGeom prst="rect">
             <a:avLst/>
@@ -10759,14 +16847,14 @@
       </p:pic>
       <p:sp>
         <p:nvSpPr>
-          <p:cNvPr id="139" name="CustomShape 2"/>
+          <p:cNvPr id="253" name="CustomShape 2"/>
           <p:cNvSpPr/>
           <p:nvPr/>
         </p:nvSpPr>
         <p:spPr>
           <a:xfrm>
             <a:off x="822960" y="6309360"/>
-            <a:ext cx="180000" cy="354960"/>
+            <a:ext cx="179280" cy="354240"/>
           </a:xfrm>
           <a:prstGeom prst="rect">
             <a:avLst/>
@@ -10785,14 +16873,14 @@
       </p:sp>
       <p:sp>
         <p:nvSpPr>
-          <p:cNvPr id="140" name="CustomShape 3"/>
+          <p:cNvPr id="254" name="CustomShape 3"/>
           <p:cNvSpPr/>
           <p:nvPr/>
         </p:nvSpPr>
         <p:spPr>
           <a:xfrm>
             <a:off x="4937760" y="7863840"/>
-            <a:ext cx="180000" cy="354960"/>
+            <a:ext cx="179280" cy="354240"/>
           </a:xfrm>
           <a:prstGeom prst="rect">
             <a:avLst/>
@@ -10811,14 +16899,14 @@
       </p:sp>
       <p:sp>
         <p:nvSpPr>
-          <p:cNvPr id="141" name="CustomShape 4"/>
+          <p:cNvPr id="255" name="CustomShape 4"/>
           <p:cNvSpPr/>
           <p:nvPr/>
         </p:nvSpPr>
         <p:spPr>
           <a:xfrm>
             <a:off x="822960" y="6309360"/>
-            <a:ext cx="8411760" cy="620280"/>
+            <a:ext cx="8411040" cy="619560"/>
           </a:xfrm>
           <a:prstGeom prst="rect">
             <a:avLst/>
@@ -10837,7 +16925,11 @@
         <p:txBody>
           <a:bodyPr lIns="90000" rIns="90000" tIns="45000" bIns="45000"/>
           <a:p>
-            <a:pPr algn="r"/>
+            <a:pPr algn="r">
+              <a:lnSpc>
+                <a:spcPct val="100000"/>
+              </a:lnSpc>
+            </a:pPr>
             <a:r>
               <a:rPr b="0" lang="en-US" sz="1800" spc="-1" strike="noStrike">
                 <a:solidFill>
@@ -10866,6 +16958,11 @@
             </a:endParaRPr>
           </a:p>
           <a:p>
+            <a:pPr>
+              <a:lnSpc>
+                <a:spcPct val="100000"/>
+              </a:lnSpc>
+            </a:pPr>
             <a:r>
               <a:rPr b="0" lang="en-US" sz="1800" spc="-1" strike="noStrike">
                 <a:solidFill>
@@ -10894,6 +16991,11 @@
             </a:endParaRPr>
           </a:p>
           <a:p>
+            <a:pPr>
+              <a:lnSpc>
+                <a:spcPct val="100000"/>
+              </a:lnSpc>
+            </a:pPr>
             <a:r>
               <a:rPr b="0" lang="en-US" sz="1800" spc="-1" strike="noStrike">
                 <a:solidFill>
@@ -10974,14 +17076,14 @@
       </p:grpSpPr>
       <p:sp>
         <p:nvSpPr>
-          <p:cNvPr id="142" name="CustomShape 1"/>
+          <p:cNvPr id="256" name="CustomShape 1"/>
           <p:cNvSpPr/>
           <p:nvPr/>
         </p:nvSpPr>
         <p:spPr>
           <a:xfrm>
             <a:off x="504000" y="283320"/>
-            <a:ext cx="9070920" cy="1297800"/>
+            <a:ext cx="9070200" cy="1297080"/>
           </a:xfrm>
           <a:prstGeom prst="rect">
             <a:avLst/>
@@ -11036,14 +17138,14 @@
       </p:sp>
       <p:sp>
         <p:nvSpPr>
-          <p:cNvPr id="143" name="CustomShape 2"/>
+          <p:cNvPr id="257" name="CustomShape 2"/>
           <p:cNvSpPr/>
           <p:nvPr/>
         </p:nvSpPr>
         <p:spPr>
           <a:xfrm>
             <a:off x="822960" y="6309360"/>
-            <a:ext cx="180000" cy="354960"/>
+            <a:ext cx="179280" cy="354240"/>
           </a:xfrm>
           <a:prstGeom prst="rect">
             <a:avLst/>
@@ -11062,14 +17164,14 @@
       </p:sp>
       <p:sp>
         <p:nvSpPr>
-          <p:cNvPr id="144" name="CustomShape 3"/>
+          <p:cNvPr id="258" name="CustomShape 3"/>
           <p:cNvSpPr/>
           <p:nvPr/>
         </p:nvSpPr>
         <p:spPr>
           <a:xfrm>
             <a:off x="4937760" y="7863840"/>
-            <a:ext cx="180000" cy="354960"/>
+            <a:ext cx="179280" cy="354240"/>
           </a:xfrm>
           <a:prstGeom prst="rect">
             <a:avLst/>
@@ -11088,7 +17190,7 @@
       </p:sp>
       <p:pic>
         <p:nvPicPr>
-          <p:cNvPr id="145" name="" descr=""/>
+          <p:cNvPr id="259" name="" descr=""/>
           <p:cNvPicPr/>
           <p:nvPr/>
         </p:nvPicPr>
@@ -11099,7 +17201,7 @@
         <p:spPr>
           <a:xfrm>
             <a:off x="1263240" y="1768680"/>
-            <a:ext cx="7553160" cy="4384080"/>
+            <a:ext cx="7552440" cy="4383360"/>
           </a:xfrm>
           <a:prstGeom prst="rect">
             <a:avLst/>
@@ -11808,4 +17910,673 @@
     </a:fmtScheme>
   </a:themeElements>
 </a:theme>
+</file>
+
+<file path=ppt/theme/theme4.xml><?xml version="1.0" encoding="utf-8"?>
+<a:theme xmlns:a="http://schemas.openxmlformats.org/drawingml/2006/main" name="Office Theme">
+  <a:themeElements>
+    <a:clrScheme name="Office">
+      <a:dk1>
+        <a:sysClr val="windowText" lastClr="000000"/>
+      </a:dk1>
+      <a:lt1>
+        <a:sysClr val="window" lastClr="FFFFFF"/>
+      </a:lt1>
+      <a:dk2>
+        <a:srgbClr val="1F497D"/>
+      </a:dk2>
+      <a:lt2>
+        <a:srgbClr val="EEECE1"/>
+      </a:lt2>
+      <a:accent1>
+        <a:srgbClr val="4F81BD"/>
+      </a:accent1>
+      <a:accent2>
+        <a:srgbClr val="C0504D"/>
+      </a:accent2>
+      <a:accent3>
+        <a:srgbClr val="9BBB59"/>
+      </a:accent3>
+      <a:accent4>
+        <a:srgbClr val="8064A2"/>
+      </a:accent4>
+      <a:accent5>
+        <a:srgbClr val="4BACC6"/>
+      </a:accent5>
+      <a:accent6>
+        <a:srgbClr val="F79646"/>
+      </a:accent6>
+      <a:hlink>
+        <a:srgbClr val="0000FF"/>
+      </a:hlink>
+      <a:folHlink>
+        <a:srgbClr val="800080"/>
+      </a:folHlink>
+    </a:clrScheme>
+    <a:fontScheme name="Office">
+      <a:majorFont>
+        <a:latin typeface="Arial"/>
+        <a:ea typeface="DejaVu Sans"/>
+        <a:cs typeface="DejaVu Sans"/>
+      </a:majorFont>
+      <a:minorFont>
+        <a:latin typeface="Arial"/>
+        <a:ea typeface="DejaVu Sans"/>
+        <a:cs typeface="DejaVu Sans"/>
+      </a:minorFont>
+    </a:fontScheme>
+    <a:fmtScheme name="Office">
+      <a:fillStyleLst>
+        <a:solidFill>
+          <a:schemeClr val="phClr"/>
+        </a:solidFill>
+        <a:gradFill rotWithShape="1">
+          <a:gsLst>
+            <a:gs pos="0">
+              <a:schemeClr val="phClr">
+                <a:tint val="50000"/>
+                <a:satMod val="300000"/>
+              </a:schemeClr>
+            </a:gs>
+            <a:gs pos="35000">
+              <a:schemeClr val="phClr">
+                <a:tint val="37000"/>
+                <a:satMod val="300000"/>
+              </a:schemeClr>
+            </a:gs>
+            <a:gs pos="100000">
+              <a:schemeClr val="phClr">
+                <a:tint val="15000"/>
+                <a:satMod val="350000"/>
+              </a:schemeClr>
+            </a:gs>
+          </a:gsLst>
+          <a:lin ang="16200000" scaled="1"/>
+        </a:gradFill>
+        <a:gradFill rotWithShape="1">
+          <a:gsLst>
+            <a:gs pos="0">
+              <a:schemeClr val="phClr">
+                <a:shade val="51000"/>
+                <a:satMod val="130000"/>
+              </a:schemeClr>
+            </a:gs>
+            <a:gs pos="80000">
+              <a:schemeClr val="phClr">
+                <a:shade val="93000"/>
+                <a:satMod val="130000"/>
+              </a:schemeClr>
+            </a:gs>
+            <a:gs pos="100000">
+              <a:schemeClr val="phClr">
+                <a:shade val="94000"/>
+                <a:satMod val="135000"/>
+              </a:schemeClr>
+            </a:gs>
+          </a:gsLst>
+          <a:lin ang="16200000" scaled="0"/>
+        </a:gradFill>
+      </a:fillStyleLst>
+      <a:lnStyleLst>
+        <a:ln w="9525" cap="flat" cmpd="sng" algn="ctr">
+          <a:solidFill>
+            <a:schemeClr val="phClr">
+              <a:shade val="95000"/>
+              <a:satMod val="105000"/>
+            </a:schemeClr>
+          </a:solidFill>
+          <a:prstDash val="solid"/>
+        </a:ln>
+        <a:ln w="25400" cap="flat" cmpd="sng" algn="ctr">
+          <a:solidFill>
+            <a:schemeClr val="phClr"/>
+          </a:solidFill>
+          <a:prstDash val="solid"/>
+        </a:ln>
+        <a:ln w="38100" cap="flat" cmpd="sng" algn="ctr">
+          <a:solidFill>
+            <a:schemeClr val="phClr"/>
+          </a:solidFill>
+          <a:prstDash val="solid"/>
+        </a:ln>
+      </a:lnStyleLst>
+      <a:effectStyleLst>
+        <a:effectStyle>
+          <a:effectLst>
+            <a:outerShdw blurRad="40000" dist="20000" dir="5400000" rotWithShape="0">
+              <a:srgbClr val="000000">
+                <a:alpha val="38000"/>
+              </a:srgbClr>
+            </a:outerShdw>
+          </a:effectLst>
+        </a:effectStyle>
+        <a:effectStyle>
+          <a:effectLst>
+            <a:outerShdw blurRad="40000" dist="23000" dir="5400000" rotWithShape="0">
+              <a:srgbClr val="000000">
+                <a:alpha val="35000"/>
+              </a:srgbClr>
+            </a:outerShdw>
+          </a:effectLst>
+        </a:effectStyle>
+        <a:effectStyle>
+          <a:effectLst>
+            <a:outerShdw blurRad="40000" dist="23000" dir="5400000" rotWithShape="0">
+              <a:srgbClr val="000000">
+                <a:alpha val="35000"/>
+              </a:srgbClr>
+            </a:outerShdw>
+          </a:effectLst>
+          <a:scene3d>
+            <a:camera prst="orthographicFront">
+              <a:rot lat="0" lon="0" rev="0"/>
+            </a:camera>
+            <a:lightRig rig="threePt" dir="t">
+              <a:rot lat="0" lon="0" rev="1200000"/>
+            </a:lightRig>
+          </a:scene3d>
+          <a:sp3d>
+            <a:bevelT w="63500" h="25400"/>
+          </a:sp3d>
+        </a:effectStyle>
+      </a:effectStyleLst>
+      <a:bgFillStyleLst>
+        <a:solidFill>
+          <a:schemeClr val="phClr"/>
+        </a:solidFill>
+        <a:gradFill rotWithShape="1">
+          <a:gsLst>
+            <a:gs pos="0">
+              <a:schemeClr val="phClr">
+                <a:tint val="40000"/>
+                <a:satMod val="350000"/>
+              </a:schemeClr>
+            </a:gs>
+            <a:gs pos="40000">
+              <a:schemeClr val="phClr">
+                <a:tint val="45000"/>
+                <a:shade val="99000"/>
+                <a:satMod val="350000"/>
+              </a:schemeClr>
+            </a:gs>
+            <a:gs pos="100000">
+              <a:schemeClr val="phClr">
+                <a:shade val="20000"/>
+                <a:satMod val="255000"/>
+              </a:schemeClr>
+            </a:gs>
+          </a:gsLst>
+          <a:path path="circle">
+            <a:fillToRect l="50000" t="-80000" r="50000" b="180000"/>
+          </a:path>
+        </a:gradFill>
+        <a:gradFill rotWithShape="1">
+          <a:gsLst>
+            <a:gs pos="0">
+              <a:schemeClr val="phClr">
+                <a:tint val="80000"/>
+                <a:satMod val="300000"/>
+              </a:schemeClr>
+            </a:gs>
+            <a:gs pos="100000">
+              <a:schemeClr val="phClr">
+                <a:shade val="30000"/>
+                <a:satMod val="200000"/>
+              </a:schemeClr>
+            </a:gs>
+          </a:gsLst>
+          <a:path path="circle">
+            <a:fillToRect l="50000" t="50000" r="50000" b="50000"/>
+          </a:path>
+        </a:gradFill>
+      </a:bgFillStyleLst>
+    </a:fmtScheme>
+  </a:themeElements>
+</a:theme>
+</file>
+
+<file path=ppt/theme/theme5.xml><?xml version="1.0" encoding="utf-8"?>
+<a:theme xmlns:a="http://schemas.openxmlformats.org/drawingml/2006/main" name="Office Theme">
+  <a:themeElements>
+    <a:clrScheme name="Office">
+      <a:dk1>
+        <a:sysClr val="windowText" lastClr="000000"/>
+      </a:dk1>
+      <a:lt1>
+        <a:sysClr val="window" lastClr="FFFFFF"/>
+      </a:lt1>
+      <a:dk2>
+        <a:srgbClr val="1F497D"/>
+      </a:dk2>
+      <a:lt2>
+        <a:srgbClr val="EEECE1"/>
+      </a:lt2>
+      <a:accent1>
+        <a:srgbClr val="4F81BD"/>
+      </a:accent1>
+      <a:accent2>
+        <a:srgbClr val="C0504D"/>
+      </a:accent2>
+      <a:accent3>
+        <a:srgbClr val="9BBB59"/>
+      </a:accent3>
+      <a:accent4>
+        <a:srgbClr val="8064A2"/>
+      </a:accent4>
+      <a:accent5>
+        <a:srgbClr val="4BACC6"/>
+      </a:accent5>
+      <a:accent6>
+        <a:srgbClr val="F79646"/>
+      </a:accent6>
+      <a:hlink>
+        <a:srgbClr val="0000FF"/>
+      </a:hlink>
+      <a:folHlink>
+        <a:srgbClr val="800080"/>
+      </a:folHlink>
+    </a:clrScheme>
+    <a:fontScheme name="Office">
+      <a:majorFont>
+        <a:latin typeface="Arial"/>
+        <a:ea typeface="DejaVu Sans"/>
+        <a:cs typeface="DejaVu Sans"/>
+      </a:majorFont>
+      <a:minorFont>
+        <a:latin typeface="Arial"/>
+        <a:ea typeface="DejaVu Sans"/>
+        <a:cs typeface="DejaVu Sans"/>
+      </a:minorFont>
+    </a:fontScheme>
+    <a:fmtScheme name="Office">
+      <a:fillStyleLst>
+        <a:solidFill>
+          <a:schemeClr val="phClr"/>
+        </a:solidFill>
+        <a:gradFill rotWithShape="1">
+          <a:gsLst>
+            <a:gs pos="0">
+              <a:schemeClr val="phClr">
+                <a:tint val="50000"/>
+                <a:satMod val="300000"/>
+              </a:schemeClr>
+            </a:gs>
+            <a:gs pos="35000">
+              <a:schemeClr val="phClr">
+                <a:tint val="37000"/>
+                <a:satMod val="300000"/>
+              </a:schemeClr>
+            </a:gs>
+            <a:gs pos="100000">
+              <a:schemeClr val="phClr">
+                <a:tint val="15000"/>
+                <a:satMod val="350000"/>
+              </a:schemeClr>
+            </a:gs>
+          </a:gsLst>
+          <a:lin ang="16200000" scaled="1"/>
+        </a:gradFill>
+        <a:gradFill rotWithShape="1">
+          <a:gsLst>
+            <a:gs pos="0">
+              <a:schemeClr val="phClr">
+                <a:shade val="51000"/>
+                <a:satMod val="130000"/>
+              </a:schemeClr>
+            </a:gs>
+            <a:gs pos="80000">
+              <a:schemeClr val="phClr">
+                <a:shade val="93000"/>
+                <a:satMod val="130000"/>
+              </a:schemeClr>
+            </a:gs>
+            <a:gs pos="100000">
+              <a:schemeClr val="phClr">
+                <a:shade val="94000"/>
+                <a:satMod val="135000"/>
+              </a:schemeClr>
+            </a:gs>
+          </a:gsLst>
+          <a:lin ang="16200000" scaled="0"/>
+        </a:gradFill>
+      </a:fillStyleLst>
+      <a:lnStyleLst>
+        <a:ln w="9525" cap="flat" cmpd="sng" algn="ctr">
+          <a:solidFill>
+            <a:schemeClr val="phClr">
+              <a:shade val="95000"/>
+              <a:satMod val="105000"/>
+            </a:schemeClr>
+          </a:solidFill>
+          <a:prstDash val="solid"/>
+        </a:ln>
+        <a:ln w="25400" cap="flat" cmpd="sng" algn="ctr">
+          <a:solidFill>
+            <a:schemeClr val="phClr"/>
+          </a:solidFill>
+          <a:prstDash val="solid"/>
+        </a:ln>
+        <a:ln w="38100" cap="flat" cmpd="sng" algn="ctr">
+          <a:solidFill>
+            <a:schemeClr val="phClr"/>
+          </a:solidFill>
+          <a:prstDash val="solid"/>
+        </a:ln>
+      </a:lnStyleLst>
+      <a:effectStyleLst>
+        <a:effectStyle>
+          <a:effectLst>
+            <a:outerShdw blurRad="40000" dist="20000" dir="5400000" rotWithShape="0">
+              <a:srgbClr val="000000">
+                <a:alpha val="38000"/>
+              </a:srgbClr>
+            </a:outerShdw>
+          </a:effectLst>
+        </a:effectStyle>
+        <a:effectStyle>
+          <a:effectLst>
+            <a:outerShdw blurRad="40000" dist="23000" dir="5400000" rotWithShape="0">
+              <a:srgbClr val="000000">
+                <a:alpha val="35000"/>
+              </a:srgbClr>
+            </a:outerShdw>
+          </a:effectLst>
+        </a:effectStyle>
+        <a:effectStyle>
+          <a:effectLst>
+            <a:outerShdw blurRad="40000" dist="23000" dir="5400000" rotWithShape="0">
+              <a:srgbClr val="000000">
+                <a:alpha val="35000"/>
+              </a:srgbClr>
+            </a:outerShdw>
+          </a:effectLst>
+          <a:scene3d>
+            <a:camera prst="orthographicFront">
+              <a:rot lat="0" lon="0" rev="0"/>
+            </a:camera>
+            <a:lightRig rig="threePt" dir="t">
+              <a:rot lat="0" lon="0" rev="1200000"/>
+            </a:lightRig>
+          </a:scene3d>
+          <a:sp3d>
+            <a:bevelT w="63500" h="25400"/>
+          </a:sp3d>
+        </a:effectStyle>
+      </a:effectStyleLst>
+      <a:bgFillStyleLst>
+        <a:solidFill>
+          <a:schemeClr val="phClr"/>
+        </a:solidFill>
+        <a:gradFill rotWithShape="1">
+          <a:gsLst>
+            <a:gs pos="0">
+              <a:schemeClr val="phClr">
+                <a:tint val="40000"/>
+                <a:satMod val="350000"/>
+              </a:schemeClr>
+            </a:gs>
+            <a:gs pos="40000">
+              <a:schemeClr val="phClr">
+                <a:tint val="45000"/>
+                <a:shade val="99000"/>
+                <a:satMod val="350000"/>
+              </a:schemeClr>
+            </a:gs>
+            <a:gs pos="100000">
+              <a:schemeClr val="phClr">
+                <a:shade val="20000"/>
+                <a:satMod val="255000"/>
+              </a:schemeClr>
+            </a:gs>
+          </a:gsLst>
+          <a:path path="circle">
+            <a:fillToRect l="50000" t="-80000" r="50000" b="180000"/>
+          </a:path>
+        </a:gradFill>
+        <a:gradFill rotWithShape="1">
+          <a:gsLst>
+            <a:gs pos="0">
+              <a:schemeClr val="phClr">
+                <a:tint val="80000"/>
+                <a:satMod val="300000"/>
+              </a:schemeClr>
+            </a:gs>
+            <a:gs pos="100000">
+              <a:schemeClr val="phClr">
+                <a:shade val="30000"/>
+                <a:satMod val="200000"/>
+              </a:schemeClr>
+            </a:gs>
+          </a:gsLst>
+          <a:path path="circle">
+            <a:fillToRect l="50000" t="50000" r="50000" b="50000"/>
+          </a:path>
+        </a:gradFill>
+      </a:bgFillStyleLst>
+    </a:fmtScheme>
+  </a:themeElements>
+</a:theme>
+</file>
+
+<file path=ppt/theme/theme6.xml><?xml version="1.0" encoding="utf-8"?>
+<a:theme xmlns:a="http://schemas.openxmlformats.org/drawingml/2006/main" name="Office Theme">
+  <a:themeElements>
+    <a:clrScheme name="Office">
+      <a:dk1>
+        <a:sysClr val="windowText" lastClr="000000"/>
+      </a:dk1>
+      <a:lt1>
+        <a:sysClr val="window" lastClr="FFFFFF"/>
+      </a:lt1>
+      <a:dk2>
+        <a:srgbClr val="1F497D"/>
+      </a:dk2>
+      <a:lt2>
+        <a:srgbClr val="EEECE1"/>
+      </a:lt2>
+      <a:accent1>
+        <a:srgbClr val="4F81BD"/>
+      </a:accent1>
+      <a:accent2>
+        <a:srgbClr val="C0504D"/>
+      </a:accent2>
+      <a:accent3>
+        <a:srgbClr val="9BBB59"/>
+      </a:accent3>
+      <a:accent4>
+        <a:srgbClr val="8064A2"/>
+      </a:accent4>
+      <a:accent5>
+        <a:srgbClr val="4BACC6"/>
+      </a:accent5>
+      <a:accent6>
+        <a:srgbClr val="F79646"/>
+      </a:accent6>
+      <a:hlink>
+        <a:srgbClr val="0000FF"/>
+      </a:hlink>
+      <a:folHlink>
+        <a:srgbClr val="800080"/>
+      </a:folHlink>
+    </a:clrScheme>
+    <a:fontScheme name="Office">
+      <a:majorFont>
+        <a:latin typeface="Arial"/>
+        <a:ea typeface="DejaVu Sans"/>
+        <a:cs typeface="DejaVu Sans"/>
+      </a:majorFont>
+      <a:minorFont>
+        <a:latin typeface="Arial"/>
+        <a:ea typeface="DejaVu Sans"/>
+        <a:cs typeface="DejaVu Sans"/>
+      </a:minorFont>
+    </a:fontScheme>
+    <a:fmtScheme name="Office">
+      <a:fillStyleLst>
+        <a:solidFill>
+          <a:schemeClr val="phClr"/>
+        </a:solidFill>
+        <a:gradFill rotWithShape="1">
+          <a:gsLst>
+            <a:gs pos="0">
+              <a:schemeClr val="phClr">
+                <a:tint val="50000"/>
+                <a:satMod val="300000"/>
+              </a:schemeClr>
+            </a:gs>
+            <a:gs pos="35000">
+              <a:schemeClr val="phClr">
+                <a:tint val="37000"/>
+                <a:satMod val="300000"/>
+              </a:schemeClr>
+            </a:gs>
+            <a:gs pos="100000">
+              <a:schemeClr val="phClr">
+                <a:tint val="15000"/>
+                <a:satMod val="350000"/>
+              </a:schemeClr>
+            </a:gs>
+          </a:gsLst>
+          <a:lin ang="16200000" scaled="1"/>
+        </a:gradFill>
+        <a:gradFill rotWithShape="1">
+          <a:gsLst>
+            <a:gs pos="0">
+              <a:schemeClr val="phClr">
+                <a:shade val="51000"/>
+                <a:satMod val="130000"/>
+              </a:schemeClr>
+            </a:gs>
+            <a:gs pos="80000">
+              <a:schemeClr val="phClr">
+                <a:shade val="93000"/>
+                <a:satMod val="130000"/>
+              </a:schemeClr>
+            </a:gs>
+            <a:gs pos="100000">
+              <a:schemeClr val="phClr">
+                <a:shade val="94000"/>
+                <a:satMod val="135000"/>
+              </a:schemeClr>
+            </a:gs>
+          </a:gsLst>
+          <a:lin ang="16200000" scaled="0"/>
+        </a:gradFill>
+      </a:fillStyleLst>
+      <a:lnStyleLst>
+        <a:ln w="9525" cap="flat" cmpd="sng" algn="ctr">
+          <a:solidFill>
+            <a:schemeClr val="phClr">
+              <a:shade val="95000"/>
+              <a:satMod val="105000"/>
+            </a:schemeClr>
+          </a:solidFill>
+          <a:prstDash val="solid"/>
+        </a:ln>
+        <a:ln w="25400" cap="flat" cmpd="sng" algn="ctr">
+          <a:solidFill>
+            <a:schemeClr val="phClr"/>
+          </a:solidFill>
+          <a:prstDash val="solid"/>
+        </a:ln>
+        <a:ln w="38100" cap="flat" cmpd="sng" algn="ctr">
+          <a:solidFill>
+            <a:schemeClr val="phClr"/>
+          </a:solidFill>
+          <a:prstDash val="solid"/>
+        </a:ln>
+      </a:lnStyleLst>
+      <a:effectStyleLst>
+        <a:effectStyle>
+          <a:effectLst>
+            <a:outerShdw blurRad="40000" dist="20000" dir="5400000" rotWithShape="0">
+              <a:srgbClr val="000000">
+                <a:alpha val="38000"/>
+              </a:srgbClr>
+            </a:outerShdw>
+          </a:effectLst>
+        </a:effectStyle>
+        <a:effectStyle>
+          <a:effectLst>
+            <a:outerShdw blurRad="40000" dist="23000" dir="5400000" rotWithShape="0">
+              <a:srgbClr val="000000">
+                <a:alpha val="35000"/>
+              </a:srgbClr>
+            </a:outerShdw>
+          </a:effectLst>
+        </a:effectStyle>
+        <a:effectStyle>
+          <a:effectLst>
+            <a:outerShdw blurRad="40000" dist="23000" dir="5400000" rotWithShape="0">
+              <a:srgbClr val="000000">
+                <a:alpha val="35000"/>
+              </a:srgbClr>
+            </a:outerShdw>
+          </a:effectLst>
+          <a:scene3d>
+            <a:camera prst="orthographicFront">
+              <a:rot lat="0" lon="0" rev="0"/>
+            </a:camera>
+            <a:lightRig rig="threePt" dir="t">
+              <a:rot lat="0" lon="0" rev="1200000"/>
+            </a:lightRig>
+          </a:scene3d>
+          <a:sp3d>
+            <a:bevelT w="63500" h="25400"/>
+          </a:sp3d>
+        </a:effectStyle>
+      </a:effectStyleLst>
+      <a:bgFillStyleLst>
+        <a:solidFill>
+          <a:schemeClr val="phClr"/>
+        </a:solidFill>
+        <a:gradFill rotWithShape="1">
+          <a:gsLst>
+            <a:gs pos="0">
+              <a:schemeClr val="phClr">
+                <a:tint val="40000"/>
+                <a:satMod val="350000"/>
+              </a:schemeClr>
+            </a:gs>
+            <a:gs pos="40000">
+              <a:schemeClr val="phClr">
+                <a:tint val="45000"/>
+                <a:shade val="99000"/>
+                <a:satMod val="350000"/>
+              </a:schemeClr>
+            </a:gs>
+            <a:gs pos="100000">
+              <a:schemeClr val="phClr">
+                <a:shade val="20000"/>
+                <a:satMod val="255000"/>
+              </a:schemeClr>
+            </a:gs>
+          </a:gsLst>
+          <a:path path="circle">
+            <a:fillToRect l="50000" t="-80000" r="50000" b="180000"/>
+          </a:path>
+        </a:gradFill>
+        <a:gradFill rotWithShape="1">
+          <a:gsLst>
+            <a:gs pos="0">
+              <a:schemeClr val="phClr">
+                <a:tint val="80000"/>
+                <a:satMod val="300000"/>
+              </a:schemeClr>
+            </a:gs>
+            <a:gs pos="100000">
+              <a:schemeClr val="phClr">
+                <a:shade val="30000"/>
+                <a:satMod val="200000"/>
+              </a:schemeClr>
+            </a:gs>
+          </a:gsLst>
+          <a:path path="circle">
+            <a:fillToRect l="50000" t="50000" r="50000" b="50000"/>
+          </a:path>
+        </a:gradFill>
+      </a:bgFillStyleLst>
+    </a:fmtScheme>
+  </a:themeElements>
+</a:theme>
 </file>